--- a/resource/Java CDI.pptx
+++ b/resource/Java CDI.pptx
@@ -17,8 +17,9 @@
     <p:sldId id="264" r:id="rId11"/>
     <p:sldId id="267" r:id="rId12"/>
     <p:sldId id="265" r:id="rId13"/>
-    <p:sldId id="266" r:id="rId14"/>
-    <p:sldId id="268" r:id="rId15"/>
+    <p:sldId id="270" r:id="rId14"/>
+    <p:sldId id="266" r:id="rId15"/>
+    <p:sldId id="268" r:id="rId16"/>
   </p:sldIdLst>
   <p:sldSz cx="12192000" cy="6858000"/>
   <p:notesSz cx="6858000" cy="9144000"/>
@@ -293,7 +294,7 @@
           <a:p>
             <a:fld id="{9E016143-E03C-4CFD-AFDC-14E5BDEA754C}" type="datetimeFigureOut">
               <a:rPr lang="en-US" dirty="0"/>
-              <a:t>8/24/2019</a:t>
+              <a:t>9/1/2019</a:t>
             </a:fld>
             <a:endParaRPr lang="en-US" dirty="0"/>
           </a:p>
@@ -517,7 +518,7 @@
           <a:p>
             <a:fld id="{C033E54A-A8CA-48C1-9504-691B58049D29}" type="datetimeFigureOut">
               <a:rPr lang="en-US" dirty="0"/>
-              <a:t>8/24/2019</a:t>
+              <a:t>9/1/2019</a:t>
             </a:fld>
             <a:endParaRPr lang="en-US" dirty="0"/>
           </a:p>
@@ -692,7 +693,7 @@
           <a:p>
             <a:fld id="{B5F6C806-BBF7-471C-9527-881CE2266695}" type="datetimeFigureOut">
               <a:rPr lang="en-US" dirty="0"/>
-              <a:t>8/24/2019</a:t>
+              <a:t>9/1/2019</a:t>
             </a:fld>
             <a:endParaRPr lang="en-US" dirty="0"/>
           </a:p>
@@ -857,7 +858,7 @@
           <a:p>
             <a:fld id="{78C94063-DF36-4330-A365-08DA1FA5B7D6}" type="datetimeFigureOut">
               <a:rPr lang="en-US" dirty="0"/>
-              <a:t>8/24/2019</a:t>
+              <a:t>9/1/2019</a:t>
             </a:fld>
             <a:endParaRPr lang="en-US" dirty="0"/>
           </a:p>
@@ -1106,7 +1107,7 @@
           <a:p>
             <a:fld id="{908A7C6C-0F39-4D70-8E8D-FE5B9C95FA73}" type="datetimeFigureOut">
               <a:rPr lang="en-US" dirty="0"/>
-              <a:t>8/24/2019</a:t>
+              <a:t>9/1/2019</a:t>
             </a:fld>
             <a:endParaRPr lang="en-US" dirty="0"/>
           </a:p>
@@ -1427,7 +1428,7 @@
           <a:p>
             <a:fld id="{DFCFA4AC-08CC-42CE-BD01-C191750A04EC}" type="datetimeFigureOut">
               <a:rPr lang="en-US" dirty="0"/>
-              <a:t>8/24/2019</a:t>
+              <a:t>9/1/2019</a:t>
             </a:fld>
             <a:endParaRPr lang="en-US" dirty="0"/>
           </a:p>
@@ -1873,7 +1874,7 @@
           <a:p>
             <a:fld id="{1BA7A723-92A7-435B-B681-F25B092FEFEB}" type="datetimeFigureOut">
               <a:rPr lang="en-US" dirty="0"/>
-              <a:t>8/24/2019</a:t>
+              <a:t>9/1/2019</a:t>
             </a:fld>
             <a:endParaRPr lang="en-US" dirty="0"/>
           </a:p>
@@ -1986,7 +1987,7 @@
           <a:p>
             <a:fld id="{4F170639-886C-4FCF-9EAB-ABB5DA3F3F4A}" type="datetimeFigureOut">
               <a:rPr lang="en-US" dirty="0"/>
-              <a:t>8/24/2019</a:t>
+              <a:t>9/1/2019</a:t>
             </a:fld>
             <a:endParaRPr lang="en-US" dirty="0"/>
           </a:p>
@@ -2076,7 +2077,7 @@
           <a:p>
             <a:fld id="{22230651-31F4-45D2-98AE-A2108F41BC07}" type="datetimeFigureOut">
               <a:rPr lang="en-US" dirty="0"/>
-              <a:t>8/24/2019</a:t>
+              <a:t>9/1/2019</a:t>
             </a:fld>
             <a:endParaRPr lang="en-US" dirty="0"/>
           </a:p>
@@ -2358,7 +2359,7 @@
           <a:p>
             <a:fld id="{6F53789A-C914-4DB1-8815-80B5EC7335C5}" type="datetimeFigureOut">
               <a:rPr lang="en-US" dirty="0"/>
-              <a:t>8/24/2019</a:t>
+              <a:t>9/1/2019</a:t>
             </a:fld>
             <a:endParaRPr lang="en-US" dirty="0"/>
           </a:p>
@@ -2675,7 +2676,7 @@
           <a:p>
             <a:fld id="{5E6440AA-91A0-436F-8FDB-C0F939DCAE21}" type="datetimeFigureOut">
               <a:rPr lang="en-US" dirty="0"/>
-              <a:t>8/24/2019</a:t>
+              <a:t>9/1/2019</a:t>
             </a:fld>
             <a:endParaRPr lang="en-US" dirty="0"/>
           </a:p>
@@ -2924,7 +2925,7 @@
           <a:p>
             <a:fld id="{0E59FD0C-5451-4CA0-86AF-E70AE3279989}" type="datetimeFigureOut">
               <a:rPr lang="en-US" dirty="0"/>
-              <a:t>8/24/2019</a:t>
+              <a:t>9/1/2019</a:t>
             </a:fld>
             <a:endParaRPr lang="en-US" dirty="0"/>
           </a:p>
@@ -3848,7 +3849,43 @@
           <a:bodyPr/>
           <a:lstStyle/>
           <a:p>
-            <a:endParaRPr lang="pt-BR"/>
+            <a:r>
+              <a:rPr lang="pt-BR" dirty="0"/>
+              <a:t>Refere-se a separação de Conceitos: o que é o principal e o secundário?</a:t>
+            </a:r>
+          </a:p>
+          <a:p>
+            <a:r>
+              <a:rPr lang="pt-BR" dirty="0"/>
+              <a:t>O Código será para o que é principal: A lógica de Negócios</a:t>
+            </a:r>
+          </a:p>
+          <a:p>
+            <a:r>
+              <a:rPr lang="pt-BR" dirty="0"/>
+              <a:t>Os aspectos do código serão definidos “fora” do código</a:t>
+            </a:r>
+          </a:p>
+          <a:p>
+            <a:pPr lvl="1"/>
+            <a:r>
+              <a:rPr lang="pt-BR" dirty="0"/>
+              <a:t>Transações</a:t>
+            </a:r>
+          </a:p>
+          <a:p>
+            <a:pPr lvl="1"/>
+            <a:r>
+              <a:rPr lang="pt-BR" dirty="0"/>
+              <a:t>Log</a:t>
+            </a:r>
+          </a:p>
+          <a:p>
+            <a:pPr lvl="1"/>
+            <a:r>
+              <a:rPr lang="pt-BR" dirty="0"/>
+              <a:t>Etc...</a:t>
+            </a:r>
           </a:p>
         </p:txBody>
       </p:sp>
@@ -3904,18 +3941,9 @@
           <a:lstStyle/>
           <a:p>
             <a:r>
-              <a:rPr lang="pt-BR" dirty="0" err="1"/>
-              <a:t>Managed</a:t>
-            </a:r>
-            <a:r>
-              <a:rPr lang="pt-BR" dirty="0"/>
-              <a:t> </a:t>
-            </a:r>
-            <a:r>
-              <a:rPr lang="pt-BR" dirty="0" err="1"/>
-              <a:t>Beans</a:t>
-            </a:r>
-            <a:endParaRPr lang="pt-BR" dirty="0"/>
+              <a:rPr lang="pt-BR" dirty="0"/>
+              <a:t>EJB</a:t>
+            </a:r>
           </a:p>
         </p:txBody>
       </p:sp>
@@ -3942,36 +3970,60 @@
           <a:p>
             <a:r>
               <a:rPr lang="pt-BR" dirty="0"/>
-              <a:t>Em Jakarta EE, qualquer classe Java pode ser um </a:t>
-            </a:r>
-            <a:r>
-              <a:rPr lang="pt-BR" dirty="0" err="1"/>
-              <a:t>Bean</a:t>
-            </a:r>
+              <a:t>É uma especificação muito mais complexa que o CDI</a:t>
+            </a:r>
+          </a:p>
+          <a:p>
+            <a:r>
+              <a:rPr lang="en-US" dirty="0"/>
+              <a:t>EJB </a:t>
+            </a:r>
+            <a:r>
+              <a:rPr lang="en-US" dirty="0" err="1"/>
+              <a:t>pode</a:t>
+            </a:r>
+            <a:r>
+              <a:rPr lang="en-US" dirty="0"/>
+              <a:t> ser:</a:t>
+            </a:r>
+          </a:p>
+          <a:p>
+            <a:pPr lvl="1"/>
+            <a:r>
+              <a:rPr lang="en-US" dirty="0"/>
+              <a:t>Transactional </a:t>
+            </a:r>
+          </a:p>
+          <a:p>
+            <a:pPr lvl="1"/>
+            <a:r>
+              <a:rPr lang="en-US" dirty="0"/>
+              <a:t>Remote or local </a:t>
+            </a:r>
+          </a:p>
+          <a:p>
+            <a:pPr lvl="1"/>
+            <a:r>
+              <a:rPr lang="en-US" dirty="0"/>
+              <a:t>Able to passivate stateful beans freeing up resources</a:t>
+            </a:r>
+          </a:p>
+          <a:p>
+            <a:pPr lvl="1"/>
+            <a:r>
+              <a:rPr lang="en-US" dirty="0"/>
+              <a:t>Able to make use of timers</a:t>
+            </a:r>
+          </a:p>
+          <a:p>
+            <a:pPr lvl="1"/>
+            <a:r>
+              <a:rPr lang="en-US" dirty="0"/>
+              <a:t>Can be asynchronous</a:t>
+            </a:r>
+          </a:p>
+          <a:p>
             <a:endParaRPr lang="pt-BR" dirty="0"/>
-          </a:p>
-          <a:p>
-            <a:r>
-              <a:rPr lang="pt-BR" dirty="0"/>
-              <a:t>O gerenciamento dos </a:t>
-            </a:r>
-            <a:r>
-              <a:rPr lang="pt-BR" dirty="0" err="1"/>
-              <a:t>Beans</a:t>
-            </a:r>
-            <a:r>
-              <a:rPr lang="pt-BR" dirty="0"/>
-              <a:t> é delegado ao Contêiner</a:t>
-            </a:r>
-          </a:p>
-          <a:p>
-            <a:endParaRPr lang="pt-BR" dirty="0"/>
-          </a:p>
-          <a:p>
-            <a:r>
-              <a:rPr lang="pt-BR" dirty="0"/>
-              <a:t>TODO: Definir diferença entre EJB e CDI</a:t>
-            </a:r>
           </a:p>
         </p:txBody>
       </p:sp>
@@ -4054,7 +4106,10 @@
           <a:bodyPr/>
           <a:lstStyle/>
           <a:p>
-            <a:endParaRPr lang="pt-BR"/>
+            <a:r>
+              <a:rPr lang="pt-BR" dirty="0"/>
+              <a:t>Explicação por usos...</a:t>
+            </a:r>
           </a:p>
         </p:txBody>
       </p:sp>
@@ -4093,7 +4148,7 @@
           <p:cNvPr id="2" name="Título 1">
             <a:extLst>
               <a:ext uri="{FF2B5EF4-FFF2-40B4-BE49-F238E27FC236}">
-                <a16:creationId xmlns:a16="http://schemas.microsoft.com/office/drawing/2014/main" id="{50737019-4EBB-4073-8FAC-3C2E9DE815EF}"/>
+                <a16:creationId xmlns:a16="http://schemas.microsoft.com/office/drawing/2014/main" id="{7977B1A6-F5FB-4964-A90C-72A4585E43D5}"/>
               </a:ext>
             </a:extLst>
           </p:cNvPr>
@@ -4111,7 +4166,7 @@
           <a:p>
             <a:r>
               <a:rPr lang="pt-BR" dirty="0"/>
-              <a:t>Instanciação</a:t>
+              <a:t>Criando um Projeto CDI</a:t>
             </a:r>
           </a:p>
         </p:txBody>
@@ -4121,7 +4176,7 @@
           <p:cNvPr id="3" name="Espaço Reservado para Conteúdo 2">
             <a:extLst>
               <a:ext uri="{FF2B5EF4-FFF2-40B4-BE49-F238E27FC236}">
-                <a16:creationId xmlns:a16="http://schemas.microsoft.com/office/drawing/2014/main" id="{88587DA7-0EA6-4435-B873-052E7BF1FC75}"/>
+                <a16:creationId xmlns:a16="http://schemas.microsoft.com/office/drawing/2014/main" id="{FD843957-D9FB-45F3-85BB-AA7436D0E337}"/>
               </a:ext>
             </a:extLst>
           </p:cNvPr>
@@ -4132,41 +4187,176 @@
             <p:ph idx="1"/>
           </p:nvPr>
         </p:nvSpPr>
-        <p:spPr/>
-        <p:txBody>
-          <a:bodyPr/>
-          <a:lstStyle/>
-          <a:p>
-            <a:r>
-              <a:rPr lang="pt-BR" dirty="0"/>
-              <a:t>Qualquer </a:t>
+        <p:spPr>
+          <a:xfrm>
+            <a:off x="1261872" y="1828800"/>
+            <a:ext cx="8595360" cy="4351337"/>
+          </a:xfrm>
+        </p:spPr>
+        <p:txBody>
+          <a:bodyPr/>
+          <a:lstStyle/>
+          <a:p>
+            <a:r>
+              <a:rPr lang="pt-BR" dirty="0"/>
+              <a:t>Use um starter: </a:t>
+            </a:r>
+            <a:r>
+              <a:rPr lang="pt-BR" dirty="0">
+                <a:hlinkClick r:id="rId3"/>
+              </a:rPr>
+              <a:t>https://start.microprofile.io/</a:t>
+            </a:r>
+            <a:endParaRPr lang="pt-BR" dirty="0"/>
+          </a:p>
+          <a:p>
+            <a:r>
+              <a:rPr lang="pt-BR" dirty="0"/>
+              <a:t>Adicionar o arquivo </a:t>
+            </a:r>
+            <a:r>
+              <a:rPr lang="pt-BR" dirty="0" err="1">
+                <a:solidFill>
+                  <a:srgbClr val="002060"/>
+                </a:solidFill>
+                <a:latin typeface="Courier New" panose="02070309020205020404" pitchFamily="49" charset="0"/>
+                <a:cs typeface="Courier New" panose="02070309020205020404" pitchFamily="49" charset="0"/>
+              </a:rPr>
+              <a:t>src</a:t>
+            </a:r>
+            <a:r>
+              <a:rPr lang="pt-BR" dirty="0">
+                <a:solidFill>
+                  <a:srgbClr val="002060"/>
+                </a:solidFill>
+                <a:latin typeface="Courier New" panose="02070309020205020404" pitchFamily="49" charset="0"/>
+                <a:cs typeface="Courier New" panose="02070309020205020404" pitchFamily="49" charset="0"/>
+              </a:rPr>
+              <a:t>/</a:t>
+            </a:r>
+            <a:r>
+              <a:rPr lang="pt-BR" dirty="0" err="1">
+                <a:solidFill>
+                  <a:srgbClr val="002060"/>
+                </a:solidFill>
+                <a:latin typeface="Courier New" panose="02070309020205020404" pitchFamily="49" charset="0"/>
+                <a:cs typeface="Courier New" panose="02070309020205020404" pitchFamily="49" charset="0"/>
+              </a:rPr>
+              <a:t>main</a:t>
+            </a:r>
+            <a:r>
+              <a:rPr lang="pt-BR" dirty="0">
+                <a:solidFill>
+                  <a:srgbClr val="002060"/>
+                </a:solidFill>
+                <a:latin typeface="Courier New" panose="02070309020205020404" pitchFamily="49" charset="0"/>
+                <a:cs typeface="Courier New" panose="02070309020205020404" pitchFamily="49" charset="0"/>
+              </a:rPr>
+              <a:t>/</a:t>
+            </a:r>
+            <a:r>
+              <a:rPr lang="pt-BR" dirty="0" err="1">
+                <a:solidFill>
+                  <a:srgbClr val="002060"/>
+                </a:solidFill>
+                <a:latin typeface="Courier New" panose="02070309020205020404" pitchFamily="49" charset="0"/>
+                <a:cs typeface="Courier New" panose="02070309020205020404" pitchFamily="49" charset="0"/>
+              </a:rPr>
+              <a:t>resources</a:t>
+            </a:r>
+            <a:r>
+              <a:rPr lang="pt-BR" dirty="0">
+                <a:solidFill>
+                  <a:srgbClr val="002060"/>
+                </a:solidFill>
+                <a:latin typeface="Courier New" panose="02070309020205020404" pitchFamily="49" charset="0"/>
+                <a:cs typeface="Courier New" panose="02070309020205020404" pitchFamily="49" charset="0"/>
+              </a:rPr>
+              <a:t>/META-INF/beans.xml </a:t>
+            </a:r>
+            <a:r>
+              <a:rPr lang="pt-BR" dirty="0"/>
+              <a:t>ao projeto </a:t>
             </a:r>
             <a:r>
               <a:rPr lang="pt-BR" dirty="0" err="1"/>
-              <a:t>Bean</a:t>
-            </a:r>
-            <a:r>
-              <a:rPr lang="pt-BR" dirty="0"/>
-              <a:t> pode ser Injetado em outro </a:t>
-            </a:r>
-            <a:r>
-              <a:rPr lang="pt-BR" dirty="0" err="1"/>
-              <a:t>Bean</a:t>
+              <a:t>Maven</a:t>
             </a:r>
             <a:endParaRPr lang="pt-BR" dirty="0"/>
           </a:p>
           <a:p>
+            <a:pPr lvl="1"/>
             <a:endParaRPr lang="pt-BR" dirty="0"/>
           </a:p>
-          <a:p>
-            <a:endParaRPr lang="pt-BR" dirty="0"/>
-          </a:p>
-        </p:txBody>
-      </p:sp>
+        </p:txBody>
+      </p:sp>
+      <p:graphicFrame>
+        <p:nvGraphicFramePr>
+          <p:cNvPr id="4" name="Objeto 3">
+            <a:extLst>
+              <a:ext uri="{FF2B5EF4-FFF2-40B4-BE49-F238E27FC236}">
+                <a16:creationId xmlns:a16="http://schemas.microsoft.com/office/drawing/2014/main" id="{A86E8233-8D23-44F5-A5E5-AACF605F2C37}"/>
+              </a:ext>
+            </a:extLst>
+          </p:cNvPr>
+          <p:cNvGraphicFramePr>
+            <a:graphicFrameLocks noChangeAspect="1"/>
+          </p:cNvGraphicFramePr>
+          <p:nvPr>
+            <p:extLst>
+              <p:ext uri="{D42A27DB-BD31-4B8C-83A1-F6EECF244321}">
+                <p14:modId xmlns:p14="http://schemas.microsoft.com/office/powerpoint/2010/main" val="1952774157"/>
+              </p:ext>
+            </p:extLst>
+          </p:nvPr>
+        </p:nvGraphicFramePr>
+        <p:xfrm>
+          <a:off x="1261872" y="3049646"/>
+          <a:ext cx="9667875" cy="1322387"/>
+        </p:xfrm>
+        <a:graphic>
+          <a:graphicData uri="http://schemas.openxmlformats.org/presentationml/2006/ole">
+            <mc:AlternateContent xmlns:mc="http://schemas.openxmlformats.org/markup-compatibility/2006">
+              <mc:Choice xmlns:v="urn:schemas-microsoft-com:vml" Requires="v">
+                <p:oleObj spid="_x0000_s1029" name="Document" r:id="rId4" imgW="8557061" imgH="1180440" progId="Word.Document.12">
+                  <p:embed/>
+                </p:oleObj>
+              </mc:Choice>
+              <mc:Fallback>
+                <p:oleObj name="Document" r:id="rId4" imgW="8557061" imgH="1180440" progId="Word.Document.12">
+                  <p:embed/>
+                  <p:pic>
+                    <p:nvPicPr>
+                      <p:cNvPr id="0" name=""/>
+                      <p:cNvPicPr/>
+                      <p:nvPr/>
+                    </p:nvPicPr>
+                    <p:blipFill>
+                      <a:blip r:embed="rId5"/>
+                      <a:stretch>
+                        <a:fillRect/>
+                      </a:stretch>
+                    </p:blipFill>
+                    <p:spPr>
+                      <a:xfrm>
+                        <a:off x="1261872" y="3049646"/>
+                        <a:ext cx="9667875" cy="1322387"/>
+                      </a:xfrm>
+                      <a:prstGeom prst="rect">
+                        <a:avLst/>
+                      </a:prstGeom>
+                    </p:spPr>
+                  </p:pic>
+                </p:oleObj>
+              </mc:Fallback>
+            </mc:AlternateContent>
+          </a:graphicData>
+        </a:graphic>
+      </p:graphicFrame>
     </p:spTree>
     <p:extLst>
       <p:ext uri="{BB962C8B-B14F-4D97-AF65-F5344CB8AC3E}">
-        <p14:creationId xmlns:p14="http://schemas.microsoft.com/office/powerpoint/2010/main" val="3701973308"/>
+        <p14:creationId xmlns:p14="http://schemas.microsoft.com/office/powerpoint/2010/main" val="1757964479"/>
       </p:ext>
     </p:extLst>
   </p:cSld>
@@ -4198,6 +4388,339 @@
           <p:cNvPr id="2" name="Título 1">
             <a:extLst>
               <a:ext uri="{FF2B5EF4-FFF2-40B4-BE49-F238E27FC236}">
+                <a16:creationId xmlns:a16="http://schemas.microsoft.com/office/drawing/2014/main" id="{50737019-4EBB-4073-8FAC-3C2E9DE815EF}"/>
+              </a:ext>
+            </a:extLst>
+          </p:cNvPr>
+          <p:cNvSpPr>
+            <a:spLocks noGrp="1"/>
+          </p:cNvSpPr>
+          <p:nvPr>
+            <p:ph type="title"/>
+          </p:nvPr>
+        </p:nvSpPr>
+        <p:spPr/>
+        <p:txBody>
+          <a:bodyPr/>
+          <a:lstStyle/>
+          <a:p>
+            <a:r>
+              <a:rPr lang="pt-BR" dirty="0"/>
+              <a:t>Instanciação</a:t>
+            </a:r>
+          </a:p>
+        </p:txBody>
+      </p:sp>
+      <p:sp>
+        <p:nvSpPr>
+          <p:cNvPr id="3" name="Espaço Reservado para Conteúdo 2">
+            <a:extLst>
+              <a:ext uri="{FF2B5EF4-FFF2-40B4-BE49-F238E27FC236}">
+                <a16:creationId xmlns:a16="http://schemas.microsoft.com/office/drawing/2014/main" id="{88587DA7-0EA6-4435-B873-052E7BF1FC75}"/>
+              </a:ext>
+            </a:extLst>
+          </p:cNvPr>
+          <p:cNvSpPr>
+            <a:spLocks noGrp="1"/>
+          </p:cNvSpPr>
+          <p:nvPr>
+            <p:ph idx="1"/>
+          </p:nvPr>
+        </p:nvSpPr>
+        <p:spPr/>
+        <p:txBody>
+          <a:bodyPr/>
+          <a:lstStyle/>
+          <a:p>
+            <a:r>
+              <a:rPr lang="pt-BR" dirty="0"/>
+              <a:t>Qualquer </a:t>
+            </a:r>
+            <a:r>
+              <a:rPr lang="pt-BR" dirty="0" err="1"/>
+              <a:t>Bean</a:t>
+            </a:r>
+            <a:r>
+              <a:rPr lang="pt-BR" dirty="0"/>
+              <a:t> pode ser Injetado em outro </a:t>
+            </a:r>
+            <a:r>
+              <a:rPr lang="pt-BR" dirty="0" err="1"/>
+              <a:t>Bean</a:t>
+            </a:r>
+            <a:endParaRPr lang="pt-BR" dirty="0"/>
+          </a:p>
+          <a:p>
+            <a:r>
+              <a:rPr lang="pt-BR" dirty="0"/>
+              <a:t>Requisitos</a:t>
+            </a:r>
+          </a:p>
+          <a:p>
+            <a:pPr lvl="1"/>
+            <a:r>
+              <a:rPr lang="pt-BR" dirty="0"/>
+              <a:t>Não é uma </a:t>
+            </a:r>
+            <a:r>
+              <a:rPr lang="pt-BR" dirty="0" err="1"/>
+              <a:t>Inner</a:t>
+            </a:r>
+            <a:r>
+              <a:rPr lang="pt-BR" dirty="0"/>
+              <a:t> </a:t>
+            </a:r>
+            <a:r>
+              <a:rPr lang="pt-BR" dirty="0" err="1"/>
+              <a:t>Class</a:t>
+            </a:r>
+            <a:endParaRPr lang="pt-BR" dirty="0"/>
+          </a:p>
+          <a:p>
+            <a:pPr lvl="1"/>
+            <a:r>
+              <a:rPr lang="pt-BR" dirty="0"/>
+              <a:t>Não é uma Classe </a:t>
+            </a:r>
+            <a:r>
+              <a:rPr lang="pt-BR" dirty="0" err="1"/>
+              <a:t>abstrada</a:t>
+            </a:r>
+            <a:r>
+              <a:rPr lang="pt-BR" dirty="0"/>
+              <a:t> e não possui a </a:t>
+            </a:r>
+            <a:r>
+              <a:rPr lang="pt-BR" dirty="0" err="1"/>
+              <a:t>Annotation</a:t>
+            </a:r>
+            <a:r>
+              <a:rPr lang="pt-BR" dirty="0"/>
+              <a:t> </a:t>
+            </a:r>
+            <a:r>
+              <a:rPr lang="pt-BR" sz="1800" spc="10" dirty="0">
+                <a:solidFill>
+                  <a:srgbClr val="002060"/>
+                </a:solidFill>
+                <a:latin typeface="Courier New" panose="02070309020205020404" pitchFamily="49" charset="0"/>
+                <a:cs typeface="Courier New" panose="02070309020205020404" pitchFamily="49" charset="0"/>
+              </a:rPr>
+              <a:t>@</a:t>
+            </a:r>
+            <a:r>
+              <a:rPr lang="pt-BR" sz="1800" spc="10" dirty="0" err="1">
+                <a:solidFill>
+                  <a:srgbClr val="002060"/>
+                </a:solidFill>
+                <a:latin typeface="Courier New" panose="02070309020205020404" pitchFamily="49" charset="0"/>
+                <a:cs typeface="Courier New" panose="02070309020205020404" pitchFamily="49" charset="0"/>
+              </a:rPr>
+              <a:t>Decorator</a:t>
+            </a:r>
+            <a:endParaRPr lang="pt-BR" sz="1800" spc="10" dirty="0">
+              <a:solidFill>
+                <a:srgbClr val="002060"/>
+              </a:solidFill>
+              <a:latin typeface="Courier New" panose="02070309020205020404" pitchFamily="49" charset="0"/>
+              <a:cs typeface="Courier New" panose="02070309020205020404" pitchFamily="49" charset="0"/>
+            </a:endParaRPr>
+          </a:p>
+          <a:p>
+            <a:pPr lvl="1"/>
+            <a:r>
+              <a:rPr lang="pt-BR" dirty="0"/>
+              <a:t>Não implementa a interface </a:t>
+            </a:r>
+            <a:r>
+              <a:rPr lang="pt-BR" sz="1800" spc="10" dirty="0" err="1">
+                <a:solidFill>
+                  <a:srgbClr val="002060"/>
+                </a:solidFill>
+                <a:latin typeface="Courier New" panose="02070309020205020404" pitchFamily="49" charset="0"/>
+                <a:cs typeface="Courier New" panose="02070309020205020404" pitchFamily="49" charset="0"/>
+              </a:rPr>
+              <a:t>javax.enterprise.inject.spi.Extension</a:t>
+            </a:r>
+            <a:endParaRPr lang="pt-BR" sz="1800" spc="10" dirty="0">
+              <a:solidFill>
+                <a:srgbClr val="002060"/>
+              </a:solidFill>
+              <a:latin typeface="Courier New" panose="02070309020205020404" pitchFamily="49" charset="0"/>
+              <a:cs typeface="Courier New" panose="02070309020205020404" pitchFamily="49" charset="0"/>
+            </a:endParaRPr>
+          </a:p>
+          <a:p>
+            <a:pPr lvl="1"/>
+            <a:r>
+              <a:rPr lang="pt-BR" dirty="0"/>
+              <a:t>Não possui a </a:t>
+            </a:r>
+            <a:r>
+              <a:rPr lang="pt-BR" dirty="0" err="1"/>
+              <a:t>Annotation</a:t>
+            </a:r>
+            <a:r>
+              <a:rPr lang="pt-BR" dirty="0"/>
+              <a:t> </a:t>
+            </a:r>
+            <a:r>
+              <a:rPr lang="pt-BR" sz="1800" spc="10" dirty="0">
+                <a:solidFill>
+                  <a:srgbClr val="002060"/>
+                </a:solidFill>
+                <a:latin typeface="Courier New" panose="02070309020205020404" pitchFamily="49" charset="0"/>
+                <a:cs typeface="Courier New" panose="02070309020205020404" pitchFamily="49" charset="0"/>
+              </a:rPr>
+              <a:t>@</a:t>
+            </a:r>
+            <a:r>
+              <a:rPr lang="pt-BR" sz="1800" spc="10" dirty="0" err="1">
+                <a:solidFill>
+                  <a:srgbClr val="002060"/>
+                </a:solidFill>
+                <a:latin typeface="Courier New" panose="02070309020205020404" pitchFamily="49" charset="0"/>
+                <a:cs typeface="Courier New" panose="02070309020205020404" pitchFamily="49" charset="0"/>
+              </a:rPr>
+              <a:t>Vetoed</a:t>
+            </a:r>
+            <a:r>
+              <a:rPr lang="pt-BR" sz="1800" spc="10" dirty="0">
+                <a:solidFill>
+                  <a:srgbClr val="002060"/>
+                </a:solidFill>
+                <a:latin typeface="Courier New" panose="02070309020205020404" pitchFamily="49" charset="0"/>
+                <a:cs typeface="Courier New" panose="02070309020205020404" pitchFamily="49" charset="0"/>
+              </a:rPr>
+              <a:t> </a:t>
+            </a:r>
+            <a:r>
+              <a:rPr lang="pt-BR" dirty="0"/>
+              <a:t>e nem está em um pacote com </a:t>
+            </a:r>
+            <a:r>
+              <a:rPr lang="pt-BR" sz="1800" spc="10" dirty="0">
+                <a:solidFill>
+                  <a:srgbClr val="002060"/>
+                </a:solidFill>
+                <a:latin typeface="Courier New" panose="02070309020205020404" pitchFamily="49" charset="0"/>
+                <a:cs typeface="Courier New" panose="02070309020205020404" pitchFamily="49" charset="0"/>
+              </a:rPr>
+              <a:t>@</a:t>
+            </a:r>
+            <a:r>
+              <a:rPr lang="pt-BR" sz="1800" spc="10" dirty="0" err="1">
+                <a:solidFill>
+                  <a:srgbClr val="002060"/>
+                </a:solidFill>
+                <a:latin typeface="Courier New" panose="02070309020205020404" pitchFamily="49" charset="0"/>
+                <a:cs typeface="Courier New" panose="02070309020205020404" pitchFamily="49" charset="0"/>
+              </a:rPr>
+              <a:t>Vetoed</a:t>
+            </a:r>
+            <a:endParaRPr lang="pt-BR" sz="1800" spc="10" dirty="0">
+              <a:solidFill>
+                <a:srgbClr val="002060"/>
+              </a:solidFill>
+              <a:latin typeface="Courier New" panose="02070309020205020404" pitchFamily="49" charset="0"/>
+              <a:cs typeface="Courier New" panose="02070309020205020404" pitchFamily="49" charset="0"/>
+            </a:endParaRPr>
+          </a:p>
+          <a:p>
+            <a:pPr lvl="1"/>
+            <a:r>
+              <a:rPr lang="pt-BR" dirty="0"/>
+              <a:t>Tem um construtor apropriado</a:t>
+            </a:r>
+          </a:p>
+          <a:p>
+            <a:pPr lvl="2"/>
+            <a:r>
+              <a:rPr lang="pt-BR" dirty="0"/>
+              <a:t>Um construtor sem parâmetros</a:t>
+            </a:r>
+          </a:p>
+          <a:p>
+            <a:pPr lvl="2"/>
+            <a:r>
+              <a:rPr lang="pt-BR" dirty="0"/>
+              <a:t>Um construtor com parâmetros com </a:t>
+            </a:r>
+            <a:r>
+              <a:rPr lang="pt-BR" sz="1800" spc="10" dirty="0">
+                <a:solidFill>
+                  <a:srgbClr val="002060"/>
+                </a:solidFill>
+                <a:latin typeface="Courier New" panose="02070309020205020404" pitchFamily="49" charset="0"/>
+                <a:cs typeface="Courier New" panose="02070309020205020404" pitchFamily="49" charset="0"/>
+              </a:rPr>
+              <a:t>@</a:t>
+            </a:r>
+            <a:r>
+              <a:rPr lang="pt-BR" sz="1800" spc="10" dirty="0" err="1">
+                <a:solidFill>
+                  <a:srgbClr val="002060"/>
+                </a:solidFill>
+                <a:latin typeface="Courier New" panose="02070309020205020404" pitchFamily="49" charset="0"/>
+                <a:cs typeface="Courier New" panose="02070309020205020404" pitchFamily="49" charset="0"/>
+              </a:rPr>
+              <a:t>Inject</a:t>
+            </a:r>
+            <a:endParaRPr lang="pt-BR" sz="1800" spc="10" dirty="0">
+              <a:solidFill>
+                <a:srgbClr val="002060"/>
+              </a:solidFill>
+              <a:latin typeface="Courier New" panose="02070309020205020404" pitchFamily="49" charset="0"/>
+              <a:cs typeface="Courier New" panose="02070309020205020404" pitchFamily="49" charset="0"/>
+            </a:endParaRPr>
+          </a:p>
+          <a:p>
+            <a:pPr lvl="2"/>
+            <a:endParaRPr lang="pt-BR" dirty="0"/>
+          </a:p>
+          <a:p>
+            <a:endParaRPr lang="pt-BR" dirty="0"/>
+          </a:p>
+          <a:p>
+            <a:endParaRPr lang="pt-BR" dirty="0"/>
+          </a:p>
+        </p:txBody>
+      </p:sp>
+    </p:spTree>
+    <p:extLst>
+      <p:ext uri="{BB962C8B-B14F-4D97-AF65-F5344CB8AC3E}">
+        <p14:creationId xmlns:p14="http://schemas.microsoft.com/office/powerpoint/2010/main" val="3701973308"/>
+      </p:ext>
+    </p:extLst>
+  </p:cSld>
+  <p:clrMapOvr>
+    <a:masterClrMapping/>
+  </p:clrMapOvr>
+</p:sld>
+</file>
+
+<file path=ppt/slides/slide15.xml><?xml version="1.0" encoding="utf-8"?>
+<p:sld xmlns:a="http://schemas.openxmlformats.org/drawingml/2006/main" xmlns:r="http://schemas.openxmlformats.org/officeDocument/2006/relationships" xmlns:p="http://schemas.openxmlformats.org/presentationml/2006/main">
+  <p:cSld>
+    <p:spTree>
+      <p:nvGrpSpPr>
+        <p:cNvPr id="1" name=""/>
+        <p:cNvGrpSpPr/>
+        <p:nvPr/>
+      </p:nvGrpSpPr>
+      <p:grpSpPr>
+        <a:xfrm>
+          <a:off x="0" y="0"/>
+          <a:ext cx="0" cy="0"/>
+          <a:chOff x="0" y="0"/>
+          <a:chExt cx="0" cy="0"/>
+        </a:xfrm>
+      </p:grpSpPr>
+      <p:sp>
+        <p:nvSpPr>
+          <p:cNvPr id="2" name="Título 1">
+            <a:extLst>
+              <a:ext uri="{FF2B5EF4-FFF2-40B4-BE49-F238E27FC236}">
                 <a16:creationId xmlns:a16="http://schemas.microsoft.com/office/drawing/2014/main" id="{1A55C9CE-D52F-48AD-A223-7DFE478323A8}"/>
               </a:ext>
             </a:extLst>
@@ -4242,10 +4765,645 @@
           <a:bodyPr/>
           <a:lstStyle/>
           <a:p>
+            <a:r>
+              <a:rPr lang="pt-BR" dirty="0"/>
+              <a:t>CDI tem suporte a Escopos e Contextos. Ver </a:t>
+            </a:r>
+            <a:r>
+              <a:rPr lang="pt-BR" dirty="0">
+                <a:hlinkClick r:id="rId2"/>
+              </a:rPr>
+              <a:t>Documentação</a:t>
+            </a:r>
             <a:endParaRPr lang="pt-BR" dirty="0"/>
           </a:p>
-        </p:txBody>
-      </p:sp>
+          <a:p>
+            <a:endParaRPr lang="pt-BR" dirty="0"/>
+          </a:p>
+        </p:txBody>
+      </p:sp>
+      <p:graphicFrame>
+        <p:nvGraphicFramePr>
+          <p:cNvPr id="6" name="Tabela 5">
+            <a:extLst>
+              <a:ext uri="{FF2B5EF4-FFF2-40B4-BE49-F238E27FC236}">
+                <a16:creationId xmlns:a16="http://schemas.microsoft.com/office/drawing/2014/main" id="{92DC065B-44A7-4A4D-9FF0-AD9C520F705B}"/>
+              </a:ext>
+            </a:extLst>
+          </p:cNvPr>
+          <p:cNvGraphicFramePr>
+            <a:graphicFrameLocks noGrp="1"/>
+          </p:cNvGraphicFramePr>
+          <p:nvPr>
+            <p:extLst>
+              <p:ext uri="{D42A27DB-BD31-4B8C-83A1-F6EECF244321}">
+                <p14:modId xmlns:p14="http://schemas.microsoft.com/office/powerpoint/2010/main" val="1288481126"/>
+              </p:ext>
+            </p:extLst>
+          </p:nvPr>
+        </p:nvGraphicFramePr>
+        <p:xfrm>
+          <a:off x="1261872" y="2306782"/>
+          <a:ext cx="8900436" cy="4049439"/>
+        </p:xfrm>
+        <a:graphic>
+          <a:graphicData uri="http://schemas.openxmlformats.org/drawingml/2006/table">
+            <a:tbl>
+              <a:tblPr/>
+              <a:tblGrid>
+                <a:gridCol w="2966812">
+                  <a:extLst>
+                    <a:ext uri="{9D8B030D-6E8A-4147-A177-3AD203B41FA5}">
+                      <a16:colId xmlns:a16="http://schemas.microsoft.com/office/drawing/2014/main" val="896552128"/>
+                    </a:ext>
+                  </a:extLst>
+                </a:gridCol>
+                <a:gridCol w="2966812">
+                  <a:extLst>
+                    <a:ext uri="{9D8B030D-6E8A-4147-A177-3AD203B41FA5}">
+                      <a16:colId xmlns:a16="http://schemas.microsoft.com/office/drawing/2014/main" val="2310449617"/>
+                    </a:ext>
+                  </a:extLst>
+                </a:gridCol>
+                <a:gridCol w="2966812">
+                  <a:extLst>
+                    <a:ext uri="{9D8B030D-6E8A-4147-A177-3AD203B41FA5}">
+                      <a16:colId xmlns:a16="http://schemas.microsoft.com/office/drawing/2014/main" val="4281544970"/>
+                    </a:ext>
+                  </a:extLst>
+                </a:gridCol>
+              </a:tblGrid>
+              <a:tr h="172307">
+                <a:tc>
+                  <a:txBody>
+                    <a:bodyPr/>
+                    <a:lstStyle/>
+                    <a:p>
+                      <a:pPr algn="l"/>
+                      <a:r>
+                        <a:rPr lang="pt-BR" sz="1000" dirty="0" err="1"/>
+                        <a:t>Scope</a:t>
+                      </a:r>
+                      <a:endParaRPr lang="pt-BR" sz="1000" dirty="0"/>
+                    </a:p>
+                  </a:txBody>
+                  <a:tcPr marL="42660" marR="42660" marT="21330" marB="21330">
+                    <a:lnL>
+                      <a:noFill/>
+                    </a:lnL>
+                    <a:lnR>
+                      <a:noFill/>
+                    </a:lnR>
+                    <a:lnT>
+                      <a:noFill/>
+                    </a:lnT>
+                    <a:lnB>
+                      <a:noFill/>
+                    </a:lnB>
+                  </a:tcPr>
+                </a:tc>
+                <a:tc>
+                  <a:txBody>
+                    <a:bodyPr/>
+                    <a:lstStyle/>
+                    <a:p>
+                      <a:pPr algn="l"/>
+                      <a:r>
+                        <a:rPr lang="pt-BR" sz="1000" dirty="0" err="1"/>
+                        <a:t>Annotation</a:t>
+                      </a:r>
+                      <a:endParaRPr lang="pt-BR" sz="1000" dirty="0"/>
+                    </a:p>
+                  </a:txBody>
+                  <a:tcPr marL="42660" marR="42660" marT="21330" marB="21330">
+                    <a:lnL>
+                      <a:noFill/>
+                    </a:lnL>
+                    <a:lnR>
+                      <a:noFill/>
+                    </a:lnR>
+                    <a:lnT>
+                      <a:noFill/>
+                    </a:lnT>
+                    <a:lnB>
+                      <a:noFill/>
+                    </a:lnB>
+                  </a:tcPr>
+                </a:tc>
+                <a:tc>
+                  <a:txBody>
+                    <a:bodyPr/>
+                    <a:lstStyle/>
+                    <a:p>
+                      <a:pPr algn="l"/>
+                      <a:r>
+                        <a:rPr lang="pt-BR" sz="1000" dirty="0" err="1"/>
+                        <a:t>Duration</a:t>
+                      </a:r>
+                      <a:endParaRPr lang="pt-BR" sz="1000" dirty="0"/>
+                    </a:p>
+                  </a:txBody>
+                  <a:tcPr marL="42660" marR="42660" marT="21330" marB="21330">
+                    <a:lnL>
+                      <a:noFill/>
+                    </a:lnL>
+                    <a:lnR>
+                      <a:noFill/>
+                    </a:lnR>
+                    <a:lnT>
+                      <a:noFill/>
+                    </a:lnT>
+                    <a:lnB>
+                      <a:noFill/>
+                    </a:lnB>
+                  </a:tcPr>
+                </a:tc>
+                <a:extLst>
+                  <a:ext uri="{0D108BD9-81ED-4DB2-BD59-A6C34878D82A}">
+                    <a16:rowId xmlns:a16="http://schemas.microsoft.com/office/drawing/2014/main" val="3067519381"/>
+                  </a:ext>
+                </a:extLst>
+              </a:tr>
+              <a:tr h="393304">
+                <a:tc>
+                  <a:txBody>
+                    <a:bodyPr/>
+                    <a:lstStyle/>
+                    <a:p>
+                      <a:pPr algn="l"/>
+                      <a:r>
+                        <a:rPr lang="pt-BR" sz="1000" dirty="0" err="1"/>
+                        <a:t>Request</a:t>
+                      </a:r>
+                      <a:endParaRPr lang="pt-BR" sz="1000" dirty="0"/>
+                    </a:p>
+                  </a:txBody>
+                  <a:tcPr marL="42660" marR="42660" marT="21330" marB="21330">
+                    <a:lnL>
+                      <a:noFill/>
+                    </a:lnL>
+                    <a:lnR>
+                      <a:noFill/>
+                    </a:lnR>
+                    <a:lnT>
+                      <a:noFill/>
+                    </a:lnT>
+                    <a:lnB>
+                      <a:noFill/>
+                    </a:lnB>
+                  </a:tcPr>
+                </a:tc>
+                <a:tc>
+                  <a:txBody>
+                    <a:bodyPr/>
+                    <a:lstStyle/>
+                    <a:p>
+                      <a:pPr algn="l"/>
+                      <a:r>
+                        <a:rPr lang="pt-BR" sz="1000" dirty="0"/>
+                        <a:t>@</a:t>
+                      </a:r>
+                      <a:r>
+                        <a:rPr lang="pt-BR" sz="1000" dirty="0" err="1"/>
+                        <a:t>RequestScoped</a:t>
+                      </a:r>
+                      <a:endParaRPr lang="pt-BR" sz="1000" dirty="0"/>
+                    </a:p>
+                  </a:txBody>
+                  <a:tcPr marL="42660" marR="42660" marT="21330" marB="21330">
+                    <a:lnL>
+                      <a:noFill/>
+                    </a:lnL>
+                    <a:lnR>
+                      <a:noFill/>
+                    </a:lnR>
+                    <a:lnT>
+                      <a:noFill/>
+                    </a:lnT>
+                    <a:lnB>
+                      <a:noFill/>
+                    </a:lnB>
+                  </a:tcPr>
+                </a:tc>
+                <a:tc>
+                  <a:txBody>
+                    <a:bodyPr/>
+                    <a:lstStyle/>
+                    <a:p>
+                      <a:pPr algn="l"/>
+                      <a:r>
+                        <a:rPr lang="en-US" sz="1000" dirty="0"/>
+                        <a:t>A user’s interaction with a web application in a single HTTP request.</a:t>
+                      </a:r>
+                    </a:p>
+                  </a:txBody>
+                  <a:tcPr marL="42660" marR="42660" marT="21330" marB="21330">
+                    <a:lnL>
+                      <a:noFill/>
+                    </a:lnL>
+                    <a:lnR>
+                      <a:noFill/>
+                    </a:lnR>
+                    <a:lnT>
+                      <a:noFill/>
+                    </a:lnT>
+                    <a:lnB>
+                      <a:noFill/>
+                    </a:lnB>
+                  </a:tcPr>
+                </a:tc>
+                <a:extLst>
+                  <a:ext uri="{0D108BD9-81ED-4DB2-BD59-A6C34878D82A}">
+                    <a16:rowId xmlns:a16="http://schemas.microsoft.com/office/drawing/2014/main" val="1037907617"/>
+                  </a:ext>
+                </a:extLst>
+              </a:tr>
+              <a:tr h="393304">
+                <a:tc>
+                  <a:txBody>
+                    <a:bodyPr/>
+                    <a:lstStyle/>
+                    <a:p>
+                      <a:pPr algn="l"/>
+                      <a:r>
+                        <a:rPr lang="pt-BR" sz="1000" dirty="0" err="1"/>
+                        <a:t>Session</a:t>
+                      </a:r>
+                      <a:endParaRPr lang="pt-BR" sz="1000" dirty="0"/>
+                    </a:p>
+                  </a:txBody>
+                  <a:tcPr marL="42660" marR="42660" marT="21330" marB="21330">
+                    <a:lnL>
+                      <a:noFill/>
+                    </a:lnL>
+                    <a:lnR>
+                      <a:noFill/>
+                    </a:lnR>
+                    <a:lnT>
+                      <a:noFill/>
+                    </a:lnT>
+                    <a:lnB>
+                      <a:noFill/>
+                    </a:lnB>
+                  </a:tcPr>
+                </a:tc>
+                <a:tc>
+                  <a:txBody>
+                    <a:bodyPr/>
+                    <a:lstStyle/>
+                    <a:p>
+                      <a:pPr algn="l"/>
+                      <a:r>
+                        <a:rPr lang="pt-BR" sz="1000"/>
+                        <a:t>@SessionScoped</a:t>
+                      </a:r>
+                    </a:p>
+                  </a:txBody>
+                  <a:tcPr marL="42660" marR="42660" marT="21330" marB="21330">
+                    <a:lnL>
+                      <a:noFill/>
+                    </a:lnL>
+                    <a:lnR>
+                      <a:noFill/>
+                    </a:lnR>
+                    <a:lnT>
+                      <a:noFill/>
+                    </a:lnT>
+                    <a:lnB>
+                      <a:noFill/>
+                    </a:lnB>
+                  </a:tcPr>
+                </a:tc>
+                <a:tc>
+                  <a:txBody>
+                    <a:bodyPr/>
+                    <a:lstStyle/>
+                    <a:p>
+                      <a:pPr algn="l"/>
+                      <a:r>
+                        <a:rPr lang="en-US" sz="1000" dirty="0"/>
+                        <a:t>A user’s interaction with a web application across multiple HTTP requests.</a:t>
+                      </a:r>
+                    </a:p>
+                  </a:txBody>
+                  <a:tcPr marL="42660" marR="42660" marT="21330" marB="21330">
+                    <a:lnL>
+                      <a:noFill/>
+                    </a:lnL>
+                    <a:lnR>
+                      <a:noFill/>
+                    </a:lnR>
+                    <a:lnT>
+                      <a:noFill/>
+                    </a:lnT>
+                    <a:lnB>
+                      <a:noFill/>
+                    </a:lnB>
+                  </a:tcPr>
+                </a:tc>
+                <a:extLst>
+                  <a:ext uri="{0D108BD9-81ED-4DB2-BD59-A6C34878D82A}">
+                    <a16:rowId xmlns:a16="http://schemas.microsoft.com/office/drawing/2014/main" val="482848531"/>
+                  </a:ext>
+                </a:extLst>
+              </a:tr>
+              <a:tr h="393304">
+                <a:tc>
+                  <a:txBody>
+                    <a:bodyPr/>
+                    <a:lstStyle/>
+                    <a:p>
+                      <a:pPr algn="l"/>
+                      <a:r>
+                        <a:rPr lang="pt-BR" sz="1000" dirty="0" err="1"/>
+                        <a:t>Application</a:t>
+                      </a:r>
+                      <a:endParaRPr lang="pt-BR" sz="1000" dirty="0"/>
+                    </a:p>
+                  </a:txBody>
+                  <a:tcPr marL="42660" marR="42660" marT="21330" marB="21330">
+                    <a:lnL>
+                      <a:noFill/>
+                    </a:lnL>
+                    <a:lnR>
+                      <a:noFill/>
+                    </a:lnR>
+                    <a:lnT>
+                      <a:noFill/>
+                    </a:lnT>
+                    <a:lnB>
+                      <a:noFill/>
+                    </a:lnB>
+                  </a:tcPr>
+                </a:tc>
+                <a:tc>
+                  <a:txBody>
+                    <a:bodyPr/>
+                    <a:lstStyle/>
+                    <a:p>
+                      <a:pPr algn="l"/>
+                      <a:r>
+                        <a:rPr lang="pt-BR" sz="1000"/>
+                        <a:t>@ApplicationScoped</a:t>
+                      </a:r>
+                    </a:p>
+                  </a:txBody>
+                  <a:tcPr marL="42660" marR="42660" marT="21330" marB="21330">
+                    <a:lnL>
+                      <a:noFill/>
+                    </a:lnL>
+                    <a:lnR>
+                      <a:noFill/>
+                    </a:lnR>
+                    <a:lnT>
+                      <a:noFill/>
+                    </a:lnT>
+                    <a:lnB>
+                      <a:noFill/>
+                    </a:lnB>
+                  </a:tcPr>
+                </a:tc>
+                <a:tc>
+                  <a:txBody>
+                    <a:bodyPr/>
+                    <a:lstStyle/>
+                    <a:p>
+                      <a:pPr algn="l"/>
+                      <a:r>
+                        <a:rPr lang="en-US" sz="1000" dirty="0"/>
+                        <a:t>Shared state across all users’ interactions with a web application.</a:t>
+                      </a:r>
+                    </a:p>
+                  </a:txBody>
+                  <a:tcPr marL="42660" marR="42660" marT="21330" marB="21330">
+                    <a:lnL>
+                      <a:noFill/>
+                    </a:lnL>
+                    <a:lnR>
+                      <a:noFill/>
+                    </a:lnR>
+                    <a:lnT>
+                      <a:noFill/>
+                    </a:lnT>
+                    <a:lnB>
+                      <a:noFill/>
+                    </a:lnB>
+                  </a:tcPr>
+                </a:tc>
+                <a:extLst>
+                  <a:ext uri="{0D108BD9-81ED-4DB2-BD59-A6C34878D82A}">
+                    <a16:rowId xmlns:a16="http://schemas.microsoft.com/office/drawing/2014/main" val="4208929684"/>
+                  </a:ext>
+                </a:extLst>
+              </a:tr>
+              <a:tr h="865269">
+                <a:tc>
+                  <a:txBody>
+                    <a:bodyPr/>
+                    <a:lstStyle/>
+                    <a:p>
+                      <a:pPr algn="l"/>
+                      <a:r>
+                        <a:rPr lang="pt-BR" sz="1000" dirty="0" err="1"/>
+                        <a:t>Dependent</a:t>
+                      </a:r>
+                      <a:endParaRPr lang="pt-BR" sz="1000" dirty="0"/>
+                    </a:p>
+                  </a:txBody>
+                  <a:tcPr marL="42660" marR="42660" marT="21330" marB="21330">
+                    <a:lnL>
+                      <a:noFill/>
+                    </a:lnL>
+                    <a:lnR>
+                      <a:noFill/>
+                    </a:lnR>
+                    <a:lnT>
+                      <a:noFill/>
+                    </a:lnT>
+                    <a:lnB>
+                      <a:noFill/>
+                    </a:lnB>
+                  </a:tcPr>
+                </a:tc>
+                <a:tc>
+                  <a:txBody>
+                    <a:bodyPr/>
+                    <a:lstStyle/>
+                    <a:p>
+                      <a:pPr algn="l"/>
+                      <a:r>
+                        <a:rPr lang="pt-BR" sz="1000" dirty="0"/>
+                        <a:t>@</a:t>
+                      </a:r>
+                      <a:r>
+                        <a:rPr lang="pt-BR" sz="1000" dirty="0" err="1"/>
+                        <a:t>Dependent</a:t>
+                      </a:r>
+                      <a:endParaRPr lang="pt-BR" sz="1000" dirty="0"/>
+                    </a:p>
+                  </a:txBody>
+                  <a:tcPr marL="42660" marR="42660" marT="21330" marB="21330">
+                    <a:lnL>
+                      <a:noFill/>
+                    </a:lnL>
+                    <a:lnR>
+                      <a:noFill/>
+                    </a:lnR>
+                    <a:lnT>
+                      <a:noFill/>
+                    </a:lnT>
+                    <a:lnB>
+                      <a:noFill/>
+                    </a:lnB>
+                  </a:tcPr>
+                </a:tc>
+                <a:tc>
+                  <a:txBody>
+                    <a:bodyPr/>
+                    <a:lstStyle/>
+                    <a:p>
+                      <a:pPr algn="l"/>
+                      <a:r>
+                        <a:rPr lang="en-US" sz="1000" dirty="0"/>
+                        <a:t>The default scope if none is specified; it means that an object exists to serve exactly one client (bean) and has the same lifecycle as that client (bean).</a:t>
+                      </a:r>
+                    </a:p>
+                  </a:txBody>
+                  <a:tcPr marL="42660" marR="42660" marT="21330" marB="21330">
+                    <a:lnL>
+                      <a:noFill/>
+                    </a:lnL>
+                    <a:lnR>
+                      <a:noFill/>
+                    </a:lnR>
+                    <a:lnT>
+                      <a:noFill/>
+                    </a:lnT>
+                    <a:lnB>
+                      <a:noFill/>
+                    </a:lnB>
+                  </a:tcPr>
+                </a:tc>
+                <a:extLst>
+                  <a:ext uri="{0D108BD9-81ED-4DB2-BD59-A6C34878D82A}">
+                    <a16:rowId xmlns:a16="http://schemas.microsoft.com/office/drawing/2014/main" val="3482946448"/>
+                  </a:ext>
+                </a:extLst>
+              </a:tr>
+              <a:tr h="1809198">
+                <a:tc>
+                  <a:txBody>
+                    <a:bodyPr/>
+                    <a:lstStyle/>
+                    <a:p>
+                      <a:pPr algn="l"/>
+                      <a:r>
+                        <a:rPr lang="pt-BR" sz="1000" dirty="0" err="1"/>
+                        <a:t>Conversation</a:t>
+                      </a:r>
+                      <a:endParaRPr lang="pt-BR" sz="1000" dirty="0"/>
+                    </a:p>
+                  </a:txBody>
+                  <a:tcPr marL="42660" marR="42660" marT="21330" marB="21330">
+                    <a:lnL>
+                      <a:noFill/>
+                    </a:lnL>
+                    <a:lnR>
+                      <a:noFill/>
+                    </a:lnR>
+                    <a:lnT>
+                      <a:noFill/>
+                    </a:lnT>
+                    <a:lnB>
+                      <a:noFill/>
+                    </a:lnB>
+                  </a:tcPr>
+                </a:tc>
+                <a:tc>
+                  <a:txBody>
+                    <a:bodyPr/>
+                    <a:lstStyle/>
+                    <a:p>
+                      <a:pPr algn="l"/>
+                      <a:r>
+                        <a:rPr lang="pt-BR" sz="1000" dirty="0"/>
+                        <a:t>@</a:t>
+                      </a:r>
+                      <a:r>
+                        <a:rPr lang="pt-BR" sz="1000" dirty="0" err="1"/>
+                        <a:t>ConversationScoped</a:t>
+                      </a:r>
+                      <a:endParaRPr lang="pt-BR" sz="1000" dirty="0"/>
+                    </a:p>
+                  </a:txBody>
+                  <a:tcPr marL="42660" marR="42660" marT="21330" marB="21330">
+                    <a:lnL>
+                      <a:noFill/>
+                    </a:lnL>
+                    <a:lnR>
+                      <a:noFill/>
+                    </a:lnR>
+                    <a:lnT>
+                      <a:noFill/>
+                    </a:lnT>
+                    <a:lnB>
+                      <a:noFill/>
+                    </a:lnB>
+                  </a:tcPr>
+                </a:tc>
+                <a:tc>
+                  <a:txBody>
+                    <a:bodyPr/>
+                    <a:lstStyle/>
+                    <a:p>
+                      <a:pPr algn="l"/>
+                      <a:r>
+                        <a:rPr lang="en-US" sz="1000" dirty="0"/>
+                        <a:t>A user’s interaction with a </a:t>
+                      </a:r>
+                      <a:r>
+                        <a:rPr lang="en-US" sz="1000" dirty="0" err="1"/>
+                        <a:t>JavaServer</a:t>
+                      </a:r>
+                      <a:r>
+                        <a:rPr lang="en-US" sz="1000" dirty="0"/>
+                        <a:t> Faces application, within explicit developer-controlled boundaries that extend the scope across multiple invocations of the </a:t>
+                      </a:r>
+                      <a:r>
+                        <a:rPr lang="en-US" sz="1000" dirty="0" err="1"/>
+                        <a:t>JavaServer</a:t>
+                      </a:r>
+                      <a:r>
+                        <a:rPr lang="en-US" sz="1000" dirty="0"/>
+                        <a:t> Faces lifecycle. All long-running conversations are scoped to a particular HTTP servlet session and may not cross session boundaries.</a:t>
+                      </a:r>
+                    </a:p>
+                  </a:txBody>
+                  <a:tcPr marL="42660" marR="42660" marT="21330" marB="21330">
+                    <a:lnL>
+                      <a:noFill/>
+                    </a:lnL>
+                    <a:lnR>
+                      <a:noFill/>
+                    </a:lnR>
+                    <a:lnT>
+                      <a:noFill/>
+                    </a:lnT>
+                    <a:lnB>
+                      <a:noFill/>
+                    </a:lnB>
+                  </a:tcPr>
+                </a:tc>
+                <a:extLst>
+                  <a:ext uri="{0D108BD9-81ED-4DB2-BD59-A6C34878D82A}">
+                    <a16:rowId xmlns:a16="http://schemas.microsoft.com/office/drawing/2014/main" val="4150267851"/>
+                  </a:ext>
+                </a:extLst>
+              </a:tr>
+            </a:tbl>
+          </a:graphicData>
+        </a:graphic>
+      </p:graphicFrame>
     </p:spTree>
     <p:extLst>
       <p:ext uri="{BB962C8B-B14F-4D97-AF65-F5344CB8AC3E}">
@@ -5289,15 +6447,32 @@
           <a:p>
             <a:pPr lvl="1"/>
             <a:r>
-              <a:rPr lang="pt-BR" dirty="0"/>
+              <a:rPr lang="pt-BR" i="1" dirty="0"/>
               <a:t>Eu não quero saber como Instanciar um Cliente de Banco de Dados</a:t>
             </a:r>
           </a:p>
           <a:p>
             <a:pPr lvl="1"/>
             <a:r>
-              <a:rPr lang="pt-BR" dirty="0"/>
+              <a:rPr lang="pt-BR" i="1" dirty="0"/>
               <a:t>Eu não quero criar Transações de Banco de Dados</a:t>
+            </a:r>
+          </a:p>
+          <a:p>
+            <a:pPr lvl="1"/>
+            <a:r>
+              <a:rPr lang="pt-BR" i="1" dirty="0"/>
+              <a:t>Eu não quero ...</a:t>
+            </a:r>
+          </a:p>
+          <a:p>
+            <a:pPr lvl="1"/>
+            <a:endParaRPr lang="pt-BR" i="1" dirty="0"/>
+          </a:p>
+          <a:p>
+            <a:r>
+              <a:rPr lang="pt-BR" dirty="0"/>
+              <a:t>A responsabilidade por gerenciar isso é delegada! Quem usa não precisa saber.</a:t>
             </a:r>
           </a:p>
         </p:txBody>

--- a/resource/Java CDI.pptx
+++ b/resource/Java CDI.pptx
@@ -7,19 +7,28 @@
   <p:sldIdLst>
     <p:sldId id="256" r:id="rId2"/>
     <p:sldId id="257" r:id="rId3"/>
-    <p:sldId id="269" r:id="rId4"/>
-    <p:sldId id="258" r:id="rId5"/>
-    <p:sldId id="259" r:id="rId6"/>
-    <p:sldId id="260" r:id="rId7"/>
-    <p:sldId id="261" r:id="rId8"/>
-    <p:sldId id="262" r:id="rId9"/>
-    <p:sldId id="263" r:id="rId10"/>
-    <p:sldId id="264" r:id="rId11"/>
-    <p:sldId id="267" r:id="rId12"/>
-    <p:sldId id="265" r:id="rId13"/>
-    <p:sldId id="270" r:id="rId14"/>
-    <p:sldId id="266" r:id="rId15"/>
-    <p:sldId id="268" r:id="rId16"/>
+    <p:sldId id="279" r:id="rId4"/>
+    <p:sldId id="269" r:id="rId5"/>
+    <p:sldId id="258" r:id="rId6"/>
+    <p:sldId id="259" r:id="rId7"/>
+    <p:sldId id="260" r:id="rId8"/>
+    <p:sldId id="261" r:id="rId9"/>
+    <p:sldId id="262" r:id="rId10"/>
+    <p:sldId id="263" r:id="rId11"/>
+    <p:sldId id="264" r:id="rId12"/>
+    <p:sldId id="267" r:id="rId13"/>
+    <p:sldId id="265" r:id="rId14"/>
+    <p:sldId id="270" r:id="rId15"/>
+    <p:sldId id="266" r:id="rId16"/>
+    <p:sldId id="268" r:id="rId17"/>
+    <p:sldId id="277" r:id="rId18"/>
+    <p:sldId id="271" r:id="rId19"/>
+    <p:sldId id="278" r:id="rId20"/>
+    <p:sldId id="272" r:id="rId21"/>
+    <p:sldId id="273" r:id="rId22"/>
+    <p:sldId id="274" r:id="rId23"/>
+    <p:sldId id="275" r:id="rId24"/>
+    <p:sldId id="276" r:id="rId25"/>
   </p:sldIdLst>
   <p:sldSz cx="12192000" cy="6858000"/>
   <p:notesSz cx="6858000" cy="9144000"/>
@@ -3805,7 +3814,7 @@
           <p:cNvPr id="2" name="Título 1">
             <a:extLst>
               <a:ext uri="{FF2B5EF4-FFF2-40B4-BE49-F238E27FC236}">
-                <a16:creationId xmlns:a16="http://schemas.microsoft.com/office/drawing/2014/main" id="{44A4BB5F-5B56-4553-BCB2-FCCD5BC96E8B}"/>
+                <a16:creationId xmlns:a16="http://schemas.microsoft.com/office/drawing/2014/main" id="{91F3ED61-0522-4747-BBFE-DF19B2312C47}"/>
               </a:ext>
             </a:extLst>
           </p:cNvPr>
@@ -3823,7 +3832,7 @@
           <a:p>
             <a:r>
               <a:rPr lang="pt-BR" dirty="0"/>
-              <a:t>Programação Orientada a Aspecto</a:t>
+              <a:t>Inversão de Controle</a:t>
             </a:r>
           </a:p>
         </p:txBody>
@@ -3833,7 +3842,7 @@
           <p:cNvPr id="3" name="Espaço Reservado para Conteúdo 2">
             <a:extLst>
               <a:ext uri="{FF2B5EF4-FFF2-40B4-BE49-F238E27FC236}">
-                <a16:creationId xmlns:a16="http://schemas.microsoft.com/office/drawing/2014/main" id="{53A08618-CB18-4362-8EBF-0EF8F6F4819C}"/>
+                <a16:creationId xmlns:a16="http://schemas.microsoft.com/office/drawing/2014/main" id="{EFB3BB46-0FF0-49B2-9F19-02AC98D746F6}"/>
               </a:ext>
             </a:extLst>
           </p:cNvPr>
@@ -3851,40 +3860,50 @@
           <a:p>
             <a:r>
               <a:rPr lang="pt-BR" dirty="0"/>
-              <a:t>Refere-se a separação de Conceitos: o que é o principal e o secundário?</a:t>
-            </a:r>
-          </a:p>
-          <a:p>
-            <a:r>
-              <a:rPr lang="pt-BR" dirty="0"/>
-              <a:t>O Código será para o que é principal: A lógica de Negócios</a:t>
-            </a:r>
-          </a:p>
-          <a:p>
-            <a:r>
-              <a:rPr lang="pt-BR" dirty="0"/>
-              <a:t>Os aspectos do código serão definidos “fora” do código</a:t>
+              <a:t>É o que difere Bibliotecas de Frameworks – Martin Fowler</a:t>
+            </a:r>
+          </a:p>
+          <a:p>
+            <a:r>
+              <a:rPr lang="pt-BR" dirty="0"/>
+              <a:t>A responsabilidade de iniciar e configurar um objeto é dele mesmo e não de quem o usa.</a:t>
+            </a:r>
+          </a:p>
+          <a:p>
+            <a:r>
+              <a:rPr lang="pt-BR" dirty="0"/>
+              <a:t>Exemplos:</a:t>
             </a:r>
           </a:p>
           <a:p>
             <a:pPr lvl="1"/>
             <a:r>
-              <a:rPr lang="pt-BR" dirty="0"/>
-              <a:t>Transações</a:t>
+              <a:rPr lang="pt-BR" i="1" dirty="0"/>
+              <a:t>Eu não quero saber como Instanciar um Cliente de Banco de Dados</a:t>
             </a:r>
           </a:p>
           <a:p>
             <a:pPr lvl="1"/>
             <a:r>
-              <a:rPr lang="pt-BR" dirty="0"/>
-              <a:t>Log</a:t>
+              <a:rPr lang="pt-BR" i="1" dirty="0"/>
+              <a:t>Eu não quero criar Transações de Banco de Dados</a:t>
             </a:r>
           </a:p>
           <a:p>
             <a:pPr lvl="1"/>
             <a:r>
-              <a:rPr lang="pt-BR" dirty="0"/>
-              <a:t>Etc...</a:t>
+              <a:rPr lang="pt-BR" i="1" dirty="0"/>
+              <a:t>Eu não quero ...</a:t>
+            </a:r>
+          </a:p>
+          <a:p>
+            <a:pPr lvl="1"/>
+            <a:endParaRPr lang="pt-BR" i="1" dirty="0"/>
+          </a:p>
+          <a:p>
+            <a:r>
+              <a:rPr lang="pt-BR" dirty="0"/>
+              <a:t>A responsabilidade por gerenciar isso é delegada! Quem usa não precisa saber.</a:t>
             </a:r>
           </a:p>
         </p:txBody>
@@ -3892,7 +3911,7 @@
     </p:spTree>
     <p:extLst>
       <p:ext uri="{BB962C8B-B14F-4D97-AF65-F5344CB8AC3E}">
-        <p14:creationId xmlns:p14="http://schemas.microsoft.com/office/powerpoint/2010/main" val="3531805737"/>
+        <p14:creationId xmlns:p14="http://schemas.microsoft.com/office/powerpoint/2010/main" val="3839401830"/>
       </p:ext>
     </p:extLst>
   </p:cSld>
@@ -3924,7 +3943,7 @@
           <p:cNvPr id="2" name="Título 1">
             <a:extLst>
               <a:ext uri="{FF2B5EF4-FFF2-40B4-BE49-F238E27FC236}">
-                <a16:creationId xmlns:a16="http://schemas.microsoft.com/office/drawing/2014/main" id="{EA680A1F-4B72-47E7-BA9C-E94343D95F85}"/>
+                <a16:creationId xmlns:a16="http://schemas.microsoft.com/office/drawing/2014/main" id="{44A4BB5F-5B56-4553-BCB2-FCCD5BC96E8B}"/>
               </a:ext>
             </a:extLst>
           </p:cNvPr>
@@ -3942,7 +3961,7 @@
           <a:p>
             <a:r>
               <a:rPr lang="pt-BR" dirty="0"/>
-              <a:t>EJB</a:t>
+              <a:t>Programação Orientada a Aspecto</a:t>
             </a:r>
           </a:p>
         </p:txBody>
@@ -3952,7 +3971,7 @@
           <p:cNvPr id="3" name="Espaço Reservado para Conteúdo 2">
             <a:extLst>
               <a:ext uri="{FF2B5EF4-FFF2-40B4-BE49-F238E27FC236}">
-                <a16:creationId xmlns:a16="http://schemas.microsoft.com/office/drawing/2014/main" id="{1446AE98-C475-494C-8C77-91FB5A01258D}"/>
+                <a16:creationId xmlns:a16="http://schemas.microsoft.com/office/drawing/2014/main" id="{53A08618-CB18-4362-8EBF-0EF8F6F4819C}"/>
               </a:ext>
             </a:extLst>
           </p:cNvPr>
@@ -3970,67 +3989,48 @@
           <a:p>
             <a:r>
               <a:rPr lang="pt-BR" dirty="0"/>
-              <a:t>É uma especificação muito mais complexa que o CDI</a:t>
-            </a:r>
-          </a:p>
-          <a:p>
-            <a:r>
-              <a:rPr lang="en-US" dirty="0"/>
-              <a:t>EJB </a:t>
-            </a:r>
-            <a:r>
-              <a:rPr lang="en-US" dirty="0" err="1"/>
-              <a:t>pode</a:t>
-            </a:r>
-            <a:r>
-              <a:rPr lang="en-US" dirty="0"/>
-              <a:t> ser:</a:t>
+              <a:t>Refere-se a separação de Conceitos: o que é o principal e o secundário?</a:t>
+            </a:r>
+          </a:p>
+          <a:p>
+            <a:r>
+              <a:rPr lang="pt-BR" dirty="0"/>
+              <a:t>O Código será para o que é principal: A lógica de Negócios</a:t>
+            </a:r>
+          </a:p>
+          <a:p>
+            <a:r>
+              <a:rPr lang="pt-BR" dirty="0"/>
+              <a:t>Os aspectos do código serão definidos “fora” do código</a:t>
             </a:r>
           </a:p>
           <a:p>
             <a:pPr lvl="1"/>
             <a:r>
-              <a:rPr lang="en-US" dirty="0"/>
-              <a:t>Transactional </a:t>
+              <a:rPr lang="pt-BR" dirty="0"/>
+              <a:t>Transações</a:t>
             </a:r>
           </a:p>
           <a:p>
             <a:pPr lvl="1"/>
             <a:r>
-              <a:rPr lang="en-US" dirty="0"/>
-              <a:t>Remote or local </a:t>
+              <a:rPr lang="pt-BR" dirty="0"/>
+              <a:t>Log</a:t>
             </a:r>
           </a:p>
           <a:p>
             <a:pPr lvl="1"/>
             <a:r>
-              <a:rPr lang="en-US" dirty="0"/>
-              <a:t>Able to passivate stateful beans freeing up resources</a:t>
-            </a:r>
-          </a:p>
-          <a:p>
-            <a:pPr lvl="1"/>
-            <a:r>
-              <a:rPr lang="en-US" dirty="0"/>
-              <a:t>Able to make use of timers</a:t>
-            </a:r>
-          </a:p>
-          <a:p>
-            <a:pPr lvl="1"/>
-            <a:r>
-              <a:rPr lang="en-US" dirty="0"/>
-              <a:t>Can be asynchronous</a:t>
-            </a:r>
-          </a:p>
-          <a:p>
-            <a:endParaRPr lang="pt-BR" dirty="0"/>
+              <a:rPr lang="pt-BR" dirty="0"/>
+              <a:t>Etc...</a:t>
+            </a:r>
           </a:p>
         </p:txBody>
       </p:sp>
     </p:spTree>
     <p:extLst>
       <p:ext uri="{BB962C8B-B14F-4D97-AF65-F5344CB8AC3E}">
-        <p14:creationId xmlns:p14="http://schemas.microsoft.com/office/powerpoint/2010/main" val="3463945389"/>
+        <p14:creationId xmlns:p14="http://schemas.microsoft.com/office/powerpoint/2010/main" val="3531805737"/>
       </p:ext>
     </p:extLst>
   </p:cSld>
@@ -4059,10 +4059,10 @@
       </p:grpSpPr>
       <p:sp>
         <p:nvSpPr>
-          <p:cNvPr id="4" name="Título 3">
+          <p:cNvPr id="2" name="Título 1">
             <a:extLst>
               <a:ext uri="{FF2B5EF4-FFF2-40B4-BE49-F238E27FC236}">
-                <a16:creationId xmlns:a16="http://schemas.microsoft.com/office/drawing/2014/main" id="{3E87C09C-6E76-469B-AABD-2A54865230E2}"/>
+                <a16:creationId xmlns:a16="http://schemas.microsoft.com/office/drawing/2014/main" id="{EA680A1F-4B72-47E7-BA9C-E94343D95F85}"/>
               </a:ext>
             </a:extLst>
           </p:cNvPr>
@@ -4070,7 +4070,7 @@
             <a:spLocks noGrp="1"/>
           </p:cNvSpPr>
           <p:nvPr>
-            <p:ph type="ctrTitle"/>
+            <p:ph type="title"/>
           </p:nvPr>
         </p:nvSpPr>
         <p:spPr/>
@@ -4080,17 +4080,17 @@
           <a:p>
             <a:r>
               <a:rPr lang="pt-BR" dirty="0"/>
-              <a:t>Java CDI</a:t>
-            </a:r>
-          </a:p>
-        </p:txBody>
-      </p:sp>
-      <p:sp>
-        <p:nvSpPr>
-          <p:cNvPr id="5" name="Subtítulo 4">
+              <a:t>EJB</a:t>
+            </a:r>
+          </a:p>
+        </p:txBody>
+      </p:sp>
+      <p:sp>
+        <p:nvSpPr>
+          <p:cNvPr id="3" name="Espaço Reservado para Conteúdo 2">
             <a:extLst>
               <a:ext uri="{FF2B5EF4-FFF2-40B4-BE49-F238E27FC236}">
-                <a16:creationId xmlns:a16="http://schemas.microsoft.com/office/drawing/2014/main" id="{72A4B3C1-98D1-4401-B25B-1618DD572DC2}"/>
+                <a16:creationId xmlns:a16="http://schemas.microsoft.com/office/drawing/2014/main" id="{1446AE98-C475-494C-8C77-91FB5A01258D}"/>
               </a:ext>
             </a:extLst>
           </p:cNvPr>
@@ -4098,7 +4098,7 @@
             <a:spLocks noGrp="1"/>
           </p:cNvSpPr>
           <p:nvPr>
-            <p:ph type="subTitle" idx="1"/>
+            <p:ph idx="1"/>
           </p:nvPr>
         </p:nvSpPr>
         <p:spPr/>
@@ -4108,15 +4108,67 @@
           <a:p>
             <a:r>
               <a:rPr lang="pt-BR" dirty="0"/>
-              <a:t>Explicação por usos...</a:t>
-            </a:r>
+              <a:t>É uma especificação muito mais complexa que o CDI</a:t>
+            </a:r>
+          </a:p>
+          <a:p>
+            <a:r>
+              <a:rPr lang="en-US" dirty="0"/>
+              <a:t>EJB </a:t>
+            </a:r>
+            <a:r>
+              <a:rPr lang="en-US" dirty="0" err="1"/>
+              <a:t>pode</a:t>
+            </a:r>
+            <a:r>
+              <a:rPr lang="en-US" dirty="0"/>
+              <a:t> ser:</a:t>
+            </a:r>
+          </a:p>
+          <a:p>
+            <a:pPr lvl="1"/>
+            <a:r>
+              <a:rPr lang="en-US" dirty="0"/>
+              <a:t>Transactional </a:t>
+            </a:r>
+          </a:p>
+          <a:p>
+            <a:pPr lvl="1"/>
+            <a:r>
+              <a:rPr lang="en-US" dirty="0"/>
+              <a:t>Remote or local </a:t>
+            </a:r>
+          </a:p>
+          <a:p>
+            <a:pPr lvl="1"/>
+            <a:r>
+              <a:rPr lang="en-US" dirty="0"/>
+              <a:t>Able to passivate stateful beans freeing up resources</a:t>
+            </a:r>
+          </a:p>
+          <a:p>
+            <a:pPr lvl="1"/>
+            <a:r>
+              <a:rPr lang="en-US" dirty="0"/>
+              <a:t>Able to make use of timers</a:t>
+            </a:r>
+          </a:p>
+          <a:p>
+            <a:pPr lvl="1"/>
+            <a:r>
+              <a:rPr lang="en-US" dirty="0"/>
+              <a:t>Can be asynchronous</a:t>
+            </a:r>
+          </a:p>
+          <a:p>
+            <a:endParaRPr lang="pt-BR" dirty="0"/>
           </a:p>
         </p:txBody>
       </p:sp>
     </p:spTree>
     <p:extLst>
       <p:ext uri="{BB962C8B-B14F-4D97-AF65-F5344CB8AC3E}">
-        <p14:creationId xmlns:p14="http://schemas.microsoft.com/office/powerpoint/2010/main" val="660086033"/>
+        <p14:creationId xmlns:p14="http://schemas.microsoft.com/office/powerpoint/2010/main" val="3463945389"/>
       </p:ext>
     </p:extLst>
   </p:cSld>
@@ -4145,6 +4197,92 @@
       </p:grpSpPr>
       <p:sp>
         <p:nvSpPr>
+          <p:cNvPr id="4" name="Título 3">
+            <a:extLst>
+              <a:ext uri="{FF2B5EF4-FFF2-40B4-BE49-F238E27FC236}">
+                <a16:creationId xmlns:a16="http://schemas.microsoft.com/office/drawing/2014/main" id="{3E87C09C-6E76-469B-AABD-2A54865230E2}"/>
+              </a:ext>
+            </a:extLst>
+          </p:cNvPr>
+          <p:cNvSpPr>
+            <a:spLocks noGrp="1"/>
+          </p:cNvSpPr>
+          <p:nvPr>
+            <p:ph type="ctrTitle"/>
+          </p:nvPr>
+        </p:nvSpPr>
+        <p:spPr/>
+        <p:txBody>
+          <a:bodyPr/>
+          <a:lstStyle/>
+          <a:p>
+            <a:r>
+              <a:rPr lang="pt-BR" dirty="0"/>
+              <a:t>Java CDI</a:t>
+            </a:r>
+          </a:p>
+        </p:txBody>
+      </p:sp>
+      <p:sp>
+        <p:nvSpPr>
+          <p:cNvPr id="5" name="Subtítulo 4">
+            <a:extLst>
+              <a:ext uri="{FF2B5EF4-FFF2-40B4-BE49-F238E27FC236}">
+                <a16:creationId xmlns:a16="http://schemas.microsoft.com/office/drawing/2014/main" id="{72A4B3C1-98D1-4401-B25B-1618DD572DC2}"/>
+              </a:ext>
+            </a:extLst>
+          </p:cNvPr>
+          <p:cNvSpPr>
+            <a:spLocks noGrp="1"/>
+          </p:cNvSpPr>
+          <p:nvPr>
+            <p:ph type="subTitle" idx="1"/>
+          </p:nvPr>
+        </p:nvSpPr>
+        <p:spPr/>
+        <p:txBody>
+          <a:bodyPr/>
+          <a:lstStyle/>
+          <a:p>
+            <a:r>
+              <a:rPr lang="pt-BR" dirty="0"/>
+              <a:t>Explicação por usos...</a:t>
+            </a:r>
+          </a:p>
+        </p:txBody>
+      </p:sp>
+    </p:spTree>
+    <p:extLst>
+      <p:ext uri="{BB962C8B-B14F-4D97-AF65-F5344CB8AC3E}">
+        <p14:creationId xmlns:p14="http://schemas.microsoft.com/office/powerpoint/2010/main" val="660086033"/>
+      </p:ext>
+    </p:extLst>
+  </p:cSld>
+  <p:clrMapOvr>
+    <a:masterClrMapping/>
+  </p:clrMapOvr>
+</p:sld>
+</file>
+
+<file path=ppt/slides/slide14.xml><?xml version="1.0" encoding="utf-8"?>
+<p:sld xmlns:a="http://schemas.openxmlformats.org/drawingml/2006/main" xmlns:r="http://schemas.openxmlformats.org/officeDocument/2006/relationships" xmlns:p="http://schemas.openxmlformats.org/presentationml/2006/main">
+  <p:cSld>
+    <p:spTree>
+      <p:nvGrpSpPr>
+        <p:cNvPr id="1" name=""/>
+        <p:cNvGrpSpPr/>
+        <p:nvPr/>
+      </p:nvGrpSpPr>
+      <p:grpSpPr>
+        <a:xfrm>
+          <a:off x="0" y="0"/>
+          <a:ext cx="0" cy="0"/>
+          <a:chOff x="0" y="0"/>
+          <a:chExt cx="0" cy="0"/>
+        </a:xfrm>
+      </p:grpSpPr>
+      <p:sp>
+        <p:nvSpPr>
           <p:cNvPr id="2" name="Título 1">
             <a:extLst>
               <a:ext uri="{FF2B5EF4-FFF2-40B4-BE49-F238E27FC236}">
@@ -4318,7 +4456,7 @@
           <a:graphicData uri="http://schemas.openxmlformats.org/presentationml/2006/ole">
             <mc:AlternateContent xmlns:mc="http://schemas.openxmlformats.org/markup-compatibility/2006">
               <mc:Choice xmlns:v="urn:schemas-microsoft-com:vml" Requires="v">
-                <p:oleObj spid="_x0000_s1029" name="Document" r:id="rId4" imgW="8557061" imgH="1180440" progId="Word.Document.12">
+                <p:oleObj spid="_x0000_s1031" name="Document" r:id="rId4" imgW="8557061" imgH="1180440" progId="Word.Document.12">
                   <p:embed/>
                 </p:oleObj>
               </mc:Choice>
@@ -4366,339 +4504,6 @@
 </p:sld>
 </file>
 
-<file path=ppt/slides/slide14.xml><?xml version="1.0" encoding="utf-8"?>
-<p:sld xmlns:a="http://schemas.openxmlformats.org/drawingml/2006/main" xmlns:r="http://schemas.openxmlformats.org/officeDocument/2006/relationships" xmlns:p="http://schemas.openxmlformats.org/presentationml/2006/main">
-  <p:cSld>
-    <p:spTree>
-      <p:nvGrpSpPr>
-        <p:cNvPr id="1" name=""/>
-        <p:cNvGrpSpPr/>
-        <p:nvPr/>
-      </p:nvGrpSpPr>
-      <p:grpSpPr>
-        <a:xfrm>
-          <a:off x="0" y="0"/>
-          <a:ext cx="0" cy="0"/>
-          <a:chOff x="0" y="0"/>
-          <a:chExt cx="0" cy="0"/>
-        </a:xfrm>
-      </p:grpSpPr>
-      <p:sp>
-        <p:nvSpPr>
-          <p:cNvPr id="2" name="Título 1">
-            <a:extLst>
-              <a:ext uri="{FF2B5EF4-FFF2-40B4-BE49-F238E27FC236}">
-                <a16:creationId xmlns:a16="http://schemas.microsoft.com/office/drawing/2014/main" id="{50737019-4EBB-4073-8FAC-3C2E9DE815EF}"/>
-              </a:ext>
-            </a:extLst>
-          </p:cNvPr>
-          <p:cNvSpPr>
-            <a:spLocks noGrp="1"/>
-          </p:cNvSpPr>
-          <p:nvPr>
-            <p:ph type="title"/>
-          </p:nvPr>
-        </p:nvSpPr>
-        <p:spPr/>
-        <p:txBody>
-          <a:bodyPr/>
-          <a:lstStyle/>
-          <a:p>
-            <a:r>
-              <a:rPr lang="pt-BR" dirty="0"/>
-              <a:t>Instanciação</a:t>
-            </a:r>
-          </a:p>
-        </p:txBody>
-      </p:sp>
-      <p:sp>
-        <p:nvSpPr>
-          <p:cNvPr id="3" name="Espaço Reservado para Conteúdo 2">
-            <a:extLst>
-              <a:ext uri="{FF2B5EF4-FFF2-40B4-BE49-F238E27FC236}">
-                <a16:creationId xmlns:a16="http://schemas.microsoft.com/office/drawing/2014/main" id="{88587DA7-0EA6-4435-B873-052E7BF1FC75}"/>
-              </a:ext>
-            </a:extLst>
-          </p:cNvPr>
-          <p:cNvSpPr>
-            <a:spLocks noGrp="1"/>
-          </p:cNvSpPr>
-          <p:nvPr>
-            <p:ph idx="1"/>
-          </p:nvPr>
-        </p:nvSpPr>
-        <p:spPr/>
-        <p:txBody>
-          <a:bodyPr/>
-          <a:lstStyle/>
-          <a:p>
-            <a:r>
-              <a:rPr lang="pt-BR" dirty="0"/>
-              <a:t>Qualquer </a:t>
-            </a:r>
-            <a:r>
-              <a:rPr lang="pt-BR" dirty="0" err="1"/>
-              <a:t>Bean</a:t>
-            </a:r>
-            <a:r>
-              <a:rPr lang="pt-BR" dirty="0"/>
-              <a:t> pode ser Injetado em outro </a:t>
-            </a:r>
-            <a:r>
-              <a:rPr lang="pt-BR" dirty="0" err="1"/>
-              <a:t>Bean</a:t>
-            </a:r>
-            <a:endParaRPr lang="pt-BR" dirty="0"/>
-          </a:p>
-          <a:p>
-            <a:r>
-              <a:rPr lang="pt-BR" dirty="0"/>
-              <a:t>Requisitos</a:t>
-            </a:r>
-          </a:p>
-          <a:p>
-            <a:pPr lvl="1"/>
-            <a:r>
-              <a:rPr lang="pt-BR" dirty="0"/>
-              <a:t>Não é uma </a:t>
-            </a:r>
-            <a:r>
-              <a:rPr lang="pt-BR" dirty="0" err="1"/>
-              <a:t>Inner</a:t>
-            </a:r>
-            <a:r>
-              <a:rPr lang="pt-BR" dirty="0"/>
-              <a:t> </a:t>
-            </a:r>
-            <a:r>
-              <a:rPr lang="pt-BR" dirty="0" err="1"/>
-              <a:t>Class</a:t>
-            </a:r>
-            <a:endParaRPr lang="pt-BR" dirty="0"/>
-          </a:p>
-          <a:p>
-            <a:pPr lvl="1"/>
-            <a:r>
-              <a:rPr lang="pt-BR" dirty="0"/>
-              <a:t>Não é uma Classe </a:t>
-            </a:r>
-            <a:r>
-              <a:rPr lang="pt-BR" dirty="0" err="1"/>
-              <a:t>abstrada</a:t>
-            </a:r>
-            <a:r>
-              <a:rPr lang="pt-BR" dirty="0"/>
-              <a:t> e não possui a </a:t>
-            </a:r>
-            <a:r>
-              <a:rPr lang="pt-BR" dirty="0" err="1"/>
-              <a:t>Annotation</a:t>
-            </a:r>
-            <a:r>
-              <a:rPr lang="pt-BR" dirty="0"/>
-              <a:t> </a:t>
-            </a:r>
-            <a:r>
-              <a:rPr lang="pt-BR" sz="1800" spc="10" dirty="0">
-                <a:solidFill>
-                  <a:srgbClr val="002060"/>
-                </a:solidFill>
-                <a:latin typeface="Courier New" panose="02070309020205020404" pitchFamily="49" charset="0"/>
-                <a:cs typeface="Courier New" panose="02070309020205020404" pitchFamily="49" charset="0"/>
-              </a:rPr>
-              <a:t>@</a:t>
-            </a:r>
-            <a:r>
-              <a:rPr lang="pt-BR" sz="1800" spc="10" dirty="0" err="1">
-                <a:solidFill>
-                  <a:srgbClr val="002060"/>
-                </a:solidFill>
-                <a:latin typeface="Courier New" panose="02070309020205020404" pitchFamily="49" charset="0"/>
-                <a:cs typeface="Courier New" panose="02070309020205020404" pitchFamily="49" charset="0"/>
-              </a:rPr>
-              <a:t>Decorator</a:t>
-            </a:r>
-            <a:endParaRPr lang="pt-BR" sz="1800" spc="10" dirty="0">
-              <a:solidFill>
-                <a:srgbClr val="002060"/>
-              </a:solidFill>
-              <a:latin typeface="Courier New" panose="02070309020205020404" pitchFamily="49" charset="0"/>
-              <a:cs typeface="Courier New" panose="02070309020205020404" pitchFamily="49" charset="0"/>
-            </a:endParaRPr>
-          </a:p>
-          <a:p>
-            <a:pPr lvl="1"/>
-            <a:r>
-              <a:rPr lang="pt-BR" dirty="0"/>
-              <a:t>Não implementa a interface </a:t>
-            </a:r>
-            <a:r>
-              <a:rPr lang="pt-BR" sz="1800" spc="10" dirty="0" err="1">
-                <a:solidFill>
-                  <a:srgbClr val="002060"/>
-                </a:solidFill>
-                <a:latin typeface="Courier New" panose="02070309020205020404" pitchFamily="49" charset="0"/>
-                <a:cs typeface="Courier New" panose="02070309020205020404" pitchFamily="49" charset="0"/>
-              </a:rPr>
-              <a:t>javax.enterprise.inject.spi.Extension</a:t>
-            </a:r>
-            <a:endParaRPr lang="pt-BR" sz="1800" spc="10" dirty="0">
-              <a:solidFill>
-                <a:srgbClr val="002060"/>
-              </a:solidFill>
-              <a:latin typeface="Courier New" panose="02070309020205020404" pitchFamily="49" charset="0"/>
-              <a:cs typeface="Courier New" panose="02070309020205020404" pitchFamily="49" charset="0"/>
-            </a:endParaRPr>
-          </a:p>
-          <a:p>
-            <a:pPr lvl="1"/>
-            <a:r>
-              <a:rPr lang="pt-BR" dirty="0"/>
-              <a:t>Não possui a </a:t>
-            </a:r>
-            <a:r>
-              <a:rPr lang="pt-BR" dirty="0" err="1"/>
-              <a:t>Annotation</a:t>
-            </a:r>
-            <a:r>
-              <a:rPr lang="pt-BR" dirty="0"/>
-              <a:t> </a:t>
-            </a:r>
-            <a:r>
-              <a:rPr lang="pt-BR" sz="1800" spc="10" dirty="0">
-                <a:solidFill>
-                  <a:srgbClr val="002060"/>
-                </a:solidFill>
-                <a:latin typeface="Courier New" panose="02070309020205020404" pitchFamily="49" charset="0"/>
-                <a:cs typeface="Courier New" panose="02070309020205020404" pitchFamily="49" charset="0"/>
-              </a:rPr>
-              <a:t>@</a:t>
-            </a:r>
-            <a:r>
-              <a:rPr lang="pt-BR" sz="1800" spc="10" dirty="0" err="1">
-                <a:solidFill>
-                  <a:srgbClr val="002060"/>
-                </a:solidFill>
-                <a:latin typeface="Courier New" panose="02070309020205020404" pitchFamily="49" charset="0"/>
-                <a:cs typeface="Courier New" panose="02070309020205020404" pitchFamily="49" charset="0"/>
-              </a:rPr>
-              <a:t>Vetoed</a:t>
-            </a:r>
-            <a:r>
-              <a:rPr lang="pt-BR" sz="1800" spc="10" dirty="0">
-                <a:solidFill>
-                  <a:srgbClr val="002060"/>
-                </a:solidFill>
-                <a:latin typeface="Courier New" panose="02070309020205020404" pitchFamily="49" charset="0"/>
-                <a:cs typeface="Courier New" panose="02070309020205020404" pitchFamily="49" charset="0"/>
-              </a:rPr>
-              <a:t> </a:t>
-            </a:r>
-            <a:r>
-              <a:rPr lang="pt-BR" dirty="0"/>
-              <a:t>e nem está em um pacote com </a:t>
-            </a:r>
-            <a:r>
-              <a:rPr lang="pt-BR" sz="1800" spc="10" dirty="0">
-                <a:solidFill>
-                  <a:srgbClr val="002060"/>
-                </a:solidFill>
-                <a:latin typeface="Courier New" panose="02070309020205020404" pitchFamily="49" charset="0"/>
-                <a:cs typeface="Courier New" panose="02070309020205020404" pitchFamily="49" charset="0"/>
-              </a:rPr>
-              <a:t>@</a:t>
-            </a:r>
-            <a:r>
-              <a:rPr lang="pt-BR" sz="1800" spc="10" dirty="0" err="1">
-                <a:solidFill>
-                  <a:srgbClr val="002060"/>
-                </a:solidFill>
-                <a:latin typeface="Courier New" panose="02070309020205020404" pitchFamily="49" charset="0"/>
-                <a:cs typeface="Courier New" panose="02070309020205020404" pitchFamily="49" charset="0"/>
-              </a:rPr>
-              <a:t>Vetoed</a:t>
-            </a:r>
-            <a:endParaRPr lang="pt-BR" sz="1800" spc="10" dirty="0">
-              <a:solidFill>
-                <a:srgbClr val="002060"/>
-              </a:solidFill>
-              <a:latin typeface="Courier New" panose="02070309020205020404" pitchFamily="49" charset="0"/>
-              <a:cs typeface="Courier New" panose="02070309020205020404" pitchFamily="49" charset="0"/>
-            </a:endParaRPr>
-          </a:p>
-          <a:p>
-            <a:pPr lvl="1"/>
-            <a:r>
-              <a:rPr lang="pt-BR" dirty="0"/>
-              <a:t>Tem um construtor apropriado</a:t>
-            </a:r>
-          </a:p>
-          <a:p>
-            <a:pPr lvl="2"/>
-            <a:r>
-              <a:rPr lang="pt-BR" dirty="0"/>
-              <a:t>Um construtor sem parâmetros</a:t>
-            </a:r>
-          </a:p>
-          <a:p>
-            <a:pPr lvl="2"/>
-            <a:r>
-              <a:rPr lang="pt-BR" dirty="0"/>
-              <a:t>Um construtor com parâmetros com </a:t>
-            </a:r>
-            <a:r>
-              <a:rPr lang="pt-BR" sz="1800" spc="10" dirty="0">
-                <a:solidFill>
-                  <a:srgbClr val="002060"/>
-                </a:solidFill>
-                <a:latin typeface="Courier New" panose="02070309020205020404" pitchFamily="49" charset="0"/>
-                <a:cs typeface="Courier New" panose="02070309020205020404" pitchFamily="49" charset="0"/>
-              </a:rPr>
-              <a:t>@</a:t>
-            </a:r>
-            <a:r>
-              <a:rPr lang="pt-BR" sz="1800" spc="10" dirty="0" err="1">
-                <a:solidFill>
-                  <a:srgbClr val="002060"/>
-                </a:solidFill>
-                <a:latin typeface="Courier New" panose="02070309020205020404" pitchFamily="49" charset="0"/>
-                <a:cs typeface="Courier New" panose="02070309020205020404" pitchFamily="49" charset="0"/>
-              </a:rPr>
-              <a:t>Inject</a:t>
-            </a:r>
-            <a:endParaRPr lang="pt-BR" sz="1800" spc="10" dirty="0">
-              <a:solidFill>
-                <a:srgbClr val="002060"/>
-              </a:solidFill>
-              <a:latin typeface="Courier New" panose="02070309020205020404" pitchFamily="49" charset="0"/>
-              <a:cs typeface="Courier New" panose="02070309020205020404" pitchFamily="49" charset="0"/>
-            </a:endParaRPr>
-          </a:p>
-          <a:p>
-            <a:pPr lvl="2"/>
-            <a:endParaRPr lang="pt-BR" dirty="0"/>
-          </a:p>
-          <a:p>
-            <a:endParaRPr lang="pt-BR" dirty="0"/>
-          </a:p>
-          <a:p>
-            <a:endParaRPr lang="pt-BR" dirty="0"/>
-          </a:p>
-        </p:txBody>
-      </p:sp>
-    </p:spTree>
-    <p:extLst>
-      <p:ext uri="{BB962C8B-B14F-4D97-AF65-F5344CB8AC3E}">
-        <p14:creationId xmlns:p14="http://schemas.microsoft.com/office/powerpoint/2010/main" val="3701973308"/>
-      </p:ext>
-    </p:extLst>
-  </p:cSld>
-  <p:clrMapOvr>
-    <a:masterClrMapping/>
-  </p:clrMapOvr>
-</p:sld>
-</file>
-
 <file path=ppt/slides/slide15.xml><?xml version="1.0" encoding="utf-8"?>
 <p:sld xmlns:a="http://schemas.openxmlformats.org/drawingml/2006/main" xmlns:r="http://schemas.openxmlformats.org/officeDocument/2006/relationships" xmlns:p="http://schemas.openxmlformats.org/presentationml/2006/main">
   <p:cSld>
@@ -4721,6 +4526,339 @@
           <p:cNvPr id="2" name="Título 1">
             <a:extLst>
               <a:ext uri="{FF2B5EF4-FFF2-40B4-BE49-F238E27FC236}">
+                <a16:creationId xmlns:a16="http://schemas.microsoft.com/office/drawing/2014/main" id="{50737019-4EBB-4073-8FAC-3C2E9DE815EF}"/>
+              </a:ext>
+            </a:extLst>
+          </p:cNvPr>
+          <p:cNvSpPr>
+            <a:spLocks noGrp="1"/>
+          </p:cNvSpPr>
+          <p:nvPr>
+            <p:ph type="title"/>
+          </p:nvPr>
+        </p:nvSpPr>
+        <p:spPr/>
+        <p:txBody>
+          <a:bodyPr/>
+          <a:lstStyle/>
+          <a:p>
+            <a:r>
+              <a:rPr lang="pt-BR" dirty="0"/>
+              <a:t>Instanciação</a:t>
+            </a:r>
+          </a:p>
+        </p:txBody>
+      </p:sp>
+      <p:sp>
+        <p:nvSpPr>
+          <p:cNvPr id="3" name="Espaço Reservado para Conteúdo 2">
+            <a:extLst>
+              <a:ext uri="{FF2B5EF4-FFF2-40B4-BE49-F238E27FC236}">
+                <a16:creationId xmlns:a16="http://schemas.microsoft.com/office/drawing/2014/main" id="{88587DA7-0EA6-4435-B873-052E7BF1FC75}"/>
+              </a:ext>
+            </a:extLst>
+          </p:cNvPr>
+          <p:cNvSpPr>
+            <a:spLocks noGrp="1"/>
+          </p:cNvSpPr>
+          <p:nvPr>
+            <p:ph idx="1"/>
+          </p:nvPr>
+        </p:nvSpPr>
+        <p:spPr/>
+        <p:txBody>
+          <a:bodyPr/>
+          <a:lstStyle/>
+          <a:p>
+            <a:r>
+              <a:rPr lang="pt-BR" dirty="0"/>
+              <a:t>Qualquer </a:t>
+            </a:r>
+            <a:r>
+              <a:rPr lang="pt-BR" dirty="0" err="1"/>
+              <a:t>Bean</a:t>
+            </a:r>
+            <a:r>
+              <a:rPr lang="pt-BR" dirty="0"/>
+              <a:t> pode ser Injetado em outro </a:t>
+            </a:r>
+            <a:r>
+              <a:rPr lang="pt-BR" dirty="0" err="1"/>
+              <a:t>Bean</a:t>
+            </a:r>
+            <a:endParaRPr lang="pt-BR" dirty="0"/>
+          </a:p>
+          <a:p>
+            <a:r>
+              <a:rPr lang="pt-BR" dirty="0"/>
+              <a:t>Requisitos</a:t>
+            </a:r>
+          </a:p>
+          <a:p>
+            <a:pPr lvl="1"/>
+            <a:r>
+              <a:rPr lang="pt-BR" dirty="0"/>
+              <a:t>Não é uma </a:t>
+            </a:r>
+            <a:r>
+              <a:rPr lang="pt-BR" dirty="0" err="1"/>
+              <a:t>Inner</a:t>
+            </a:r>
+            <a:r>
+              <a:rPr lang="pt-BR" dirty="0"/>
+              <a:t> </a:t>
+            </a:r>
+            <a:r>
+              <a:rPr lang="pt-BR" dirty="0" err="1"/>
+              <a:t>Class</a:t>
+            </a:r>
+            <a:endParaRPr lang="pt-BR" dirty="0"/>
+          </a:p>
+          <a:p>
+            <a:pPr lvl="1"/>
+            <a:r>
+              <a:rPr lang="pt-BR" dirty="0"/>
+              <a:t>Não é uma Classe </a:t>
+            </a:r>
+            <a:r>
+              <a:rPr lang="pt-BR" dirty="0" err="1"/>
+              <a:t>abstrada</a:t>
+            </a:r>
+            <a:r>
+              <a:rPr lang="pt-BR" dirty="0"/>
+              <a:t> e não possui a </a:t>
+            </a:r>
+            <a:r>
+              <a:rPr lang="pt-BR" dirty="0" err="1"/>
+              <a:t>Annotation</a:t>
+            </a:r>
+            <a:r>
+              <a:rPr lang="pt-BR" dirty="0"/>
+              <a:t> </a:t>
+            </a:r>
+            <a:r>
+              <a:rPr lang="pt-BR" sz="1800" spc="10" dirty="0">
+                <a:solidFill>
+                  <a:srgbClr val="002060"/>
+                </a:solidFill>
+                <a:latin typeface="Courier New" panose="02070309020205020404" pitchFamily="49" charset="0"/>
+                <a:cs typeface="Courier New" panose="02070309020205020404" pitchFamily="49" charset="0"/>
+              </a:rPr>
+              <a:t>@</a:t>
+            </a:r>
+            <a:r>
+              <a:rPr lang="pt-BR" sz="1800" spc="10" dirty="0" err="1">
+                <a:solidFill>
+                  <a:srgbClr val="002060"/>
+                </a:solidFill>
+                <a:latin typeface="Courier New" panose="02070309020205020404" pitchFamily="49" charset="0"/>
+                <a:cs typeface="Courier New" panose="02070309020205020404" pitchFamily="49" charset="0"/>
+              </a:rPr>
+              <a:t>Decorator</a:t>
+            </a:r>
+            <a:endParaRPr lang="pt-BR" sz="1800" spc="10" dirty="0">
+              <a:solidFill>
+                <a:srgbClr val="002060"/>
+              </a:solidFill>
+              <a:latin typeface="Courier New" panose="02070309020205020404" pitchFamily="49" charset="0"/>
+              <a:cs typeface="Courier New" panose="02070309020205020404" pitchFamily="49" charset="0"/>
+            </a:endParaRPr>
+          </a:p>
+          <a:p>
+            <a:pPr lvl="1"/>
+            <a:r>
+              <a:rPr lang="pt-BR" dirty="0"/>
+              <a:t>Não implementa a interface </a:t>
+            </a:r>
+            <a:r>
+              <a:rPr lang="pt-BR" sz="1800" spc="10" dirty="0" err="1">
+                <a:solidFill>
+                  <a:srgbClr val="002060"/>
+                </a:solidFill>
+                <a:latin typeface="Courier New" panose="02070309020205020404" pitchFamily="49" charset="0"/>
+                <a:cs typeface="Courier New" panose="02070309020205020404" pitchFamily="49" charset="0"/>
+              </a:rPr>
+              <a:t>javax.enterprise.inject.spi.Extension</a:t>
+            </a:r>
+            <a:endParaRPr lang="pt-BR" sz="1800" spc="10" dirty="0">
+              <a:solidFill>
+                <a:srgbClr val="002060"/>
+              </a:solidFill>
+              <a:latin typeface="Courier New" panose="02070309020205020404" pitchFamily="49" charset="0"/>
+              <a:cs typeface="Courier New" panose="02070309020205020404" pitchFamily="49" charset="0"/>
+            </a:endParaRPr>
+          </a:p>
+          <a:p>
+            <a:pPr lvl="1"/>
+            <a:r>
+              <a:rPr lang="pt-BR" dirty="0"/>
+              <a:t>Não possui a </a:t>
+            </a:r>
+            <a:r>
+              <a:rPr lang="pt-BR" dirty="0" err="1"/>
+              <a:t>Annotation</a:t>
+            </a:r>
+            <a:r>
+              <a:rPr lang="pt-BR" dirty="0"/>
+              <a:t> </a:t>
+            </a:r>
+            <a:r>
+              <a:rPr lang="pt-BR" sz="1800" spc="10" dirty="0">
+                <a:solidFill>
+                  <a:srgbClr val="002060"/>
+                </a:solidFill>
+                <a:latin typeface="Courier New" panose="02070309020205020404" pitchFamily="49" charset="0"/>
+                <a:cs typeface="Courier New" panose="02070309020205020404" pitchFamily="49" charset="0"/>
+              </a:rPr>
+              <a:t>@</a:t>
+            </a:r>
+            <a:r>
+              <a:rPr lang="pt-BR" sz="1800" spc="10" dirty="0" err="1">
+                <a:solidFill>
+                  <a:srgbClr val="002060"/>
+                </a:solidFill>
+                <a:latin typeface="Courier New" panose="02070309020205020404" pitchFamily="49" charset="0"/>
+                <a:cs typeface="Courier New" panose="02070309020205020404" pitchFamily="49" charset="0"/>
+              </a:rPr>
+              <a:t>Vetoed</a:t>
+            </a:r>
+            <a:r>
+              <a:rPr lang="pt-BR" sz="1800" spc="10" dirty="0">
+                <a:solidFill>
+                  <a:srgbClr val="002060"/>
+                </a:solidFill>
+                <a:latin typeface="Courier New" panose="02070309020205020404" pitchFamily="49" charset="0"/>
+                <a:cs typeface="Courier New" panose="02070309020205020404" pitchFamily="49" charset="0"/>
+              </a:rPr>
+              <a:t> </a:t>
+            </a:r>
+            <a:r>
+              <a:rPr lang="pt-BR" dirty="0"/>
+              <a:t>e nem está em um pacote com </a:t>
+            </a:r>
+            <a:r>
+              <a:rPr lang="pt-BR" sz="1800" spc="10" dirty="0">
+                <a:solidFill>
+                  <a:srgbClr val="002060"/>
+                </a:solidFill>
+                <a:latin typeface="Courier New" panose="02070309020205020404" pitchFamily="49" charset="0"/>
+                <a:cs typeface="Courier New" panose="02070309020205020404" pitchFamily="49" charset="0"/>
+              </a:rPr>
+              <a:t>@</a:t>
+            </a:r>
+            <a:r>
+              <a:rPr lang="pt-BR" sz="1800" spc="10" dirty="0" err="1">
+                <a:solidFill>
+                  <a:srgbClr val="002060"/>
+                </a:solidFill>
+                <a:latin typeface="Courier New" panose="02070309020205020404" pitchFamily="49" charset="0"/>
+                <a:cs typeface="Courier New" panose="02070309020205020404" pitchFamily="49" charset="0"/>
+              </a:rPr>
+              <a:t>Vetoed</a:t>
+            </a:r>
+            <a:endParaRPr lang="pt-BR" sz="1800" spc="10" dirty="0">
+              <a:solidFill>
+                <a:srgbClr val="002060"/>
+              </a:solidFill>
+              <a:latin typeface="Courier New" panose="02070309020205020404" pitchFamily="49" charset="0"/>
+              <a:cs typeface="Courier New" panose="02070309020205020404" pitchFamily="49" charset="0"/>
+            </a:endParaRPr>
+          </a:p>
+          <a:p>
+            <a:pPr lvl="1"/>
+            <a:r>
+              <a:rPr lang="pt-BR" dirty="0"/>
+              <a:t>Tem um construtor apropriado</a:t>
+            </a:r>
+          </a:p>
+          <a:p>
+            <a:pPr lvl="2"/>
+            <a:r>
+              <a:rPr lang="pt-BR" dirty="0"/>
+              <a:t>Um construtor sem parâmetros</a:t>
+            </a:r>
+          </a:p>
+          <a:p>
+            <a:pPr lvl="2"/>
+            <a:r>
+              <a:rPr lang="pt-BR" dirty="0"/>
+              <a:t>Um construtor com parâmetros com </a:t>
+            </a:r>
+            <a:r>
+              <a:rPr lang="pt-BR" sz="1800" spc="10" dirty="0">
+                <a:solidFill>
+                  <a:srgbClr val="002060"/>
+                </a:solidFill>
+                <a:latin typeface="Courier New" panose="02070309020205020404" pitchFamily="49" charset="0"/>
+                <a:cs typeface="Courier New" panose="02070309020205020404" pitchFamily="49" charset="0"/>
+              </a:rPr>
+              <a:t>@</a:t>
+            </a:r>
+            <a:r>
+              <a:rPr lang="pt-BR" sz="1800" spc="10" dirty="0" err="1">
+                <a:solidFill>
+                  <a:srgbClr val="002060"/>
+                </a:solidFill>
+                <a:latin typeface="Courier New" panose="02070309020205020404" pitchFamily="49" charset="0"/>
+                <a:cs typeface="Courier New" panose="02070309020205020404" pitchFamily="49" charset="0"/>
+              </a:rPr>
+              <a:t>Inject</a:t>
+            </a:r>
+            <a:endParaRPr lang="pt-BR" sz="1800" spc="10" dirty="0">
+              <a:solidFill>
+                <a:srgbClr val="002060"/>
+              </a:solidFill>
+              <a:latin typeface="Courier New" panose="02070309020205020404" pitchFamily="49" charset="0"/>
+              <a:cs typeface="Courier New" panose="02070309020205020404" pitchFamily="49" charset="0"/>
+            </a:endParaRPr>
+          </a:p>
+          <a:p>
+            <a:pPr lvl="2"/>
+            <a:endParaRPr lang="pt-BR" dirty="0"/>
+          </a:p>
+          <a:p>
+            <a:endParaRPr lang="pt-BR" dirty="0"/>
+          </a:p>
+          <a:p>
+            <a:endParaRPr lang="pt-BR" dirty="0"/>
+          </a:p>
+        </p:txBody>
+      </p:sp>
+    </p:spTree>
+    <p:extLst>
+      <p:ext uri="{BB962C8B-B14F-4D97-AF65-F5344CB8AC3E}">
+        <p14:creationId xmlns:p14="http://schemas.microsoft.com/office/powerpoint/2010/main" val="3701973308"/>
+      </p:ext>
+    </p:extLst>
+  </p:cSld>
+  <p:clrMapOvr>
+    <a:masterClrMapping/>
+  </p:clrMapOvr>
+</p:sld>
+</file>
+
+<file path=ppt/slides/slide16.xml><?xml version="1.0" encoding="utf-8"?>
+<p:sld xmlns:a="http://schemas.openxmlformats.org/drawingml/2006/main" xmlns:r="http://schemas.openxmlformats.org/officeDocument/2006/relationships" xmlns:p="http://schemas.openxmlformats.org/presentationml/2006/main">
+  <p:cSld>
+    <p:spTree>
+      <p:nvGrpSpPr>
+        <p:cNvPr id="1" name=""/>
+        <p:cNvGrpSpPr/>
+        <p:nvPr/>
+      </p:nvGrpSpPr>
+      <p:grpSpPr>
+        <a:xfrm>
+          <a:off x="0" y="0"/>
+          <a:ext cx="0" cy="0"/>
+          <a:chOff x="0" y="0"/>
+          <a:chExt cx="0" cy="0"/>
+        </a:xfrm>
+      </p:grpSpPr>
+      <p:sp>
+        <p:nvSpPr>
+          <p:cNvPr id="2" name="Título 1">
+            <a:extLst>
+              <a:ext uri="{FF2B5EF4-FFF2-40B4-BE49-F238E27FC236}">
                 <a16:creationId xmlns:a16="http://schemas.microsoft.com/office/drawing/2014/main" id="{1A55C9CE-D52F-48AD-A223-7DFE478323A8}"/>
               </a:ext>
             </a:extLst>
@@ -4797,7 +4935,7 @@
           <p:nvPr>
             <p:extLst>
               <p:ext uri="{D42A27DB-BD31-4B8C-83A1-F6EECF244321}">
-                <p14:modId xmlns:p14="http://schemas.microsoft.com/office/powerpoint/2010/main" val="1288481126"/>
+                <p14:modId xmlns:p14="http://schemas.microsoft.com/office/powerpoint/2010/main" val="636218640"/>
               </p:ext>
             </p:extLst>
           </p:nvPr>
@@ -4841,10 +4979,10 @@
                     <a:p>
                       <a:pPr algn="l"/>
                       <a:r>
-                        <a:rPr lang="pt-BR" sz="1000" dirty="0" err="1"/>
+                        <a:rPr lang="pt-BR" sz="1000" b="1" dirty="0" err="1"/>
                         <a:t>Scope</a:t>
                       </a:r>
-                      <a:endParaRPr lang="pt-BR" sz="1000" dirty="0"/>
+                      <a:endParaRPr lang="pt-BR" sz="1000" b="1" dirty="0"/>
                     </a:p>
                   </a:txBody>
                   <a:tcPr marL="42660" marR="42660" marT="21330" marB="21330">
@@ -4869,10 +5007,10 @@
                     <a:p>
                       <a:pPr algn="l"/>
                       <a:r>
-                        <a:rPr lang="pt-BR" sz="1000" dirty="0" err="1"/>
+                        <a:rPr lang="pt-BR" sz="1000" b="1" dirty="0" err="1"/>
                         <a:t>Annotation</a:t>
                       </a:r>
-                      <a:endParaRPr lang="pt-BR" sz="1000" dirty="0"/>
+                      <a:endParaRPr lang="pt-BR" sz="1000" b="1" dirty="0"/>
                     </a:p>
                   </a:txBody>
                   <a:tcPr marL="42660" marR="42660" marT="21330" marB="21330">
@@ -4897,10 +5035,10 @@
                     <a:p>
                       <a:pPr algn="l"/>
                       <a:r>
-                        <a:rPr lang="pt-BR" sz="1000" dirty="0" err="1"/>
+                        <a:rPr lang="pt-BR" sz="1000" b="1" dirty="0" err="1"/>
                         <a:t>Duration</a:t>
                       </a:r>
-                      <a:endParaRPr lang="pt-BR" sz="1000" dirty="0"/>
+                      <a:endParaRPr lang="pt-BR" sz="1000" b="1" dirty="0"/>
                     </a:p>
                   </a:txBody>
                   <a:tcPr marL="42660" marR="42660" marT="21330" marB="21330">
@@ -5417,6 +5555,405 @@
 </p:sld>
 </file>
 
+<file path=ppt/slides/slide17.xml><?xml version="1.0" encoding="utf-8"?>
+<p:sld xmlns:a="http://schemas.openxmlformats.org/drawingml/2006/main" xmlns:r="http://schemas.openxmlformats.org/officeDocument/2006/relationships" xmlns:p="http://schemas.openxmlformats.org/presentationml/2006/main">
+  <p:cSld>
+    <p:spTree>
+      <p:nvGrpSpPr>
+        <p:cNvPr id="1" name=""/>
+        <p:cNvGrpSpPr/>
+        <p:nvPr/>
+      </p:nvGrpSpPr>
+      <p:grpSpPr>
+        <a:xfrm>
+          <a:off x="0" y="0"/>
+          <a:ext cx="0" cy="0"/>
+          <a:chOff x="0" y="0"/>
+          <a:chExt cx="0" cy="0"/>
+        </a:xfrm>
+      </p:grpSpPr>
+      <p:sp>
+        <p:nvSpPr>
+          <p:cNvPr id="2" name="Título 1">
+            <a:extLst>
+              <a:ext uri="{FF2B5EF4-FFF2-40B4-BE49-F238E27FC236}">
+                <a16:creationId xmlns:a16="http://schemas.microsoft.com/office/drawing/2014/main" id="{CC9F3EC8-E7F0-463B-8D4B-B7762B501B7F}"/>
+              </a:ext>
+            </a:extLst>
+          </p:cNvPr>
+          <p:cNvSpPr>
+            <a:spLocks noGrp="1"/>
+          </p:cNvSpPr>
+          <p:nvPr>
+            <p:ph type="title"/>
+          </p:nvPr>
+        </p:nvSpPr>
+        <p:spPr/>
+        <p:txBody>
+          <a:bodyPr>
+            <a:normAutofit/>
+          </a:bodyPr>
+          <a:lstStyle/>
+          <a:p>
+            <a:r>
+              <a:rPr lang="pt-BR" dirty="0"/>
+              <a:t>Instanciando </a:t>
+            </a:r>
+          </a:p>
+        </p:txBody>
+      </p:sp>
+      <p:sp>
+        <p:nvSpPr>
+          <p:cNvPr id="3" name="Espaço Reservado para Conteúdo 2">
+            <a:extLst>
+              <a:ext uri="{FF2B5EF4-FFF2-40B4-BE49-F238E27FC236}">
+                <a16:creationId xmlns:a16="http://schemas.microsoft.com/office/drawing/2014/main" id="{5ADC8D01-ADA1-4BF7-8B70-08A26A08008C}"/>
+              </a:ext>
+            </a:extLst>
+          </p:cNvPr>
+          <p:cNvSpPr>
+            <a:spLocks noGrp="1"/>
+          </p:cNvSpPr>
+          <p:nvPr>
+            <p:ph idx="1"/>
+          </p:nvPr>
+        </p:nvSpPr>
+        <p:spPr/>
+        <p:txBody>
+          <a:bodyPr/>
+          <a:lstStyle/>
+          <a:p>
+            <a:r>
+              <a:rPr lang="pt-BR" dirty="0"/>
+              <a:t>Diretamente</a:t>
+            </a:r>
+          </a:p>
+          <a:p>
+            <a:pPr lvl="1"/>
+            <a:r>
+              <a:rPr lang="pt-BR" dirty="0"/>
+              <a:t>Ver </a:t>
+            </a:r>
+            <a:r>
+              <a:rPr lang="pt-BR" dirty="0" err="1"/>
+              <a:t>UserRepository</a:t>
+            </a:r>
+            <a:endParaRPr lang="pt-BR" dirty="0"/>
+          </a:p>
+          <a:p>
+            <a:pPr lvl="1"/>
+            <a:r>
+              <a:rPr lang="pt-BR" dirty="0"/>
+              <a:t>Qualquer classe pode ser carregada como </a:t>
+            </a:r>
+            <a:r>
+              <a:rPr lang="pt-BR" dirty="0" err="1"/>
+              <a:t>Bean</a:t>
+            </a:r>
+            <a:endParaRPr lang="pt-BR" dirty="0"/>
+          </a:p>
+          <a:p>
+            <a:pPr lvl="1"/>
+            <a:r>
+              <a:rPr lang="pt-BR" dirty="0"/>
+              <a:t>Usar @</a:t>
+            </a:r>
+            <a:r>
+              <a:rPr lang="pt-BR" dirty="0" err="1"/>
+              <a:t>Inject</a:t>
+            </a:r>
+            <a:endParaRPr lang="pt-BR" dirty="0"/>
+          </a:p>
+          <a:p>
+            <a:pPr lvl="1"/>
+            <a:r>
+              <a:rPr lang="pt-BR" dirty="0"/>
+              <a:t>O Escopo deve ser definido na classe a ser instanciada</a:t>
+            </a:r>
+          </a:p>
+        </p:txBody>
+      </p:sp>
+    </p:spTree>
+    <p:extLst>
+      <p:ext uri="{BB962C8B-B14F-4D97-AF65-F5344CB8AC3E}">
+        <p14:creationId xmlns:p14="http://schemas.microsoft.com/office/powerpoint/2010/main" val="3637504989"/>
+      </p:ext>
+    </p:extLst>
+  </p:cSld>
+  <p:clrMapOvr>
+    <a:masterClrMapping/>
+  </p:clrMapOvr>
+</p:sld>
+</file>
+
+<file path=ppt/slides/slide18.xml><?xml version="1.0" encoding="utf-8"?>
+<p:sld xmlns:a="http://schemas.openxmlformats.org/drawingml/2006/main" xmlns:r="http://schemas.openxmlformats.org/officeDocument/2006/relationships" xmlns:p="http://schemas.openxmlformats.org/presentationml/2006/main">
+  <p:cSld>
+    <p:spTree>
+      <p:nvGrpSpPr>
+        <p:cNvPr id="1" name=""/>
+        <p:cNvGrpSpPr/>
+        <p:nvPr/>
+      </p:nvGrpSpPr>
+      <p:grpSpPr>
+        <a:xfrm>
+          <a:off x="0" y="0"/>
+          <a:ext cx="0" cy="0"/>
+          <a:chOff x="0" y="0"/>
+          <a:chExt cx="0" cy="0"/>
+        </a:xfrm>
+      </p:grpSpPr>
+      <p:sp>
+        <p:nvSpPr>
+          <p:cNvPr id="2" name="Título 1">
+            <a:extLst>
+              <a:ext uri="{FF2B5EF4-FFF2-40B4-BE49-F238E27FC236}">
+                <a16:creationId xmlns:a16="http://schemas.microsoft.com/office/drawing/2014/main" id="{CC9F3EC8-E7F0-463B-8D4B-B7762B501B7F}"/>
+              </a:ext>
+            </a:extLst>
+          </p:cNvPr>
+          <p:cNvSpPr>
+            <a:spLocks noGrp="1"/>
+          </p:cNvSpPr>
+          <p:nvPr>
+            <p:ph type="title"/>
+          </p:nvPr>
+        </p:nvSpPr>
+        <p:spPr/>
+        <p:txBody>
+          <a:bodyPr>
+            <a:normAutofit/>
+          </a:bodyPr>
+          <a:lstStyle/>
+          <a:p>
+            <a:r>
+              <a:rPr lang="pt-BR" dirty="0"/>
+              <a:t>Instanciando – Ciclo de Vida</a:t>
+            </a:r>
+          </a:p>
+        </p:txBody>
+      </p:sp>
+      <p:sp>
+        <p:nvSpPr>
+          <p:cNvPr id="3" name="Espaço Reservado para Conteúdo 2">
+            <a:extLst>
+              <a:ext uri="{FF2B5EF4-FFF2-40B4-BE49-F238E27FC236}">
+                <a16:creationId xmlns:a16="http://schemas.microsoft.com/office/drawing/2014/main" id="{5ADC8D01-ADA1-4BF7-8B70-08A26A08008C}"/>
+              </a:ext>
+            </a:extLst>
+          </p:cNvPr>
+          <p:cNvSpPr>
+            <a:spLocks noGrp="1"/>
+          </p:cNvSpPr>
+          <p:nvPr>
+            <p:ph idx="1"/>
+          </p:nvPr>
+        </p:nvSpPr>
+        <p:spPr/>
+        <p:txBody>
+          <a:bodyPr/>
+          <a:lstStyle/>
+          <a:p>
+            <a:r>
+              <a:rPr lang="pt-BR" dirty="0"/>
+              <a:t>Uso do  @</a:t>
+            </a:r>
+            <a:r>
+              <a:rPr lang="pt-BR" dirty="0" err="1"/>
+              <a:t>PostConstruct</a:t>
+            </a:r>
+            <a:r>
+              <a:rPr lang="pt-BR" dirty="0"/>
+              <a:t> e @</a:t>
+            </a:r>
+            <a:r>
+              <a:rPr lang="pt-BR" dirty="0" err="1"/>
+              <a:t>PreDestroy</a:t>
+            </a:r>
+            <a:endParaRPr lang="pt-BR" dirty="0"/>
+          </a:p>
+          <a:p>
+            <a:pPr lvl="1"/>
+            <a:r>
+              <a:rPr lang="pt-BR" dirty="0"/>
+              <a:t>Ver </a:t>
+            </a:r>
+            <a:r>
+              <a:rPr lang="pt-BR" dirty="0" err="1"/>
+              <a:t>MongoClientFactory</a:t>
+            </a:r>
+            <a:endParaRPr lang="pt-BR" dirty="0"/>
+          </a:p>
+          <a:p>
+            <a:pPr lvl="1"/>
+            <a:r>
+              <a:rPr lang="pt-BR" dirty="0" err="1"/>
+              <a:t>Beans</a:t>
+            </a:r>
+            <a:r>
+              <a:rPr lang="pt-BR" dirty="0"/>
+              <a:t> aceita definir Métodos para Instanciação e Finalização</a:t>
+            </a:r>
+          </a:p>
+          <a:p>
+            <a:pPr lvl="1"/>
+            <a:r>
+              <a:rPr lang="pt-BR" dirty="0" err="1"/>
+              <a:t>Metodos</a:t>
+            </a:r>
+            <a:r>
+              <a:rPr lang="pt-BR" dirty="0"/>
+              <a:t> são chamados pelo Container, no momento que o Container decidir.</a:t>
+            </a:r>
+          </a:p>
+          <a:p>
+            <a:pPr lvl="1"/>
+            <a:endParaRPr lang="pt-BR" dirty="0"/>
+          </a:p>
+        </p:txBody>
+      </p:sp>
+    </p:spTree>
+    <p:extLst>
+      <p:ext uri="{BB962C8B-B14F-4D97-AF65-F5344CB8AC3E}">
+        <p14:creationId xmlns:p14="http://schemas.microsoft.com/office/powerpoint/2010/main" val="1841566657"/>
+      </p:ext>
+    </p:extLst>
+  </p:cSld>
+  <p:clrMapOvr>
+    <a:masterClrMapping/>
+  </p:clrMapOvr>
+</p:sld>
+</file>
+
+<file path=ppt/slides/slide19.xml><?xml version="1.0" encoding="utf-8"?>
+<p:sld xmlns:a="http://schemas.openxmlformats.org/drawingml/2006/main" xmlns:r="http://schemas.openxmlformats.org/officeDocument/2006/relationships" xmlns:p="http://schemas.openxmlformats.org/presentationml/2006/main">
+  <p:cSld>
+    <p:spTree>
+      <p:nvGrpSpPr>
+        <p:cNvPr id="1" name=""/>
+        <p:cNvGrpSpPr/>
+        <p:nvPr/>
+      </p:nvGrpSpPr>
+      <p:grpSpPr>
+        <a:xfrm>
+          <a:off x="0" y="0"/>
+          <a:ext cx="0" cy="0"/>
+          <a:chOff x="0" y="0"/>
+          <a:chExt cx="0" cy="0"/>
+        </a:xfrm>
+      </p:grpSpPr>
+      <p:sp>
+        <p:nvSpPr>
+          <p:cNvPr id="2" name="Título 1">
+            <a:extLst>
+              <a:ext uri="{FF2B5EF4-FFF2-40B4-BE49-F238E27FC236}">
+                <a16:creationId xmlns:a16="http://schemas.microsoft.com/office/drawing/2014/main" id="{CC9F3EC8-E7F0-463B-8D4B-B7762B501B7F}"/>
+              </a:ext>
+            </a:extLst>
+          </p:cNvPr>
+          <p:cNvSpPr>
+            <a:spLocks noGrp="1"/>
+          </p:cNvSpPr>
+          <p:nvPr>
+            <p:ph type="title"/>
+          </p:nvPr>
+        </p:nvSpPr>
+        <p:spPr/>
+        <p:txBody>
+          <a:bodyPr>
+            <a:normAutofit/>
+          </a:bodyPr>
+          <a:lstStyle/>
+          <a:p>
+            <a:r>
+              <a:rPr lang="pt-BR" dirty="0"/>
+              <a:t>Instanciando – </a:t>
+            </a:r>
+            <a:r>
+              <a:rPr lang="pt-BR" dirty="0" err="1"/>
+              <a:t>Factory</a:t>
+            </a:r>
+            <a:endParaRPr lang="pt-BR" dirty="0"/>
+          </a:p>
+        </p:txBody>
+      </p:sp>
+      <p:sp>
+        <p:nvSpPr>
+          <p:cNvPr id="3" name="Espaço Reservado para Conteúdo 2">
+            <a:extLst>
+              <a:ext uri="{FF2B5EF4-FFF2-40B4-BE49-F238E27FC236}">
+                <a16:creationId xmlns:a16="http://schemas.microsoft.com/office/drawing/2014/main" id="{5ADC8D01-ADA1-4BF7-8B70-08A26A08008C}"/>
+              </a:ext>
+            </a:extLst>
+          </p:cNvPr>
+          <p:cNvSpPr>
+            <a:spLocks noGrp="1"/>
+          </p:cNvSpPr>
+          <p:nvPr>
+            <p:ph idx="1"/>
+          </p:nvPr>
+        </p:nvSpPr>
+        <p:spPr/>
+        <p:txBody>
+          <a:bodyPr/>
+          <a:lstStyle/>
+          <a:p>
+            <a:r>
+              <a:rPr lang="pt-BR" dirty="0"/>
+              <a:t>Via @</a:t>
+            </a:r>
+            <a:r>
+              <a:rPr lang="pt-BR" dirty="0" err="1"/>
+              <a:t>Produces</a:t>
+            </a:r>
+            <a:endParaRPr lang="pt-BR" dirty="0"/>
+          </a:p>
+          <a:p>
+            <a:pPr lvl="1"/>
+            <a:r>
+              <a:rPr lang="pt-BR" dirty="0"/>
+              <a:t>Ver </a:t>
+            </a:r>
+            <a:r>
+              <a:rPr lang="pt-BR" dirty="0" err="1"/>
+              <a:t>MongoClientFactory</a:t>
+            </a:r>
+            <a:endParaRPr lang="pt-BR" dirty="0"/>
+          </a:p>
+          <a:p>
+            <a:pPr lvl="1"/>
+            <a:r>
+              <a:rPr lang="pt-BR" dirty="0"/>
+              <a:t>É possível criar classe de </a:t>
+            </a:r>
+            <a:r>
+              <a:rPr lang="pt-BR" dirty="0" err="1"/>
+              <a:t>Factories</a:t>
+            </a:r>
+            <a:endParaRPr lang="pt-BR" dirty="0"/>
+          </a:p>
+          <a:p>
+            <a:pPr lvl="2"/>
+            <a:r>
+              <a:rPr lang="pt-BR" dirty="0"/>
+              <a:t>A vantagem é não duplicar recursos quando necessário.</a:t>
+            </a:r>
+          </a:p>
+        </p:txBody>
+      </p:sp>
+    </p:spTree>
+    <p:extLst>
+      <p:ext uri="{BB962C8B-B14F-4D97-AF65-F5344CB8AC3E}">
+        <p14:creationId xmlns:p14="http://schemas.microsoft.com/office/powerpoint/2010/main" val="565217217"/>
+      </p:ext>
+    </p:extLst>
+  </p:cSld>
+  <p:clrMapOvr>
+    <a:masterClrMapping/>
+  </p:clrMapOvr>
+</p:sld>
+</file>
+
 <file path=ppt/slides/slide2.xml><?xml version="1.0" encoding="utf-8"?>
 <p:sld xmlns:a="http://schemas.openxmlformats.org/drawingml/2006/main" xmlns:r="http://schemas.openxmlformats.org/officeDocument/2006/relationships" xmlns:p="http://schemas.openxmlformats.org/presentationml/2006/main">
   <p:cSld>
@@ -5571,6 +6108,907 @@
     <p:extLst>
       <p:ext uri="{BB962C8B-B14F-4D97-AF65-F5344CB8AC3E}">
         <p14:creationId xmlns:p14="http://schemas.microsoft.com/office/powerpoint/2010/main" val="2096135276"/>
+      </p:ext>
+    </p:extLst>
+  </p:cSld>
+  <p:clrMapOvr>
+    <a:masterClrMapping/>
+  </p:clrMapOvr>
+</p:sld>
+</file>
+
+<file path=ppt/slides/slide20.xml><?xml version="1.0" encoding="utf-8"?>
+<p:sld xmlns:a="http://schemas.openxmlformats.org/drawingml/2006/main" xmlns:r="http://schemas.openxmlformats.org/officeDocument/2006/relationships" xmlns:p="http://schemas.openxmlformats.org/presentationml/2006/main">
+  <p:cSld>
+    <p:spTree>
+      <p:nvGrpSpPr>
+        <p:cNvPr id="1" name=""/>
+        <p:cNvGrpSpPr/>
+        <p:nvPr/>
+      </p:nvGrpSpPr>
+      <p:grpSpPr>
+        <a:xfrm>
+          <a:off x="0" y="0"/>
+          <a:ext cx="0" cy="0"/>
+          <a:chOff x="0" y="0"/>
+          <a:chExt cx="0" cy="0"/>
+        </a:xfrm>
+      </p:grpSpPr>
+      <p:sp>
+        <p:nvSpPr>
+          <p:cNvPr id="2" name="Título 1">
+            <a:extLst>
+              <a:ext uri="{FF2B5EF4-FFF2-40B4-BE49-F238E27FC236}">
+                <a16:creationId xmlns:a16="http://schemas.microsoft.com/office/drawing/2014/main" id="{632216D8-F261-42F2-AE05-DAA9B92CFD69}"/>
+              </a:ext>
+            </a:extLst>
+          </p:cNvPr>
+          <p:cNvSpPr>
+            <a:spLocks noGrp="1"/>
+          </p:cNvSpPr>
+          <p:nvPr>
+            <p:ph type="title"/>
+          </p:nvPr>
+        </p:nvSpPr>
+        <p:spPr/>
+        <p:txBody>
+          <a:bodyPr/>
+          <a:lstStyle/>
+          <a:p>
+            <a:r>
+              <a:rPr lang="pt-BR" dirty="0"/>
+              <a:t>Injetando</a:t>
+            </a:r>
+          </a:p>
+        </p:txBody>
+      </p:sp>
+      <p:sp>
+        <p:nvSpPr>
+          <p:cNvPr id="3" name="Espaço Reservado para Conteúdo 2">
+            <a:extLst>
+              <a:ext uri="{FF2B5EF4-FFF2-40B4-BE49-F238E27FC236}">
+                <a16:creationId xmlns:a16="http://schemas.microsoft.com/office/drawing/2014/main" id="{12AF5AFF-26D8-4D48-982E-0BF02876059F}"/>
+              </a:ext>
+            </a:extLst>
+          </p:cNvPr>
+          <p:cNvSpPr>
+            <a:spLocks noGrp="1"/>
+          </p:cNvSpPr>
+          <p:nvPr>
+            <p:ph idx="1"/>
+          </p:nvPr>
+        </p:nvSpPr>
+        <p:spPr/>
+        <p:txBody>
+          <a:bodyPr/>
+          <a:lstStyle/>
+          <a:p>
+            <a:r>
+              <a:rPr lang="pt-BR" dirty="0"/>
+              <a:t>Simples </a:t>
+            </a:r>
+            <a:r>
+              <a:rPr lang="pt-BR" dirty="0" err="1"/>
+              <a:t>Inject</a:t>
+            </a:r>
+            <a:endParaRPr lang="pt-BR" dirty="0"/>
+          </a:p>
+          <a:p>
+            <a:pPr lvl="1"/>
+            <a:r>
+              <a:rPr lang="pt-BR" dirty="0"/>
+              <a:t>Ver </a:t>
+            </a:r>
+            <a:r>
+              <a:rPr lang="pt-BR" dirty="0" err="1"/>
+              <a:t>UserEndpoint</a:t>
+            </a:r>
+            <a:endParaRPr lang="pt-BR" dirty="0"/>
+          </a:p>
+          <a:p>
+            <a:pPr lvl="1"/>
+            <a:r>
+              <a:rPr lang="pt-BR" dirty="0"/>
+              <a:t>Deve ser usado em um </a:t>
+            </a:r>
+            <a:r>
+              <a:rPr lang="pt-BR" dirty="0" err="1"/>
+              <a:t>Bean</a:t>
+            </a:r>
+            <a:r>
+              <a:rPr lang="pt-BR" dirty="0"/>
+              <a:t>!</a:t>
+            </a:r>
+          </a:p>
+          <a:p>
+            <a:pPr lvl="1"/>
+            <a:r>
+              <a:rPr lang="pt-BR" dirty="0"/>
+              <a:t>Não é necessário saber o escopo do </a:t>
+            </a:r>
+            <a:r>
+              <a:rPr lang="pt-BR" dirty="0" err="1"/>
+              <a:t>Bean</a:t>
+            </a:r>
+            <a:endParaRPr lang="pt-BR" dirty="0"/>
+          </a:p>
+          <a:p>
+            <a:pPr lvl="1"/>
+            <a:r>
+              <a:rPr lang="pt-BR" dirty="0"/>
+              <a:t>Não é necessário saber nada sobre o </a:t>
+            </a:r>
+            <a:r>
+              <a:rPr lang="pt-BR" dirty="0" err="1"/>
+              <a:t>Bean</a:t>
+            </a:r>
+            <a:endParaRPr lang="pt-BR" dirty="0"/>
+          </a:p>
+          <a:p>
+            <a:pPr lvl="2"/>
+            <a:r>
+              <a:rPr lang="pt-BR" dirty="0"/>
+              <a:t>Exceto se ele usa </a:t>
+            </a:r>
+            <a:r>
+              <a:rPr lang="pt-BR" dirty="0" err="1"/>
+              <a:t>Qualifiers</a:t>
+            </a:r>
+            <a:r>
+              <a:rPr lang="pt-BR" dirty="0"/>
+              <a:t> ou </a:t>
+            </a:r>
+            <a:r>
+              <a:rPr lang="pt-BR" dirty="0" err="1"/>
+              <a:t>Named</a:t>
+            </a:r>
+            <a:r>
+              <a:rPr lang="pt-BR" dirty="0"/>
+              <a:t> </a:t>
+            </a:r>
+            <a:r>
+              <a:rPr lang="pt-BR" i="1" dirty="0"/>
+              <a:t>a seguir...</a:t>
+            </a:r>
+          </a:p>
+        </p:txBody>
+      </p:sp>
+    </p:spTree>
+    <p:extLst>
+      <p:ext uri="{BB962C8B-B14F-4D97-AF65-F5344CB8AC3E}">
+        <p14:creationId xmlns:p14="http://schemas.microsoft.com/office/powerpoint/2010/main" val="4087398100"/>
+      </p:ext>
+    </p:extLst>
+  </p:cSld>
+  <p:clrMapOvr>
+    <a:masterClrMapping/>
+  </p:clrMapOvr>
+</p:sld>
+</file>
+
+<file path=ppt/slides/slide21.xml><?xml version="1.0" encoding="utf-8"?>
+<p:sld xmlns:a="http://schemas.openxmlformats.org/drawingml/2006/main" xmlns:r="http://schemas.openxmlformats.org/officeDocument/2006/relationships" xmlns:p="http://schemas.openxmlformats.org/presentationml/2006/main">
+  <p:cSld>
+    <p:spTree>
+      <p:nvGrpSpPr>
+        <p:cNvPr id="1" name=""/>
+        <p:cNvGrpSpPr/>
+        <p:nvPr/>
+      </p:nvGrpSpPr>
+      <p:grpSpPr>
+        <a:xfrm>
+          <a:off x="0" y="0"/>
+          <a:ext cx="0" cy="0"/>
+          <a:chOff x="0" y="0"/>
+          <a:chExt cx="0" cy="0"/>
+        </a:xfrm>
+      </p:grpSpPr>
+      <p:sp>
+        <p:nvSpPr>
+          <p:cNvPr id="2" name="Título 1">
+            <a:extLst>
+              <a:ext uri="{FF2B5EF4-FFF2-40B4-BE49-F238E27FC236}">
+                <a16:creationId xmlns:a16="http://schemas.microsoft.com/office/drawing/2014/main" id="{3B0B77F3-803F-4FC3-B6B7-B975F6D62072}"/>
+              </a:ext>
+            </a:extLst>
+          </p:cNvPr>
+          <p:cNvSpPr>
+            <a:spLocks noGrp="1"/>
+          </p:cNvSpPr>
+          <p:nvPr>
+            <p:ph type="title"/>
+          </p:nvPr>
+        </p:nvSpPr>
+        <p:spPr/>
+        <p:txBody>
+          <a:bodyPr/>
+          <a:lstStyle/>
+          <a:p>
+            <a:r>
+              <a:rPr lang="pt-BR" dirty="0"/>
+              <a:t>Injetando – Especialização</a:t>
+            </a:r>
+          </a:p>
+        </p:txBody>
+      </p:sp>
+      <p:sp>
+        <p:nvSpPr>
+          <p:cNvPr id="3" name="Espaço Reservado para Conteúdo 2">
+            <a:extLst>
+              <a:ext uri="{FF2B5EF4-FFF2-40B4-BE49-F238E27FC236}">
+                <a16:creationId xmlns:a16="http://schemas.microsoft.com/office/drawing/2014/main" id="{CFB6C7C9-C0A8-45FA-8EB1-854AC270EE52}"/>
+              </a:ext>
+            </a:extLst>
+          </p:cNvPr>
+          <p:cNvSpPr>
+            <a:spLocks noGrp="1"/>
+          </p:cNvSpPr>
+          <p:nvPr>
+            <p:ph idx="1"/>
+          </p:nvPr>
+        </p:nvSpPr>
+        <p:spPr/>
+        <p:txBody>
+          <a:bodyPr/>
+          <a:lstStyle/>
+          <a:p>
+            <a:r>
+              <a:rPr lang="pt-BR" dirty="0"/>
+              <a:t>Java CDI aceita Especialização</a:t>
+            </a:r>
+          </a:p>
+          <a:p>
+            <a:pPr lvl="1"/>
+            <a:r>
+              <a:rPr lang="pt-BR" dirty="0"/>
+              <a:t>A classe que usará o </a:t>
+            </a:r>
+            <a:r>
+              <a:rPr lang="pt-BR" dirty="0" err="1"/>
+              <a:t>Bean</a:t>
+            </a:r>
+            <a:r>
+              <a:rPr lang="pt-BR" dirty="0"/>
+              <a:t> não precisa saber a implementação</a:t>
+            </a:r>
+          </a:p>
+          <a:p>
+            <a:r>
+              <a:rPr lang="pt-BR" dirty="0"/>
+              <a:t>Por </a:t>
+            </a:r>
+            <a:r>
+              <a:rPr lang="pt-BR" dirty="0" err="1"/>
+              <a:t>Qualifier</a:t>
+            </a:r>
+            <a:endParaRPr lang="pt-BR" dirty="0"/>
+          </a:p>
+          <a:p>
+            <a:pPr lvl="1"/>
+            <a:r>
+              <a:rPr lang="pt-BR" dirty="0"/>
+              <a:t>Ver </a:t>
+            </a:r>
+            <a:r>
+              <a:rPr lang="pt-BR" dirty="0" err="1"/>
+              <a:t>HelloEndpoint</a:t>
+            </a:r>
+            <a:endParaRPr lang="pt-BR" dirty="0"/>
+          </a:p>
+          <a:p>
+            <a:pPr lvl="1"/>
+            <a:r>
+              <a:rPr lang="pt-BR" dirty="0"/>
+              <a:t>Definir </a:t>
+            </a:r>
+            <a:r>
+              <a:rPr lang="pt-BR" dirty="0" err="1"/>
+              <a:t>Annotation</a:t>
+            </a:r>
+            <a:r>
+              <a:rPr lang="pt-BR" dirty="0"/>
+              <a:t> com </a:t>
+            </a:r>
+            <a:r>
+              <a:rPr lang="pt-BR" dirty="0" err="1"/>
+              <a:t>Qualifier</a:t>
+            </a:r>
+            <a:endParaRPr lang="pt-BR" dirty="0"/>
+          </a:p>
+          <a:p>
+            <a:r>
+              <a:rPr lang="pt-BR" dirty="0"/>
+              <a:t>Por </a:t>
+            </a:r>
+            <a:r>
+              <a:rPr lang="pt-BR" dirty="0" err="1"/>
+              <a:t>Naming</a:t>
+            </a:r>
+            <a:endParaRPr lang="pt-BR" dirty="0"/>
+          </a:p>
+          <a:p>
+            <a:pPr lvl="1"/>
+            <a:r>
+              <a:rPr lang="pt-BR" dirty="0"/>
+              <a:t>Ver </a:t>
+            </a:r>
+            <a:r>
+              <a:rPr lang="pt-BR" dirty="0" err="1"/>
+              <a:t>ByeEndpoint</a:t>
+            </a:r>
+            <a:endParaRPr lang="pt-BR" dirty="0"/>
+          </a:p>
+          <a:p>
+            <a:pPr lvl="1"/>
+            <a:r>
+              <a:rPr lang="pt-BR" dirty="0"/>
+              <a:t>Não é necessário </a:t>
+            </a:r>
+            <a:r>
+              <a:rPr lang="pt-BR" dirty="0" err="1"/>
+              <a:t>Annotation</a:t>
+            </a:r>
+            <a:endParaRPr lang="pt-BR" dirty="0"/>
+          </a:p>
+        </p:txBody>
+      </p:sp>
+    </p:spTree>
+    <p:extLst>
+      <p:ext uri="{BB962C8B-B14F-4D97-AF65-F5344CB8AC3E}">
+        <p14:creationId xmlns:p14="http://schemas.microsoft.com/office/powerpoint/2010/main" val="1906272264"/>
+      </p:ext>
+    </p:extLst>
+  </p:cSld>
+  <p:clrMapOvr>
+    <a:masterClrMapping/>
+  </p:clrMapOvr>
+</p:sld>
+</file>
+
+<file path=ppt/slides/slide22.xml><?xml version="1.0" encoding="utf-8"?>
+<p:sld xmlns:a="http://schemas.openxmlformats.org/drawingml/2006/main" xmlns:r="http://schemas.openxmlformats.org/officeDocument/2006/relationships" xmlns:p="http://schemas.openxmlformats.org/presentationml/2006/main">
+  <p:cSld>
+    <p:spTree>
+      <p:nvGrpSpPr>
+        <p:cNvPr id="1" name=""/>
+        <p:cNvGrpSpPr/>
+        <p:nvPr/>
+      </p:nvGrpSpPr>
+      <p:grpSpPr>
+        <a:xfrm>
+          <a:off x="0" y="0"/>
+          <a:ext cx="0" cy="0"/>
+          <a:chOff x="0" y="0"/>
+          <a:chExt cx="0" cy="0"/>
+        </a:xfrm>
+      </p:grpSpPr>
+      <p:sp>
+        <p:nvSpPr>
+          <p:cNvPr id="2" name="Título 1">
+            <a:extLst>
+              <a:ext uri="{FF2B5EF4-FFF2-40B4-BE49-F238E27FC236}">
+                <a16:creationId xmlns:a16="http://schemas.microsoft.com/office/drawing/2014/main" id="{219D9967-66D5-4F7B-986A-9C4B1990AE38}"/>
+              </a:ext>
+            </a:extLst>
+          </p:cNvPr>
+          <p:cNvSpPr>
+            <a:spLocks noGrp="1"/>
+          </p:cNvSpPr>
+          <p:nvPr>
+            <p:ph type="title"/>
+          </p:nvPr>
+        </p:nvSpPr>
+        <p:spPr/>
+        <p:txBody>
+          <a:bodyPr/>
+          <a:lstStyle/>
+          <a:p>
+            <a:r>
+              <a:rPr lang="pt-BR" dirty="0"/>
+              <a:t>Interceptando</a:t>
+            </a:r>
+          </a:p>
+        </p:txBody>
+      </p:sp>
+      <p:sp>
+        <p:nvSpPr>
+          <p:cNvPr id="3" name="Espaço Reservado para Conteúdo 2">
+            <a:extLst>
+              <a:ext uri="{FF2B5EF4-FFF2-40B4-BE49-F238E27FC236}">
+                <a16:creationId xmlns:a16="http://schemas.microsoft.com/office/drawing/2014/main" id="{70420B27-7879-48DC-AA44-ED8EE805B6FD}"/>
+              </a:ext>
+            </a:extLst>
+          </p:cNvPr>
+          <p:cNvSpPr>
+            <a:spLocks noGrp="1"/>
+          </p:cNvSpPr>
+          <p:nvPr>
+            <p:ph idx="1"/>
+          </p:nvPr>
+        </p:nvSpPr>
+        <p:spPr/>
+        <p:txBody>
+          <a:bodyPr/>
+          <a:lstStyle/>
+          <a:p>
+            <a:r>
+              <a:rPr lang="pt-BR" dirty="0"/>
+              <a:t>O </a:t>
+            </a:r>
+            <a:r>
+              <a:rPr lang="pt-BR" dirty="0" err="1"/>
+              <a:t>Bean</a:t>
+            </a:r>
+            <a:r>
+              <a:rPr lang="pt-BR" dirty="0"/>
+              <a:t> injetado nem sempre é exatamente uma implementação direta de sua definição</a:t>
+            </a:r>
+          </a:p>
+          <a:p>
+            <a:pPr lvl="1"/>
+            <a:r>
+              <a:rPr lang="pt-BR" dirty="0"/>
+              <a:t>Lógicas acessórias podem ser adicionadas</a:t>
+            </a:r>
+          </a:p>
+          <a:p>
+            <a:r>
+              <a:rPr lang="pt-BR" dirty="0"/>
+              <a:t>Quando usar?</a:t>
+            </a:r>
+          </a:p>
+          <a:p>
+            <a:pPr lvl="1"/>
+            <a:r>
+              <a:rPr lang="pt-BR" dirty="0"/>
+              <a:t>Quando o que deve ser feito não é parte da Lógica de Negócios direta</a:t>
+            </a:r>
+          </a:p>
+          <a:p>
+            <a:r>
+              <a:rPr lang="pt-BR" dirty="0"/>
+              <a:t>Configurando...</a:t>
+            </a:r>
+          </a:p>
+          <a:p>
+            <a:pPr lvl="1"/>
+            <a:r>
+              <a:rPr lang="pt-BR" dirty="0"/>
+              <a:t>Deve ser declarado no beans.xml</a:t>
+            </a:r>
+            <a:endParaRPr lang="pt-BR" u="sng" dirty="0"/>
+          </a:p>
+          <a:p>
+            <a:pPr lvl="1"/>
+            <a:r>
+              <a:rPr lang="pt-BR" dirty="0"/>
+              <a:t>Deve usar </a:t>
+            </a:r>
+            <a:r>
+              <a:rPr lang="pt-BR" dirty="0" err="1"/>
+              <a:t>Qualifier</a:t>
+            </a:r>
+            <a:endParaRPr lang="pt-BR" dirty="0"/>
+          </a:p>
+          <a:p>
+            <a:pPr lvl="1"/>
+            <a:r>
+              <a:rPr lang="pt-BR" dirty="0"/>
+              <a:t>Deve declarar um Interceptor</a:t>
+            </a:r>
+          </a:p>
+          <a:p>
+            <a:endParaRPr lang="pt-BR" dirty="0"/>
+          </a:p>
+        </p:txBody>
+      </p:sp>
+    </p:spTree>
+    <p:extLst>
+      <p:ext uri="{BB962C8B-B14F-4D97-AF65-F5344CB8AC3E}">
+        <p14:creationId xmlns:p14="http://schemas.microsoft.com/office/powerpoint/2010/main" val="1375712034"/>
+      </p:ext>
+    </p:extLst>
+  </p:cSld>
+  <p:clrMapOvr>
+    <a:masterClrMapping/>
+  </p:clrMapOvr>
+</p:sld>
+</file>
+
+<file path=ppt/slides/slide23.xml><?xml version="1.0" encoding="utf-8"?>
+<p:sld xmlns:a="http://schemas.openxmlformats.org/drawingml/2006/main" xmlns:r="http://schemas.openxmlformats.org/officeDocument/2006/relationships" xmlns:p="http://schemas.openxmlformats.org/presentationml/2006/main">
+  <p:cSld>
+    <p:spTree>
+      <p:nvGrpSpPr>
+        <p:cNvPr id="1" name=""/>
+        <p:cNvGrpSpPr/>
+        <p:nvPr/>
+      </p:nvGrpSpPr>
+      <p:grpSpPr>
+        <a:xfrm>
+          <a:off x="0" y="0"/>
+          <a:ext cx="0" cy="0"/>
+          <a:chOff x="0" y="0"/>
+          <a:chExt cx="0" cy="0"/>
+        </a:xfrm>
+      </p:grpSpPr>
+      <p:sp>
+        <p:nvSpPr>
+          <p:cNvPr id="2" name="Título 1">
+            <a:extLst>
+              <a:ext uri="{FF2B5EF4-FFF2-40B4-BE49-F238E27FC236}">
+                <a16:creationId xmlns:a16="http://schemas.microsoft.com/office/drawing/2014/main" id="{3178488C-1FF4-4366-A8F2-6C54132FDFBD}"/>
+              </a:ext>
+            </a:extLst>
+          </p:cNvPr>
+          <p:cNvSpPr>
+            <a:spLocks noGrp="1"/>
+          </p:cNvSpPr>
+          <p:nvPr>
+            <p:ph type="title"/>
+          </p:nvPr>
+        </p:nvSpPr>
+        <p:spPr>
+          <a:xfrm>
+            <a:off x="1261872" y="365760"/>
+            <a:ext cx="9692640" cy="1325562"/>
+          </a:xfrm>
+        </p:spPr>
+        <p:txBody>
+          <a:bodyPr/>
+          <a:lstStyle/>
+          <a:p>
+            <a:r>
+              <a:rPr lang="pt-BR" dirty="0"/>
+              <a:t>Eventos CDI</a:t>
+            </a:r>
+          </a:p>
+        </p:txBody>
+      </p:sp>
+      <p:sp>
+        <p:nvSpPr>
+          <p:cNvPr id="3" name="Espaço Reservado para Conteúdo 2">
+            <a:extLst>
+              <a:ext uri="{FF2B5EF4-FFF2-40B4-BE49-F238E27FC236}">
+                <a16:creationId xmlns:a16="http://schemas.microsoft.com/office/drawing/2014/main" id="{095B41B9-9640-45F9-8346-44FD749512C4}"/>
+              </a:ext>
+            </a:extLst>
+          </p:cNvPr>
+          <p:cNvSpPr>
+            <a:spLocks noGrp="1"/>
+          </p:cNvSpPr>
+          <p:nvPr>
+            <p:ph idx="1"/>
+          </p:nvPr>
+        </p:nvSpPr>
+        <p:spPr/>
+        <p:txBody>
+          <a:bodyPr/>
+          <a:lstStyle/>
+          <a:p>
+            <a:r>
+              <a:rPr lang="pt-BR" dirty="0"/>
+              <a:t>Java CDI provê uma interface para Ouvir/Produzir eventos</a:t>
+            </a:r>
+          </a:p>
+          <a:p>
+            <a:pPr lvl="1"/>
+            <a:r>
+              <a:rPr lang="pt-BR" dirty="0"/>
+              <a:t>Eventos a nível de JVM</a:t>
+            </a:r>
+          </a:p>
+          <a:p>
+            <a:pPr lvl="1"/>
+            <a:r>
+              <a:rPr lang="pt-BR" dirty="0"/>
+              <a:t>Tipo de evento: Qualquer classe Java</a:t>
+            </a:r>
+          </a:p>
+          <a:p>
+            <a:pPr lvl="1"/>
+            <a:r>
+              <a:rPr lang="pt-BR" dirty="0"/>
+              <a:t>Produtor: classe </a:t>
+            </a:r>
+            <a:r>
+              <a:rPr lang="pt-BR" dirty="0" err="1"/>
+              <a:t>Event</a:t>
+            </a:r>
+            <a:endParaRPr lang="pt-BR" dirty="0"/>
+          </a:p>
+          <a:p>
+            <a:pPr lvl="1"/>
+            <a:r>
+              <a:rPr lang="pt-BR" dirty="0"/>
+              <a:t>Consumidor: Método com @Observes</a:t>
+            </a:r>
+          </a:p>
+          <a:p>
+            <a:r>
+              <a:rPr lang="pt-BR" dirty="0"/>
+              <a:t>Exemplos</a:t>
+            </a:r>
+          </a:p>
+          <a:p>
+            <a:pPr lvl="1"/>
+            <a:r>
+              <a:rPr lang="pt-BR" dirty="0"/>
+              <a:t>Producer</a:t>
+            </a:r>
+          </a:p>
+          <a:p>
+            <a:pPr lvl="2"/>
+            <a:r>
+              <a:rPr lang="pt-BR" dirty="0"/>
+              <a:t>Ver </a:t>
+            </a:r>
+            <a:r>
+              <a:rPr lang="pt-BR" dirty="0" err="1"/>
+              <a:t>UserEndpoint</a:t>
+            </a:r>
+            <a:endParaRPr lang="pt-BR" dirty="0"/>
+          </a:p>
+          <a:p>
+            <a:pPr lvl="1"/>
+            <a:r>
+              <a:rPr lang="pt-BR" dirty="0" err="1"/>
+              <a:t>Consumer</a:t>
+            </a:r>
+            <a:endParaRPr lang="pt-BR" dirty="0"/>
+          </a:p>
+          <a:p>
+            <a:pPr lvl="2"/>
+            <a:r>
+              <a:rPr lang="pt-BR" dirty="0"/>
+              <a:t>Ver </a:t>
+            </a:r>
+            <a:r>
+              <a:rPr lang="pt-BR" dirty="0" err="1"/>
+              <a:t>Consumers</a:t>
+            </a:r>
+            <a:endParaRPr lang="pt-BR" dirty="0"/>
+          </a:p>
+        </p:txBody>
+      </p:sp>
+    </p:spTree>
+    <p:extLst>
+      <p:ext uri="{BB962C8B-B14F-4D97-AF65-F5344CB8AC3E}">
+        <p14:creationId xmlns:p14="http://schemas.microsoft.com/office/powerpoint/2010/main" val="4213367821"/>
+      </p:ext>
+    </p:extLst>
+  </p:cSld>
+  <p:clrMapOvr>
+    <a:masterClrMapping/>
+  </p:clrMapOvr>
+</p:sld>
+</file>
+
+<file path=ppt/slides/slide24.xml><?xml version="1.0" encoding="utf-8"?>
+<p:sld xmlns:a="http://schemas.openxmlformats.org/drawingml/2006/main" xmlns:r="http://schemas.openxmlformats.org/officeDocument/2006/relationships" xmlns:p="http://schemas.openxmlformats.org/presentationml/2006/main">
+  <p:cSld>
+    <p:spTree>
+      <p:nvGrpSpPr>
+        <p:cNvPr id="1" name=""/>
+        <p:cNvGrpSpPr/>
+        <p:nvPr/>
+      </p:nvGrpSpPr>
+      <p:grpSpPr>
+        <a:xfrm>
+          <a:off x="0" y="0"/>
+          <a:ext cx="0" cy="0"/>
+          <a:chOff x="0" y="0"/>
+          <a:chExt cx="0" cy="0"/>
+        </a:xfrm>
+      </p:grpSpPr>
+      <p:sp>
+        <p:nvSpPr>
+          <p:cNvPr id="2" name="Título 1">
+            <a:extLst>
+              <a:ext uri="{FF2B5EF4-FFF2-40B4-BE49-F238E27FC236}">
+                <a16:creationId xmlns:a16="http://schemas.microsoft.com/office/drawing/2014/main" id="{97E097C3-F3F2-4D74-8CC5-F81D8643CF41}"/>
+              </a:ext>
+            </a:extLst>
+          </p:cNvPr>
+          <p:cNvSpPr>
+            <a:spLocks noGrp="1"/>
+          </p:cNvSpPr>
+          <p:nvPr>
+            <p:ph type="title"/>
+          </p:nvPr>
+        </p:nvSpPr>
+        <p:spPr/>
+        <p:txBody>
+          <a:bodyPr/>
+          <a:lstStyle/>
+          <a:p>
+            <a:r>
+              <a:rPr lang="pt-BR" dirty="0"/>
+              <a:t>Java CDI em Java SE</a:t>
+            </a:r>
+          </a:p>
+        </p:txBody>
+      </p:sp>
+      <p:sp>
+        <p:nvSpPr>
+          <p:cNvPr id="3" name="Espaço Reservado para Conteúdo 2">
+            <a:extLst>
+              <a:ext uri="{FF2B5EF4-FFF2-40B4-BE49-F238E27FC236}">
+                <a16:creationId xmlns:a16="http://schemas.microsoft.com/office/drawing/2014/main" id="{ED1C736F-A7FD-4290-9C49-D7948187C6FE}"/>
+              </a:ext>
+            </a:extLst>
+          </p:cNvPr>
+          <p:cNvSpPr>
+            <a:spLocks noGrp="1"/>
+          </p:cNvSpPr>
+          <p:nvPr>
+            <p:ph idx="1"/>
+          </p:nvPr>
+        </p:nvSpPr>
+        <p:spPr/>
+        <p:txBody>
+          <a:bodyPr/>
+          <a:lstStyle/>
+          <a:p>
+            <a:r>
+              <a:rPr lang="pt-BR" dirty="0"/>
+              <a:t>Usar </a:t>
+            </a:r>
+            <a:r>
+              <a:rPr lang="pt-BR" dirty="0" err="1"/>
+              <a:t>Weld</a:t>
+            </a:r>
+            <a:endParaRPr lang="pt-BR" dirty="0"/>
+          </a:p>
+          <a:p>
+            <a:pPr lvl="1"/>
+            <a:r>
+              <a:rPr lang="pt-BR" dirty="0">
+                <a:hlinkClick r:id="rId3"/>
+              </a:rPr>
+              <a:t>https://weld.cdi-spec.org/</a:t>
+            </a:r>
+            <a:endParaRPr lang="pt-BR" dirty="0"/>
+          </a:p>
+          <a:p>
+            <a:r>
+              <a:rPr lang="pt-BR" dirty="0"/>
+              <a:t>Deve adicionar beans.xml</a:t>
+            </a:r>
+          </a:p>
+          <a:p>
+            <a:r>
+              <a:rPr lang="pt-BR" dirty="0"/>
+              <a:t>Dependências</a:t>
+            </a:r>
+          </a:p>
+          <a:p>
+            <a:pPr lvl="1"/>
+            <a:r>
+              <a:rPr lang="pt-BR" dirty="0"/>
+              <a:t>Não deve declarar dependências como “</a:t>
+            </a:r>
+            <a:r>
+              <a:rPr lang="pt-BR" dirty="0" err="1"/>
+              <a:t>provided</a:t>
+            </a:r>
+            <a:r>
+              <a:rPr lang="pt-BR" dirty="0"/>
+              <a:t>”</a:t>
+            </a:r>
+          </a:p>
+          <a:p>
+            <a:pPr lvl="1"/>
+            <a:r>
+              <a:rPr lang="pt-BR" dirty="0"/>
+              <a:t>Deve gerar um “</a:t>
+            </a:r>
+            <a:r>
+              <a:rPr lang="pt-BR" dirty="0" err="1"/>
+              <a:t>fat</a:t>
+            </a:r>
+            <a:r>
+              <a:rPr lang="pt-BR" dirty="0"/>
+              <a:t> </a:t>
+            </a:r>
+            <a:r>
+              <a:rPr lang="pt-BR" dirty="0" err="1"/>
+              <a:t>jar</a:t>
+            </a:r>
+            <a:r>
+              <a:rPr lang="pt-BR" dirty="0"/>
+              <a:t>”</a:t>
+            </a:r>
+          </a:p>
+          <a:p>
+            <a:r>
+              <a:rPr lang="pt-BR" dirty="0"/>
+              <a:t>Deve declarar um </a:t>
+            </a:r>
+            <a:r>
+              <a:rPr lang="pt-BR" dirty="0" err="1"/>
+              <a:t>main</a:t>
+            </a:r>
+            <a:endParaRPr lang="pt-BR" dirty="0"/>
+          </a:p>
+          <a:p>
+            <a:pPr marL="0" indent="0">
+              <a:buNone/>
+            </a:pPr>
+            <a:endParaRPr lang="pt-BR" dirty="0"/>
+          </a:p>
+          <a:p>
+            <a:endParaRPr lang="pt-BR" dirty="0"/>
+          </a:p>
+        </p:txBody>
+      </p:sp>
+      <p:graphicFrame>
+        <p:nvGraphicFramePr>
+          <p:cNvPr id="4" name="Objeto 3">
+            <a:extLst>
+              <a:ext uri="{FF2B5EF4-FFF2-40B4-BE49-F238E27FC236}">
+                <a16:creationId xmlns:a16="http://schemas.microsoft.com/office/drawing/2014/main" id="{5E7A96A5-C8B8-48B6-A92C-6361AA686EB7}"/>
+              </a:ext>
+            </a:extLst>
+          </p:cNvPr>
+          <p:cNvGraphicFramePr>
+            <a:graphicFrameLocks noChangeAspect="1"/>
+          </p:cNvGraphicFramePr>
+          <p:nvPr>
+            <p:extLst>
+              <p:ext uri="{D42A27DB-BD31-4B8C-83A1-F6EECF244321}">
+                <p14:modId xmlns:p14="http://schemas.microsoft.com/office/powerpoint/2010/main" val="311746300"/>
+              </p:ext>
+            </p:extLst>
+          </p:nvPr>
+        </p:nvGraphicFramePr>
+        <p:xfrm>
+          <a:off x="1261872" y="4611687"/>
+          <a:ext cx="8134350" cy="1568450"/>
+        </p:xfrm>
+        <a:graphic>
+          <a:graphicData uri="http://schemas.openxmlformats.org/presentationml/2006/ole">
+            <mc:AlternateContent xmlns:mc="http://schemas.openxmlformats.org/markup-compatibility/2006">
+              <mc:Choice xmlns:v="urn:schemas-microsoft-com:vml" Requires="v">
+                <p:oleObj spid="_x0000_s3074" name="Document" r:id="rId4" imgW="6670320" imgH="1282646" progId="Word.Document.12">
+                  <p:embed/>
+                </p:oleObj>
+              </mc:Choice>
+              <mc:Fallback>
+                <p:oleObj name="Document" r:id="rId4" imgW="6670320" imgH="1282646" progId="Word.Document.12">
+                  <p:embed/>
+                  <p:pic>
+                    <p:nvPicPr>
+                      <p:cNvPr id="0" name=""/>
+                      <p:cNvPicPr/>
+                      <p:nvPr/>
+                    </p:nvPicPr>
+                    <p:blipFill>
+                      <a:blip r:embed="rId5"/>
+                      <a:stretch>
+                        <a:fillRect/>
+                      </a:stretch>
+                    </p:blipFill>
+                    <p:spPr>
+                      <a:xfrm>
+                        <a:off x="1261872" y="4611687"/>
+                        <a:ext cx="8134350" cy="1568450"/>
+                      </a:xfrm>
+                      <a:prstGeom prst="rect">
+                        <a:avLst/>
+                      </a:prstGeom>
+                    </p:spPr>
+                  </p:pic>
+                </p:oleObj>
+              </mc:Fallback>
+            </mc:AlternateContent>
+          </a:graphicData>
+        </a:graphic>
+      </p:graphicFrame>
+    </p:spTree>
+    <p:extLst>
+      <p:ext uri="{BB962C8B-B14F-4D97-AF65-F5344CB8AC3E}">
+        <p14:creationId xmlns:p14="http://schemas.microsoft.com/office/powerpoint/2010/main" val="3553934507"/>
       </p:ext>
     </p:extLst>
   </p:cSld>
@@ -5602,7 +7040,7 @@
           <p:cNvPr id="2" name="Título 1">
             <a:extLst>
               <a:ext uri="{FF2B5EF4-FFF2-40B4-BE49-F238E27FC236}">
-                <a16:creationId xmlns:a16="http://schemas.microsoft.com/office/drawing/2014/main" id="{CE55E222-8905-46FA-827E-532F47234E5F}"/>
+                <a16:creationId xmlns:a16="http://schemas.microsoft.com/office/drawing/2014/main" id="{EB630F08-6B46-4C64-8B9C-76370181E77C}"/>
               </a:ext>
             </a:extLst>
           </p:cNvPr>
@@ -5620,7 +7058,7 @@
           <a:p>
             <a:r>
               <a:rPr lang="pt-BR" dirty="0"/>
-              <a:t>Java CDI: O que é?</a:t>
+              <a:t>Agenda</a:t>
             </a:r>
           </a:p>
         </p:txBody>
@@ -5630,7 +7068,7 @@
           <p:cNvPr id="3" name="Espaço Reservado para Conteúdo 2">
             <a:extLst>
               <a:ext uri="{FF2B5EF4-FFF2-40B4-BE49-F238E27FC236}">
-                <a16:creationId xmlns:a16="http://schemas.microsoft.com/office/drawing/2014/main" id="{59C47342-107A-4CF1-B717-E6E871BDB771}"/>
+                <a16:creationId xmlns:a16="http://schemas.microsoft.com/office/drawing/2014/main" id="{DFC3339E-7E71-4657-B0EA-7782A4AC25E0}"/>
               </a:ext>
             </a:extLst>
           </p:cNvPr>
@@ -5647,70 +7085,72 @@
           <a:lstStyle/>
           <a:p>
             <a:r>
-              <a:rPr lang="pt-BR" dirty="0" err="1"/>
-              <a:t>Contexts</a:t>
-            </a:r>
-            <a:r>
-              <a:rPr lang="pt-BR" dirty="0"/>
-              <a:t> </a:t>
-            </a:r>
-            <a:r>
-              <a:rPr lang="pt-BR" dirty="0" err="1"/>
-              <a:t>and</a:t>
-            </a:r>
-            <a:r>
-              <a:rPr lang="pt-BR" dirty="0"/>
-              <a:t> </a:t>
-            </a:r>
-            <a:r>
-              <a:rPr lang="pt-BR" dirty="0" err="1"/>
-              <a:t>Dependency</a:t>
-            </a:r>
-            <a:r>
-              <a:rPr lang="pt-BR" dirty="0"/>
-              <a:t> </a:t>
-            </a:r>
-            <a:r>
-              <a:rPr lang="pt-BR" dirty="0" err="1"/>
-              <a:t>Injection</a:t>
-            </a:r>
-            <a:r>
-              <a:rPr lang="pt-BR" dirty="0"/>
-              <a:t> (http://www.cdi-spec.org/) </a:t>
-            </a:r>
-          </a:p>
-          <a:p>
-            <a:r>
-              <a:rPr lang="pt-BR" dirty="0"/>
-              <a:t>Apenas uma Especificação</a:t>
-            </a:r>
-          </a:p>
-          <a:p>
-            <a:r>
-              <a:rPr lang="pt-BR" dirty="0"/>
-              <a:t>Permite</a:t>
+              <a:rPr lang="pt-BR" dirty="0"/>
+              <a:t>O que é Java CDI</a:t>
             </a:r>
           </a:p>
           <a:p>
             <a:pPr lvl="1"/>
             <a:r>
               <a:rPr lang="pt-BR" dirty="0"/>
-              <a:t>Programação Orientada a Aspecto</a:t>
+              <a:t>Porque Usar</a:t>
             </a:r>
           </a:p>
           <a:p>
             <a:pPr lvl="1"/>
             <a:r>
               <a:rPr lang="pt-BR" dirty="0"/>
-              <a:t>Inversão de Controle</a:t>
+              <a:t>Jakarta EE</a:t>
             </a:r>
           </a:p>
           <a:p>
             <a:pPr lvl="1"/>
             <a:r>
               <a:rPr lang="pt-BR" dirty="0"/>
-              <a:t>Controle de Contexto</a:t>
-            </a:r>
+              <a:t>Microprofile.io</a:t>
+            </a:r>
+          </a:p>
+          <a:p>
+            <a:r>
+              <a:rPr lang="pt-BR" dirty="0"/>
+              <a:t>Definições</a:t>
+            </a:r>
+          </a:p>
+          <a:p>
+            <a:r>
+              <a:rPr lang="pt-BR" dirty="0"/>
+              <a:t>Como declarar</a:t>
+            </a:r>
+          </a:p>
+          <a:p>
+            <a:r>
+              <a:rPr lang="pt-BR" dirty="0"/>
+              <a:t>Como usar</a:t>
+            </a:r>
+          </a:p>
+          <a:p>
+            <a:r>
+              <a:rPr lang="pt-BR" dirty="0"/>
+              <a:t>Interceptando Chamadas</a:t>
+            </a:r>
+          </a:p>
+          <a:p>
+            <a:r>
+              <a:rPr lang="pt-BR" dirty="0"/>
+              <a:t>Eventos</a:t>
+            </a:r>
+          </a:p>
+          <a:p>
+            <a:r>
+              <a:rPr lang="pt-BR" dirty="0"/>
+              <a:t>Java CDI em Java SE</a:t>
+            </a:r>
+          </a:p>
+          <a:p>
+            <a:endParaRPr lang="pt-BR" dirty="0"/>
+          </a:p>
+          <a:p>
+            <a:endParaRPr lang="pt-BR" dirty="0"/>
           </a:p>
           <a:p>
             <a:endParaRPr lang="pt-BR" dirty="0"/>
@@ -5720,7 +7160,7 @@
     </p:spTree>
     <p:extLst>
       <p:ext uri="{BB962C8B-B14F-4D97-AF65-F5344CB8AC3E}">
-        <p14:creationId xmlns:p14="http://schemas.microsoft.com/office/powerpoint/2010/main" val="3827031213"/>
+        <p14:creationId xmlns:p14="http://schemas.microsoft.com/office/powerpoint/2010/main" val="1524139716"/>
       </p:ext>
     </p:extLst>
   </p:cSld>
@@ -5752,6 +7192,156 @@
           <p:cNvPr id="2" name="Título 1">
             <a:extLst>
               <a:ext uri="{FF2B5EF4-FFF2-40B4-BE49-F238E27FC236}">
+                <a16:creationId xmlns:a16="http://schemas.microsoft.com/office/drawing/2014/main" id="{CE55E222-8905-46FA-827E-532F47234E5F}"/>
+              </a:ext>
+            </a:extLst>
+          </p:cNvPr>
+          <p:cNvSpPr>
+            <a:spLocks noGrp="1"/>
+          </p:cNvSpPr>
+          <p:nvPr>
+            <p:ph type="title"/>
+          </p:nvPr>
+        </p:nvSpPr>
+        <p:spPr/>
+        <p:txBody>
+          <a:bodyPr/>
+          <a:lstStyle/>
+          <a:p>
+            <a:r>
+              <a:rPr lang="pt-BR" dirty="0"/>
+              <a:t>Java CDI: O que é?</a:t>
+            </a:r>
+          </a:p>
+        </p:txBody>
+      </p:sp>
+      <p:sp>
+        <p:nvSpPr>
+          <p:cNvPr id="3" name="Espaço Reservado para Conteúdo 2">
+            <a:extLst>
+              <a:ext uri="{FF2B5EF4-FFF2-40B4-BE49-F238E27FC236}">
+                <a16:creationId xmlns:a16="http://schemas.microsoft.com/office/drawing/2014/main" id="{59C47342-107A-4CF1-B717-E6E871BDB771}"/>
+              </a:ext>
+            </a:extLst>
+          </p:cNvPr>
+          <p:cNvSpPr>
+            <a:spLocks noGrp="1"/>
+          </p:cNvSpPr>
+          <p:nvPr>
+            <p:ph idx="1"/>
+          </p:nvPr>
+        </p:nvSpPr>
+        <p:spPr/>
+        <p:txBody>
+          <a:bodyPr/>
+          <a:lstStyle/>
+          <a:p>
+            <a:r>
+              <a:rPr lang="pt-BR" dirty="0" err="1"/>
+              <a:t>Contexts</a:t>
+            </a:r>
+            <a:r>
+              <a:rPr lang="pt-BR" dirty="0"/>
+              <a:t> </a:t>
+            </a:r>
+            <a:r>
+              <a:rPr lang="pt-BR" dirty="0" err="1"/>
+              <a:t>and</a:t>
+            </a:r>
+            <a:r>
+              <a:rPr lang="pt-BR" dirty="0"/>
+              <a:t> </a:t>
+            </a:r>
+            <a:r>
+              <a:rPr lang="pt-BR" dirty="0" err="1"/>
+              <a:t>Dependency</a:t>
+            </a:r>
+            <a:r>
+              <a:rPr lang="pt-BR" dirty="0"/>
+              <a:t> </a:t>
+            </a:r>
+            <a:r>
+              <a:rPr lang="pt-BR" dirty="0" err="1"/>
+              <a:t>Injection</a:t>
+            </a:r>
+            <a:r>
+              <a:rPr lang="pt-BR" dirty="0"/>
+              <a:t> (http://www.cdi-spec.org/) </a:t>
+            </a:r>
+          </a:p>
+          <a:p>
+            <a:r>
+              <a:rPr lang="pt-BR" dirty="0"/>
+              <a:t>Apenas uma Especificação</a:t>
+            </a:r>
+          </a:p>
+          <a:p>
+            <a:r>
+              <a:rPr lang="pt-BR" dirty="0"/>
+              <a:t>Permite</a:t>
+            </a:r>
+          </a:p>
+          <a:p>
+            <a:pPr lvl="1"/>
+            <a:r>
+              <a:rPr lang="pt-BR" dirty="0"/>
+              <a:t>Programação Orientada a Aspecto</a:t>
+            </a:r>
+          </a:p>
+          <a:p>
+            <a:pPr lvl="1"/>
+            <a:r>
+              <a:rPr lang="pt-BR" dirty="0"/>
+              <a:t>Inversão de Controle</a:t>
+            </a:r>
+          </a:p>
+          <a:p>
+            <a:pPr lvl="1"/>
+            <a:r>
+              <a:rPr lang="pt-BR" dirty="0"/>
+              <a:t>Controle de Contexto</a:t>
+            </a:r>
+          </a:p>
+          <a:p>
+            <a:endParaRPr lang="pt-BR" dirty="0"/>
+          </a:p>
+        </p:txBody>
+      </p:sp>
+    </p:spTree>
+    <p:extLst>
+      <p:ext uri="{BB962C8B-B14F-4D97-AF65-F5344CB8AC3E}">
+        <p14:creationId xmlns:p14="http://schemas.microsoft.com/office/powerpoint/2010/main" val="3827031213"/>
+      </p:ext>
+    </p:extLst>
+  </p:cSld>
+  <p:clrMapOvr>
+    <a:masterClrMapping/>
+  </p:clrMapOvr>
+</p:sld>
+</file>
+
+<file path=ppt/slides/slide5.xml><?xml version="1.0" encoding="utf-8"?>
+<p:sld xmlns:a="http://schemas.openxmlformats.org/drawingml/2006/main" xmlns:r="http://schemas.openxmlformats.org/officeDocument/2006/relationships" xmlns:p="http://schemas.openxmlformats.org/presentationml/2006/main">
+  <p:cSld>
+    <p:spTree>
+      <p:nvGrpSpPr>
+        <p:cNvPr id="1" name=""/>
+        <p:cNvGrpSpPr/>
+        <p:nvPr/>
+      </p:nvGrpSpPr>
+      <p:grpSpPr>
+        <a:xfrm>
+          <a:off x="0" y="0"/>
+          <a:ext cx="0" cy="0"/>
+          <a:chOff x="0" y="0"/>
+          <a:chExt cx="0" cy="0"/>
+        </a:xfrm>
+      </p:grpSpPr>
+      <p:sp>
+        <p:nvSpPr>
+          <p:cNvPr id="2" name="Título 1">
+            <a:extLst>
+              <a:ext uri="{FF2B5EF4-FFF2-40B4-BE49-F238E27FC236}">
                 <a16:creationId xmlns:a16="http://schemas.microsoft.com/office/drawing/2014/main" id="{2ADC5493-C098-4ACD-87C3-2F5F357B42DA}"/>
               </a:ext>
             </a:extLst>
@@ -5840,7 +7430,7 @@
 </p:sld>
 </file>
 
-<file path=ppt/slides/slide5.xml><?xml version="1.0" encoding="utf-8"?>
+<file path=ppt/slides/slide6.xml><?xml version="1.0" encoding="utf-8"?>
 <p:sld xmlns:a="http://schemas.openxmlformats.org/drawingml/2006/main" xmlns:r="http://schemas.openxmlformats.org/officeDocument/2006/relationships" xmlns:p="http://schemas.openxmlformats.org/presentationml/2006/main">
   <p:cSld>
     <p:spTree>
@@ -6001,7 +7591,7 @@
 </p:sld>
 </file>
 
-<file path=ppt/slides/slide6.xml><?xml version="1.0" encoding="utf-8"?>
+<file path=ppt/slides/slide7.xml><?xml version="1.0" encoding="utf-8"?>
 <p:sld xmlns:a="http://schemas.openxmlformats.org/drawingml/2006/main" xmlns:r="http://schemas.openxmlformats.org/officeDocument/2006/relationships" xmlns:p="http://schemas.openxmlformats.org/presentationml/2006/main">
   <p:cSld>
     <p:spTree>
@@ -6142,92 +7732,6 @@
 </p:sld>
 </file>
 
-<file path=ppt/slides/slide7.xml><?xml version="1.0" encoding="utf-8"?>
-<p:sld xmlns:a="http://schemas.openxmlformats.org/drawingml/2006/main" xmlns:r="http://schemas.openxmlformats.org/officeDocument/2006/relationships" xmlns:p="http://schemas.openxmlformats.org/presentationml/2006/main">
-  <p:cSld>
-    <p:spTree>
-      <p:nvGrpSpPr>
-        <p:cNvPr id="1" name=""/>
-        <p:cNvGrpSpPr/>
-        <p:nvPr/>
-      </p:nvGrpSpPr>
-      <p:grpSpPr>
-        <a:xfrm>
-          <a:off x="0" y="0"/>
-          <a:ext cx="0" cy="0"/>
-          <a:chOff x="0" y="0"/>
-          <a:chExt cx="0" cy="0"/>
-        </a:xfrm>
-      </p:grpSpPr>
-      <p:sp>
-        <p:nvSpPr>
-          <p:cNvPr id="4" name="Título 3">
-            <a:extLst>
-              <a:ext uri="{FF2B5EF4-FFF2-40B4-BE49-F238E27FC236}">
-                <a16:creationId xmlns:a16="http://schemas.microsoft.com/office/drawing/2014/main" id="{A294790F-A902-42EA-B025-11002E31F1F4}"/>
-              </a:ext>
-            </a:extLst>
-          </p:cNvPr>
-          <p:cNvSpPr>
-            <a:spLocks noGrp="1"/>
-          </p:cNvSpPr>
-          <p:nvPr>
-            <p:ph type="ctrTitle"/>
-          </p:nvPr>
-        </p:nvSpPr>
-        <p:spPr/>
-        <p:txBody>
-          <a:bodyPr/>
-          <a:lstStyle/>
-          <a:p>
-            <a:r>
-              <a:rPr lang="pt-BR" dirty="0"/>
-              <a:t>Definições</a:t>
-            </a:r>
-          </a:p>
-        </p:txBody>
-      </p:sp>
-      <p:sp>
-        <p:nvSpPr>
-          <p:cNvPr id="5" name="Subtítulo 4">
-            <a:extLst>
-              <a:ext uri="{FF2B5EF4-FFF2-40B4-BE49-F238E27FC236}">
-                <a16:creationId xmlns:a16="http://schemas.microsoft.com/office/drawing/2014/main" id="{466BA7E2-6FDB-4F07-AA13-F79065464EA3}"/>
-              </a:ext>
-            </a:extLst>
-          </p:cNvPr>
-          <p:cNvSpPr>
-            <a:spLocks noGrp="1"/>
-          </p:cNvSpPr>
-          <p:nvPr>
-            <p:ph type="subTitle" idx="1"/>
-          </p:nvPr>
-        </p:nvSpPr>
-        <p:spPr/>
-        <p:txBody>
-          <a:bodyPr/>
-          <a:lstStyle/>
-          <a:p>
-            <a:r>
-              <a:rPr lang="pt-BR" dirty="0"/>
-              <a:t>Vamos definir algumas coisas antes de iniciarmos...</a:t>
-            </a:r>
-          </a:p>
-        </p:txBody>
-      </p:sp>
-    </p:spTree>
-    <p:extLst>
-      <p:ext uri="{BB962C8B-B14F-4D97-AF65-F5344CB8AC3E}">
-        <p14:creationId xmlns:p14="http://schemas.microsoft.com/office/powerpoint/2010/main" val="2655696554"/>
-      </p:ext>
-    </p:extLst>
-  </p:cSld>
-  <p:clrMapOvr>
-    <a:masterClrMapping/>
-  </p:clrMapOvr>
-</p:sld>
-</file>
-
 <file path=ppt/slides/slide8.xml><?xml version="1.0" encoding="utf-8"?>
 <p:sld xmlns:a="http://schemas.openxmlformats.org/drawingml/2006/main" xmlns:r="http://schemas.openxmlformats.org/officeDocument/2006/relationships" xmlns:p="http://schemas.openxmlformats.org/presentationml/2006/main">
   <p:cSld>
@@ -6247,10 +7751,10 @@
       </p:grpSpPr>
       <p:sp>
         <p:nvSpPr>
-          <p:cNvPr id="2" name="Título 1">
+          <p:cNvPr id="4" name="Título 3">
             <a:extLst>
               <a:ext uri="{FF2B5EF4-FFF2-40B4-BE49-F238E27FC236}">
-                <a16:creationId xmlns:a16="http://schemas.microsoft.com/office/drawing/2014/main" id="{21856500-A47D-4665-A259-E8826B0F6774}"/>
+                <a16:creationId xmlns:a16="http://schemas.microsoft.com/office/drawing/2014/main" id="{A294790F-A902-42EA-B025-11002E31F1F4}"/>
               </a:ext>
             </a:extLst>
           </p:cNvPr>
@@ -6258,7 +7762,7 @@
             <a:spLocks noGrp="1"/>
           </p:cNvSpPr>
           <p:nvPr>
-            <p:ph type="title"/>
+            <p:ph type="ctrTitle"/>
           </p:nvPr>
         </p:nvSpPr>
         <p:spPr/>
@@ -6268,17 +7772,17 @@
           <a:p>
             <a:r>
               <a:rPr lang="pt-BR" dirty="0"/>
-              <a:t>Container (CDI)</a:t>
-            </a:r>
-          </a:p>
-        </p:txBody>
-      </p:sp>
-      <p:sp>
-        <p:nvSpPr>
-          <p:cNvPr id="3" name="Espaço Reservado para Conteúdo 2">
+              <a:t>Definições</a:t>
+            </a:r>
+          </a:p>
+        </p:txBody>
+      </p:sp>
+      <p:sp>
+        <p:nvSpPr>
+          <p:cNvPr id="5" name="Subtítulo 4">
             <a:extLst>
               <a:ext uri="{FF2B5EF4-FFF2-40B4-BE49-F238E27FC236}">
-                <a16:creationId xmlns:a16="http://schemas.microsoft.com/office/drawing/2014/main" id="{4117C4B5-A0A5-4ED9-B579-004522B305F3}"/>
+                <a16:creationId xmlns:a16="http://schemas.microsoft.com/office/drawing/2014/main" id="{466BA7E2-6FDB-4F07-AA13-F79065464EA3}"/>
               </a:ext>
             </a:extLst>
           </p:cNvPr>
@@ -6286,7 +7790,7 @@
             <a:spLocks noGrp="1"/>
           </p:cNvSpPr>
           <p:nvPr>
-            <p:ph idx="1"/>
+            <p:ph type="subTitle" idx="1"/>
           </p:nvPr>
         </p:nvSpPr>
         <p:spPr/>
@@ -6296,54 +7800,7 @@
           <a:p>
             <a:r>
               <a:rPr lang="pt-BR" dirty="0"/>
-              <a:t>No mundo CDI, container é onde residem os </a:t>
-            </a:r>
-            <a:r>
-              <a:rPr lang="pt-BR" dirty="0" err="1"/>
-              <a:t>Beans</a:t>
-            </a:r>
-            <a:r>
-              <a:rPr lang="pt-BR" dirty="0"/>
-              <a:t>.</a:t>
-            </a:r>
-          </a:p>
-          <a:p>
-            <a:pPr lvl="1"/>
-            <a:r>
-              <a:rPr lang="pt-BR" dirty="0"/>
-              <a:t>É quem cria os </a:t>
-            </a:r>
-            <a:r>
-              <a:rPr lang="pt-BR" dirty="0" err="1"/>
-              <a:t>Beans</a:t>
-            </a:r>
-            <a:endParaRPr lang="pt-BR" dirty="0"/>
-          </a:p>
-          <a:p>
-            <a:pPr lvl="1"/>
-            <a:r>
-              <a:rPr lang="pt-BR" dirty="0"/>
-              <a:t>Quem os alimenta</a:t>
-            </a:r>
-          </a:p>
-          <a:p>
-            <a:pPr lvl="1"/>
-            <a:r>
-              <a:rPr lang="pt-BR" dirty="0"/>
-              <a:t>E quem os elimina!</a:t>
-            </a:r>
-          </a:p>
-          <a:p>
-            <a:r>
-              <a:rPr lang="pt-BR" dirty="0"/>
-              <a:t>É a instância do Servidor, não é o Container Docker </a:t>
-            </a:r>
-          </a:p>
-          <a:p>
-            <a:pPr lvl="1"/>
-            <a:r>
-              <a:rPr lang="pt-BR" dirty="0"/>
-              <a:t>Mas é o que podemos chamar de Servidor de Aplicação.</a:t>
+              <a:t>Vamos definir algumas coisas antes de iniciarmos...</a:t>
             </a:r>
           </a:p>
         </p:txBody>
@@ -6351,7 +7808,7 @@
     </p:spTree>
     <p:extLst>
       <p:ext uri="{BB962C8B-B14F-4D97-AF65-F5344CB8AC3E}">
-        <p14:creationId xmlns:p14="http://schemas.microsoft.com/office/powerpoint/2010/main" val="1549564807"/>
+        <p14:creationId xmlns:p14="http://schemas.microsoft.com/office/powerpoint/2010/main" val="2655696554"/>
       </p:ext>
     </p:extLst>
   </p:cSld>
@@ -6383,7 +7840,7 @@
           <p:cNvPr id="2" name="Título 1">
             <a:extLst>
               <a:ext uri="{FF2B5EF4-FFF2-40B4-BE49-F238E27FC236}">
-                <a16:creationId xmlns:a16="http://schemas.microsoft.com/office/drawing/2014/main" id="{91F3ED61-0522-4747-BBFE-DF19B2312C47}"/>
+                <a16:creationId xmlns:a16="http://schemas.microsoft.com/office/drawing/2014/main" id="{21856500-A47D-4665-A259-E8826B0F6774}"/>
               </a:ext>
             </a:extLst>
           </p:cNvPr>
@@ -6401,7 +7858,7 @@
           <a:p>
             <a:r>
               <a:rPr lang="pt-BR" dirty="0"/>
-              <a:t>Inversão de Controle</a:t>
+              <a:t>Container (CDI)</a:t>
             </a:r>
           </a:p>
         </p:txBody>
@@ -6411,7 +7868,7 @@
           <p:cNvPr id="3" name="Espaço Reservado para Conteúdo 2">
             <a:extLst>
               <a:ext uri="{FF2B5EF4-FFF2-40B4-BE49-F238E27FC236}">
-                <a16:creationId xmlns:a16="http://schemas.microsoft.com/office/drawing/2014/main" id="{EFB3BB46-0FF0-49B2-9F19-02AC98D746F6}"/>
+                <a16:creationId xmlns:a16="http://schemas.microsoft.com/office/drawing/2014/main" id="{4117C4B5-A0A5-4ED9-B579-004522B305F3}"/>
               </a:ext>
             </a:extLst>
           </p:cNvPr>
@@ -6429,50 +7886,54 @@
           <a:p>
             <a:r>
               <a:rPr lang="pt-BR" dirty="0"/>
-              <a:t>É o que difere Bibliotecas de Frameworks – Martin Fowler</a:t>
-            </a:r>
-          </a:p>
-          <a:p>
-            <a:r>
-              <a:rPr lang="pt-BR" dirty="0"/>
-              <a:t>A responsabilidade de iniciar e configurar um objeto é dele mesmo e não de quem o usa.</a:t>
-            </a:r>
-          </a:p>
-          <a:p>
-            <a:r>
-              <a:rPr lang="pt-BR" dirty="0"/>
-              <a:t>Exemplos:</a:t>
+              <a:t>No mundo CDI, container é onde residem os </a:t>
+            </a:r>
+            <a:r>
+              <a:rPr lang="pt-BR" dirty="0" err="1"/>
+              <a:t>Beans</a:t>
+            </a:r>
+            <a:r>
+              <a:rPr lang="pt-BR" dirty="0"/>
+              <a:t>.</a:t>
             </a:r>
           </a:p>
           <a:p>
             <a:pPr lvl="1"/>
             <a:r>
-              <a:rPr lang="pt-BR" i="1" dirty="0"/>
-              <a:t>Eu não quero saber como Instanciar um Cliente de Banco de Dados</a:t>
-            </a:r>
+              <a:rPr lang="pt-BR" dirty="0"/>
+              <a:t>É quem cria os </a:t>
+            </a:r>
+            <a:r>
+              <a:rPr lang="pt-BR" dirty="0" err="1"/>
+              <a:t>Beans</a:t>
+            </a:r>
+            <a:endParaRPr lang="pt-BR" dirty="0"/>
           </a:p>
           <a:p>
             <a:pPr lvl="1"/>
             <a:r>
-              <a:rPr lang="pt-BR" i="1" dirty="0"/>
-              <a:t>Eu não quero criar Transações de Banco de Dados</a:t>
+              <a:rPr lang="pt-BR" dirty="0"/>
+              <a:t>Quem os alimenta</a:t>
             </a:r>
           </a:p>
           <a:p>
             <a:pPr lvl="1"/>
             <a:r>
-              <a:rPr lang="pt-BR" i="1" dirty="0"/>
-              <a:t>Eu não quero ...</a:t>
+              <a:rPr lang="pt-BR" dirty="0"/>
+              <a:t>E quem os elimina!</a:t>
+            </a:r>
+          </a:p>
+          <a:p>
+            <a:r>
+              <a:rPr lang="pt-BR" dirty="0"/>
+              <a:t>É a instância do Servidor, não é o Container Docker </a:t>
             </a:r>
           </a:p>
           <a:p>
             <a:pPr lvl="1"/>
-            <a:endParaRPr lang="pt-BR" i="1" dirty="0"/>
-          </a:p>
-          <a:p>
-            <a:r>
-              <a:rPr lang="pt-BR" dirty="0"/>
-              <a:t>A responsabilidade por gerenciar isso é delegada! Quem usa não precisa saber.</a:t>
+            <a:r>
+              <a:rPr lang="pt-BR" dirty="0"/>
+              <a:t>Mas é o que podemos chamar de Servidor de Aplicação.</a:t>
             </a:r>
           </a:p>
         </p:txBody>
@@ -6480,7 +7941,7 @@
     </p:spTree>
     <p:extLst>
       <p:ext uri="{BB962C8B-B14F-4D97-AF65-F5344CB8AC3E}">
-        <p14:creationId xmlns:p14="http://schemas.microsoft.com/office/powerpoint/2010/main" val="3839401830"/>
+        <p14:creationId xmlns:p14="http://schemas.microsoft.com/office/powerpoint/2010/main" val="1549564807"/>
       </p:ext>
     </p:extLst>
   </p:cSld>

--- a/resource/Java CDI.pptx
+++ b/resource/Java CDI.pptx
@@ -8,27 +8,31 @@
     <p:sldId id="256" r:id="rId2"/>
     <p:sldId id="257" r:id="rId3"/>
     <p:sldId id="279" r:id="rId4"/>
-    <p:sldId id="269" r:id="rId5"/>
-    <p:sldId id="258" r:id="rId6"/>
-    <p:sldId id="259" r:id="rId7"/>
-    <p:sldId id="260" r:id="rId8"/>
-    <p:sldId id="261" r:id="rId9"/>
-    <p:sldId id="262" r:id="rId10"/>
-    <p:sldId id="263" r:id="rId11"/>
-    <p:sldId id="264" r:id="rId12"/>
-    <p:sldId id="267" r:id="rId13"/>
-    <p:sldId id="265" r:id="rId14"/>
-    <p:sldId id="270" r:id="rId15"/>
-    <p:sldId id="266" r:id="rId16"/>
-    <p:sldId id="268" r:id="rId17"/>
-    <p:sldId id="277" r:id="rId18"/>
-    <p:sldId id="271" r:id="rId19"/>
-    <p:sldId id="278" r:id="rId20"/>
-    <p:sldId id="272" r:id="rId21"/>
-    <p:sldId id="273" r:id="rId22"/>
-    <p:sldId id="274" r:id="rId23"/>
-    <p:sldId id="275" r:id="rId24"/>
-    <p:sldId id="276" r:id="rId25"/>
+    <p:sldId id="280" r:id="rId5"/>
+    <p:sldId id="269" r:id="rId6"/>
+    <p:sldId id="258" r:id="rId7"/>
+    <p:sldId id="259" r:id="rId8"/>
+    <p:sldId id="260" r:id="rId9"/>
+    <p:sldId id="261" r:id="rId10"/>
+    <p:sldId id="262" r:id="rId11"/>
+    <p:sldId id="263" r:id="rId12"/>
+    <p:sldId id="264" r:id="rId13"/>
+    <p:sldId id="267" r:id="rId14"/>
+    <p:sldId id="265" r:id="rId15"/>
+    <p:sldId id="270" r:id="rId16"/>
+    <p:sldId id="266" r:id="rId17"/>
+    <p:sldId id="268" r:id="rId18"/>
+    <p:sldId id="277" r:id="rId19"/>
+    <p:sldId id="271" r:id="rId20"/>
+    <p:sldId id="278" r:id="rId21"/>
+    <p:sldId id="272" r:id="rId22"/>
+    <p:sldId id="273" r:id="rId23"/>
+    <p:sldId id="274" r:id="rId24"/>
+    <p:sldId id="281" r:id="rId25"/>
+    <p:sldId id="275" r:id="rId26"/>
+    <p:sldId id="276" r:id="rId27"/>
+    <p:sldId id="282" r:id="rId28"/>
+    <p:sldId id="283" r:id="rId29"/>
   </p:sldIdLst>
   <p:sldSz cx="12192000" cy="6858000"/>
   <p:notesSz cx="6858000" cy="9144000"/>
@@ -303,7 +307,7 @@
           <a:p>
             <a:fld id="{9E016143-E03C-4CFD-AFDC-14E5BDEA754C}" type="datetimeFigureOut">
               <a:rPr lang="en-US" dirty="0"/>
-              <a:t>9/1/2019</a:t>
+              <a:t>9/13/2019</a:t>
             </a:fld>
             <a:endParaRPr lang="en-US" dirty="0"/>
           </a:p>
@@ -527,7 +531,7 @@
           <a:p>
             <a:fld id="{C033E54A-A8CA-48C1-9504-691B58049D29}" type="datetimeFigureOut">
               <a:rPr lang="en-US" dirty="0"/>
-              <a:t>9/1/2019</a:t>
+              <a:t>9/13/2019</a:t>
             </a:fld>
             <a:endParaRPr lang="en-US" dirty="0"/>
           </a:p>
@@ -702,7 +706,7 @@
           <a:p>
             <a:fld id="{B5F6C806-BBF7-471C-9527-881CE2266695}" type="datetimeFigureOut">
               <a:rPr lang="en-US" dirty="0"/>
-              <a:t>9/1/2019</a:t>
+              <a:t>9/13/2019</a:t>
             </a:fld>
             <a:endParaRPr lang="en-US" dirty="0"/>
           </a:p>
@@ -788,10 +792,21 @@
         <p:spPr/>
         <p:txBody>
           <a:bodyPr/>
-          <a:lstStyle/>
-          <a:p>
-            <a:r>
-              <a:rPr lang="pt-BR"/>
+          <a:lstStyle>
+            <a:lvl1pPr>
+              <a:defRPr baseline="0">
+                <a:solidFill>
+                  <a:schemeClr val="tx1">
+                    <a:lumMod val="85000"/>
+                    <a:lumOff val="15000"/>
+                  </a:schemeClr>
+                </a:solidFill>
+              </a:defRPr>
+            </a:lvl1pPr>
+          </a:lstStyle>
+          <a:p>
+            <a:r>
+              <a:rPr lang="pt-BR" dirty="0"/>
               <a:t>Clique para editar o título Mestre</a:t>
             </a:r>
             <a:endParaRPr lang="en-US" dirty="0"/>
@@ -815,35 +830,35 @@
           <a:p>
             <a:pPr lvl="0"/>
             <a:r>
-              <a:rPr lang="pt-BR"/>
+              <a:rPr lang="pt-BR" dirty="0"/>
               <a:t>Clique para editar os estilos de texto Mestres</a:t>
             </a:r>
           </a:p>
           <a:p>
             <a:pPr lvl="1"/>
             <a:r>
-              <a:rPr lang="pt-BR"/>
+              <a:rPr lang="pt-BR" dirty="0"/>
               <a:t>Segundo nível</a:t>
             </a:r>
           </a:p>
           <a:p>
             <a:pPr lvl="2"/>
             <a:r>
-              <a:rPr lang="pt-BR"/>
+              <a:rPr lang="pt-BR" dirty="0"/>
               <a:t>Terceiro nível</a:t>
             </a:r>
           </a:p>
           <a:p>
             <a:pPr lvl="3"/>
             <a:r>
-              <a:rPr lang="pt-BR"/>
+              <a:rPr lang="pt-BR" dirty="0"/>
               <a:t>Quarto nível</a:t>
             </a:r>
           </a:p>
           <a:p>
             <a:pPr lvl="4"/>
             <a:r>
-              <a:rPr lang="pt-BR"/>
+              <a:rPr lang="pt-BR" dirty="0"/>
               <a:t>Quinto nível</a:t>
             </a:r>
             <a:endParaRPr lang="en-US" dirty="0"/>
@@ -867,7 +882,7 @@
           <a:p>
             <a:fld id="{78C94063-DF36-4330-A365-08DA1FA5B7D6}" type="datetimeFigureOut">
               <a:rPr lang="en-US" dirty="0"/>
-              <a:t>9/1/2019</a:t>
+              <a:t>9/13/2019</a:t>
             </a:fld>
             <a:endParaRPr lang="en-US" dirty="0"/>
           </a:p>
@@ -1116,7 +1131,7 @@
           <a:p>
             <a:fld id="{908A7C6C-0F39-4D70-8E8D-FE5B9C95FA73}" type="datetimeFigureOut">
               <a:rPr lang="en-US" dirty="0"/>
-              <a:t>9/1/2019</a:t>
+              <a:t>9/13/2019</a:t>
             </a:fld>
             <a:endParaRPr lang="en-US" dirty="0"/>
           </a:p>
@@ -1437,7 +1452,7 @@
           <a:p>
             <a:fld id="{DFCFA4AC-08CC-42CE-BD01-C191750A04EC}" type="datetimeFigureOut">
               <a:rPr lang="en-US" dirty="0"/>
-              <a:t>9/1/2019</a:t>
+              <a:t>9/13/2019</a:t>
             </a:fld>
             <a:endParaRPr lang="en-US" dirty="0"/>
           </a:p>
@@ -1883,7 +1898,7 @@
           <a:p>
             <a:fld id="{1BA7A723-92A7-435B-B681-F25B092FEFEB}" type="datetimeFigureOut">
               <a:rPr lang="en-US" dirty="0"/>
-              <a:t>9/1/2019</a:t>
+              <a:t>9/13/2019</a:t>
             </a:fld>
             <a:endParaRPr lang="en-US" dirty="0"/>
           </a:p>
@@ -1996,7 +2011,7 @@
           <a:p>
             <a:fld id="{4F170639-886C-4FCF-9EAB-ABB5DA3F3F4A}" type="datetimeFigureOut">
               <a:rPr lang="en-US" dirty="0"/>
-              <a:t>9/1/2019</a:t>
+              <a:t>9/13/2019</a:t>
             </a:fld>
             <a:endParaRPr lang="en-US" dirty="0"/>
           </a:p>
@@ -2086,7 +2101,7 @@
           <a:p>
             <a:fld id="{22230651-31F4-45D2-98AE-A2108F41BC07}" type="datetimeFigureOut">
               <a:rPr lang="en-US" dirty="0"/>
-              <a:t>9/1/2019</a:t>
+              <a:t>9/13/2019</a:t>
             </a:fld>
             <a:endParaRPr lang="en-US" dirty="0"/>
           </a:p>
@@ -2368,7 +2383,7 @@
           <a:p>
             <a:fld id="{6F53789A-C914-4DB1-8815-80B5EC7335C5}" type="datetimeFigureOut">
               <a:rPr lang="en-US" dirty="0"/>
-              <a:t>9/1/2019</a:t>
+              <a:t>9/13/2019</a:t>
             </a:fld>
             <a:endParaRPr lang="en-US" dirty="0"/>
           </a:p>
@@ -2685,7 +2700,7 @@
           <a:p>
             <a:fld id="{5E6440AA-91A0-436F-8FDB-C0F939DCAE21}" type="datetimeFigureOut">
               <a:rPr lang="en-US" dirty="0"/>
-              <a:t>9/1/2019</a:t>
+              <a:t>9/13/2019</a:t>
             </a:fld>
             <a:endParaRPr lang="en-US" dirty="0"/>
           </a:p>
@@ -2934,7 +2949,7 @@
           <a:p>
             <a:fld id="{0E59FD0C-5451-4CA0-86AF-E70AE3279989}" type="datetimeFigureOut">
               <a:rPr lang="en-US" dirty="0"/>
-              <a:t>9/1/2019</a:t>
+              <a:t>9/13/2019</a:t>
             </a:fld>
             <a:endParaRPr lang="en-US" dirty="0"/>
           </a:p>
@@ -3779,6 +3794,72 @@
           </a:p>
         </p:txBody>
       </p:sp>
+      <p:pic>
+        <p:nvPicPr>
+          <p:cNvPr id="5" name="Gráfico 4">
+            <a:extLst>
+              <a:ext uri="{FF2B5EF4-FFF2-40B4-BE49-F238E27FC236}">
+                <a16:creationId xmlns:a16="http://schemas.microsoft.com/office/drawing/2014/main" id="{3F678F22-0D18-4205-8BA5-9CAE5AC5AE9F}"/>
+              </a:ext>
+            </a:extLst>
+          </p:cNvPr>
+          <p:cNvPicPr>
+            <a:picLocks noChangeAspect="1"/>
+          </p:cNvPicPr>
+          <p:nvPr/>
+        </p:nvPicPr>
+        <p:blipFill>
+          <a:blip r:embed="rId2">
+            <a:extLst>
+              <a:ext uri="{96DAC541-7B7A-43D3-8B79-37D633B846F1}">
+                <asvg:svgBlip xmlns:asvg="http://schemas.microsoft.com/office/drawing/2016/SVG/main" r:embed="rId3"/>
+              </a:ext>
+            </a:extLst>
+          </a:blip>
+          <a:stretch>
+            <a:fillRect/>
+          </a:stretch>
+        </p:blipFill>
+        <p:spPr>
+          <a:xfrm>
+            <a:off x="2442472" y="2906086"/>
+            <a:ext cx="2903266" cy="2903266"/>
+          </a:xfrm>
+          <a:prstGeom prst="rect">
+            <a:avLst/>
+          </a:prstGeom>
+        </p:spPr>
+      </p:pic>
+      <p:pic>
+        <p:nvPicPr>
+          <p:cNvPr id="6" name="Imagem 5">
+            <a:extLst>
+              <a:ext uri="{FF2B5EF4-FFF2-40B4-BE49-F238E27FC236}">
+                <a16:creationId xmlns:a16="http://schemas.microsoft.com/office/drawing/2014/main" id="{76401B5B-8466-4729-8507-A302CE74B996}"/>
+              </a:ext>
+            </a:extLst>
+          </p:cNvPr>
+          <p:cNvPicPr>
+            <a:picLocks noChangeAspect="1"/>
+          </p:cNvPicPr>
+          <p:nvPr/>
+        </p:nvPicPr>
+        <p:blipFill>
+          <a:blip r:embed="rId4"/>
+          <a:stretch>
+            <a:fillRect/>
+          </a:stretch>
+        </p:blipFill>
+        <p:spPr>
+          <a:xfrm>
+            <a:off x="6526338" y="2894202"/>
+            <a:ext cx="1520485" cy="2780586"/>
+          </a:xfrm>
+          <a:prstGeom prst="rect">
+            <a:avLst/>
+          </a:prstGeom>
+        </p:spPr>
+      </p:pic>
     </p:spTree>
     <p:extLst>
       <p:ext uri="{BB962C8B-B14F-4D97-AF65-F5344CB8AC3E}">
@@ -3795,6 +3876,226 @@
 <file path=ppt/slides/slide10.xml><?xml version="1.0" encoding="utf-8"?>
 <p:sld xmlns:a="http://schemas.openxmlformats.org/drawingml/2006/main" xmlns:r="http://schemas.openxmlformats.org/officeDocument/2006/relationships" xmlns:p="http://schemas.openxmlformats.org/presentationml/2006/main">
   <p:cSld>
+    <p:bg>
+      <p:bgPr>
+        <a:solidFill>
+          <a:srgbClr val="B0C592"/>
+        </a:solidFill>
+        <a:effectLst/>
+      </p:bgPr>
+    </p:bg>
+    <p:spTree>
+      <p:nvGrpSpPr>
+        <p:cNvPr id="1" name=""/>
+        <p:cNvGrpSpPr/>
+        <p:nvPr/>
+      </p:nvGrpSpPr>
+      <p:grpSpPr>
+        <a:xfrm>
+          <a:off x="0" y="0"/>
+          <a:ext cx="0" cy="0"/>
+          <a:chOff x="0" y="0"/>
+          <a:chExt cx="0" cy="0"/>
+        </a:xfrm>
+      </p:grpSpPr>
+      <p:sp>
+        <p:nvSpPr>
+          <p:cNvPr id="2" name="Título 1">
+            <a:extLst>
+              <a:ext uri="{FF2B5EF4-FFF2-40B4-BE49-F238E27FC236}">
+                <a16:creationId xmlns:a16="http://schemas.microsoft.com/office/drawing/2014/main" id="{21856500-A47D-4665-A259-E8826B0F6774}"/>
+              </a:ext>
+            </a:extLst>
+          </p:cNvPr>
+          <p:cNvSpPr>
+            <a:spLocks noGrp="1"/>
+          </p:cNvSpPr>
+          <p:nvPr>
+            <p:ph type="title"/>
+          </p:nvPr>
+        </p:nvSpPr>
+        <p:spPr/>
+        <p:txBody>
+          <a:bodyPr/>
+          <a:lstStyle/>
+          <a:p>
+            <a:r>
+              <a:rPr lang="pt-BR" dirty="0">
+                <a:solidFill>
+                  <a:schemeClr val="tx1">
+                    <a:lumMod val="75000"/>
+                    <a:lumOff val="25000"/>
+                  </a:schemeClr>
+                </a:solidFill>
+              </a:rPr>
+              <a:t>Container (CDI)</a:t>
+            </a:r>
+          </a:p>
+        </p:txBody>
+      </p:sp>
+      <p:sp>
+        <p:nvSpPr>
+          <p:cNvPr id="3" name="Espaço Reservado para Conteúdo 2">
+            <a:extLst>
+              <a:ext uri="{FF2B5EF4-FFF2-40B4-BE49-F238E27FC236}">
+                <a16:creationId xmlns:a16="http://schemas.microsoft.com/office/drawing/2014/main" id="{4117C4B5-A0A5-4ED9-B579-004522B305F3}"/>
+              </a:ext>
+            </a:extLst>
+          </p:cNvPr>
+          <p:cNvSpPr>
+            <a:spLocks noGrp="1"/>
+          </p:cNvSpPr>
+          <p:nvPr>
+            <p:ph idx="1"/>
+          </p:nvPr>
+        </p:nvSpPr>
+        <p:spPr/>
+        <p:txBody>
+          <a:bodyPr/>
+          <a:lstStyle/>
+          <a:p>
+            <a:r>
+              <a:rPr lang="pt-BR" dirty="0">
+                <a:solidFill>
+                  <a:schemeClr val="tx1">
+                    <a:lumMod val="85000"/>
+                    <a:lumOff val="15000"/>
+                  </a:schemeClr>
+                </a:solidFill>
+              </a:rPr>
+              <a:t>No mundo CDI, container é onde residem os </a:t>
+            </a:r>
+            <a:r>
+              <a:rPr lang="pt-BR" dirty="0" err="1">
+                <a:solidFill>
+                  <a:schemeClr val="tx1">
+                    <a:lumMod val="85000"/>
+                    <a:lumOff val="15000"/>
+                  </a:schemeClr>
+                </a:solidFill>
+              </a:rPr>
+              <a:t>Beans</a:t>
+            </a:r>
+            <a:r>
+              <a:rPr lang="pt-BR" dirty="0">
+                <a:solidFill>
+                  <a:schemeClr val="tx1">
+                    <a:lumMod val="85000"/>
+                    <a:lumOff val="15000"/>
+                  </a:schemeClr>
+                </a:solidFill>
+              </a:rPr>
+              <a:t>.</a:t>
+            </a:r>
+          </a:p>
+          <a:p>
+            <a:pPr lvl="1"/>
+            <a:r>
+              <a:rPr lang="pt-BR" dirty="0"/>
+              <a:t>É quem cria os </a:t>
+            </a:r>
+            <a:r>
+              <a:rPr lang="pt-BR" dirty="0" err="1"/>
+              <a:t>Beans</a:t>
+            </a:r>
+            <a:endParaRPr lang="pt-BR" dirty="0"/>
+          </a:p>
+          <a:p>
+            <a:pPr lvl="1"/>
+            <a:r>
+              <a:rPr lang="pt-BR" dirty="0"/>
+              <a:t>Quem os alimenta</a:t>
+            </a:r>
+          </a:p>
+          <a:p>
+            <a:pPr lvl="1"/>
+            <a:r>
+              <a:rPr lang="pt-BR" dirty="0"/>
+              <a:t>E quem os elimina!</a:t>
+            </a:r>
+          </a:p>
+          <a:p>
+            <a:r>
+              <a:rPr lang="pt-BR" dirty="0">
+                <a:solidFill>
+                  <a:schemeClr val="tx1">
+                    <a:lumMod val="85000"/>
+                    <a:lumOff val="15000"/>
+                  </a:schemeClr>
+                </a:solidFill>
+              </a:rPr>
+              <a:t>É a instância do Servidor, não é o Container Docker </a:t>
+            </a:r>
+          </a:p>
+          <a:p>
+            <a:pPr lvl="1"/>
+            <a:r>
+              <a:rPr lang="pt-BR" dirty="0"/>
+              <a:t>Mas é o que podemos chamar de Servidor de Aplicação.</a:t>
+            </a:r>
+          </a:p>
+        </p:txBody>
+      </p:sp>
+      <p:pic>
+        <p:nvPicPr>
+          <p:cNvPr id="4" name="Gráfico 3">
+            <a:extLst>
+              <a:ext uri="{FF2B5EF4-FFF2-40B4-BE49-F238E27FC236}">
+                <a16:creationId xmlns:a16="http://schemas.microsoft.com/office/drawing/2014/main" id="{7370FA78-DD81-47BB-B34A-DAD975F74842}"/>
+              </a:ext>
+            </a:extLst>
+          </p:cNvPr>
+          <p:cNvPicPr>
+            <a:picLocks noChangeAspect="1"/>
+          </p:cNvPicPr>
+          <p:nvPr/>
+        </p:nvPicPr>
+        <p:blipFill>
+          <a:blip r:embed="rId2">
+            <a:extLst>
+              <a:ext uri="{96DAC541-7B7A-43D3-8B79-37D633B846F1}">
+                <asvg:svgBlip xmlns:asvg="http://schemas.microsoft.com/office/drawing/2016/SVG/main" r:embed="rId3"/>
+              </a:ext>
+            </a:extLst>
+          </a:blip>
+          <a:stretch>
+            <a:fillRect/>
+          </a:stretch>
+        </p:blipFill>
+        <p:spPr>
+          <a:xfrm>
+            <a:off x="8229599" y="3891775"/>
+            <a:ext cx="2966225" cy="2966225"/>
+          </a:xfrm>
+          <a:prstGeom prst="rect">
+            <a:avLst/>
+          </a:prstGeom>
+        </p:spPr>
+      </p:pic>
+    </p:spTree>
+    <p:extLst>
+      <p:ext uri="{BB962C8B-B14F-4D97-AF65-F5344CB8AC3E}">
+        <p14:creationId xmlns:p14="http://schemas.microsoft.com/office/powerpoint/2010/main" val="1549564807"/>
+      </p:ext>
+    </p:extLst>
+  </p:cSld>
+  <p:clrMapOvr>
+    <a:masterClrMapping/>
+  </p:clrMapOvr>
+</p:sld>
+</file>
+
+<file path=ppt/slides/slide11.xml><?xml version="1.0" encoding="utf-8"?>
+<p:sld xmlns:a="http://schemas.openxmlformats.org/drawingml/2006/main" xmlns:r="http://schemas.openxmlformats.org/officeDocument/2006/relationships" xmlns:p="http://schemas.openxmlformats.org/presentationml/2006/main">
+  <p:cSld>
+    <p:bg>
+      <p:bgPr>
+        <a:solidFill>
+          <a:srgbClr val="B0C592"/>
+        </a:solidFill>
+        <a:effectLst/>
+      </p:bgPr>
+    </p:bg>
     <p:spTree>
       <p:nvGrpSpPr>
         <p:cNvPr id="1" name=""/>
@@ -3831,7 +4132,14 @@
           <a:lstStyle/>
           <a:p>
             <a:r>
-              <a:rPr lang="pt-BR" dirty="0"/>
+              <a:rPr lang="pt-BR" dirty="0">
+                <a:solidFill>
+                  <a:schemeClr val="tx1">
+                    <a:lumMod val="85000"/>
+                    <a:lumOff val="15000"/>
+                  </a:schemeClr>
+                </a:solidFill>
+              </a:rPr>
               <a:t>Inversão de Controle</a:t>
             </a:r>
           </a:p>
@@ -3853,25 +4161,108 @@
             <p:ph idx="1"/>
           </p:nvPr>
         </p:nvSpPr>
-        <p:spPr/>
+        <p:spPr>
+          <a:xfrm>
+            <a:off x="1261872" y="1828800"/>
+            <a:ext cx="6893083" cy="4351337"/>
+          </a:xfrm>
+        </p:spPr>
         <p:txBody>
           <a:bodyPr/>
           <a:lstStyle/>
           <a:p>
             <a:r>
-              <a:rPr lang="pt-BR" dirty="0"/>
+              <a:rPr lang="pt-BR" dirty="0">
+                <a:solidFill>
+                  <a:schemeClr val="tx1">
+                    <a:lumMod val="85000"/>
+                    <a:lumOff val="15000"/>
+                  </a:schemeClr>
+                </a:solidFill>
+              </a:rPr>
               <a:t>É o que difere Bibliotecas de Frameworks – Martin Fowler</a:t>
             </a:r>
           </a:p>
           <a:p>
             <a:r>
-              <a:rPr lang="pt-BR" dirty="0"/>
-              <a:t>A responsabilidade de iniciar e configurar um objeto é dele mesmo e não de quem o usa.</a:t>
-            </a:r>
-          </a:p>
-          <a:p>
-            <a:r>
-              <a:rPr lang="pt-BR" dirty="0"/>
+              <a:rPr lang="pt-BR" dirty="0">
+                <a:solidFill>
+                  <a:schemeClr val="tx1">
+                    <a:lumMod val="85000"/>
+                    <a:lumOff val="15000"/>
+                  </a:schemeClr>
+                </a:solidFill>
+              </a:rPr>
+              <a:t>Framework é responsável por inicializar e configurar componentes</a:t>
+            </a:r>
+          </a:p>
+          <a:p>
+            <a:r>
+              <a:rPr lang="pt-BR" dirty="0">
+                <a:solidFill>
+                  <a:schemeClr val="tx1">
+                    <a:lumMod val="85000"/>
+                    <a:lumOff val="15000"/>
+                  </a:schemeClr>
+                </a:solidFill>
+              </a:rPr>
+              <a:t>Também se refere Eventos (</a:t>
+            </a:r>
+            <a:r>
+              <a:rPr lang="pt-BR" dirty="0" err="1">
+                <a:solidFill>
+                  <a:schemeClr val="tx1">
+                    <a:lumMod val="85000"/>
+                    <a:lumOff val="15000"/>
+                  </a:schemeClr>
+                </a:solidFill>
+              </a:rPr>
+              <a:t>Consumers</a:t>
+            </a:r>
+            <a:r>
+              <a:rPr lang="pt-BR" dirty="0">
+                <a:solidFill>
+                  <a:schemeClr val="tx1">
+                    <a:lumMod val="85000"/>
+                    <a:lumOff val="15000"/>
+                  </a:schemeClr>
+                </a:solidFill>
+              </a:rPr>
+              <a:t> e </a:t>
+            </a:r>
+            <a:r>
+              <a:rPr lang="pt-BR" dirty="0" err="1">
+                <a:solidFill>
+                  <a:schemeClr val="tx1">
+                    <a:lumMod val="85000"/>
+                    <a:lumOff val="15000"/>
+                  </a:schemeClr>
+                </a:solidFill>
+              </a:rPr>
+              <a:t>Producers</a:t>
+            </a:r>
+            <a:r>
+              <a:rPr lang="pt-BR" dirty="0">
+                <a:solidFill>
+                  <a:schemeClr val="tx1">
+                    <a:lumMod val="85000"/>
+                    <a:lumOff val="15000"/>
+                  </a:schemeClr>
+                </a:solidFill>
+              </a:rPr>
+              <a:t>)</a:t>
+            </a:r>
+          </a:p>
+          <a:p>
+            <a:r>
+              <a:rPr lang="pt-BR" dirty="0">
+                <a:solidFill>
+                  <a:schemeClr val="tx1">
+                    <a:lumMod val="85000"/>
+                    <a:lumOff val="15000"/>
+                  </a:schemeClr>
+                </a:solidFill>
+              </a:rPr>
               <a:t>Exemplos:</a:t>
             </a:r>
           </a:p>
@@ -3897,17 +4288,56 @@
             </a:r>
           </a:p>
           <a:p>
-            <a:pPr lvl="1"/>
-            <a:endParaRPr lang="pt-BR" i="1" dirty="0"/>
-          </a:p>
-          <a:p>
-            <a:r>
-              <a:rPr lang="pt-BR" dirty="0"/>
+            <a:r>
+              <a:rPr lang="pt-BR" dirty="0">
+                <a:solidFill>
+                  <a:schemeClr val="tx1">
+                    <a:lumMod val="85000"/>
+                    <a:lumOff val="15000"/>
+                  </a:schemeClr>
+                </a:solidFill>
+              </a:rPr>
               <a:t>A responsabilidade por gerenciar isso é delegada! Quem usa não precisa saber.</a:t>
             </a:r>
           </a:p>
         </p:txBody>
       </p:sp>
+      <p:pic>
+        <p:nvPicPr>
+          <p:cNvPr id="4" name="Gráfico 3">
+            <a:extLst>
+              <a:ext uri="{FF2B5EF4-FFF2-40B4-BE49-F238E27FC236}">
+                <a16:creationId xmlns:a16="http://schemas.microsoft.com/office/drawing/2014/main" id="{971606DF-774F-47C9-A598-54FACD9F362B}"/>
+              </a:ext>
+            </a:extLst>
+          </p:cNvPr>
+          <p:cNvPicPr>
+            <a:picLocks noChangeAspect="1"/>
+          </p:cNvPicPr>
+          <p:nvPr/>
+        </p:nvPicPr>
+        <p:blipFill>
+          <a:blip r:embed="rId2">
+            <a:extLst>
+              <a:ext uri="{96DAC541-7B7A-43D3-8B79-37D633B846F1}">
+                <asvg:svgBlip xmlns:asvg="http://schemas.microsoft.com/office/drawing/2016/SVG/main" r:embed="rId3"/>
+              </a:ext>
+            </a:extLst>
+          </a:blip>
+          <a:stretch>
+            <a:fillRect/>
+          </a:stretch>
+        </p:blipFill>
+        <p:spPr>
+          <a:xfrm>
+            <a:off x="8229599" y="3891775"/>
+            <a:ext cx="2966225" cy="2966225"/>
+          </a:xfrm>
+          <a:prstGeom prst="rect">
+            <a:avLst/>
+          </a:prstGeom>
+        </p:spPr>
+      </p:pic>
     </p:spTree>
     <p:extLst>
       <p:ext uri="{BB962C8B-B14F-4D97-AF65-F5344CB8AC3E}">
@@ -3921,9 +4351,17 @@
 </p:sld>
 </file>
 
-<file path=ppt/slides/slide11.xml><?xml version="1.0" encoding="utf-8"?>
+<file path=ppt/slides/slide12.xml><?xml version="1.0" encoding="utf-8"?>
 <p:sld xmlns:a="http://schemas.openxmlformats.org/drawingml/2006/main" xmlns:r="http://schemas.openxmlformats.org/officeDocument/2006/relationships" xmlns:p="http://schemas.openxmlformats.org/presentationml/2006/main">
   <p:cSld>
+    <p:bg>
+      <p:bgPr>
+        <a:solidFill>
+          <a:srgbClr val="B0C592"/>
+        </a:solidFill>
+        <a:effectLst/>
+      </p:bgPr>
+    </p:bg>
     <p:spTree>
       <p:nvGrpSpPr>
         <p:cNvPr id="1" name=""/>
@@ -3960,7 +4398,14 @@
           <a:lstStyle/>
           <a:p>
             <a:r>
-              <a:rPr lang="pt-BR" dirty="0"/>
+              <a:rPr lang="pt-BR" dirty="0">
+                <a:solidFill>
+                  <a:schemeClr val="tx1">
+                    <a:lumMod val="85000"/>
+                    <a:lumOff val="15000"/>
+                  </a:schemeClr>
+                </a:solidFill>
+              </a:rPr>
               <a:t>Programação Orientada a Aspecto</a:t>
             </a:r>
           </a:p>
@@ -3988,19 +4433,40 @@
           <a:lstStyle/>
           <a:p>
             <a:r>
-              <a:rPr lang="pt-BR" dirty="0"/>
+              <a:rPr lang="pt-BR" dirty="0">
+                <a:solidFill>
+                  <a:schemeClr val="tx1">
+                    <a:lumMod val="85000"/>
+                    <a:lumOff val="15000"/>
+                  </a:schemeClr>
+                </a:solidFill>
+              </a:rPr>
               <a:t>Refere-se a separação de Conceitos: o que é o principal e o secundário?</a:t>
             </a:r>
           </a:p>
           <a:p>
             <a:r>
-              <a:rPr lang="pt-BR" dirty="0"/>
+              <a:rPr lang="pt-BR" dirty="0">
+                <a:solidFill>
+                  <a:schemeClr val="tx1">
+                    <a:lumMod val="85000"/>
+                    <a:lumOff val="15000"/>
+                  </a:schemeClr>
+                </a:solidFill>
+              </a:rPr>
               <a:t>O Código será para o que é principal: A lógica de Negócios</a:t>
             </a:r>
           </a:p>
           <a:p>
             <a:r>
-              <a:rPr lang="pt-BR" dirty="0"/>
+              <a:rPr lang="pt-BR" dirty="0">
+                <a:solidFill>
+                  <a:schemeClr val="tx1">
+                    <a:lumMod val="85000"/>
+                    <a:lumOff val="15000"/>
+                  </a:schemeClr>
+                </a:solidFill>
+              </a:rPr>
               <a:t>Os aspectos do código serão definidos “fora” do código</a:t>
             </a:r>
           </a:p>
@@ -4025,8 +4491,70 @@
               <a:t>Etc...</a:t>
             </a:r>
           </a:p>
+          <a:p>
+            <a:r>
+              <a:rPr lang="pt-BR" dirty="0">
+                <a:solidFill>
+                  <a:schemeClr val="tx1">
+                    <a:lumMod val="85000"/>
+                    <a:lumOff val="15000"/>
+                  </a:schemeClr>
+                </a:solidFill>
+              </a:rPr>
+              <a:t>Melhor modularização</a:t>
+            </a:r>
+          </a:p>
+          <a:p>
+            <a:r>
+              <a:rPr lang="pt-BR" dirty="0">
+                <a:solidFill>
+                  <a:schemeClr val="tx1">
+                    <a:lumMod val="85000"/>
+                    <a:lumOff val="15000"/>
+                  </a:schemeClr>
+                </a:solidFill>
+              </a:rPr>
+              <a:t>Melhor visibilidade da lógica de negócios</a:t>
+            </a:r>
+          </a:p>
         </p:txBody>
       </p:sp>
+      <p:pic>
+        <p:nvPicPr>
+          <p:cNvPr id="4" name="Gráfico 3">
+            <a:extLst>
+              <a:ext uri="{FF2B5EF4-FFF2-40B4-BE49-F238E27FC236}">
+                <a16:creationId xmlns:a16="http://schemas.microsoft.com/office/drawing/2014/main" id="{ABF39B9A-922F-4725-9D48-1573115A89A3}"/>
+              </a:ext>
+            </a:extLst>
+          </p:cNvPr>
+          <p:cNvPicPr>
+            <a:picLocks noChangeAspect="1"/>
+          </p:cNvPicPr>
+          <p:nvPr/>
+        </p:nvPicPr>
+        <p:blipFill>
+          <a:blip r:embed="rId2">
+            <a:extLst>
+              <a:ext uri="{96DAC541-7B7A-43D3-8B79-37D633B846F1}">
+                <asvg:svgBlip xmlns:asvg="http://schemas.microsoft.com/office/drawing/2016/SVG/main" r:embed="rId3"/>
+              </a:ext>
+            </a:extLst>
+          </a:blip>
+          <a:stretch>
+            <a:fillRect/>
+          </a:stretch>
+        </p:blipFill>
+        <p:spPr>
+          <a:xfrm>
+            <a:off x="8229599" y="3891775"/>
+            <a:ext cx="2966225" cy="2966225"/>
+          </a:xfrm>
+          <a:prstGeom prst="rect">
+            <a:avLst/>
+          </a:prstGeom>
+        </p:spPr>
+      </p:pic>
     </p:spTree>
     <p:extLst>
       <p:ext uri="{BB962C8B-B14F-4D97-AF65-F5344CB8AC3E}">
@@ -4040,9 +4568,17 @@
 </p:sld>
 </file>
 
-<file path=ppt/slides/slide12.xml><?xml version="1.0" encoding="utf-8"?>
+<file path=ppt/slides/slide13.xml><?xml version="1.0" encoding="utf-8"?>
 <p:sld xmlns:a="http://schemas.openxmlformats.org/drawingml/2006/main" xmlns:r="http://schemas.openxmlformats.org/officeDocument/2006/relationships" xmlns:p="http://schemas.openxmlformats.org/presentationml/2006/main">
   <p:cSld>
+    <p:bg>
+      <p:bgPr>
+        <a:solidFill>
+          <a:srgbClr val="B0C592"/>
+        </a:solidFill>
+        <a:effectLst/>
+      </p:bgPr>
+    </p:bg>
     <p:spTree>
       <p:nvGrpSpPr>
         <p:cNvPr id="1" name=""/>
@@ -4079,7 +4615,14 @@
           <a:lstStyle/>
           <a:p>
             <a:r>
-              <a:rPr lang="pt-BR" dirty="0"/>
+              <a:rPr lang="pt-BR" dirty="0">
+                <a:solidFill>
+                  <a:schemeClr val="tx1">
+                    <a:lumMod val="85000"/>
+                    <a:lumOff val="15000"/>
+                  </a:schemeClr>
+                </a:solidFill>
+              </a:rPr>
               <a:t>EJB</a:t>
             </a:r>
           </a:p>
@@ -4107,21 +4650,49 @@
           <a:lstStyle/>
           <a:p>
             <a:r>
-              <a:rPr lang="pt-BR" dirty="0"/>
+              <a:rPr lang="pt-BR" dirty="0">
+                <a:solidFill>
+                  <a:schemeClr val="tx1">
+                    <a:lumMod val="85000"/>
+                    <a:lumOff val="15000"/>
+                  </a:schemeClr>
+                </a:solidFill>
+              </a:rPr>
               <a:t>É uma especificação muito mais complexa que o CDI</a:t>
             </a:r>
           </a:p>
           <a:p>
             <a:r>
-              <a:rPr lang="en-US" dirty="0"/>
+              <a:rPr lang="en-US" dirty="0">
+                <a:solidFill>
+                  <a:schemeClr val="tx1">
+                    <a:lumMod val="85000"/>
+                    <a:lumOff val="15000"/>
+                  </a:schemeClr>
+                </a:solidFill>
+              </a:rPr>
               <a:t>EJB </a:t>
             </a:r>
             <a:r>
-              <a:rPr lang="en-US" dirty="0" err="1"/>
+              <a:rPr lang="en-US" dirty="0" err="1">
+                <a:solidFill>
+                  <a:schemeClr val="tx1">
+                    <a:lumMod val="85000"/>
+                    <a:lumOff val="15000"/>
+                  </a:schemeClr>
+                </a:solidFill>
+              </a:rPr>
               <a:t>pode</a:t>
             </a:r>
             <a:r>
-              <a:rPr lang="en-US" dirty="0"/>
+              <a:rPr lang="en-US" dirty="0">
+                <a:solidFill>
+                  <a:schemeClr val="tx1">
+                    <a:lumMod val="85000"/>
+                    <a:lumOff val="15000"/>
+                  </a:schemeClr>
+                </a:solidFill>
+              </a:rPr>
               <a:t> ser:</a:t>
             </a:r>
           </a:p>
@@ -4161,10 +4732,147 @@
             </a:r>
           </a:p>
           <a:p>
+            <a:pPr lvl="1"/>
+            <a:endParaRPr lang="en-US" dirty="0"/>
+          </a:p>
+          <a:p>
+            <a:pPr lvl="1"/>
+            <a:endParaRPr lang="en-US" dirty="0"/>
+          </a:p>
+          <a:p>
+            <a:pPr marL="0" indent="0" algn="ctr">
+              <a:buNone/>
+            </a:pPr>
+            <a:r>
+              <a:rPr lang="en-US" sz="2400" b="1" dirty="0" err="1">
+                <a:solidFill>
+                  <a:schemeClr val="tx1">
+                    <a:lumMod val="85000"/>
+                    <a:lumOff val="15000"/>
+                  </a:schemeClr>
+                </a:solidFill>
+              </a:rPr>
+              <a:t>Não</a:t>
+            </a:r>
+            <a:r>
+              <a:rPr lang="en-US" sz="2400" b="1" dirty="0">
+                <a:solidFill>
+                  <a:schemeClr val="tx1">
+                    <a:lumMod val="85000"/>
+                    <a:lumOff val="15000"/>
+                  </a:schemeClr>
+                </a:solidFill>
+              </a:rPr>
+              <a:t> </a:t>
+            </a:r>
+            <a:r>
+              <a:rPr lang="en-US" sz="2400" b="1" dirty="0" err="1">
+                <a:solidFill>
+                  <a:schemeClr val="tx1">
+                    <a:lumMod val="85000"/>
+                    <a:lumOff val="15000"/>
+                  </a:schemeClr>
+                </a:solidFill>
+              </a:rPr>
+              <a:t>vamos</a:t>
+            </a:r>
+            <a:r>
+              <a:rPr lang="en-US" sz="2400" b="1" dirty="0">
+                <a:solidFill>
+                  <a:schemeClr val="tx1">
+                    <a:lumMod val="85000"/>
+                    <a:lumOff val="15000"/>
+                  </a:schemeClr>
+                </a:solidFill>
+              </a:rPr>
+              <a:t> </a:t>
+            </a:r>
+            <a:r>
+              <a:rPr lang="en-US" sz="2400" b="1" dirty="0" err="1">
+                <a:solidFill>
+                  <a:schemeClr val="tx1">
+                    <a:lumMod val="85000"/>
+                    <a:lumOff val="15000"/>
+                  </a:schemeClr>
+                </a:solidFill>
+              </a:rPr>
+              <a:t>falar</a:t>
+            </a:r>
+            <a:r>
+              <a:rPr lang="en-US" sz="2400" b="1" dirty="0">
+                <a:solidFill>
+                  <a:schemeClr val="tx1">
+                    <a:lumMod val="85000"/>
+                    <a:lumOff val="15000"/>
+                  </a:schemeClr>
+                </a:solidFill>
+              </a:rPr>
+              <a:t> de EJB!!!! </a:t>
+            </a:r>
+            <a:r>
+              <a:rPr lang="en-US" sz="2400" b="1" dirty="0" err="1">
+                <a:solidFill>
+                  <a:schemeClr val="tx1">
+                    <a:lumMod val="85000"/>
+                    <a:lumOff val="15000"/>
+                  </a:schemeClr>
+                </a:solidFill>
+              </a:rPr>
+              <a:t>Tá</a:t>
+            </a:r>
+            <a:r>
+              <a:rPr lang="en-US" sz="2400" b="1" dirty="0">
+                <a:solidFill>
+                  <a:schemeClr val="tx1">
+                    <a:lumMod val="85000"/>
+                    <a:lumOff val="15000"/>
+                  </a:schemeClr>
+                </a:solidFill>
+              </a:rPr>
+              <a:t> ok?</a:t>
+            </a:r>
+          </a:p>
+          <a:p>
             <a:endParaRPr lang="pt-BR" dirty="0"/>
           </a:p>
         </p:txBody>
       </p:sp>
+      <p:pic>
+        <p:nvPicPr>
+          <p:cNvPr id="4" name="Gráfico 3">
+            <a:extLst>
+              <a:ext uri="{FF2B5EF4-FFF2-40B4-BE49-F238E27FC236}">
+                <a16:creationId xmlns:a16="http://schemas.microsoft.com/office/drawing/2014/main" id="{064A07FF-0F29-482E-A162-4D7F0AF16B77}"/>
+              </a:ext>
+            </a:extLst>
+          </p:cNvPr>
+          <p:cNvPicPr>
+            <a:picLocks noChangeAspect="1"/>
+          </p:cNvPicPr>
+          <p:nvPr/>
+        </p:nvPicPr>
+        <p:blipFill>
+          <a:blip r:embed="rId2">
+            <a:extLst>
+              <a:ext uri="{96DAC541-7B7A-43D3-8B79-37D633B846F1}">
+                <asvg:svgBlip xmlns:asvg="http://schemas.microsoft.com/office/drawing/2016/SVG/main" r:embed="rId3"/>
+              </a:ext>
+            </a:extLst>
+          </a:blip>
+          <a:stretch>
+            <a:fillRect/>
+          </a:stretch>
+        </p:blipFill>
+        <p:spPr>
+          <a:xfrm>
+            <a:off x="8229599" y="3891775"/>
+            <a:ext cx="2966225" cy="2966225"/>
+          </a:xfrm>
+          <a:prstGeom prst="rect">
+            <a:avLst/>
+          </a:prstGeom>
+        </p:spPr>
+      </p:pic>
     </p:spTree>
     <p:extLst>
       <p:ext uri="{BB962C8B-B14F-4D97-AF65-F5344CB8AC3E}">
@@ -4178,7 +4886,7 @@
 </p:sld>
 </file>
 
-<file path=ppt/slides/slide13.xml><?xml version="1.0" encoding="utf-8"?>
+<file path=ppt/slides/slide14.xml><?xml version="1.0" encoding="utf-8"?>
 <p:sld xmlns:a="http://schemas.openxmlformats.org/drawingml/2006/main" xmlns:r="http://schemas.openxmlformats.org/officeDocument/2006/relationships" xmlns:p="http://schemas.openxmlformats.org/presentationml/2006/main">
   <p:cSld>
     <p:spTree>
@@ -4211,7 +4919,12 @@
             <p:ph type="ctrTitle"/>
           </p:nvPr>
         </p:nvSpPr>
-        <p:spPr/>
+        <p:spPr>
+          <a:xfrm>
+            <a:off x="1261872" y="758952"/>
+            <a:ext cx="9418320" cy="4041648"/>
+          </a:xfrm>
+        </p:spPr>
         <p:txBody>
           <a:bodyPr/>
           <a:lstStyle/>
@@ -4239,7 +4952,12 @@
             <p:ph type="subTitle" idx="1"/>
           </p:nvPr>
         </p:nvSpPr>
-        <p:spPr/>
+        <p:spPr>
+          <a:xfrm>
+            <a:off x="1261872" y="4800600"/>
+            <a:ext cx="9418320" cy="1691640"/>
+          </a:xfrm>
+        </p:spPr>
         <p:txBody>
           <a:bodyPr/>
           <a:lstStyle/>
@@ -4251,6 +4969,42 @@
           </a:p>
         </p:txBody>
       </p:sp>
+      <p:pic>
+        <p:nvPicPr>
+          <p:cNvPr id="7" name="Gráfico 6">
+            <a:extLst>
+              <a:ext uri="{FF2B5EF4-FFF2-40B4-BE49-F238E27FC236}">
+                <a16:creationId xmlns:a16="http://schemas.microsoft.com/office/drawing/2014/main" id="{B8A75409-682A-4A72-82E3-E17E303E5662}"/>
+              </a:ext>
+            </a:extLst>
+          </p:cNvPr>
+          <p:cNvPicPr>
+            <a:picLocks noChangeAspect="1"/>
+          </p:cNvPicPr>
+          <p:nvPr/>
+        </p:nvPicPr>
+        <p:blipFill>
+          <a:blip r:embed="rId2">
+            <a:extLst>
+              <a:ext uri="{96DAC541-7B7A-43D3-8B79-37D633B846F1}">
+                <asvg:svgBlip xmlns:asvg="http://schemas.microsoft.com/office/drawing/2016/SVG/main" r:embed="rId3"/>
+              </a:ext>
+            </a:extLst>
+          </a:blip>
+          <a:stretch>
+            <a:fillRect/>
+          </a:stretch>
+        </p:blipFill>
+        <p:spPr>
+          <a:xfrm>
+            <a:off x="6941977" y="1286297"/>
+            <a:ext cx="4285406" cy="4285406"/>
+          </a:xfrm>
+          <a:prstGeom prst="rect">
+            <a:avLst/>
+          </a:prstGeom>
+        </p:spPr>
+      </p:pic>
     </p:spTree>
     <p:extLst>
       <p:ext uri="{BB962C8B-B14F-4D97-AF65-F5344CB8AC3E}">
@@ -4264,9 +5018,17 @@
 </p:sld>
 </file>
 
-<file path=ppt/slides/slide14.xml><?xml version="1.0" encoding="utf-8"?>
+<file path=ppt/slides/slide15.xml><?xml version="1.0" encoding="utf-8"?>
 <p:sld xmlns:a="http://schemas.openxmlformats.org/drawingml/2006/main" xmlns:r="http://schemas.openxmlformats.org/officeDocument/2006/relationships" xmlns:p="http://schemas.openxmlformats.org/presentationml/2006/main">
   <p:cSld>
+    <p:bg>
+      <p:bgPr>
+        <a:solidFill>
+          <a:srgbClr val="EBD494"/>
+        </a:solidFill>
+        <a:effectLst/>
+      </p:bgPr>
+    </p:bg>
     <p:spTree>
       <p:nvGrpSpPr>
         <p:cNvPr id="1" name=""/>
@@ -4303,7 +5065,14 @@
           <a:lstStyle/>
           <a:p>
             <a:r>
-              <a:rPr lang="pt-BR" dirty="0"/>
+              <a:rPr lang="pt-BR" dirty="0">
+                <a:solidFill>
+                  <a:schemeClr val="tx1">
+                    <a:lumMod val="85000"/>
+                    <a:lumOff val="15000"/>
+                  </a:schemeClr>
+                </a:solidFill>
+              </a:rPr>
               <a:t>Criando um Projeto CDI</a:t>
             </a:r>
           </a:p>
@@ -4336,26 +5105,62 @@
           <a:lstStyle/>
           <a:p>
             <a:r>
-              <a:rPr lang="pt-BR" dirty="0"/>
+              <a:rPr lang="pt-BR" dirty="0">
+                <a:solidFill>
+                  <a:schemeClr val="tx1">
+                    <a:lumMod val="85000"/>
+                    <a:lumOff val="15000"/>
+                  </a:schemeClr>
+                </a:solidFill>
+              </a:rPr>
               <a:t>Use um starter: </a:t>
             </a:r>
             <a:r>
               <a:rPr lang="pt-BR" dirty="0">
-                <a:hlinkClick r:id="rId3"/>
+                <a:solidFill>
+                  <a:schemeClr val="tx1">
+                    <a:lumMod val="85000"/>
+                    <a:lumOff val="15000"/>
+                  </a:schemeClr>
+                </a:solidFill>
+                <a:hlinkClick r:id="rId3">
+                  <a:extLst>
+                    <a:ext uri="{A12FA001-AC4F-418D-AE19-62706E023703}">
+                      <ahyp:hlinkClr xmlns:ahyp="http://schemas.microsoft.com/office/drawing/2018/hyperlinkcolor" val="tx"/>
+                    </a:ext>
+                  </a:extLst>
+                </a:hlinkClick>
               </a:rPr>
               <a:t>https://start.microprofile.io/</a:t>
             </a:r>
-            <a:endParaRPr lang="pt-BR" dirty="0"/>
-          </a:p>
-          <a:p>
-            <a:r>
-              <a:rPr lang="pt-BR" dirty="0"/>
+            <a:endParaRPr lang="pt-BR" dirty="0">
+              <a:solidFill>
+                <a:schemeClr val="tx1">
+                  <a:lumMod val="85000"/>
+                  <a:lumOff val="15000"/>
+                </a:schemeClr>
+              </a:solidFill>
+            </a:endParaRPr>
+          </a:p>
+          <a:p>
+            <a:r>
+              <a:rPr lang="pt-BR" dirty="0">
+                <a:solidFill>
+                  <a:schemeClr val="tx1">
+                    <a:lumMod val="85000"/>
+                    <a:lumOff val="15000"/>
+                  </a:schemeClr>
+                </a:solidFill>
+              </a:rPr>
               <a:t>Adicionar o arquivo </a:t>
             </a:r>
             <a:r>
               <a:rPr lang="pt-BR" dirty="0" err="1">
                 <a:solidFill>
-                  <a:srgbClr val="002060"/>
+                  <a:schemeClr val="tx1">
+                    <a:lumMod val="85000"/>
+                    <a:lumOff val="15000"/>
+                  </a:schemeClr>
                 </a:solidFill>
                 <a:latin typeface="Courier New" panose="02070309020205020404" pitchFamily="49" charset="0"/>
                 <a:cs typeface="Courier New" panose="02070309020205020404" pitchFamily="49" charset="0"/>
@@ -4365,7 +5170,10 @@
             <a:r>
               <a:rPr lang="pt-BR" dirty="0">
                 <a:solidFill>
-                  <a:srgbClr val="002060"/>
+                  <a:schemeClr val="tx1">
+                    <a:lumMod val="85000"/>
+                    <a:lumOff val="15000"/>
+                  </a:schemeClr>
                 </a:solidFill>
                 <a:latin typeface="Courier New" panose="02070309020205020404" pitchFamily="49" charset="0"/>
                 <a:cs typeface="Courier New" panose="02070309020205020404" pitchFamily="49" charset="0"/>
@@ -4375,7 +5183,10 @@
             <a:r>
               <a:rPr lang="pt-BR" dirty="0" err="1">
                 <a:solidFill>
-                  <a:srgbClr val="002060"/>
+                  <a:schemeClr val="tx1">
+                    <a:lumMod val="85000"/>
+                    <a:lumOff val="15000"/>
+                  </a:schemeClr>
                 </a:solidFill>
                 <a:latin typeface="Courier New" panose="02070309020205020404" pitchFamily="49" charset="0"/>
                 <a:cs typeface="Courier New" panose="02070309020205020404" pitchFamily="49" charset="0"/>
@@ -4385,7 +5196,10 @@
             <a:r>
               <a:rPr lang="pt-BR" dirty="0">
                 <a:solidFill>
-                  <a:srgbClr val="002060"/>
+                  <a:schemeClr val="tx1">
+                    <a:lumMod val="85000"/>
+                    <a:lumOff val="15000"/>
+                  </a:schemeClr>
                 </a:solidFill>
                 <a:latin typeface="Courier New" panose="02070309020205020404" pitchFamily="49" charset="0"/>
                 <a:cs typeface="Courier New" panose="02070309020205020404" pitchFamily="49" charset="0"/>
@@ -4395,7 +5209,10 @@
             <a:r>
               <a:rPr lang="pt-BR" dirty="0" err="1">
                 <a:solidFill>
-                  <a:srgbClr val="002060"/>
+                  <a:schemeClr val="tx1">
+                    <a:lumMod val="85000"/>
+                    <a:lumOff val="15000"/>
+                  </a:schemeClr>
                 </a:solidFill>
                 <a:latin typeface="Courier New" panose="02070309020205020404" pitchFamily="49" charset="0"/>
                 <a:cs typeface="Courier New" panose="02070309020205020404" pitchFamily="49" charset="0"/>
@@ -4405,7 +5222,10 @@
             <a:r>
               <a:rPr lang="pt-BR" dirty="0">
                 <a:solidFill>
-                  <a:srgbClr val="002060"/>
+                  <a:schemeClr val="tx1">
+                    <a:lumMod val="85000"/>
+                    <a:lumOff val="15000"/>
+                  </a:schemeClr>
                 </a:solidFill>
                 <a:latin typeface="Courier New" panose="02070309020205020404" pitchFamily="49" charset="0"/>
                 <a:cs typeface="Courier New" panose="02070309020205020404" pitchFamily="49" charset="0"/>
@@ -4413,14 +5233,35 @@
               <a:t>/META-INF/beans.xml </a:t>
             </a:r>
             <a:r>
-              <a:rPr lang="pt-BR" dirty="0"/>
+              <a:rPr lang="pt-BR" dirty="0">
+                <a:solidFill>
+                  <a:schemeClr val="tx1">
+                    <a:lumMod val="85000"/>
+                    <a:lumOff val="15000"/>
+                  </a:schemeClr>
+                </a:solidFill>
+              </a:rPr>
               <a:t>ao projeto </a:t>
             </a:r>
             <a:r>
-              <a:rPr lang="pt-BR" dirty="0" err="1"/>
+              <a:rPr lang="pt-BR" dirty="0" err="1">
+                <a:solidFill>
+                  <a:schemeClr val="tx1">
+                    <a:lumMod val="85000"/>
+                    <a:lumOff val="15000"/>
+                  </a:schemeClr>
+                </a:solidFill>
+              </a:rPr>
               <a:t>Maven</a:t>
             </a:r>
-            <a:endParaRPr lang="pt-BR" dirty="0"/>
+            <a:endParaRPr lang="pt-BR" dirty="0">
+              <a:solidFill>
+                <a:schemeClr val="tx1">
+                  <a:lumMod val="85000"/>
+                  <a:lumOff val="15000"/>
+                </a:schemeClr>
+              </a:solidFill>
+            </a:endParaRPr>
           </a:p>
           <a:p>
             <a:pPr lvl="1"/>
@@ -4443,7 +5284,7 @@
           <p:nvPr>
             <p:extLst>
               <p:ext uri="{D42A27DB-BD31-4B8C-83A1-F6EECF244321}">
-                <p14:modId xmlns:p14="http://schemas.microsoft.com/office/powerpoint/2010/main" val="1952774157"/>
+                <p14:modId xmlns:p14="http://schemas.microsoft.com/office/powerpoint/2010/main" val="1438310833"/>
               </p:ext>
             </p:extLst>
           </p:nvPr>
@@ -4456,7 +5297,7 @@
           <a:graphicData uri="http://schemas.openxmlformats.org/presentationml/2006/ole">
             <mc:AlternateContent xmlns:mc="http://schemas.openxmlformats.org/markup-compatibility/2006">
               <mc:Choice xmlns:v="urn:schemas-microsoft-com:vml" Requires="v">
-                <p:oleObj spid="_x0000_s1031" name="Document" r:id="rId4" imgW="8557061" imgH="1180440" progId="Word.Document.12">
+                <p:oleObj spid="_x0000_s1040" name="Document" r:id="rId4" imgW="8557061" imgH="1180440" progId="Word.Document.12">
                   <p:embed/>
                 </p:oleObj>
               </mc:Choice>
@@ -4491,6 +5332,42 @@
           </a:graphicData>
         </a:graphic>
       </p:graphicFrame>
+      <p:pic>
+        <p:nvPicPr>
+          <p:cNvPr id="5" name="Gráfico 4">
+            <a:extLst>
+              <a:ext uri="{FF2B5EF4-FFF2-40B4-BE49-F238E27FC236}">
+                <a16:creationId xmlns:a16="http://schemas.microsoft.com/office/drawing/2014/main" id="{7BD3712C-75F0-4E3F-96DE-34817CCEC371}"/>
+              </a:ext>
+            </a:extLst>
+          </p:cNvPr>
+          <p:cNvPicPr>
+            <a:picLocks noChangeAspect="1"/>
+          </p:cNvPicPr>
+          <p:nvPr/>
+        </p:nvPicPr>
+        <p:blipFill>
+          <a:blip r:embed="rId6">
+            <a:extLst>
+              <a:ext uri="{96DAC541-7B7A-43D3-8B79-37D633B846F1}">
+                <asvg:svgBlip xmlns:asvg="http://schemas.microsoft.com/office/drawing/2016/SVG/main" r:embed="rId7"/>
+              </a:ext>
+            </a:extLst>
+          </a:blip>
+          <a:stretch>
+            <a:fillRect/>
+          </a:stretch>
+        </p:blipFill>
+        <p:spPr>
+          <a:xfrm>
+            <a:off x="8229599" y="3891775"/>
+            <a:ext cx="2966225" cy="2966225"/>
+          </a:xfrm>
+          <a:prstGeom prst="rect">
+            <a:avLst/>
+          </a:prstGeom>
+        </p:spPr>
+      </p:pic>
     </p:spTree>
     <p:extLst>
       <p:ext uri="{BB962C8B-B14F-4D97-AF65-F5344CB8AC3E}">
@@ -4504,9 +5381,17 @@
 </p:sld>
 </file>
 
-<file path=ppt/slides/slide15.xml><?xml version="1.0" encoding="utf-8"?>
+<file path=ppt/slides/slide16.xml><?xml version="1.0" encoding="utf-8"?>
 <p:sld xmlns:a="http://schemas.openxmlformats.org/drawingml/2006/main" xmlns:r="http://schemas.openxmlformats.org/officeDocument/2006/relationships" xmlns:p="http://schemas.openxmlformats.org/presentationml/2006/main">
   <p:cSld>
+    <p:bg>
+      <p:bgPr>
+        <a:solidFill>
+          <a:srgbClr val="EBD494"/>
+        </a:solidFill>
+        <a:effectLst/>
+      </p:bgPr>
+    </p:bg>
     <p:spTree>
       <p:nvGrpSpPr>
         <p:cNvPr id="1" name=""/>
@@ -4543,7 +5428,14 @@
           <a:lstStyle/>
           <a:p>
             <a:r>
-              <a:rPr lang="pt-BR" dirty="0"/>
+              <a:rPr lang="pt-BR" dirty="0">
+                <a:solidFill>
+                  <a:schemeClr val="tx1">
+                    <a:lumMod val="85000"/>
+                    <a:lumOff val="15000"/>
+                  </a:schemeClr>
+                </a:solidFill>
+              </a:rPr>
               <a:t>Instanciação</a:t>
             </a:r>
           </a:p>
@@ -4571,26 +5463,68 @@
           <a:lstStyle/>
           <a:p>
             <a:r>
-              <a:rPr lang="pt-BR" dirty="0"/>
+              <a:rPr lang="pt-BR" dirty="0">
+                <a:solidFill>
+                  <a:schemeClr val="tx1">
+                    <a:lumMod val="85000"/>
+                    <a:lumOff val="15000"/>
+                  </a:schemeClr>
+                </a:solidFill>
+              </a:rPr>
               <a:t>Qualquer </a:t>
             </a:r>
             <a:r>
-              <a:rPr lang="pt-BR" dirty="0" err="1"/>
+              <a:rPr lang="pt-BR" dirty="0" err="1">
+                <a:solidFill>
+                  <a:schemeClr val="tx1">
+                    <a:lumMod val="85000"/>
+                    <a:lumOff val="15000"/>
+                  </a:schemeClr>
+                </a:solidFill>
+              </a:rPr>
               <a:t>Bean</a:t>
             </a:r>
             <a:r>
-              <a:rPr lang="pt-BR" dirty="0"/>
+              <a:rPr lang="pt-BR" dirty="0">
+                <a:solidFill>
+                  <a:schemeClr val="tx1">
+                    <a:lumMod val="85000"/>
+                    <a:lumOff val="15000"/>
+                  </a:schemeClr>
+                </a:solidFill>
+              </a:rPr>
               <a:t> pode ser Injetado em outro </a:t>
             </a:r>
             <a:r>
-              <a:rPr lang="pt-BR" dirty="0" err="1"/>
+              <a:rPr lang="pt-BR" dirty="0" err="1">
+                <a:solidFill>
+                  <a:schemeClr val="tx1">
+                    <a:lumMod val="85000"/>
+                    <a:lumOff val="15000"/>
+                  </a:schemeClr>
+                </a:solidFill>
+              </a:rPr>
               <a:t>Bean</a:t>
             </a:r>
-            <a:endParaRPr lang="pt-BR" dirty="0"/>
-          </a:p>
-          <a:p>
-            <a:r>
-              <a:rPr lang="pt-BR" dirty="0"/>
+            <a:endParaRPr lang="pt-BR" dirty="0">
+              <a:solidFill>
+                <a:schemeClr val="tx1">
+                  <a:lumMod val="85000"/>
+                  <a:lumOff val="15000"/>
+                </a:schemeClr>
+              </a:solidFill>
+            </a:endParaRPr>
+          </a:p>
+          <a:p>
+            <a:r>
+              <a:rPr lang="pt-BR" dirty="0">
+                <a:solidFill>
+                  <a:schemeClr val="tx1">
+                    <a:lumMod val="85000"/>
+                    <a:lumOff val="15000"/>
+                  </a:schemeClr>
+                </a:solidFill>
+              </a:rPr>
               <a:t>Requisitos</a:t>
             </a:r>
           </a:p>
@@ -4618,15 +5552,7 @@
             <a:pPr lvl="1"/>
             <a:r>
               <a:rPr lang="pt-BR" dirty="0"/>
-              <a:t>Não é uma Classe </a:t>
-            </a:r>
-            <a:r>
-              <a:rPr lang="pt-BR" dirty="0" err="1"/>
-              <a:t>abstrada</a:t>
-            </a:r>
-            <a:r>
-              <a:rPr lang="pt-BR" dirty="0"/>
-              <a:t> e não possui a </a:t>
+              <a:t>Não é uma Classe abstrata e não possui a </a:t>
             </a:r>
             <a:r>
               <a:rPr lang="pt-BR" dirty="0" err="1"/>
@@ -4638,9 +5564,6 @@
             </a:r>
             <a:r>
               <a:rPr lang="pt-BR" sz="1800" spc="10" dirty="0">
-                <a:solidFill>
-                  <a:srgbClr val="002060"/>
-                </a:solidFill>
                 <a:latin typeface="Courier New" panose="02070309020205020404" pitchFamily="49" charset="0"/>
                 <a:cs typeface="Courier New" panose="02070309020205020404" pitchFamily="49" charset="0"/>
               </a:rPr>
@@ -4648,18 +5571,12 @@
             </a:r>
             <a:r>
               <a:rPr lang="pt-BR" sz="1800" spc="10" dirty="0" err="1">
-                <a:solidFill>
-                  <a:srgbClr val="002060"/>
-                </a:solidFill>
                 <a:latin typeface="Courier New" panose="02070309020205020404" pitchFamily="49" charset="0"/>
                 <a:cs typeface="Courier New" panose="02070309020205020404" pitchFamily="49" charset="0"/>
               </a:rPr>
               <a:t>Decorator</a:t>
             </a:r>
             <a:endParaRPr lang="pt-BR" sz="1800" spc="10" dirty="0">
-              <a:solidFill>
-                <a:srgbClr val="002060"/>
-              </a:solidFill>
               <a:latin typeface="Courier New" panose="02070309020205020404" pitchFamily="49" charset="0"/>
               <a:cs typeface="Courier New" panose="02070309020205020404" pitchFamily="49" charset="0"/>
             </a:endParaRPr>
@@ -4672,18 +5589,12 @@
             </a:r>
             <a:r>
               <a:rPr lang="pt-BR" sz="1800" spc="10" dirty="0" err="1">
-                <a:solidFill>
-                  <a:srgbClr val="002060"/>
-                </a:solidFill>
                 <a:latin typeface="Courier New" panose="02070309020205020404" pitchFamily="49" charset="0"/>
                 <a:cs typeface="Courier New" panose="02070309020205020404" pitchFamily="49" charset="0"/>
               </a:rPr>
               <a:t>javax.enterprise.inject.spi.Extension</a:t>
             </a:r>
             <a:endParaRPr lang="pt-BR" sz="1800" spc="10" dirty="0">
-              <a:solidFill>
-                <a:srgbClr val="002060"/>
-              </a:solidFill>
               <a:latin typeface="Courier New" panose="02070309020205020404" pitchFamily="49" charset="0"/>
               <a:cs typeface="Courier New" panose="02070309020205020404" pitchFamily="49" charset="0"/>
             </a:endParaRPr>
@@ -4704,9 +5615,6 @@
             </a:r>
             <a:r>
               <a:rPr lang="pt-BR" sz="1800" spc="10" dirty="0">
-                <a:solidFill>
-                  <a:srgbClr val="002060"/>
-                </a:solidFill>
                 <a:latin typeface="Courier New" panose="02070309020205020404" pitchFamily="49" charset="0"/>
                 <a:cs typeface="Courier New" panose="02070309020205020404" pitchFamily="49" charset="0"/>
               </a:rPr>
@@ -4714,9 +5622,6 @@
             </a:r>
             <a:r>
               <a:rPr lang="pt-BR" sz="1800" spc="10" dirty="0" err="1">
-                <a:solidFill>
-                  <a:srgbClr val="002060"/>
-                </a:solidFill>
                 <a:latin typeface="Courier New" panose="02070309020205020404" pitchFamily="49" charset="0"/>
                 <a:cs typeface="Courier New" panose="02070309020205020404" pitchFamily="49" charset="0"/>
               </a:rPr>
@@ -4724,9 +5629,6 @@
             </a:r>
             <a:r>
               <a:rPr lang="pt-BR" sz="1800" spc="10" dirty="0">
-                <a:solidFill>
-                  <a:srgbClr val="002060"/>
-                </a:solidFill>
                 <a:latin typeface="Courier New" panose="02070309020205020404" pitchFamily="49" charset="0"/>
                 <a:cs typeface="Courier New" panose="02070309020205020404" pitchFamily="49" charset="0"/>
               </a:rPr>
@@ -4738,9 +5640,6 @@
             </a:r>
             <a:r>
               <a:rPr lang="pt-BR" sz="1800" spc="10" dirty="0">
-                <a:solidFill>
-                  <a:srgbClr val="002060"/>
-                </a:solidFill>
                 <a:latin typeface="Courier New" panose="02070309020205020404" pitchFamily="49" charset="0"/>
                 <a:cs typeface="Courier New" panose="02070309020205020404" pitchFamily="49" charset="0"/>
               </a:rPr>
@@ -4748,18 +5647,12 @@
             </a:r>
             <a:r>
               <a:rPr lang="pt-BR" sz="1800" spc="10" dirty="0" err="1">
-                <a:solidFill>
-                  <a:srgbClr val="002060"/>
-                </a:solidFill>
                 <a:latin typeface="Courier New" panose="02070309020205020404" pitchFamily="49" charset="0"/>
                 <a:cs typeface="Courier New" panose="02070309020205020404" pitchFamily="49" charset="0"/>
               </a:rPr>
               <a:t>Vetoed</a:t>
             </a:r>
             <a:endParaRPr lang="pt-BR" sz="1800" spc="10" dirty="0">
-              <a:solidFill>
-                <a:srgbClr val="002060"/>
-              </a:solidFill>
               <a:latin typeface="Courier New" panose="02070309020205020404" pitchFamily="49" charset="0"/>
               <a:cs typeface="Courier New" panose="02070309020205020404" pitchFamily="49" charset="0"/>
             </a:endParaRPr>
@@ -4781,40 +5674,34 @@
           <a:p>
             <a:pPr lvl="2"/>
             <a:r>
-              <a:rPr lang="pt-BR" dirty="0"/>
+              <a:rPr lang="pt-BR" strike="sngStrike" dirty="0"/>
               <a:t>Um construtor com parâmetros com </a:t>
             </a:r>
             <a:r>
-              <a:rPr lang="pt-BR" sz="1800" spc="10" dirty="0">
-                <a:solidFill>
-                  <a:srgbClr val="002060"/>
-                </a:solidFill>
+              <a:rPr lang="pt-BR" sz="1800" strike="sngStrike" spc="10" dirty="0">
                 <a:latin typeface="Courier New" panose="02070309020205020404" pitchFamily="49" charset="0"/>
                 <a:cs typeface="Courier New" panose="02070309020205020404" pitchFamily="49" charset="0"/>
               </a:rPr>
               <a:t>@</a:t>
             </a:r>
             <a:r>
-              <a:rPr lang="pt-BR" sz="1800" spc="10" dirty="0" err="1">
-                <a:solidFill>
-                  <a:srgbClr val="002060"/>
-                </a:solidFill>
+              <a:rPr lang="pt-BR" sz="1800" strike="sngStrike" spc="10" dirty="0" err="1">
                 <a:latin typeface="Courier New" panose="02070309020205020404" pitchFamily="49" charset="0"/>
                 <a:cs typeface="Courier New" panose="02070309020205020404" pitchFamily="49" charset="0"/>
               </a:rPr>
               <a:t>Inject</a:t>
             </a:r>
-            <a:endParaRPr lang="pt-BR" sz="1800" spc="10" dirty="0">
-              <a:solidFill>
-                <a:srgbClr val="002060"/>
-              </a:solidFill>
+            <a:endParaRPr lang="pt-BR" sz="1800" strike="sngStrike" spc="10" dirty="0">
               <a:latin typeface="Courier New" panose="02070309020205020404" pitchFamily="49" charset="0"/>
               <a:cs typeface="Courier New" panose="02070309020205020404" pitchFamily="49" charset="0"/>
             </a:endParaRPr>
           </a:p>
           <a:p>
-            <a:pPr lvl="2"/>
-            <a:endParaRPr lang="pt-BR" dirty="0"/>
+            <a:pPr lvl="3"/>
+            <a:r>
+              <a:rPr lang="pt-BR" dirty="0"/>
+              <a:t>Está na especificação, mas não funciona! 🤔 🤦‍♂️</a:t>
+            </a:r>
           </a:p>
           <a:p>
             <a:endParaRPr lang="pt-BR" dirty="0"/>
@@ -4824,6 +5711,42 @@
           </a:p>
         </p:txBody>
       </p:sp>
+      <p:pic>
+        <p:nvPicPr>
+          <p:cNvPr id="4" name="Gráfico 3">
+            <a:extLst>
+              <a:ext uri="{FF2B5EF4-FFF2-40B4-BE49-F238E27FC236}">
+                <a16:creationId xmlns:a16="http://schemas.microsoft.com/office/drawing/2014/main" id="{AD354210-A69C-4245-B680-30E9EB4146C4}"/>
+              </a:ext>
+            </a:extLst>
+          </p:cNvPr>
+          <p:cNvPicPr>
+            <a:picLocks noChangeAspect="1"/>
+          </p:cNvPicPr>
+          <p:nvPr/>
+        </p:nvPicPr>
+        <p:blipFill>
+          <a:blip r:embed="rId2">
+            <a:extLst>
+              <a:ext uri="{96DAC541-7B7A-43D3-8B79-37D633B846F1}">
+                <asvg:svgBlip xmlns:asvg="http://schemas.microsoft.com/office/drawing/2016/SVG/main" r:embed="rId3"/>
+              </a:ext>
+            </a:extLst>
+          </a:blip>
+          <a:stretch>
+            <a:fillRect/>
+          </a:stretch>
+        </p:blipFill>
+        <p:spPr>
+          <a:xfrm>
+            <a:off x="8229599" y="3891775"/>
+            <a:ext cx="2966225" cy="2966225"/>
+          </a:xfrm>
+          <a:prstGeom prst="rect">
+            <a:avLst/>
+          </a:prstGeom>
+        </p:spPr>
+      </p:pic>
     </p:spTree>
     <p:extLst>
       <p:ext uri="{BB962C8B-B14F-4D97-AF65-F5344CB8AC3E}">
@@ -4837,9 +5760,17 @@
 </p:sld>
 </file>
 
-<file path=ppt/slides/slide16.xml><?xml version="1.0" encoding="utf-8"?>
+<file path=ppt/slides/slide17.xml><?xml version="1.0" encoding="utf-8"?>
 <p:sld xmlns:a="http://schemas.openxmlformats.org/drawingml/2006/main" xmlns:r="http://schemas.openxmlformats.org/officeDocument/2006/relationships" xmlns:p="http://schemas.openxmlformats.org/presentationml/2006/main">
   <p:cSld>
+    <p:bg>
+      <p:bgPr>
+        <a:solidFill>
+          <a:srgbClr val="EBD494"/>
+        </a:solidFill>
+        <a:effectLst/>
+      </p:bgPr>
+    </p:bg>
     <p:spTree>
       <p:nvGrpSpPr>
         <p:cNvPr id="1" name=""/>
@@ -4876,7 +5807,14 @@
           <a:lstStyle/>
           <a:p>
             <a:r>
-              <a:rPr lang="pt-BR" dirty="0"/>
+              <a:rPr lang="pt-BR" dirty="0">
+                <a:solidFill>
+                  <a:schemeClr val="tx1">
+                    <a:lumMod val="85000"/>
+                    <a:lumOff val="15000"/>
+                  </a:schemeClr>
+                </a:solidFill>
+              </a:rPr>
               <a:t>Contexto e Escopo</a:t>
             </a:r>
           </a:p>
@@ -4904,16 +5842,42 @@
           <a:lstStyle/>
           <a:p>
             <a:r>
-              <a:rPr lang="pt-BR" dirty="0"/>
+              <a:rPr lang="pt-BR" dirty="0">
+                <a:solidFill>
+                  <a:schemeClr val="tx1">
+                    <a:lumMod val="85000"/>
+                    <a:lumOff val="15000"/>
+                  </a:schemeClr>
+                </a:solidFill>
+              </a:rPr>
               <a:t>CDI tem suporte a Escopos e Contextos. Ver </a:t>
             </a:r>
             <a:r>
               <a:rPr lang="pt-BR" dirty="0">
-                <a:hlinkClick r:id="rId2"/>
+                <a:solidFill>
+                  <a:schemeClr val="tx1">
+                    <a:lumMod val="85000"/>
+                    <a:lumOff val="15000"/>
+                  </a:schemeClr>
+                </a:solidFill>
+                <a:hlinkClick r:id="rId2">
+                  <a:extLst>
+                    <a:ext uri="{A12FA001-AC4F-418D-AE19-62706E023703}">
+                      <ahyp:hlinkClr xmlns:ahyp="http://schemas.microsoft.com/office/drawing/2018/hyperlinkcolor" val="tx"/>
+                    </a:ext>
+                  </a:extLst>
+                </a:hlinkClick>
               </a:rPr>
               <a:t>Documentação</a:t>
             </a:r>
-            <a:endParaRPr lang="pt-BR" dirty="0"/>
+            <a:endParaRPr lang="pt-BR" dirty="0">
+              <a:solidFill>
+                <a:schemeClr val="tx1">
+                  <a:lumMod val="85000"/>
+                  <a:lumOff val="15000"/>
+                </a:schemeClr>
+              </a:solidFill>
+            </a:endParaRPr>
           </a:p>
           <a:p>
             <a:endParaRPr lang="pt-BR" dirty="0"/>
@@ -4935,35 +5899,35 @@
           <p:nvPr>
             <p:extLst>
               <p:ext uri="{D42A27DB-BD31-4B8C-83A1-F6EECF244321}">
-                <p14:modId xmlns:p14="http://schemas.microsoft.com/office/powerpoint/2010/main" val="636218640"/>
+                <p14:modId xmlns:p14="http://schemas.microsoft.com/office/powerpoint/2010/main" val="2938232946"/>
               </p:ext>
             </p:extLst>
           </p:nvPr>
         </p:nvGraphicFramePr>
         <p:xfrm>
           <a:off x="1261872" y="2306782"/>
-          <a:ext cx="8900436" cy="4049439"/>
+          <a:ext cx="8900436" cy="4262551"/>
         </p:xfrm>
         <a:graphic>
           <a:graphicData uri="http://schemas.openxmlformats.org/drawingml/2006/table">
             <a:tbl>
               <a:tblPr/>
               <a:tblGrid>
-                <a:gridCol w="2966812">
+                <a:gridCol w="1379728">
                   <a:extLst>
                     <a:ext uri="{9D8B030D-6E8A-4147-A177-3AD203B41FA5}">
                       <a16:colId xmlns:a16="http://schemas.microsoft.com/office/drawing/2014/main" val="896552128"/>
                     </a:ext>
                   </a:extLst>
                 </a:gridCol>
-                <a:gridCol w="2966812">
+                <a:gridCol w="2004291">
                   <a:extLst>
                     <a:ext uri="{9D8B030D-6E8A-4147-A177-3AD203B41FA5}">
                       <a16:colId xmlns:a16="http://schemas.microsoft.com/office/drawing/2014/main" val="2310449617"/>
                     </a:ext>
                   </a:extLst>
                 </a:gridCol>
-                <a:gridCol w="2966812">
+                <a:gridCol w="5516417">
                   <a:extLst>
                     <a:ext uri="{9D8B030D-6E8A-4147-A177-3AD203B41FA5}">
                       <a16:colId xmlns:a16="http://schemas.microsoft.com/office/drawing/2014/main" val="4281544970"/>
@@ -4979,10 +5943,24 @@
                     <a:p>
                       <a:pPr algn="l"/>
                       <a:r>
-                        <a:rPr lang="pt-BR" sz="1000" b="1" dirty="0" err="1"/>
+                        <a:rPr lang="pt-BR" sz="1400" b="1" dirty="0" err="1">
+                          <a:solidFill>
+                            <a:schemeClr val="tx1">
+                              <a:lumMod val="85000"/>
+                              <a:lumOff val="15000"/>
+                            </a:schemeClr>
+                          </a:solidFill>
+                        </a:rPr>
                         <a:t>Scope</a:t>
                       </a:r>
-                      <a:endParaRPr lang="pt-BR" sz="1000" b="1" dirty="0"/>
+                      <a:endParaRPr lang="pt-BR" sz="1400" b="1" dirty="0">
+                        <a:solidFill>
+                          <a:schemeClr val="tx1">
+                            <a:lumMod val="85000"/>
+                            <a:lumOff val="15000"/>
+                          </a:schemeClr>
+                        </a:solidFill>
+                      </a:endParaRPr>
                     </a:p>
                   </a:txBody>
                   <a:tcPr marL="42660" marR="42660" marT="21330" marB="21330">
@@ -5007,10 +5985,24 @@
                     <a:p>
                       <a:pPr algn="l"/>
                       <a:r>
-                        <a:rPr lang="pt-BR" sz="1000" b="1" dirty="0" err="1"/>
+                        <a:rPr lang="pt-BR" sz="1400" b="1" dirty="0" err="1">
+                          <a:solidFill>
+                            <a:schemeClr val="tx1">
+                              <a:lumMod val="85000"/>
+                              <a:lumOff val="15000"/>
+                            </a:schemeClr>
+                          </a:solidFill>
+                        </a:rPr>
                         <a:t>Annotation</a:t>
                       </a:r>
-                      <a:endParaRPr lang="pt-BR" sz="1000" b="1" dirty="0"/>
+                      <a:endParaRPr lang="pt-BR" sz="1400" b="1" dirty="0">
+                        <a:solidFill>
+                          <a:schemeClr val="tx1">
+                            <a:lumMod val="85000"/>
+                            <a:lumOff val="15000"/>
+                          </a:schemeClr>
+                        </a:solidFill>
+                      </a:endParaRPr>
                     </a:p>
                   </a:txBody>
                   <a:tcPr marL="42660" marR="42660" marT="21330" marB="21330">
@@ -5035,10 +6027,24 @@
                     <a:p>
                       <a:pPr algn="l"/>
                       <a:r>
-                        <a:rPr lang="pt-BR" sz="1000" b="1" dirty="0" err="1"/>
+                        <a:rPr lang="pt-BR" sz="1400" b="1" dirty="0" err="1">
+                          <a:solidFill>
+                            <a:schemeClr val="tx1">
+                              <a:lumMod val="85000"/>
+                              <a:lumOff val="15000"/>
+                            </a:schemeClr>
+                          </a:solidFill>
+                        </a:rPr>
                         <a:t>Duration</a:t>
                       </a:r>
-                      <a:endParaRPr lang="pt-BR" sz="1000" b="1" dirty="0"/>
+                      <a:endParaRPr lang="pt-BR" sz="1400" b="1" dirty="0">
+                        <a:solidFill>
+                          <a:schemeClr val="tx1">
+                            <a:lumMod val="85000"/>
+                            <a:lumOff val="15000"/>
+                          </a:schemeClr>
+                        </a:solidFill>
+                      </a:endParaRPr>
                     </a:p>
                   </a:txBody>
                   <a:tcPr marL="42660" marR="42660" marT="21330" marB="21330">
@@ -5070,10 +6076,24 @@
                     <a:p>
                       <a:pPr algn="l"/>
                       <a:r>
-                        <a:rPr lang="pt-BR" sz="1000" dirty="0" err="1"/>
+                        <a:rPr lang="pt-BR" sz="1400" dirty="0" err="1">
+                          <a:solidFill>
+                            <a:schemeClr val="tx1">
+                              <a:lumMod val="85000"/>
+                              <a:lumOff val="15000"/>
+                            </a:schemeClr>
+                          </a:solidFill>
+                        </a:rPr>
                         <a:t>Request</a:t>
                       </a:r>
-                      <a:endParaRPr lang="pt-BR" sz="1000" dirty="0"/>
+                      <a:endParaRPr lang="pt-BR" sz="1400" dirty="0">
+                        <a:solidFill>
+                          <a:schemeClr val="tx1">
+                            <a:lumMod val="85000"/>
+                            <a:lumOff val="15000"/>
+                          </a:schemeClr>
+                        </a:solidFill>
+                      </a:endParaRPr>
                     </a:p>
                   </a:txBody>
                   <a:tcPr marL="42660" marR="42660" marT="21330" marB="21330">
@@ -5098,14 +6118,35 @@
                     <a:p>
                       <a:pPr algn="l"/>
                       <a:r>
-                        <a:rPr lang="pt-BR" sz="1000" dirty="0"/>
+                        <a:rPr lang="pt-BR" sz="1400" dirty="0">
+                          <a:solidFill>
+                            <a:schemeClr val="tx1">
+                              <a:lumMod val="85000"/>
+                              <a:lumOff val="15000"/>
+                            </a:schemeClr>
+                          </a:solidFill>
+                        </a:rPr>
                         <a:t>@</a:t>
                       </a:r>
                       <a:r>
-                        <a:rPr lang="pt-BR" sz="1000" dirty="0" err="1"/>
+                        <a:rPr lang="pt-BR" sz="1400" dirty="0" err="1">
+                          <a:solidFill>
+                            <a:schemeClr val="tx1">
+                              <a:lumMod val="85000"/>
+                              <a:lumOff val="15000"/>
+                            </a:schemeClr>
+                          </a:solidFill>
+                        </a:rPr>
                         <a:t>RequestScoped</a:t>
                       </a:r>
-                      <a:endParaRPr lang="pt-BR" sz="1000" dirty="0"/>
+                      <a:endParaRPr lang="pt-BR" sz="1400" dirty="0">
+                        <a:solidFill>
+                          <a:schemeClr val="tx1">
+                            <a:lumMod val="85000"/>
+                            <a:lumOff val="15000"/>
+                          </a:schemeClr>
+                        </a:solidFill>
+                      </a:endParaRPr>
                     </a:p>
                   </a:txBody>
                   <a:tcPr marL="42660" marR="42660" marT="21330" marB="21330">
@@ -5130,7 +6171,14 @@
                     <a:p>
                       <a:pPr algn="l"/>
                       <a:r>
-                        <a:rPr lang="en-US" sz="1000" dirty="0"/>
+                        <a:rPr lang="en-US" sz="1400" dirty="0">
+                          <a:solidFill>
+                            <a:schemeClr val="tx1">
+                              <a:lumMod val="85000"/>
+                              <a:lumOff val="15000"/>
+                            </a:schemeClr>
+                          </a:solidFill>
+                        </a:rPr>
                         <a:t>A user’s interaction with a web application in a single HTTP request.</a:t>
                       </a:r>
                     </a:p>
@@ -5164,10 +6212,24 @@
                     <a:p>
                       <a:pPr algn="l"/>
                       <a:r>
-                        <a:rPr lang="pt-BR" sz="1000" dirty="0" err="1"/>
+                        <a:rPr lang="pt-BR" sz="1400" dirty="0" err="1">
+                          <a:solidFill>
+                            <a:schemeClr val="tx1">
+                              <a:lumMod val="85000"/>
+                              <a:lumOff val="15000"/>
+                            </a:schemeClr>
+                          </a:solidFill>
+                        </a:rPr>
                         <a:t>Session</a:t>
                       </a:r>
-                      <a:endParaRPr lang="pt-BR" sz="1000" dirty="0"/>
+                      <a:endParaRPr lang="pt-BR" sz="1400" dirty="0">
+                        <a:solidFill>
+                          <a:schemeClr val="tx1">
+                            <a:lumMod val="85000"/>
+                            <a:lumOff val="15000"/>
+                          </a:schemeClr>
+                        </a:solidFill>
+                      </a:endParaRPr>
                     </a:p>
                   </a:txBody>
                   <a:tcPr marL="42660" marR="42660" marT="21330" marB="21330">
@@ -5192,9 +6254,35 @@
                     <a:p>
                       <a:pPr algn="l"/>
                       <a:r>
-                        <a:rPr lang="pt-BR" sz="1000"/>
-                        <a:t>@SessionScoped</a:t>
+                        <a:rPr lang="pt-BR" sz="1400" dirty="0">
+                          <a:solidFill>
+                            <a:schemeClr val="tx1">
+                              <a:lumMod val="85000"/>
+                              <a:lumOff val="15000"/>
+                            </a:schemeClr>
+                          </a:solidFill>
+                        </a:rPr>
+                        <a:t>@</a:t>
                       </a:r>
+                      <a:r>
+                        <a:rPr lang="pt-BR" sz="1400" dirty="0" err="1">
+                          <a:solidFill>
+                            <a:schemeClr val="tx1">
+                              <a:lumMod val="85000"/>
+                              <a:lumOff val="15000"/>
+                            </a:schemeClr>
+                          </a:solidFill>
+                        </a:rPr>
+                        <a:t>SessionScoped</a:t>
+                      </a:r>
+                      <a:endParaRPr lang="pt-BR" sz="1400" dirty="0">
+                        <a:solidFill>
+                          <a:schemeClr val="tx1">
+                            <a:lumMod val="85000"/>
+                            <a:lumOff val="15000"/>
+                          </a:schemeClr>
+                        </a:solidFill>
+                      </a:endParaRPr>
                     </a:p>
                   </a:txBody>
                   <a:tcPr marL="42660" marR="42660" marT="21330" marB="21330">
@@ -5219,7 +6307,14 @@
                     <a:p>
                       <a:pPr algn="l"/>
                       <a:r>
-                        <a:rPr lang="en-US" sz="1000" dirty="0"/>
+                        <a:rPr lang="en-US" sz="1400" dirty="0">
+                          <a:solidFill>
+                            <a:schemeClr val="tx1">
+                              <a:lumMod val="85000"/>
+                              <a:lumOff val="15000"/>
+                            </a:schemeClr>
+                          </a:solidFill>
+                        </a:rPr>
                         <a:t>A user’s interaction with a web application across multiple HTTP requests.</a:t>
                       </a:r>
                     </a:p>
@@ -5253,10 +6348,24 @@
                     <a:p>
                       <a:pPr algn="l"/>
                       <a:r>
-                        <a:rPr lang="pt-BR" sz="1000" dirty="0" err="1"/>
+                        <a:rPr lang="pt-BR" sz="1400" dirty="0" err="1">
+                          <a:solidFill>
+                            <a:schemeClr val="tx1">
+                              <a:lumMod val="85000"/>
+                              <a:lumOff val="15000"/>
+                            </a:schemeClr>
+                          </a:solidFill>
+                        </a:rPr>
                         <a:t>Application</a:t>
                       </a:r>
-                      <a:endParaRPr lang="pt-BR" sz="1000" dirty="0"/>
+                      <a:endParaRPr lang="pt-BR" sz="1400" dirty="0">
+                        <a:solidFill>
+                          <a:schemeClr val="tx1">
+                            <a:lumMod val="85000"/>
+                            <a:lumOff val="15000"/>
+                          </a:schemeClr>
+                        </a:solidFill>
+                      </a:endParaRPr>
                     </a:p>
                   </a:txBody>
                   <a:tcPr marL="42660" marR="42660" marT="21330" marB="21330">
@@ -5281,9 +6390,35 @@
                     <a:p>
                       <a:pPr algn="l"/>
                       <a:r>
-                        <a:rPr lang="pt-BR" sz="1000"/>
-                        <a:t>@ApplicationScoped</a:t>
+                        <a:rPr lang="pt-BR" sz="1400" dirty="0">
+                          <a:solidFill>
+                            <a:schemeClr val="tx1">
+                              <a:lumMod val="85000"/>
+                              <a:lumOff val="15000"/>
+                            </a:schemeClr>
+                          </a:solidFill>
+                        </a:rPr>
+                        <a:t>@</a:t>
                       </a:r>
+                      <a:r>
+                        <a:rPr lang="pt-BR" sz="1400" dirty="0" err="1">
+                          <a:solidFill>
+                            <a:schemeClr val="tx1">
+                              <a:lumMod val="85000"/>
+                              <a:lumOff val="15000"/>
+                            </a:schemeClr>
+                          </a:solidFill>
+                        </a:rPr>
+                        <a:t>ApplicationScoped</a:t>
+                      </a:r>
+                      <a:endParaRPr lang="pt-BR" sz="1400" dirty="0">
+                        <a:solidFill>
+                          <a:schemeClr val="tx1">
+                            <a:lumMod val="85000"/>
+                            <a:lumOff val="15000"/>
+                          </a:schemeClr>
+                        </a:solidFill>
+                      </a:endParaRPr>
                     </a:p>
                   </a:txBody>
                   <a:tcPr marL="42660" marR="42660" marT="21330" marB="21330">
@@ -5308,7 +6443,14 @@
                     <a:p>
                       <a:pPr algn="l"/>
                       <a:r>
-                        <a:rPr lang="en-US" sz="1000" dirty="0"/>
+                        <a:rPr lang="en-US" sz="1400" dirty="0">
+                          <a:solidFill>
+                            <a:schemeClr val="tx1">
+                              <a:lumMod val="85000"/>
+                              <a:lumOff val="15000"/>
+                            </a:schemeClr>
+                          </a:solidFill>
+                        </a:rPr>
                         <a:t>Shared state across all users’ interactions with a web application.</a:t>
                       </a:r>
                     </a:p>
@@ -5342,10 +6484,24 @@
                     <a:p>
                       <a:pPr algn="l"/>
                       <a:r>
-                        <a:rPr lang="pt-BR" sz="1000" dirty="0" err="1"/>
+                        <a:rPr lang="pt-BR" sz="1400" dirty="0" err="1">
+                          <a:solidFill>
+                            <a:schemeClr val="tx1">
+                              <a:lumMod val="85000"/>
+                              <a:lumOff val="15000"/>
+                            </a:schemeClr>
+                          </a:solidFill>
+                        </a:rPr>
                         <a:t>Dependent</a:t>
                       </a:r>
-                      <a:endParaRPr lang="pt-BR" sz="1000" dirty="0"/>
+                      <a:endParaRPr lang="pt-BR" sz="1400" dirty="0">
+                        <a:solidFill>
+                          <a:schemeClr val="tx1">
+                            <a:lumMod val="85000"/>
+                            <a:lumOff val="15000"/>
+                          </a:schemeClr>
+                        </a:solidFill>
+                      </a:endParaRPr>
                     </a:p>
                   </a:txBody>
                   <a:tcPr marL="42660" marR="42660" marT="21330" marB="21330">
@@ -5370,14 +6526,35 @@
                     <a:p>
                       <a:pPr algn="l"/>
                       <a:r>
-                        <a:rPr lang="pt-BR" sz="1000" dirty="0"/>
+                        <a:rPr lang="pt-BR" sz="1400" dirty="0">
+                          <a:solidFill>
+                            <a:schemeClr val="tx1">
+                              <a:lumMod val="85000"/>
+                              <a:lumOff val="15000"/>
+                            </a:schemeClr>
+                          </a:solidFill>
+                        </a:rPr>
                         <a:t>@</a:t>
                       </a:r>
                       <a:r>
-                        <a:rPr lang="pt-BR" sz="1000" dirty="0" err="1"/>
+                        <a:rPr lang="pt-BR" sz="1400" dirty="0" err="1">
+                          <a:solidFill>
+                            <a:schemeClr val="tx1">
+                              <a:lumMod val="85000"/>
+                              <a:lumOff val="15000"/>
+                            </a:schemeClr>
+                          </a:solidFill>
+                        </a:rPr>
                         <a:t>Dependent</a:t>
                       </a:r>
-                      <a:endParaRPr lang="pt-BR" sz="1000" dirty="0"/>
+                      <a:endParaRPr lang="pt-BR" sz="1400" dirty="0">
+                        <a:solidFill>
+                          <a:schemeClr val="tx1">
+                            <a:lumMod val="85000"/>
+                            <a:lumOff val="15000"/>
+                          </a:schemeClr>
+                        </a:solidFill>
+                      </a:endParaRPr>
                     </a:p>
                   </a:txBody>
                   <a:tcPr marL="42660" marR="42660" marT="21330" marB="21330">
@@ -5402,7 +6579,14 @@
                     <a:p>
                       <a:pPr algn="l"/>
                       <a:r>
-                        <a:rPr lang="en-US" sz="1000" dirty="0"/>
+                        <a:rPr lang="en-US" sz="1400" dirty="0">
+                          <a:solidFill>
+                            <a:schemeClr val="tx1">
+                              <a:lumMod val="85000"/>
+                              <a:lumOff val="15000"/>
+                            </a:schemeClr>
+                          </a:solidFill>
+                        </a:rPr>
                         <a:t>The default scope if none is specified; it means that an object exists to serve exactly one client (bean) and has the same lifecycle as that client (bean).</a:t>
                       </a:r>
                     </a:p>
@@ -5436,10 +6620,24 @@
                     <a:p>
                       <a:pPr algn="l"/>
                       <a:r>
-                        <a:rPr lang="pt-BR" sz="1000" dirty="0" err="1"/>
+                        <a:rPr lang="pt-BR" sz="1400" dirty="0" err="1">
+                          <a:solidFill>
+                            <a:schemeClr val="tx1">
+                              <a:lumMod val="85000"/>
+                              <a:lumOff val="15000"/>
+                            </a:schemeClr>
+                          </a:solidFill>
+                        </a:rPr>
                         <a:t>Conversation</a:t>
                       </a:r>
-                      <a:endParaRPr lang="pt-BR" sz="1000" dirty="0"/>
+                      <a:endParaRPr lang="pt-BR" sz="1400" dirty="0">
+                        <a:solidFill>
+                          <a:schemeClr val="tx1">
+                            <a:lumMod val="85000"/>
+                            <a:lumOff val="15000"/>
+                          </a:schemeClr>
+                        </a:solidFill>
+                      </a:endParaRPr>
                     </a:p>
                   </a:txBody>
                   <a:tcPr marL="42660" marR="42660" marT="21330" marB="21330">
@@ -5464,14 +6662,35 @@
                     <a:p>
                       <a:pPr algn="l"/>
                       <a:r>
-                        <a:rPr lang="pt-BR" sz="1000" dirty="0"/>
+                        <a:rPr lang="pt-BR" sz="1400" dirty="0">
+                          <a:solidFill>
+                            <a:schemeClr val="tx1">
+                              <a:lumMod val="85000"/>
+                              <a:lumOff val="15000"/>
+                            </a:schemeClr>
+                          </a:solidFill>
+                        </a:rPr>
                         <a:t>@</a:t>
                       </a:r>
                       <a:r>
-                        <a:rPr lang="pt-BR" sz="1000" dirty="0" err="1"/>
+                        <a:rPr lang="pt-BR" sz="1400" dirty="0" err="1">
+                          <a:solidFill>
+                            <a:schemeClr val="tx1">
+                              <a:lumMod val="85000"/>
+                              <a:lumOff val="15000"/>
+                            </a:schemeClr>
+                          </a:solidFill>
+                        </a:rPr>
                         <a:t>ConversationScoped</a:t>
                       </a:r>
-                      <a:endParaRPr lang="pt-BR" sz="1000" dirty="0"/>
+                      <a:endParaRPr lang="pt-BR" sz="1400" dirty="0">
+                        <a:solidFill>
+                          <a:schemeClr val="tx1">
+                            <a:lumMod val="85000"/>
+                            <a:lumOff val="15000"/>
+                          </a:schemeClr>
+                        </a:solidFill>
+                      </a:endParaRPr>
                     </a:p>
                   </a:txBody>
                   <a:tcPr marL="42660" marR="42660" marT="21330" marB="21330">
@@ -5496,23 +6715,58 @@
                     <a:p>
                       <a:pPr algn="l"/>
                       <a:r>
-                        <a:rPr lang="en-US" sz="1000" dirty="0"/>
+                        <a:rPr lang="en-US" sz="1400" dirty="0">
+                          <a:solidFill>
+                            <a:schemeClr val="tx1">
+                              <a:lumMod val="85000"/>
+                              <a:lumOff val="15000"/>
+                            </a:schemeClr>
+                          </a:solidFill>
+                        </a:rPr>
                         <a:t>A user’s interaction with a </a:t>
                       </a:r>
                       <a:r>
-                        <a:rPr lang="en-US" sz="1000" dirty="0" err="1"/>
+                        <a:rPr lang="en-US" sz="1400" dirty="0" err="1">
+                          <a:solidFill>
+                            <a:schemeClr val="tx1">
+                              <a:lumMod val="85000"/>
+                              <a:lumOff val="15000"/>
+                            </a:schemeClr>
+                          </a:solidFill>
+                        </a:rPr>
                         <a:t>JavaServer</a:t>
                       </a:r>
                       <a:r>
-                        <a:rPr lang="en-US" sz="1000" dirty="0"/>
+                        <a:rPr lang="en-US" sz="1400" dirty="0">
+                          <a:solidFill>
+                            <a:schemeClr val="tx1">
+                              <a:lumMod val="85000"/>
+                              <a:lumOff val="15000"/>
+                            </a:schemeClr>
+                          </a:solidFill>
+                        </a:rPr>
                         <a:t> Faces application, within explicit developer-controlled boundaries that extend the scope across multiple invocations of the </a:t>
                       </a:r>
                       <a:r>
-                        <a:rPr lang="en-US" sz="1000" dirty="0" err="1"/>
+                        <a:rPr lang="en-US" sz="1400" dirty="0" err="1">
+                          <a:solidFill>
+                            <a:schemeClr val="tx1">
+                              <a:lumMod val="85000"/>
+                              <a:lumOff val="15000"/>
+                            </a:schemeClr>
+                          </a:solidFill>
+                        </a:rPr>
                         <a:t>JavaServer</a:t>
                       </a:r>
                       <a:r>
-                        <a:rPr lang="en-US" sz="1000" dirty="0"/>
+                        <a:rPr lang="en-US" sz="1400" dirty="0">
+                          <a:solidFill>
+                            <a:schemeClr val="tx1">
+                              <a:lumMod val="85000"/>
+                              <a:lumOff val="15000"/>
+                            </a:schemeClr>
+                          </a:solidFill>
+                        </a:rPr>
                         <a:t> Faces lifecycle. All long-running conversations are scoped to a particular HTTP servlet session and may not cross session boundaries.</a:t>
                       </a:r>
                     </a:p>
@@ -5542,6 +6796,42 @@
           </a:graphicData>
         </a:graphic>
       </p:graphicFrame>
+      <p:pic>
+        <p:nvPicPr>
+          <p:cNvPr id="5" name="Gráfico 4">
+            <a:extLst>
+              <a:ext uri="{FF2B5EF4-FFF2-40B4-BE49-F238E27FC236}">
+                <a16:creationId xmlns:a16="http://schemas.microsoft.com/office/drawing/2014/main" id="{C24E9541-ED1B-4FD1-8FED-EE936CCA6112}"/>
+              </a:ext>
+            </a:extLst>
+          </p:cNvPr>
+          <p:cNvPicPr>
+            <a:picLocks noChangeAspect="1"/>
+          </p:cNvPicPr>
+          <p:nvPr/>
+        </p:nvPicPr>
+        <p:blipFill>
+          <a:blip r:embed="rId3">
+            <a:extLst>
+              <a:ext uri="{96DAC541-7B7A-43D3-8B79-37D633B846F1}">
+                <asvg:svgBlip xmlns:asvg="http://schemas.microsoft.com/office/drawing/2016/SVG/main" r:embed="rId4"/>
+              </a:ext>
+            </a:extLst>
+          </a:blip>
+          <a:stretch>
+            <a:fillRect/>
+          </a:stretch>
+        </p:blipFill>
+        <p:spPr>
+          <a:xfrm>
+            <a:off x="8331200" y="-164114"/>
+            <a:ext cx="2892333" cy="2892333"/>
+          </a:xfrm>
+          <a:prstGeom prst="rect">
+            <a:avLst/>
+          </a:prstGeom>
+        </p:spPr>
+      </p:pic>
     </p:spTree>
     <p:extLst>
       <p:ext uri="{BB962C8B-B14F-4D97-AF65-F5344CB8AC3E}">
@@ -5555,9 +6845,17 @@
 </p:sld>
 </file>
 
-<file path=ppt/slides/slide17.xml><?xml version="1.0" encoding="utf-8"?>
+<file path=ppt/slides/slide18.xml><?xml version="1.0" encoding="utf-8"?>
 <p:sld xmlns:a="http://schemas.openxmlformats.org/drawingml/2006/main" xmlns:r="http://schemas.openxmlformats.org/officeDocument/2006/relationships" xmlns:p="http://schemas.openxmlformats.org/presentationml/2006/main">
   <p:cSld>
+    <p:bg>
+      <p:bgPr>
+        <a:solidFill>
+          <a:srgbClr val="EBD494"/>
+        </a:solidFill>
+        <a:effectLst/>
+      </p:bgPr>
+    </p:bg>
     <p:spTree>
       <p:nvGrpSpPr>
         <p:cNvPr id="1" name=""/>
@@ -5673,6 +6971,42 @@
           </a:p>
         </p:txBody>
       </p:sp>
+      <p:pic>
+        <p:nvPicPr>
+          <p:cNvPr id="4" name="Gráfico 3">
+            <a:extLst>
+              <a:ext uri="{FF2B5EF4-FFF2-40B4-BE49-F238E27FC236}">
+                <a16:creationId xmlns:a16="http://schemas.microsoft.com/office/drawing/2014/main" id="{FF6E6AB5-7E8A-479F-BAC0-1DF74E8A4644}"/>
+              </a:ext>
+            </a:extLst>
+          </p:cNvPr>
+          <p:cNvPicPr>
+            <a:picLocks noChangeAspect="1"/>
+          </p:cNvPicPr>
+          <p:nvPr/>
+        </p:nvPicPr>
+        <p:blipFill>
+          <a:blip r:embed="rId2">
+            <a:extLst>
+              <a:ext uri="{96DAC541-7B7A-43D3-8B79-37D633B846F1}">
+                <asvg:svgBlip xmlns:asvg="http://schemas.microsoft.com/office/drawing/2016/SVG/main" r:embed="rId3"/>
+              </a:ext>
+            </a:extLst>
+          </a:blip>
+          <a:stretch>
+            <a:fillRect/>
+          </a:stretch>
+        </p:blipFill>
+        <p:spPr>
+          <a:xfrm>
+            <a:off x="8229599" y="3901011"/>
+            <a:ext cx="2966225" cy="2966225"/>
+          </a:xfrm>
+          <a:prstGeom prst="rect">
+            <a:avLst/>
+          </a:prstGeom>
+        </p:spPr>
+      </p:pic>
     </p:spTree>
     <p:extLst>
       <p:ext uri="{BB962C8B-B14F-4D97-AF65-F5344CB8AC3E}">
@@ -5686,9 +7020,17 @@
 </p:sld>
 </file>
 
-<file path=ppt/slides/slide18.xml><?xml version="1.0" encoding="utf-8"?>
+<file path=ppt/slides/slide19.xml><?xml version="1.0" encoding="utf-8"?>
 <p:sld xmlns:a="http://schemas.openxmlformats.org/drawingml/2006/main" xmlns:r="http://schemas.openxmlformats.org/officeDocument/2006/relationships" xmlns:p="http://schemas.openxmlformats.org/presentationml/2006/main">
   <p:cSld>
+    <p:bg>
+      <p:bgPr>
+        <a:solidFill>
+          <a:srgbClr val="EBD494"/>
+        </a:solidFill>
+        <a:effectLst/>
+      </p:bgPr>
+    </p:bg>
     <p:spTree>
       <p:nvGrpSpPr>
         <p:cNvPr id="1" name=""/>
@@ -5812,6 +7154,42 @@
           </a:p>
         </p:txBody>
       </p:sp>
+      <p:pic>
+        <p:nvPicPr>
+          <p:cNvPr id="4" name="Gráfico 3">
+            <a:extLst>
+              <a:ext uri="{FF2B5EF4-FFF2-40B4-BE49-F238E27FC236}">
+                <a16:creationId xmlns:a16="http://schemas.microsoft.com/office/drawing/2014/main" id="{A377F76A-19F6-40F6-A7BD-95F92E8C436A}"/>
+              </a:ext>
+            </a:extLst>
+          </p:cNvPr>
+          <p:cNvPicPr>
+            <a:picLocks noChangeAspect="1"/>
+          </p:cNvPicPr>
+          <p:nvPr/>
+        </p:nvPicPr>
+        <p:blipFill>
+          <a:blip r:embed="rId2">
+            <a:extLst>
+              <a:ext uri="{96DAC541-7B7A-43D3-8B79-37D633B846F1}">
+                <asvg:svgBlip xmlns:asvg="http://schemas.microsoft.com/office/drawing/2016/SVG/main" r:embed="rId3"/>
+              </a:ext>
+            </a:extLst>
+          </a:blip>
+          <a:stretch>
+            <a:fillRect/>
+          </a:stretch>
+        </p:blipFill>
+        <p:spPr>
+          <a:xfrm>
+            <a:off x="8229599" y="3891775"/>
+            <a:ext cx="2966225" cy="2966225"/>
+          </a:xfrm>
+          <a:prstGeom prst="rect">
+            <a:avLst/>
+          </a:prstGeom>
+        </p:spPr>
+      </p:pic>
     </p:spTree>
     <p:extLst>
       <p:ext uri="{BB962C8B-B14F-4D97-AF65-F5344CB8AC3E}">
@@ -5825,9 +7203,1541 @@
 </p:sld>
 </file>
 
-<file path=ppt/slides/slide19.xml><?xml version="1.0" encoding="utf-8"?>
+<file path=ppt/slides/slide2.xml><?xml version="1.0" encoding="utf-8"?>
 <p:sld xmlns:a="http://schemas.openxmlformats.org/drawingml/2006/main" xmlns:r="http://schemas.openxmlformats.org/officeDocument/2006/relationships" xmlns:p="http://schemas.openxmlformats.org/presentationml/2006/main">
   <p:cSld>
+    <p:bg>
+      <p:bgPr>
+        <a:solidFill>
+          <a:srgbClr val="496394"/>
+        </a:solidFill>
+        <a:effectLst/>
+      </p:bgPr>
+    </p:bg>
+    <p:spTree>
+      <p:nvGrpSpPr>
+        <p:cNvPr id="1" name=""/>
+        <p:cNvGrpSpPr/>
+        <p:nvPr/>
+      </p:nvGrpSpPr>
+      <p:grpSpPr>
+        <a:xfrm>
+          <a:off x="0" y="0"/>
+          <a:ext cx="0" cy="0"/>
+          <a:chOff x="0" y="0"/>
+          <a:chExt cx="0" cy="0"/>
+        </a:xfrm>
+      </p:grpSpPr>
+      <p:sp>
+        <p:nvSpPr>
+          <p:cNvPr id="2" name="Título 1">
+            <a:extLst>
+              <a:ext uri="{FF2B5EF4-FFF2-40B4-BE49-F238E27FC236}">
+                <a16:creationId xmlns:a16="http://schemas.microsoft.com/office/drawing/2014/main" id="{1D9C59FE-5701-4272-A81D-2BF6C6EE85A5}"/>
+              </a:ext>
+            </a:extLst>
+          </p:cNvPr>
+          <p:cNvSpPr>
+            <a:spLocks noGrp="1"/>
+          </p:cNvSpPr>
+          <p:nvPr>
+            <p:ph type="title"/>
+          </p:nvPr>
+        </p:nvSpPr>
+        <p:spPr/>
+        <p:txBody>
+          <a:bodyPr/>
+          <a:lstStyle/>
+          <a:p>
+            <a:r>
+              <a:rPr lang="pt-BR" dirty="0">
+                <a:solidFill>
+                  <a:schemeClr val="bg1"/>
+                </a:solidFill>
+              </a:rPr>
+              <a:t>Este quem vos fala...</a:t>
+            </a:r>
+          </a:p>
+        </p:txBody>
+      </p:sp>
+      <p:sp>
+        <p:nvSpPr>
+          <p:cNvPr id="3" name="Espaço Reservado para Conteúdo 2">
+            <a:extLst>
+              <a:ext uri="{FF2B5EF4-FFF2-40B4-BE49-F238E27FC236}">
+                <a16:creationId xmlns:a16="http://schemas.microsoft.com/office/drawing/2014/main" id="{B978B709-45BE-4201-BA3F-E0971EC76692}"/>
+              </a:ext>
+            </a:extLst>
+          </p:cNvPr>
+          <p:cNvSpPr>
+            <a:spLocks noGrp="1"/>
+          </p:cNvSpPr>
+          <p:nvPr>
+            <p:ph idx="1"/>
+          </p:nvPr>
+        </p:nvSpPr>
+        <p:spPr>
+          <a:xfrm>
+            <a:off x="1261872" y="1828801"/>
+            <a:ext cx="4834128" cy="2048354"/>
+          </a:xfrm>
+        </p:spPr>
+        <p:txBody>
+          <a:bodyPr>
+            <a:normAutofit/>
+          </a:bodyPr>
+          <a:lstStyle/>
+          <a:p>
+            <a:pPr marL="0" indent="0">
+              <a:buNone/>
+            </a:pPr>
+            <a:r>
+              <a:rPr lang="pt-BR" sz="2000" b="1" dirty="0">
+                <a:solidFill>
+                  <a:schemeClr val="bg1"/>
+                </a:solidFill>
+              </a:rPr>
+              <a:t>Victor Osório</a:t>
+            </a:r>
+            <a:br>
+              <a:rPr lang="pt-BR" sz="2000" b="1" dirty="0">
+                <a:solidFill>
+                  <a:schemeClr val="bg1"/>
+                </a:solidFill>
+              </a:rPr>
+            </a:br>
+            <a:r>
+              <a:rPr lang="pt-BR" dirty="0" err="1">
+                <a:solidFill>
+                  <a:schemeClr val="bg1"/>
+                </a:solidFill>
+              </a:rPr>
+              <a:t>Senior</a:t>
+            </a:r>
+            <a:r>
+              <a:rPr lang="pt-BR" dirty="0">
+                <a:solidFill>
+                  <a:schemeClr val="bg1"/>
+                </a:solidFill>
+              </a:rPr>
+              <a:t> Software </a:t>
+            </a:r>
+            <a:r>
+              <a:rPr lang="pt-BR" dirty="0" err="1">
+                <a:solidFill>
+                  <a:schemeClr val="bg1"/>
+                </a:solidFill>
+              </a:rPr>
+              <a:t>Engineer</a:t>
+            </a:r>
+            <a:r>
+              <a:rPr lang="pt-BR" dirty="0">
+                <a:solidFill>
+                  <a:schemeClr val="bg1"/>
+                </a:solidFill>
+              </a:rPr>
+              <a:t> @ </a:t>
+            </a:r>
+            <a:r>
+              <a:rPr lang="pt-BR" dirty="0" err="1">
+                <a:solidFill>
+                  <a:schemeClr val="bg1"/>
+                </a:solidFill>
+              </a:rPr>
+              <a:t>Openet</a:t>
+            </a:r>
+            <a:endParaRPr lang="pt-BR" dirty="0">
+              <a:solidFill>
+                <a:schemeClr val="bg1"/>
+              </a:solidFill>
+            </a:endParaRPr>
+          </a:p>
+          <a:p>
+            <a:pPr marL="0" indent="0">
+              <a:buNone/>
+            </a:pPr>
+            <a:r>
+              <a:rPr lang="pt-BR" sz="1600" dirty="0">
+                <a:solidFill>
+                  <a:schemeClr val="bg1"/>
+                </a:solidFill>
+              </a:rPr>
+              <a:t>Mais de 14 anos de experiência com desenvolvimento Java</a:t>
+            </a:r>
+          </a:p>
+          <a:p>
+            <a:pPr marL="0" indent="0">
+              <a:buNone/>
+            </a:pPr>
+            <a:r>
+              <a:rPr lang="pt-BR" sz="1600" dirty="0">
+                <a:solidFill>
+                  <a:schemeClr val="bg1"/>
+                </a:solidFill>
+              </a:rPr>
+              <a:t>14 de Java SE!</a:t>
+            </a:r>
+            <a:br>
+              <a:rPr lang="pt-BR" sz="1600" dirty="0">
+                <a:solidFill>
+                  <a:schemeClr val="bg1"/>
+                </a:solidFill>
+              </a:rPr>
+            </a:br>
+            <a:r>
+              <a:rPr lang="pt-BR" sz="1600" dirty="0">
+                <a:solidFill>
+                  <a:schemeClr val="bg1"/>
+                </a:solidFill>
+              </a:rPr>
+              <a:t>02 de </a:t>
+            </a:r>
+            <a:r>
+              <a:rPr lang="pt-BR" sz="1600" strike="sngStrike" dirty="0">
+                <a:solidFill>
+                  <a:schemeClr val="bg1"/>
+                </a:solidFill>
+              </a:rPr>
+              <a:t>Java EE!</a:t>
+            </a:r>
+            <a:r>
+              <a:rPr lang="pt-BR" sz="1600" dirty="0">
+                <a:solidFill>
+                  <a:schemeClr val="bg1"/>
+                </a:solidFill>
+              </a:rPr>
+              <a:t> Jakarta EE!</a:t>
+            </a:r>
+          </a:p>
+          <a:p>
+            <a:pPr marL="0" indent="0">
+              <a:buNone/>
+            </a:pPr>
+            <a:endParaRPr lang="pt-BR" dirty="0">
+              <a:solidFill>
+                <a:schemeClr val="bg1"/>
+              </a:solidFill>
+            </a:endParaRPr>
+          </a:p>
+        </p:txBody>
+      </p:sp>
+      <p:pic>
+        <p:nvPicPr>
+          <p:cNvPr id="4098" name="Picture 2" descr="Image result for openet">
+            <a:extLst>
+              <a:ext uri="{FF2B5EF4-FFF2-40B4-BE49-F238E27FC236}">
+                <a16:creationId xmlns:a16="http://schemas.microsoft.com/office/drawing/2014/main" id="{6782B9D6-E04C-4948-A24A-AAFF60FBA297}"/>
+              </a:ext>
+            </a:extLst>
+          </p:cNvPr>
+          <p:cNvPicPr>
+            <a:picLocks noChangeAspect="1" noChangeArrowheads="1"/>
+          </p:cNvPicPr>
+          <p:nvPr/>
+        </p:nvPicPr>
+        <p:blipFill>
+          <a:blip r:embed="rId2">
+            <a:extLst>
+              <a:ext uri="{28A0092B-C50C-407E-A947-70E740481C1C}">
+                <a14:useLocalDpi xmlns:a14="http://schemas.microsoft.com/office/drawing/2010/main" val="0"/>
+              </a:ext>
+            </a:extLst>
+          </a:blip>
+          <a:srcRect/>
+          <a:stretch>
+            <a:fillRect/>
+          </a:stretch>
+        </p:blipFill>
+        <p:spPr bwMode="auto">
+          <a:xfrm>
+            <a:off x="4203192" y="5253990"/>
+            <a:ext cx="3810000" cy="1238250"/>
+          </a:xfrm>
+          <a:prstGeom prst="rect">
+            <a:avLst/>
+          </a:prstGeom>
+          <a:noFill/>
+          <a:extLst>
+            <a:ext uri="{909E8E84-426E-40DD-AFC4-6F175D3DCCD1}">
+              <a14:hiddenFill xmlns:a14="http://schemas.microsoft.com/office/drawing/2010/main">
+                <a:solidFill>
+                  <a:srgbClr val="FFFFFF"/>
+                </a:solidFill>
+              </a14:hiddenFill>
+            </a:ext>
+          </a:extLst>
+        </p:spPr>
+      </p:pic>
+      <p:sp>
+        <p:nvSpPr>
+          <p:cNvPr id="7" name="Espaço Reservado para Conteúdo 2">
+            <a:extLst>
+              <a:ext uri="{FF2B5EF4-FFF2-40B4-BE49-F238E27FC236}">
+                <a16:creationId xmlns:a16="http://schemas.microsoft.com/office/drawing/2014/main" id="{B353C1B1-438E-4A9A-B28A-5D9BBBD12519}"/>
+              </a:ext>
+            </a:extLst>
+          </p:cNvPr>
+          <p:cNvSpPr txBox="1">
+            <a:spLocks/>
+          </p:cNvSpPr>
+          <p:nvPr/>
+        </p:nvSpPr>
+        <p:spPr>
+          <a:xfrm>
+            <a:off x="1741279" y="3956257"/>
+            <a:ext cx="4834128" cy="298634"/>
+          </a:xfrm>
+          <a:prstGeom prst="rect">
+            <a:avLst/>
+          </a:prstGeom>
+        </p:spPr>
+        <p:txBody>
+          <a:bodyPr vert="horz" lIns="91440" tIns="45720" rIns="91440" bIns="45720" rtlCol="0">
+            <a:normAutofit/>
+          </a:bodyPr>
+          <a:lstStyle>
+            <a:lvl1pPr marL="182880" indent="-182880" algn="l" defTabSz="914400" rtl="0" eaLnBrk="1" latinLnBrk="0" hangingPunct="1">
+              <a:lnSpc>
+                <a:spcPct val="95000"/>
+              </a:lnSpc>
+              <a:spcBef>
+                <a:spcPts val="1400"/>
+              </a:spcBef>
+              <a:spcAft>
+                <a:spcPts val="200"/>
+              </a:spcAft>
+              <a:buClr>
+                <a:schemeClr val="accent1"/>
+              </a:buClr>
+              <a:buSzPct val="80000"/>
+              <a:buFont typeface="Arial" pitchFamily="34" charset="0"/>
+              <a:buChar char="•"/>
+              <a:defRPr sz="1800" kern="1200" spc="10" baseline="0">
+                <a:solidFill>
+                  <a:schemeClr val="tx1"/>
+                </a:solidFill>
+                <a:latin typeface="+mn-lt"/>
+                <a:ea typeface="+mn-ea"/>
+                <a:cs typeface="+mn-cs"/>
+              </a:defRPr>
+            </a:lvl1pPr>
+            <a:lvl2pPr marL="457200" indent="-182880" algn="l" defTabSz="914400" rtl="0" eaLnBrk="1" latinLnBrk="0" hangingPunct="1">
+              <a:lnSpc>
+                <a:spcPct val="90000"/>
+              </a:lnSpc>
+              <a:spcBef>
+                <a:spcPts val="300"/>
+              </a:spcBef>
+              <a:spcAft>
+                <a:spcPts val="300"/>
+              </a:spcAft>
+              <a:buClr>
+                <a:schemeClr val="accent1"/>
+              </a:buClr>
+              <a:buFont typeface="Wingdings 2" pitchFamily="18" charset="2"/>
+              <a:buChar char=""/>
+              <a:defRPr sz="1600" kern="1200">
+                <a:solidFill>
+                  <a:schemeClr val="tx1">
+                    <a:lumMod val="85000"/>
+                    <a:lumOff val="15000"/>
+                  </a:schemeClr>
+                </a:solidFill>
+                <a:latin typeface="+mn-lt"/>
+                <a:ea typeface="+mn-ea"/>
+                <a:cs typeface="+mn-cs"/>
+              </a:defRPr>
+            </a:lvl2pPr>
+            <a:lvl3pPr marL="731520" indent="-182880" algn="l" defTabSz="914400" rtl="0" eaLnBrk="1" latinLnBrk="0" hangingPunct="1">
+              <a:lnSpc>
+                <a:spcPct val="90000"/>
+              </a:lnSpc>
+              <a:spcBef>
+                <a:spcPts val="300"/>
+              </a:spcBef>
+              <a:spcAft>
+                <a:spcPts val="300"/>
+              </a:spcAft>
+              <a:buClr>
+                <a:schemeClr val="accent1"/>
+              </a:buClr>
+              <a:buFont typeface="Wingdings 2" pitchFamily="18" charset="2"/>
+              <a:buChar char=""/>
+              <a:defRPr sz="1400" kern="1200">
+                <a:solidFill>
+                  <a:schemeClr val="tx1">
+                    <a:lumMod val="85000"/>
+                    <a:lumOff val="15000"/>
+                  </a:schemeClr>
+                </a:solidFill>
+                <a:latin typeface="+mn-lt"/>
+                <a:ea typeface="+mn-ea"/>
+                <a:cs typeface="+mn-cs"/>
+              </a:defRPr>
+            </a:lvl3pPr>
+            <a:lvl4pPr marL="1005840" indent="-182880" algn="l" defTabSz="914400" rtl="0" eaLnBrk="1" latinLnBrk="0" hangingPunct="1">
+              <a:lnSpc>
+                <a:spcPct val="90000"/>
+              </a:lnSpc>
+              <a:spcBef>
+                <a:spcPts val="300"/>
+              </a:spcBef>
+              <a:spcAft>
+                <a:spcPts val="300"/>
+              </a:spcAft>
+              <a:buClr>
+                <a:schemeClr val="accent1"/>
+              </a:buClr>
+              <a:buFont typeface="Wingdings 2" pitchFamily="18" charset="2"/>
+              <a:buChar char=""/>
+              <a:defRPr sz="1400" kern="1200">
+                <a:solidFill>
+                  <a:schemeClr val="tx1">
+                    <a:lumMod val="85000"/>
+                    <a:lumOff val="15000"/>
+                  </a:schemeClr>
+                </a:solidFill>
+                <a:latin typeface="+mn-lt"/>
+                <a:ea typeface="+mn-ea"/>
+                <a:cs typeface="+mn-cs"/>
+              </a:defRPr>
+            </a:lvl4pPr>
+            <a:lvl5pPr marL="1280160" indent="-182880" algn="l" defTabSz="914400" rtl="0" eaLnBrk="1" latinLnBrk="0" hangingPunct="1">
+              <a:lnSpc>
+                <a:spcPct val="90000"/>
+              </a:lnSpc>
+              <a:spcBef>
+                <a:spcPts val="300"/>
+              </a:spcBef>
+              <a:spcAft>
+                <a:spcPts val="300"/>
+              </a:spcAft>
+              <a:buClr>
+                <a:schemeClr val="accent1"/>
+              </a:buClr>
+              <a:buFont typeface="Wingdings 2" pitchFamily="18" charset="2"/>
+              <a:buChar char=""/>
+              <a:defRPr sz="1400" kern="1200">
+                <a:solidFill>
+                  <a:schemeClr val="tx1">
+                    <a:lumMod val="85000"/>
+                    <a:lumOff val="15000"/>
+                  </a:schemeClr>
+                </a:solidFill>
+                <a:latin typeface="+mn-lt"/>
+                <a:ea typeface="+mn-ea"/>
+                <a:cs typeface="+mn-cs"/>
+              </a:defRPr>
+            </a:lvl5pPr>
+            <a:lvl6pPr marL="1600000" indent="-228600" algn="l" defTabSz="914400" rtl="0" eaLnBrk="1" latinLnBrk="0" hangingPunct="1">
+              <a:lnSpc>
+                <a:spcPct val="90000"/>
+              </a:lnSpc>
+              <a:spcBef>
+                <a:spcPts val="300"/>
+              </a:spcBef>
+              <a:spcAft>
+                <a:spcPts val="300"/>
+              </a:spcAft>
+              <a:buClr>
+                <a:schemeClr val="accent1"/>
+              </a:buClr>
+              <a:buFont typeface="Wingdings 2" pitchFamily="18" charset="2"/>
+              <a:buChar char=""/>
+              <a:defRPr sz="1400" kern="1200">
+                <a:solidFill>
+                  <a:schemeClr val="tx1">
+                    <a:lumMod val="85000"/>
+                    <a:lumOff val="15000"/>
+                  </a:schemeClr>
+                </a:solidFill>
+                <a:latin typeface="+mn-lt"/>
+                <a:ea typeface="+mn-ea"/>
+                <a:cs typeface="+mn-cs"/>
+              </a:defRPr>
+            </a:lvl6pPr>
+            <a:lvl7pPr marL="1900000" indent="-228600" algn="l" defTabSz="914400" rtl="0" eaLnBrk="1" latinLnBrk="0" hangingPunct="1">
+              <a:lnSpc>
+                <a:spcPct val="90000"/>
+              </a:lnSpc>
+              <a:spcBef>
+                <a:spcPts val="300"/>
+              </a:spcBef>
+              <a:spcAft>
+                <a:spcPts val="300"/>
+              </a:spcAft>
+              <a:buClr>
+                <a:schemeClr val="accent1"/>
+              </a:buClr>
+              <a:buFont typeface="Wingdings 2" pitchFamily="18" charset="2"/>
+              <a:buChar char=""/>
+              <a:defRPr sz="1400" kern="1200">
+                <a:solidFill>
+                  <a:schemeClr val="tx1">
+                    <a:lumMod val="85000"/>
+                    <a:lumOff val="15000"/>
+                  </a:schemeClr>
+                </a:solidFill>
+                <a:latin typeface="+mn-lt"/>
+                <a:ea typeface="+mn-ea"/>
+                <a:cs typeface="+mn-cs"/>
+              </a:defRPr>
+            </a:lvl7pPr>
+            <a:lvl8pPr marL="2200000" indent="-228600" algn="l" defTabSz="914400" rtl="0" eaLnBrk="1" latinLnBrk="0" hangingPunct="1">
+              <a:lnSpc>
+                <a:spcPct val="90000"/>
+              </a:lnSpc>
+              <a:spcBef>
+                <a:spcPts val="300"/>
+              </a:spcBef>
+              <a:spcAft>
+                <a:spcPts val="300"/>
+              </a:spcAft>
+              <a:buClr>
+                <a:schemeClr val="accent1"/>
+              </a:buClr>
+              <a:buFont typeface="Wingdings 2" pitchFamily="18" charset="2"/>
+              <a:buChar char=""/>
+              <a:defRPr sz="1400" kern="1200">
+                <a:solidFill>
+                  <a:schemeClr val="tx1">
+                    <a:lumMod val="85000"/>
+                    <a:lumOff val="15000"/>
+                  </a:schemeClr>
+                </a:solidFill>
+                <a:latin typeface="+mn-lt"/>
+                <a:ea typeface="+mn-ea"/>
+                <a:cs typeface="+mn-cs"/>
+              </a:defRPr>
+            </a:lvl8pPr>
+            <a:lvl9pPr marL="2500000" indent="-228600" algn="l" defTabSz="914400" rtl="0" eaLnBrk="1" latinLnBrk="0" hangingPunct="1">
+              <a:lnSpc>
+                <a:spcPct val="90000"/>
+              </a:lnSpc>
+              <a:spcBef>
+                <a:spcPts val="300"/>
+              </a:spcBef>
+              <a:spcAft>
+                <a:spcPts val="300"/>
+              </a:spcAft>
+              <a:buClr>
+                <a:schemeClr val="accent1"/>
+              </a:buClr>
+              <a:buFont typeface="Wingdings 2" pitchFamily="18" charset="2"/>
+              <a:buChar char=""/>
+              <a:defRPr sz="1400" kern="1200">
+                <a:solidFill>
+                  <a:schemeClr val="tx1">
+                    <a:lumMod val="85000"/>
+                    <a:lumOff val="15000"/>
+                  </a:schemeClr>
+                </a:solidFill>
+                <a:latin typeface="+mn-lt"/>
+                <a:ea typeface="+mn-ea"/>
+                <a:cs typeface="+mn-cs"/>
+              </a:defRPr>
+            </a:lvl9pPr>
+          </a:lstStyle>
+          <a:p>
+            <a:pPr marL="0" indent="0">
+              <a:buFont typeface="Arial" pitchFamily="34" charset="0"/>
+              <a:buNone/>
+            </a:pPr>
+            <a:r>
+              <a:rPr lang="pt-BR" sz="1400" dirty="0">
+                <a:solidFill>
+                  <a:schemeClr val="bg1"/>
+                </a:solidFill>
+                <a:hlinkClick r:id="rId3">
+                  <a:extLst>
+                    <a:ext uri="{A12FA001-AC4F-418D-AE19-62706E023703}">
+                      <ahyp:hlinkClr xmlns:ahyp="http://schemas.microsoft.com/office/drawing/2018/hyperlinkcolor" val="tx"/>
+                    </a:ext>
+                  </a:extLst>
+                </a:hlinkClick>
+              </a:rPr>
+              <a:t>https://twitter.com/vepo</a:t>
+            </a:r>
+            <a:endParaRPr lang="pt-BR" sz="1400" dirty="0">
+              <a:solidFill>
+                <a:schemeClr val="bg1"/>
+              </a:solidFill>
+            </a:endParaRPr>
+          </a:p>
+        </p:txBody>
+      </p:sp>
+      <p:grpSp>
+        <p:nvGrpSpPr>
+          <p:cNvPr id="12" name="Agrupar 11">
+            <a:extLst>
+              <a:ext uri="{FF2B5EF4-FFF2-40B4-BE49-F238E27FC236}">
+                <a16:creationId xmlns:a16="http://schemas.microsoft.com/office/drawing/2014/main" id="{4EDF4A47-5BD7-4B26-AF32-189D92846E6D}"/>
+              </a:ext>
+            </a:extLst>
+          </p:cNvPr>
+          <p:cNvGrpSpPr/>
+          <p:nvPr/>
+        </p:nvGrpSpPr>
+        <p:grpSpPr>
+          <a:xfrm>
+            <a:off x="1233298" y="3879211"/>
+            <a:ext cx="436112" cy="436112"/>
+            <a:chOff x="1233297" y="4072157"/>
+            <a:chExt cx="638175" cy="638175"/>
+          </a:xfrm>
+        </p:grpSpPr>
+        <p:sp>
+          <p:nvSpPr>
+            <p:cNvPr id="9" name="Elipse 8">
+              <a:extLst>
+                <a:ext uri="{FF2B5EF4-FFF2-40B4-BE49-F238E27FC236}">
+                  <a16:creationId xmlns:a16="http://schemas.microsoft.com/office/drawing/2014/main" id="{5F8DF620-62F1-4334-9561-CE3B251E07AE}"/>
+                </a:ext>
+              </a:extLst>
+            </p:cNvPr>
+            <p:cNvSpPr/>
+            <p:nvPr/>
+          </p:nvSpPr>
+          <p:spPr>
+            <a:xfrm>
+              <a:off x="1338465" y="4176276"/>
+              <a:ext cx="427838" cy="429936"/>
+            </a:xfrm>
+            <a:prstGeom prst="ellipse">
+              <a:avLst/>
+            </a:prstGeom>
+            <a:solidFill>
+              <a:schemeClr val="bg1"/>
+            </a:solidFill>
+            <a:ln>
+              <a:noFill/>
+            </a:ln>
+          </p:spPr>
+          <p:style>
+            <a:lnRef idx="0">
+              <a:scrgbClr r="0" g="0" b="0"/>
+            </a:lnRef>
+            <a:fillRef idx="0">
+              <a:scrgbClr r="0" g="0" b="0"/>
+            </a:fillRef>
+            <a:effectRef idx="0">
+              <a:scrgbClr r="0" g="0" b="0"/>
+            </a:effectRef>
+            <a:fontRef idx="minor">
+              <a:schemeClr val="accent2"/>
+            </a:fontRef>
+          </p:style>
+          <p:txBody>
+            <a:bodyPr rtlCol="0" anchor="ctr"/>
+            <a:lstStyle/>
+            <a:p>
+              <a:pPr algn="ctr"/>
+              <a:endParaRPr lang="pt-BR" dirty="0"/>
+            </a:p>
+          </p:txBody>
+        </p:sp>
+        <p:pic>
+          <p:nvPicPr>
+            <p:cNvPr id="8" name="Gráfico 7">
+              <a:extLst>
+                <a:ext uri="{FF2B5EF4-FFF2-40B4-BE49-F238E27FC236}">
+                  <a16:creationId xmlns:a16="http://schemas.microsoft.com/office/drawing/2014/main" id="{02970E24-CB70-4A0E-9111-7C59D7409844}"/>
+                </a:ext>
+              </a:extLst>
+            </p:cNvPr>
+            <p:cNvPicPr>
+              <a:picLocks noChangeAspect="1"/>
+            </p:cNvPicPr>
+            <p:nvPr/>
+          </p:nvPicPr>
+          <p:blipFill>
+            <a:blip r:embed="rId4">
+              <a:extLst>
+                <a:ext uri="{96DAC541-7B7A-43D3-8B79-37D633B846F1}">
+                  <asvg:svgBlip xmlns:asvg="http://schemas.microsoft.com/office/drawing/2016/SVG/main" r:embed="rId5"/>
+                </a:ext>
+              </a:extLst>
+            </a:blip>
+            <a:stretch>
+              <a:fillRect/>
+            </a:stretch>
+          </p:blipFill>
+          <p:spPr>
+            <a:xfrm>
+              <a:off x="1233297" y="4072157"/>
+              <a:ext cx="638175" cy="638175"/>
+            </a:xfrm>
+            <a:prstGeom prst="rect">
+              <a:avLst/>
+            </a:prstGeom>
+          </p:spPr>
+        </p:pic>
+      </p:grpSp>
+      <p:grpSp>
+        <p:nvGrpSpPr>
+          <p:cNvPr id="15" name="Agrupar 14">
+            <a:extLst>
+              <a:ext uri="{FF2B5EF4-FFF2-40B4-BE49-F238E27FC236}">
+                <a16:creationId xmlns:a16="http://schemas.microsoft.com/office/drawing/2014/main" id="{C5C3D1EE-3B69-45E9-8CB0-DADD0CC41FC7}"/>
+              </a:ext>
+            </a:extLst>
+          </p:cNvPr>
+          <p:cNvGrpSpPr/>
+          <p:nvPr/>
+        </p:nvGrpSpPr>
+        <p:grpSpPr>
+          <a:xfrm>
+            <a:off x="1233296" y="4386475"/>
+            <a:ext cx="436113" cy="436113"/>
+            <a:chOff x="1233296" y="4812354"/>
+            <a:chExt cx="638175" cy="638175"/>
+          </a:xfrm>
+        </p:grpSpPr>
+        <p:sp>
+          <p:nvSpPr>
+            <p:cNvPr id="14" name="Elipse 13">
+              <a:extLst>
+                <a:ext uri="{FF2B5EF4-FFF2-40B4-BE49-F238E27FC236}">
+                  <a16:creationId xmlns:a16="http://schemas.microsoft.com/office/drawing/2014/main" id="{A2599920-048F-4B63-BAC2-EBA033154AF7}"/>
+                </a:ext>
+              </a:extLst>
+            </p:cNvPr>
+            <p:cNvSpPr/>
+            <p:nvPr/>
+          </p:nvSpPr>
+          <p:spPr>
+            <a:xfrm>
+              <a:off x="1328860" y="4917741"/>
+              <a:ext cx="427838" cy="429936"/>
+            </a:xfrm>
+            <a:prstGeom prst="ellipse">
+              <a:avLst/>
+            </a:prstGeom>
+            <a:solidFill>
+              <a:schemeClr val="bg1"/>
+            </a:solidFill>
+            <a:ln>
+              <a:noFill/>
+            </a:ln>
+          </p:spPr>
+          <p:style>
+            <a:lnRef idx="0">
+              <a:scrgbClr r="0" g="0" b="0"/>
+            </a:lnRef>
+            <a:fillRef idx="0">
+              <a:scrgbClr r="0" g="0" b="0"/>
+            </a:fillRef>
+            <a:effectRef idx="0">
+              <a:scrgbClr r="0" g="0" b="0"/>
+            </a:effectRef>
+            <a:fontRef idx="minor">
+              <a:schemeClr val="accent2"/>
+            </a:fontRef>
+          </p:style>
+          <p:txBody>
+            <a:bodyPr rtlCol="0" anchor="ctr"/>
+            <a:lstStyle/>
+            <a:p>
+              <a:pPr algn="ctr"/>
+              <a:endParaRPr lang="pt-BR" dirty="0"/>
+            </a:p>
+          </p:txBody>
+        </p:sp>
+        <p:pic>
+          <p:nvPicPr>
+            <p:cNvPr id="11" name="Gráfico 10">
+              <a:extLst>
+                <a:ext uri="{FF2B5EF4-FFF2-40B4-BE49-F238E27FC236}">
+                  <a16:creationId xmlns:a16="http://schemas.microsoft.com/office/drawing/2014/main" id="{52852D12-D58B-4DA6-85A4-F1FA3870E693}"/>
+                </a:ext>
+              </a:extLst>
+            </p:cNvPr>
+            <p:cNvPicPr>
+              <a:picLocks noChangeAspect="1"/>
+            </p:cNvPicPr>
+            <p:nvPr/>
+          </p:nvPicPr>
+          <p:blipFill>
+            <a:blip r:embed="rId6">
+              <a:extLst>
+                <a:ext uri="{96DAC541-7B7A-43D3-8B79-37D633B846F1}">
+                  <asvg:svgBlip xmlns:asvg="http://schemas.microsoft.com/office/drawing/2016/SVG/main" r:embed="rId7"/>
+                </a:ext>
+              </a:extLst>
+            </a:blip>
+            <a:stretch>
+              <a:fillRect/>
+            </a:stretch>
+          </p:blipFill>
+          <p:spPr>
+            <a:xfrm>
+              <a:off x="1233296" y="4812354"/>
+              <a:ext cx="638175" cy="638175"/>
+            </a:xfrm>
+            <a:prstGeom prst="rect">
+              <a:avLst/>
+            </a:prstGeom>
+          </p:spPr>
+        </p:pic>
+      </p:grpSp>
+      <p:sp>
+        <p:nvSpPr>
+          <p:cNvPr id="13" name="Espaço Reservado para Conteúdo 2">
+            <a:extLst>
+              <a:ext uri="{FF2B5EF4-FFF2-40B4-BE49-F238E27FC236}">
+                <a16:creationId xmlns:a16="http://schemas.microsoft.com/office/drawing/2014/main" id="{7268AB5D-BF28-4C43-B805-53B38C9C78D2}"/>
+              </a:ext>
+            </a:extLst>
+          </p:cNvPr>
+          <p:cNvSpPr txBox="1">
+            <a:spLocks/>
+          </p:cNvSpPr>
+          <p:nvPr/>
+        </p:nvSpPr>
+        <p:spPr>
+          <a:xfrm>
+            <a:off x="1741279" y="4449894"/>
+            <a:ext cx="4834128" cy="298634"/>
+          </a:xfrm>
+          <a:prstGeom prst="rect">
+            <a:avLst/>
+          </a:prstGeom>
+        </p:spPr>
+        <p:txBody>
+          <a:bodyPr vert="horz" lIns="91440" tIns="45720" rIns="91440" bIns="45720" rtlCol="0">
+            <a:normAutofit/>
+          </a:bodyPr>
+          <a:lstStyle>
+            <a:lvl1pPr marL="182880" indent="-182880" algn="l" defTabSz="914400" rtl="0" eaLnBrk="1" latinLnBrk="0" hangingPunct="1">
+              <a:lnSpc>
+                <a:spcPct val="95000"/>
+              </a:lnSpc>
+              <a:spcBef>
+                <a:spcPts val="1400"/>
+              </a:spcBef>
+              <a:spcAft>
+                <a:spcPts val="200"/>
+              </a:spcAft>
+              <a:buClr>
+                <a:schemeClr val="accent1"/>
+              </a:buClr>
+              <a:buSzPct val="80000"/>
+              <a:buFont typeface="Arial" pitchFamily="34" charset="0"/>
+              <a:buChar char="•"/>
+              <a:defRPr sz="1800" kern="1200" spc="10" baseline="0">
+                <a:solidFill>
+                  <a:schemeClr val="tx1"/>
+                </a:solidFill>
+                <a:latin typeface="+mn-lt"/>
+                <a:ea typeface="+mn-ea"/>
+                <a:cs typeface="+mn-cs"/>
+              </a:defRPr>
+            </a:lvl1pPr>
+            <a:lvl2pPr marL="457200" indent="-182880" algn="l" defTabSz="914400" rtl="0" eaLnBrk="1" latinLnBrk="0" hangingPunct="1">
+              <a:lnSpc>
+                <a:spcPct val="90000"/>
+              </a:lnSpc>
+              <a:spcBef>
+                <a:spcPts val="300"/>
+              </a:spcBef>
+              <a:spcAft>
+                <a:spcPts val="300"/>
+              </a:spcAft>
+              <a:buClr>
+                <a:schemeClr val="accent1"/>
+              </a:buClr>
+              <a:buFont typeface="Wingdings 2" pitchFamily="18" charset="2"/>
+              <a:buChar char=""/>
+              <a:defRPr sz="1600" kern="1200">
+                <a:solidFill>
+                  <a:schemeClr val="tx1">
+                    <a:lumMod val="85000"/>
+                    <a:lumOff val="15000"/>
+                  </a:schemeClr>
+                </a:solidFill>
+                <a:latin typeface="+mn-lt"/>
+                <a:ea typeface="+mn-ea"/>
+                <a:cs typeface="+mn-cs"/>
+              </a:defRPr>
+            </a:lvl2pPr>
+            <a:lvl3pPr marL="731520" indent="-182880" algn="l" defTabSz="914400" rtl="0" eaLnBrk="1" latinLnBrk="0" hangingPunct="1">
+              <a:lnSpc>
+                <a:spcPct val="90000"/>
+              </a:lnSpc>
+              <a:spcBef>
+                <a:spcPts val="300"/>
+              </a:spcBef>
+              <a:spcAft>
+                <a:spcPts val="300"/>
+              </a:spcAft>
+              <a:buClr>
+                <a:schemeClr val="accent1"/>
+              </a:buClr>
+              <a:buFont typeface="Wingdings 2" pitchFamily="18" charset="2"/>
+              <a:buChar char=""/>
+              <a:defRPr sz="1400" kern="1200">
+                <a:solidFill>
+                  <a:schemeClr val="tx1">
+                    <a:lumMod val="85000"/>
+                    <a:lumOff val="15000"/>
+                  </a:schemeClr>
+                </a:solidFill>
+                <a:latin typeface="+mn-lt"/>
+                <a:ea typeface="+mn-ea"/>
+                <a:cs typeface="+mn-cs"/>
+              </a:defRPr>
+            </a:lvl3pPr>
+            <a:lvl4pPr marL="1005840" indent="-182880" algn="l" defTabSz="914400" rtl="0" eaLnBrk="1" latinLnBrk="0" hangingPunct="1">
+              <a:lnSpc>
+                <a:spcPct val="90000"/>
+              </a:lnSpc>
+              <a:spcBef>
+                <a:spcPts val="300"/>
+              </a:spcBef>
+              <a:spcAft>
+                <a:spcPts val="300"/>
+              </a:spcAft>
+              <a:buClr>
+                <a:schemeClr val="accent1"/>
+              </a:buClr>
+              <a:buFont typeface="Wingdings 2" pitchFamily="18" charset="2"/>
+              <a:buChar char=""/>
+              <a:defRPr sz="1400" kern="1200">
+                <a:solidFill>
+                  <a:schemeClr val="tx1">
+                    <a:lumMod val="85000"/>
+                    <a:lumOff val="15000"/>
+                  </a:schemeClr>
+                </a:solidFill>
+                <a:latin typeface="+mn-lt"/>
+                <a:ea typeface="+mn-ea"/>
+                <a:cs typeface="+mn-cs"/>
+              </a:defRPr>
+            </a:lvl4pPr>
+            <a:lvl5pPr marL="1280160" indent="-182880" algn="l" defTabSz="914400" rtl="0" eaLnBrk="1" latinLnBrk="0" hangingPunct="1">
+              <a:lnSpc>
+                <a:spcPct val="90000"/>
+              </a:lnSpc>
+              <a:spcBef>
+                <a:spcPts val="300"/>
+              </a:spcBef>
+              <a:spcAft>
+                <a:spcPts val="300"/>
+              </a:spcAft>
+              <a:buClr>
+                <a:schemeClr val="accent1"/>
+              </a:buClr>
+              <a:buFont typeface="Wingdings 2" pitchFamily="18" charset="2"/>
+              <a:buChar char=""/>
+              <a:defRPr sz="1400" kern="1200">
+                <a:solidFill>
+                  <a:schemeClr val="tx1">
+                    <a:lumMod val="85000"/>
+                    <a:lumOff val="15000"/>
+                  </a:schemeClr>
+                </a:solidFill>
+                <a:latin typeface="+mn-lt"/>
+                <a:ea typeface="+mn-ea"/>
+                <a:cs typeface="+mn-cs"/>
+              </a:defRPr>
+            </a:lvl5pPr>
+            <a:lvl6pPr marL="1600000" indent="-228600" algn="l" defTabSz="914400" rtl="0" eaLnBrk="1" latinLnBrk="0" hangingPunct="1">
+              <a:lnSpc>
+                <a:spcPct val="90000"/>
+              </a:lnSpc>
+              <a:spcBef>
+                <a:spcPts val="300"/>
+              </a:spcBef>
+              <a:spcAft>
+                <a:spcPts val="300"/>
+              </a:spcAft>
+              <a:buClr>
+                <a:schemeClr val="accent1"/>
+              </a:buClr>
+              <a:buFont typeface="Wingdings 2" pitchFamily="18" charset="2"/>
+              <a:buChar char=""/>
+              <a:defRPr sz="1400" kern="1200">
+                <a:solidFill>
+                  <a:schemeClr val="tx1">
+                    <a:lumMod val="85000"/>
+                    <a:lumOff val="15000"/>
+                  </a:schemeClr>
+                </a:solidFill>
+                <a:latin typeface="+mn-lt"/>
+                <a:ea typeface="+mn-ea"/>
+                <a:cs typeface="+mn-cs"/>
+              </a:defRPr>
+            </a:lvl6pPr>
+            <a:lvl7pPr marL="1900000" indent="-228600" algn="l" defTabSz="914400" rtl="0" eaLnBrk="1" latinLnBrk="0" hangingPunct="1">
+              <a:lnSpc>
+                <a:spcPct val="90000"/>
+              </a:lnSpc>
+              <a:spcBef>
+                <a:spcPts val="300"/>
+              </a:spcBef>
+              <a:spcAft>
+                <a:spcPts val="300"/>
+              </a:spcAft>
+              <a:buClr>
+                <a:schemeClr val="accent1"/>
+              </a:buClr>
+              <a:buFont typeface="Wingdings 2" pitchFamily="18" charset="2"/>
+              <a:buChar char=""/>
+              <a:defRPr sz="1400" kern="1200">
+                <a:solidFill>
+                  <a:schemeClr val="tx1">
+                    <a:lumMod val="85000"/>
+                    <a:lumOff val="15000"/>
+                  </a:schemeClr>
+                </a:solidFill>
+                <a:latin typeface="+mn-lt"/>
+                <a:ea typeface="+mn-ea"/>
+                <a:cs typeface="+mn-cs"/>
+              </a:defRPr>
+            </a:lvl7pPr>
+            <a:lvl8pPr marL="2200000" indent="-228600" algn="l" defTabSz="914400" rtl="0" eaLnBrk="1" latinLnBrk="0" hangingPunct="1">
+              <a:lnSpc>
+                <a:spcPct val="90000"/>
+              </a:lnSpc>
+              <a:spcBef>
+                <a:spcPts val="300"/>
+              </a:spcBef>
+              <a:spcAft>
+                <a:spcPts val="300"/>
+              </a:spcAft>
+              <a:buClr>
+                <a:schemeClr val="accent1"/>
+              </a:buClr>
+              <a:buFont typeface="Wingdings 2" pitchFamily="18" charset="2"/>
+              <a:buChar char=""/>
+              <a:defRPr sz="1400" kern="1200">
+                <a:solidFill>
+                  <a:schemeClr val="tx1">
+                    <a:lumMod val="85000"/>
+                    <a:lumOff val="15000"/>
+                  </a:schemeClr>
+                </a:solidFill>
+                <a:latin typeface="+mn-lt"/>
+                <a:ea typeface="+mn-ea"/>
+                <a:cs typeface="+mn-cs"/>
+              </a:defRPr>
+            </a:lvl8pPr>
+            <a:lvl9pPr marL="2500000" indent="-228600" algn="l" defTabSz="914400" rtl="0" eaLnBrk="1" latinLnBrk="0" hangingPunct="1">
+              <a:lnSpc>
+                <a:spcPct val="90000"/>
+              </a:lnSpc>
+              <a:spcBef>
+                <a:spcPts val="300"/>
+              </a:spcBef>
+              <a:spcAft>
+                <a:spcPts val="300"/>
+              </a:spcAft>
+              <a:buClr>
+                <a:schemeClr val="accent1"/>
+              </a:buClr>
+              <a:buFont typeface="Wingdings 2" pitchFamily="18" charset="2"/>
+              <a:buChar char=""/>
+              <a:defRPr sz="1400" kern="1200">
+                <a:solidFill>
+                  <a:schemeClr val="tx1">
+                    <a:lumMod val="85000"/>
+                    <a:lumOff val="15000"/>
+                  </a:schemeClr>
+                </a:solidFill>
+                <a:latin typeface="+mn-lt"/>
+                <a:ea typeface="+mn-ea"/>
+                <a:cs typeface="+mn-cs"/>
+              </a:defRPr>
+            </a:lvl9pPr>
+          </a:lstStyle>
+          <a:p>
+            <a:pPr marL="0" indent="0">
+              <a:buNone/>
+            </a:pPr>
+            <a:r>
+              <a:rPr lang="pt-BR" sz="1400" u="sng" dirty="0">
+                <a:solidFill>
+                  <a:schemeClr val="bg1"/>
+                </a:solidFill>
+                <a:hlinkClick r:id="rId8">
+                  <a:extLst>
+                    <a:ext uri="{A12FA001-AC4F-418D-AE19-62706E023703}">
+                      <ahyp:hlinkClr xmlns:ahyp="http://schemas.microsoft.com/office/drawing/2018/hyperlinkcolor" val="tx"/>
+                    </a:ext>
+                  </a:extLst>
+                </a:hlinkClick>
+              </a:rPr>
+              <a:t>https://www.linkedin.com/in/victorosorio</a:t>
+            </a:r>
+            <a:endParaRPr lang="pt-BR" sz="1400" u="sng" dirty="0">
+              <a:solidFill>
+                <a:schemeClr val="bg1"/>
+              </a:solidFill>
+            </a:endParaRPr>
+          </a:p>
+        </p:txBody>
+      </p:sp>
+      <p:sp>
+        <p:nvSpPr>
+          <p:cNvPr id="17" name="Espaço Reservado para Conteúdo 2">
+            <a:extLst>
+              <a:ext uri="{FF2B5EF4-FFF2-40B4-BE49-F238E27FC236}">
+                <a16:creationId xmlns:a16="http://schemas.microsoft.com/office/drawing/2014/main" id="{775F365C-9153-48E2-98C0-28CC32D75B84}"/>
+              </a:ext>
+            </a:extLst>
+          </p:cNvPr>
+          <p:cNvSpPr txBox="1">
+            <a:spLocks/>
+          </p:cNvSpPr>
+          <p:nvPr/>
+        </p:nvSpPr>
+        <p:spPr>
+          <a:xfrm>
+            <a:off x="1741279" y="4974892"/>
+            <a:ext cx="2234404" cy="298634"/>
+          </a:xfrm>
+          <a:prstGeom prst="rect">
+            <a:avLst/>
+          </a:prstGeom>
+        </p:spPr>
+        <p:txBody>
+          <a:bodyPr vert="horz" lIns="91440" tIns="45720" rIns="91440" bIns="45720" rtlCol="0">
+            <a:normAutofit/>
+          </a:bodyPr>
+          <a:lstStyle>
+            <a:lvl1pPr marL="182880" indent="-182880" algn="l" defTabSz="914400" rtl="0" eaLnBrk="1" latinLnBrk="0" hangingPunct="1">
+              <a:lnSpc>
+                <a:spcPct val="95000"/>
+              </a:lnSpc>
+              <a:spcBef>
+                <a:spcPts val="1400"/>
+              </a:spcBef>
+              <a:spcAft>
+                <a:spcPts val="200"/>
+              </a:spcAft>
+              <a:buClr>
+                <a:schemeClr val="accent1"/>
+              </a:buClr>
+              <a:buSzPct val="80000"/>
+              <a:buFont typeface="Arial" pitchFamily="34" charset="0"/>
+              <a:buChar char="•"/>
+              <a:defRPr sz="1800" kern="1200" spc="10" baseline="0">
+                <a:solidFill>
+                  <a:schemeClr val="tx1"/>
+                </a:solidFill>
+                <a:latin typeface="+mn-lt"/>
+                <a:ea typeface="+mn-ea"/>
+                <a:cs typeface="+mn-cs"/>
+              </a:defRPr>
+            </a:lvl1pPr>
+            <a:lvl2pPr marL="457200" indent="-182880" algn="l" defTabSz="914400" rtl="0" eaLnBrk="1" latinLnBrk="0" hangingPunct="1">
+              <a:lnSpc>
+                <a:spcPct val="90000"/>
+              </a:lnSpc>
+              <a:spcBef>
+                <a:spcPts val="300"/>
+              </a:spcBef>
+              <a:spcAft>
+                <a:spcPts val="300"/>
+              </a:spcAft>
+              <a:buClr>
+                <a:schemeClr val="accent1"/>
+              </a:buClr>
+              <a:buFont typeface="Wingdings 2" pitchFamily="18" charset="2"/>
+              <a:buChar char=""/>
+              <a:defRPr sz="1600" kern="1200">
+                <a:solidFill>
+                  <a:schemeClr val="tx1">
+                    <a:lumMod val="85000"/>
+                    <a:lumOff val="15000"/>
+                  </a:schemeClr>
+                </a:solidFill>
+                <a:latin typeface="+mn-lt"/>
+                <a:ea typeface="+mn-ea"/>
+                <a:cs typeface="+mn-cs"/>
+              </a:defRPr>
+            </a:lvl2pPr>
+            <a:lvl3pPr marL="731520" indent="-182880" algn="l" defTabSz="914400" rtl="0" eaLnBrk="1" latinLnBrk="0" hangingPunct="1">
+              <a:lnSpc>
+                <a:spcPct val="90000"/>
+              </a:lnSpc>
+              <a:spcBef>
+                <a:spcPts val="300"/>
+              </a:spcBef>
+              <a:spcAft>
+                <a:spcPts val="300"/>
+              </a:spcAft>
+              <a:buClr>
+                <a:schemeClr val="accent1"/>
+              </a:buClr>
+              <a:buFont typeface="Wingdings 2" pitchFamily="18" charset="2"/>
+              <a:buChar char=""/>
+              <a:defRPr sz="1400" kern="1200">
+                <a:solidFill>
+                  <a:schemeClr val="tx1">
+                    <a:lumMod val="85000"/>
+                    <a:lumOff val="15000"/>
+                  </a:schemeClr>
+                </a:solidFill>
+                <a:latin typeface="+mn-lt"/>
+                <a:ea typeface="+mn-ea"/>
+                <a:cs typeface="+mn-cs"/>
+              </a:defRPr>
+            </a:lvl3pPr>
+            <a:lvl4pPr marL="1005840" indent="-182880" algn="l" defTabSz="914400" rtl="0" eaLnBrk="1" latinLnBrk="0" hangingPunct="1">
+              <a:lnSpc>
+                <a:spcPct val="90000"/>
+              </a:lnSpc>
+              <a:spcBef>
+                <a:spcPts val="300"/>
+              </a:spcBef>
+              <a:spcAft>
+                <a:spcPts val="300"/>
+              </a:spcAft>
+              <a:buClr>
+                <a:schemeClr val="accent1"/>
+              </a:buClr>
+              <a:buFont typeface="Wingdings 2" pitchFamily="18" charset="2"/>
+              <a:buChar char=""/>
+              <a:defRPr sz="1400" kern="1200">
+                <a:solidFill>
+                  <a:schemeClr val="tx1">
+                    <a:lumMod val="85000"/>
+                    <a:lumOff val="15000"/>
+                  </a:schemeClr>
+                </a:solidFill>
+                <a:latin typeface="+mn-lt"/>
+                <a:ea typeface="+mn-ea"/>
+                <a:cs typeface="+mn-cs"/>
+              </a:defRPr>
+            </a:lvl4pPr>
+            <a:lvl5pPr marL="1280160" indent="-182880" algn="l" defTabSz="914400" rtl="0" eaLnBrk="1" latinLnBrk="0" hangingPunct="1">
+              <a:lnSpc>
+                <a:spcPct val="90000"/>
+              </a:lnSpc>
+              <a:spcBef>
+                <a:spcPts val="300"/>
+              </a:spcBef>
+              <a:spcAft>
+                <a:spcPts val="300"/>
+              </a:spcAft>
+              <a:buClr>
+                <a:schemeClr val="accent1"/>
+              </a:buClr>
+              <a:buFont typeface="Wingdings 2" pitchFamily="18" charset="2"/>
+              <a:buChar char=""/>
+              <a:defRPr sz="1400" kern="1200">
+                <a:solidFill>
+                  <a:schemeClr val="tx1">
+                    <a:lumMod val="85000"/>
+                    <a:lumOff val="15000"/>
+                  </a:schemeClr>
+                </a:solidFill>
+                <a:latin typeface="+mn-lt"/>
+                <a:ea typeface="+mn-ea"/>
+                <a:cs typeface="+mn-cs"/>
+              </a:defRPr>
+            </a:lvl5pPr>
+            <a:lvl6pPr marL="1600000" indent="-228600" algn="l" defTabSz="914400" rtl="0" eaLnBrk="1" latinLnBrk="0" hangingPunct="1">
+              <a:lnSpc>
+                <a:spcPct val="90000"/>
+              </a:lnSpc>
+              <a:spcBef>
+                <a:spcPts val="300"/>
+              </a:spcBef>
+              <a:spcAft>
+                <a:spcPts val="300"/>
+              </a:spcAft>
+              <a:buClr>
+                <a:schemeClr val="accent1"/>
+              </a:buClr>
+              <a:buFont typeface="Wingdings 2" pitchFamily="18" charset="2"/>
+              <a:buChar char=""/>
+              <a:defRPr sz="1400" kern="1200">
+                <a:solidFill>
+                  <a:schemeClr val="tx1">
+                    <a:lumMod val="85000"/>
+                    <a:lumOff val="15000"/>
+                  </a:schemeClr>
+                </a:solidFill>
+                <a:latin typeface="+mn-lt"/>
+                <a:ea typeface="+mn-ea"/>
+                <a:cs typeface="+mn-cs"/>
+              </a:defRPr>
+            </a:lvl6pPr>
+            <a:lvl7pPr marL="1900000" indent="-228600" algn="l" defTabSz="914400" rtl="0" eaLnBrk="1" latinLnBrk="0" hangingPunct="1">
+              <a:lnSpc>
+                <a:spcPct val="90000"/>
+              </a:lnSpc>
+              <a:spcBef>
+                <a:spcPts val="300"/>
+              </a:spcBef>
+              <a:spcAft>
+                <a:spcPts val="300"/>
+              </a:spcAft>
+              <a:buClr>
+                <a:schemeClr val="accent1"/>
+              </a:buClr>
+              <a:buFont typeface="Wingdings 2" pitchFamily="18" charset="2"/>
+              <a:buChar char=""/>
+              <a:defRPr sz="1400" kern="1200">
+                <a:solidFill>
+                  <a:schemeClr val="tx1">
+                    <a:lumMod val="85000"/>
+                    <a:lumOff val="15000"/>
+                  </a:schemeClr>
+                </a:solidFill>
+                <a:latin typeface="+mn-lt"/>
+                <a:ea typeface="+mn-ea"/>
+                <a:cs typeface="+mn-cs"/>
+              </a:defRPr>
+            </a:lvl7pPr>
+            <a:lvl8pPr marL="2200000" indent="-228600" algn="l" defTabSz="914400" rtl="0" eaLnBrk="1" latinLnBrk="0" hangingPunct="1">
+              <a:lnSpc>
+                <a:spcPct val="90000"/>
+              </a:lnSpc>
+              <a:spcBef>
+                <a:spcPts val="300"/>
+              </a:spcBef>
+              <a:spcAft>
+                <a:spcPts val="300"/>
+              </a:spcAft>
+              <a:buClr>
+                <a:schemeClr val="accent1"/>
+              </a:buClr>
+              <a:buFont typeface="Wingdings 2" pitchFamily="18" charset="2"/>
+              <a:buChar char=""/>
+              <a:defRPr sz="1400" kern="1200">
+                <a:solidFill>
+                  <a:schemeClr val="tx1">
+                    <a:lumMod val="85000"/>
+                    <a:lumOff val="15000"/>
+                  </a:schemeClr>
+                </a:solidFill>
+                <a:latin typeface="+mn-lt"/>
+                <a:ea typeface="+mn-ea"/>
+                <a:cs typeface="+mn-cs"/>
+              </a:defRPr>
+            </a:lvl8pPr>
+            <a:lvl9pPr marL="2500000" indent="-228600" algn="l" defTabSz="914400" rtl="0" eaLnBrk="1" latinLnBrk="0" hangingPunct="1">
+              <a:lnSpc>
+                <a:spcPct val="90000"/>
+              </a:lnSpc>
+              <a:spcBef>
+                <a:spcPts val="300"/>
+              </a:spcBef>
+              <a:spcAft>
+                <a:spcPts val="300"/>
+              </a:spcAft>
+              <a:buClr>
+                <a:schemeClr val="accent1"/>
+              </a:buClr>
+              <a:buFont typeface="Wingdings 2" pitchFamily="18" charset="2"/>
+              <a:buChar char=""/>
+              <a:defRPr sz="1400" kern="1200">
+                <a:solidFill>
+                  <a:schemeClr val="tx1">
+                    <a:lumMod val="85000"/>
+                    <a:lumOff val="15000"/>
+                  </a:schemeClr>
+                </a:solidFill>
+                <a:latin typeface="+mn-lt"/>
+                <a:ea typeface="+mn-ea"/>
+                <a:cs typeface="+mn-cs"/>
+              </a:defRPr>
+            </a:lvl9pPr>
+          </a:lstStyle>
+          <a:p>
+            <a:pPr marL="0" indent="0">
+              <a:buNone/>
+            </a:pPr>
+            <a:r>
+              <a:rPr lang="pt-BR" sz="1400" dirty="0">
+                <a:solidFill>
+                  <a:schemeClr val="bg1"/>
+                </a:solidFill>
+                <a:hlinkClick r:id="rId9">
+                  <a:extLst>
+                    <a:ext uri="{A12FA001-AC4F-418D-AE19-62706E023703}">
+                      <ahyp:hlinkClr xmlns:ahyp="http://schemas.microsoft.com/office/drawing/2018/hyperlinkcolor" val="tx"/>
+                    </a:ext>
+                  </a:extLst>
+                </a:hlinkClick>
+              </a:rPr>
+              <a:t>https://github.com/vepo</a:t>
+            </a:r>
+            <a:r>
+              <a:rPr lang="pt-BR" sz="1400" dirty="0">
+                <a:solidFill>
+                  <a:schemeClr val="bg1"/>
+                </a:solidFill>
+              </a:rPr>
+              <a:t> </a:t>
+            </a:r>
+          </a:p>
+        </p:txBody>
+      </p:sp>
+      <p:grpSp>
+        <p:nvGrpSpPr>
+          <p:cNvPr id="21" name="Agrupar 20">
+            <a:extLst>
+              <a:ext uri="{FF2B5EF4-FFF2-40B4-BE49-F238E27FC236}">
+                <a16:creationId xmlns:a16="http://schemas.microsoft.com/office/drawing/2014/main" id="{B79F04EB-2BB0-4953-A0D9-7BBF7AF077A5}"/>
+              </a:ext>
+            </a:extLst>
+          </p:cNvPr>
+          <p:cNvGrpSpPr/>
+          <p:nvPr/>
+        </p:nvGrpSpPr>
+        <p:grpSpPr>
+          <a:xfrm>
+            <a:off x="1233296" y="4882314"/>
+            <a:ext cx="436112" cy="436112"/>
+            <a:chOff x="1233296" y="5075261"/>
+            <a:chExt cx="436112" cy="436112"/>
+          </a:xfrm>
+        </p:grpSpPr>
+        <p:sp>
+          <p:nvSpPr>
+            <p:cNvPr id="20" name="Elipse 19">
+              <a:extLst>
+                <a:ext uri="{FF2B5EF4-FFF2-40B4-BE49-F238E27FC236}">
+                  <a16:creationId xmlns:a16="http://schemas.microsoft.com/office/drawing/2014/main" id="{20012267-5C32-4761-A478-B5F44CF58403}"/>
+                </a:ext>
+              </a:extLst>
+            </p:cNvPr>
+            <p:cNvSpPr/>
+            <p:nvPr/>
+          </p:nvSpPr>
+          <p:spPr>
+            <a:xfrm>
+              <a:off x="1305167" y="5139214"/>
+              <a:ext cx="298634" cy="298634"/>
+            </a:xfrm>
+            <a:prstGeom prst="ellipse">
+              <a:avLst/>
+            </a:prstGeom>
+            <a:solidFill>
+              <a:schemeClr val="bg1"/>
+            </a:solidFill>
+            <a:ln>
+              <a:noFill/>
+            </a:ln>
+          </p:spPr>
+          <p:style>
+            <a:lnRef idx="0">
+              <a:scrgbClr r="0" g="0" b="0"/>
+            </a:lnRef>
+            <a:fillRef idx="0">
+              <a:scrgbClr r="0" g="0" b="0"/>
+            </a:fillRef>
+            <a:effectRef idx="0">
+              <a:scrgbClr r="0" g="0" b="0"/>
+            </a:effectRef>
+            <a:fontRef idx="minor">
+              <a:schemeClr val="lt1"/>
+            </a:fontRef>
+          </p:style>
+          <p:txBody>
+            <a:bodyPr rtlCol="0" anchor="ctr"/>
+            <a:lstStyle/>
+            <a:p>
+              <a:pPr algn="ctr"/>
+              <a:endParaRPr lang="pt-BR" dirty="0"/>
+            </a:p>
+          </p:txBody>
+        </p:sp>
+        <p:pic>
+          <p:nvPicPr>
+            <p:cNvPr id="18" name="Gráfico 17">
+              <a:extLst>
+                <a:ext uri="{FF2B5EF4-FFF2-40B4-BE49-F238E27FC236}">
+                  <a16:creationId xmlns:a16="http://schemas.microsoft.com/office/drawing/2014/main" id="{5C195547-58C3-4AB9-8293-D1FC7006E670}"/>
+                </a:ext>
+              </a:extLst>
+            </p:cNvPr>
+            <p:cNvPicPr>
+              <a:picLocks noChangeAspect="1"/>
+            </p:cNvPicPr>
+            <p:nvPr/>
+          </p:nvPicPr>
+          <p:blipFill>
+            <a:blip r:embed="rId10">
+              <a:extLst>
+                <a:ext uri="{96DAC541-7B7A-43D3-8B79-37D633B846F1}">
+                  <asvg:svgBlip xmlns:asvg="http://schemas.microsoft.com/office/drawing/2016/SVG/main" r:embed="rId11"/>
+                </a:ext>
+              </a:extLst>
+            </a:blip>
+            <a:stretch>
+              <a:fillRect/>
+            </a:stretch>
+          </p:blipFill>
+          <p:spPr>
+            <a:xfrm>
+              <a:off x="1233296" y="5075261"/>
+              <a:ext cx="436112" cy="436112"/>
+            </a:xfrm>
+            <a:prstGeom prst="rect">
+              <a:avLst/>
+            </a:prstGeom>
+          </p:spPr>
+        </p:pic>
+      </p:grpSp>
+      <p:pic>
+        <p:nvPicPr>
+          <p:cNvPr id="23" name="Imagem 22">
+            <a:extLst>
+              <a:ext uri="{FF2B5EF4-FFF2-40B4-BE49-F238E27FC236}">
+                <a16:creationId xmlns:a16="http://schemas.microsoft.com/office/drawing/2014/main" id="{BD2BFA05-354A-463E-A47B-36095DCC81E4}"/>
+              </a:ext>
+            </a:extLst>
+          </p:cNvPr>
+          <p:cNvPicPr>
+            <a:picLocks noChangeAspect="1"/>
+          </p:cNvPicPr>
+          <p:nvPr/>
+        </p:nvPicPr>
+        <p:blipFill>
+          <a:blip r:embed="rId12"/>
+          <a:stretch>
+            <a:fillRect/>
+          </a:stretch>
+        </p:blipFill>
+        <p:spPr>
+          <a:xfrm>
+            <a:off x="7232358" y="1737921"/>
+            <a:ext cx="1905000" cy="1905000"/>
+          </a:xfrm>
+          <a:prstGeom prst="rect">
+            <a:avLst/>
+          </a:prstGeom>
+        </p:spPr>
+      </p:pic>
+    </p:spTree>
+    <p:extLst>
+      <p:ext uri="{BB962C8B-B14F-4D97-AF65-F5344CB8AC3E}">
+        <p14:creationId xmlns:p14="http://schemas.microsoft.com/office/powerpoint/2010/main" val="2096135276"/>
+      </p:ext>
+    </p:extLst>
+  </p:cSld>
+  <p:clrMapOvr>
+    <a:masterClrMapping/>
+  </p:clrMapOvr>
+</p:sld>
+</file>
+
+<file path=ppt/slides/slide20.xml><?xml version="1.0" encoding="utf-8"?>
+<p:sld xmlns:a="http://schemas.openxmlformats.org/drawingml/2006/main" xmlns:r="http://schemas.openxmlformats.org/officeDocument/2006/relationships" xmlns:p="http://schemas.openxmlformats.org/presentationml/2006/main">
+  <p:cSld>
+    <p:bg>
+      <p:bgPr>
+        <a:solidFill>
+          <a:srgbClr val="EBD494"/>
+        </a:solidFill>
+        <a:effectLst/>
+      </p:bgPr>
+    </p:bg>
     <p:spTree>
       <p:nvGrpSpPr>
         <p:cNvPr id="1" name=""/>
@@ -5941,6 +8851,42 @@
           </a:p>
         </p:txBody>
       </p:sp>
+      <p:pic>
+        <p:nvPicPr>
+          <p:cNvPr id="4" name="Gráfico 3">
+            <a:extLst>
+              <a:ext uri="{FF2B5EF4-FFF2-40B4-BE49-F238E27FC236}">
+                <a16:creationId xmlns:a16="http://schemas.microsoft.com/office/drawing/2014/main" id="{DD9CE732-2612-47BE-A49A-5C3AF9FC4FD0}"/>
+              </a:ext>
+            </a:extLst>
+          </p:cNvPr>
+          <p:cNvPicPr>
+            <a:picLocks noChangeAspect="1"/>
+          </p:cNvPicPr>
+          <p:nvPr/>
+        </p:nvPicPr>
+        <p:blipFill>
+          <a:blip r:embed="rId2">
+            <a:extLst>
+              <a:ext uri="{96DAC541-7B7A-43D3-8B79-37D633B846F1}">
+                <asvg:svgBlip xmlns:asvg="http://schemas.microsoft.com/office/drawing/2016/SVG/main" r:embed="rId3"/>
+              </a:ext>
+            </a:extLst>
+          </a:blip>
+          <a:stretch>
+            <a:fillRect/>
+          </a:stretch>
+        </p:blipFill>
+        <p:spPr>
+          <a:xfrm>
+            <a:off x="8229599" y="3891775"/>
+            <a:ext cx="2966225" cy="2966225"/>
+          </a:xfrm>
+          <a:prstGeom prst="rect">
+            <a:avLst/>
+          </a:prstGeom>
+        </p:spPr>
+      </p:pic>
     </p:spTree>
     <p:extLst>
       <p:ext uri="{BB962C8B-B14F-4D97-AF65-F5344CB8AC3E}">
@@ -5954,172 +8900,17 @@
 </p:sld>
 </file>
 
-<file path=ppt/slides/slide2.xml><?xml version="1.0" encoding="utf-8"?>
+<file path=ppt/slides/slide21.xml><?xml version="1.0" encoding="utf-8"?>
 <p:sld xmlns:a="http://schemas.openxmlformats.org/drawingml/2006/main" xmlns:r="http://schemas.openxmlformats.org/officeDocument/2006/relationships" xmlns:p="http://schemas.openxmlformats.org/presentationml/2006/main">
   <p:cSld>
-    <p:spTree>
-      <p:nvGrpSpPr>
-        <p:cNvPr id="1" name=""/>
-        <p:cNvGrpSpPr/>
-        <p:nvPr/>
-      </p:nvGrpSpPr>
-      <p:grpSpPr>
-        <a:xfrm>
-          <a:off x="0" y="0"/>
-          <a:ext cx="0" cy="0"/>
-          <a:chOff x="0" y="0"/>
-          <a:chExt cx="0" cy="0"/>
-        </a:xfrm>
-      </p:grpSpPr>
-      <p:sp>
-        <p:nvSpPr>
-          <p:cNvPr id="2" name="Título 1">
-            <a:extLst>
-              <a:ext uri="{FF2B5EF4-FFF2-40B4-BE49-F238E27FC236}">
-                <a16:creationId xmlns:a16="http://schemas.microsoft.com/office/drawing/2014/main" id="{1D9C59FE-5701-4272-A81D-2BF6C6EE85A5}"/>
-              </a:ext>
-            </a:extLst>
-          </p:cNvPr>
-          <p:cNvSpPr>
-            <a:spLocks noGrp="1"/>
-          </p:cNvSpPr>
-          <p:nvPr>
-            <p:ph type="title"/>
-          </p:nvPr>
-        </p:nvSpPr>
-        <p:spPr/>
-        <p:txBody>
-          <a:bodyPr/>
-          <a:lstStyle/>
-          <a:p>
-            <a:r>
-              <a:rPr lang="pt-BR" dirty="0"/>
-              <a:t>Este quem vos fala...</a:t>
-            </a:r>
-          </a:p>
-        </p:txBody>
-      </p:sp>
-      <p:sp>
-        <p:nvSpPr>
-          <p:cNvPr id="3" name="Espaço Reservado para Conteúdo 2">
-            <a:extLst>
-              <a:ext uri="{FF2B5EF4-FFF2-40B4-BE49-F238E27FC236}">
-                <a16:creationId xmlns:a16="http://schemas.microsoft.com/office/drawing/2014/main" id="{B978B709-45BE-4201-BA3F-E0971EC76692}"/>
-              </a:ext>
-            </a:extLst>
-          </p:cNvPr>
-          <p:cNvSpPr>
-            <a:spLocks noGrp="1"/>
-          </p:cNvSpPr>
-          <p:nvPr>
-            <p:ph idx="1"/>
-          </p:nvPr>
-        </p:nvSpPr>
-        <p:spPr/>
-        <p:txBody>
-          <a:bodyPr/>
-          <a:lstStyle/>
-          <a:p>
-            <a:pPr marL="0" indent="0">
-              <a:buNone/>
-            </a:pPr>
-            <a:r>
-              <a:rPr lang="pt-BR" dirty="0"/>
-              <a:t>Victor Osório</a:t>
-            </a:r>
-          </a:p>
-          <a:p>
-            <a:pPr marL="0" indent="0">
-              <a:buNone/>
-            </a:pPr>
-            <a:r>
-              <a:rPr lang="pt-BR" dirty="0" err="1"/>
-              <a:t>Senior</a:t>
-            </a:r>
-            <a:r>
-              <a:rPr lang="pt-BR" dirty="0"/>
-              <a:t> Software </a:t>
-            </a:r>
-            <a:r>
-              <a:rPr lang="pt-BR" dirty="0" err="1"/>
-              <a:t>Engineer</a:t>
-            </a:r>
-            <a:r>
-              <a:rPr lang="pt-BR" dirty="0"/>
-              <a:t> @</a:t>
-            </a:r>
-            <a:r>
-              <a:rPr lang="pt-BR" dirty="0" err="1"/>
-              <a:t>Openet</a:t>
-            </a:r>
-            <a:endParaRPr lang="pt-BR" dirty="0"/>
-          </a:p>
-          <a:p>
-            <a:pPr marL="0" indent="0">
-              <a:buNone/>
-            </a:pPr>
-            <a:r>
-              <a:rPr lang="pt-BR" dirty="0"/>
-              <a:t>14 anos de experiência com desenvolvimento Java</a:t>
-            </a:r>
-          </a:p>
-          <a:p>
-            <a:pPr marL="0" indent="0">
-              <a:buNone/>
-            </a:pPr>
-            <a:r>
-              <a:rPr lang="pt-BR" dirty="0"/>
-              <a:t>Maior parte da minha história desenvolvendo aplicações usando apenas Java SE!!!!!</a:t>
-            </a:r>
-          </a:p>
-          <a:p>
-            <a:pPr marL="0" indent="0">
-              <a:buNone/>
-            </a:pPr>
-            <a:r>
-              <a:rPr lang="pt-BR" dirty="0">
-                <a:hlinkClick r:id="rId2"/>
-              </a:rPr>
-              <a:t>https://twitter.com/vepo</a:t>
-            </a:r>
-            <a:endParaRPr lang="pt-BR" dirty="0"/>
-          </a:p>
-          <a:p>
-            <a:pPr marL="0" indent="0">
-              <a:buNone/>
-            </a:pPr>
-            <a:r>
-              <a:rPr lang="pt-BR" dirty="0">
-                <a:hlinkClick r:id="rId3"/>
-              </a:rPr>
-              <a:t>https://www.linkedin.com/in/victorosorio</a:t>
-            </a:r>
-            <a:endParaRPr lang="pt-BR" dirty="0"/>
-          </a:p>
-          <a:p>
-            <a:pPr marL="0" indent="0">
-              <a:buNone/>
-            </a:pPr>
-            <a:endParaRPr lang="pt-BR" dirty="0"/>
-          </a:p>
-        </p:txBody>
-      </p:sp>
-    </p:spTree>
-    <p:extLst>
-      <p:ext uri="{BB962C8B-B14F-4D97-AF65-F5344CB8AC3E}">
-        <p14:creationId xmlns:p14="http://schemas.microsoft.com/office/powerpoint/2010/main" val="2096135276"/>
-      </p:ext>
-    </p:extLst>
-  </p:cSld>
-  <p:clrMapOvr>
-    <a:masterClrMapping/>
-  </p:clrMapOvr>
-</p:sld>
-</file>
-
-<file path=ppt/slides/slide20.xml><?xml version="1.0" encoding="utf-8"?>
-<p:sld xmlns:a="http://schemas.openxmlformats.org/drawingml/2006/main" xmlns:r="http://schemas.openxmlformats.org/officeDocument/2006/relationships" xmlns:p="http://schemas.openxmlformats.org/presentationml/2006/main">
-  <p:cSld>
+    <p:bg>
+      <p:bgPr>
+        <a:solidFill>
+          <a:srgbClr val="815E5B"/>
+        </a:solidFill>
+        <a:effectLst/>
+      </p:bgPr>
+    </p:bg>
     <p:spTree>
       <p:nvGrpSpPr>
         <p:cNvPr id="1" name=""/>
@@ -6156,7 +8947,11 @@
           <a:lstStyle/>
           <a:p>
             <a:r>
-              <a:rPr lang="pt-BR" dirty="0"/>
+              <a:rPr lang="pt-BR" dirty="0">
+                <a:solidFill>
+                  <a:schemeClr val="bg1"/>
+                </a:solidFill>
+              </a:rPr>
               <a:t>Injetando</a:t>
             </a:r>
           </a:p>
@@ -6184,95 +8979,215 @@
           <a:lstStyle/>
           <a:p>
             <a:r>
-              <a:rPr lang="pt-BR" dirty="0"/>
+              <a:rPr lang="pt-BR" dirty="0">
+                <a:solidFill>
+                  <a:schemeClr val="bg1"/>
+                </a:solidFill>
+              </a:rPr>
               <a:t>Simples </a:t>
             </a:r>
             <a:r>
-              <a:rPr lang="pt-BR" dirty="0" err="1"/>
+              <a:rPr lang="pt-BR" dirty="0" err="1">
+                <a:solidFill>
+                  <a:schemeClr val="bg1"/>
+                </a:solidFill>
+              </a:rPr>
               <a:t>Inject</a:t>
             </a:r>
-            <a:endParaRPr lang="pt-BR" dirty="0"/>
+            <a:endParaRPr lang="pt-BR" dirty="0">
+              <a:solidFill>
+                <a:schemeClr val="bg1"/>
+              </a:solidFill>
+            </a:endParaRPr>
           </a:p>
           <a:p>
             <a:pPr lvl="1"/>
             <a:r>
-              <a:rPr lang="pt-BR" dirty="0"/>
+              <a:rPr lang="pt-BR" dirty="0">
+                <a:solidFill>
+                  <a:schemeClr val="bg1"/>
+                </a:solidFill>
+              </a:rPr>
               <a:t>Ver </a:t>
             </a:r>
             <a:r>
-              <a:rPr lang="pt-BR" dirty="0" err="1"/>
+              <a:rPr lang="pt-BR" dirty="0" err="1">
+                <a:solidFill>
+                  <a:schemeClr val="bg1"/>
+                </a:solidFill>
+              </a:rPr>
               <a:t>UserEndpoint</a:t>
             </a:r>
-            <a:endParaRPr lang="pt-BR" dirty="0"/>
+            <a:endParaRPr lang="pt-BR" dirty="0">
+              <a:solidFill>
+                <a:schemeClr val="bg1"/>
+              </a:solidFill>
+            </a:endParaRPr>
           </a:p>
           <a:p>
             <a:pPr lvl="1"/>
             <a:r>
-              <a:rPr lang="pt-BR" dirty="0"/>
+              <a:rPr lang="pt-BR" dirty="0">
+                <a:solidFill>
+                  <a:schemeClr val="bg1"/>
+                </a:solidFill>
+              </a:rPr>
               <a:t>Deve ser usado em um </a:t>
             </a:r>
             <a:r>
-              <a:rPr lang="pt-BR" dirty="0" err="1"/>
+              <a:rPr lang="pt-BR" dirty="0" err="1">
+                <a:solidFill>
+                  <a:schemeClr val="bg1"/>
+                </a:solidFill>
+              </a:rPr>
               <a:t>Bean</a:t>
             </a:r>
             <a:r>
-              <a:rPr lang="pt-BR" dirty="0"/>
+              <a:rPr lang="pt-BR" dirty="0">
+                <a:solidFill>
+                  <a:schemeClr val="bg1"/>
+                </a:solidFill>
+              </a:rPr>
               <a:t>!</a:t>
             </a:r>
           </a:p>
           <a:p>
             <a:pPr lvl="1"/>
             <a:r>
-              <a:rPr lang="pt-BR" dirty="0"/>
+              <a:rPr lang="pt-BR" dirty="0">
+                <a:solidFill>
+                  <a:schemeClr val="bg1"/>
+                </a:solidFill>
+              </a:rPr>
               <a:t>Não é necessário saber o escopo do </a:t>
             </a:r>
             <a:r>
-              <a:rPr lang="pt-BR" dirty="0" err="1"/>
+              <a:rPr lang="pt-BR" dirty="0" err="1">
+                <a:solidFill>
+                  <a:schemeClr val="bg1"/>
+                </a:solidFill>
+              </a:rPr>
               <a:t>Bean</a:t>
             </a:r>
-            <a:endParaRPr lang="pt-BR" dirty="0"/>
+            <a:endParaRPr lang="pt-BR" dirty="0">
+              <a:solidFill>
+                <a:schemeClr val="bg1"/>
+              </a:solidFill>
+            </a:endParaRPr>
           </a:p>
           <a:p>
             <a:pPr lvl="1"/>
             <a:r>
-              <a:rPr lang="pt-BR" dirty="0"/>
+              <a:rPr lang="pt-BR" dirty="0">
+                <a:solidFill>
+                  <a:schemeClr val="bg1"/>
+                </a:solidFill>
+              </a:rPr>
               <a:t>Não é necessário saber nada sobre o </a:t>
             </a:r>
             <a:r>
-              <a:rPr lang="pt-BR" dirty="0" err="1"/>
+              <a:rPr lang="pt-BR" dirty="0" err="1">
+                <a:solidFill>
+                  <a:schemeClr val="bg1"/>
+                </a:solidFill>
+              </a:rPr>
               <a:t>Bean</a:t>
             </a:r>
-            <a:endParaRPr lang="pt-BR" dirty="0"/>
+            <a:endParaRPr lang="pt-BR" dirty="0">
+              <a:solidFill>
+                <a:schemeClr val="bg1"/>
+              </a:solidFill>
+            </a:endParaRPr>
           </a:p>
           <a:p>
             <a:pPr lvl="2"/>
             <a:r>
-              <a:rPr lang="pt-BR" dirty="0"/>
+              <a:rPr lang="pt-BR" dirty="0">
+                <a:solidFill>
+                  <a:schemeClr val="bg1"/>
+                </a:solidFill>
+              </a:rPr>
               <a:t>Exceto se ele usa </a:t>
             </a:r>
             <a:r>
-              <a:rPr lang="pt-BR" dirty="0" err="1"/>
+              <a:rPr lang="pt-BR" dirty="0" err="1">
+                <a:solidFill>
+                  <a:schemeClr val="bg1"/>
+                </a:solidFill>
+              </a:rPr>
               <a:t>Qualifiers</a:t>
             </a:r>
             <a:r>
-              <a:rPr lang="pt-BR" dirty="0"/>
+              <a:rPr lang="pt-BR" dirty="0">
+                <a:solidFill>
+                  <a:schemeClr val="bg1"/>
+                </a:solidFill>
+              </a:rPr>
               <a:t> ou </a:t>
             </a:r>
             <a:r>
-              <a:rPr lang="pt-BR" dirty="0" err="1"/>
+              <a:rPr lang="pt-BR" dirty="0" err="1">
+                <a:solidFill>
+                  <a:schemeClr val="bg1"/>
+                </a:solidFill>
+              </a:rPr>
               <a:t>Named</a:t>
             </a:r>
             <a:r>
-              <a:rPr lang="pt-BR" dirty="0"/>
+              <a:rPr lang="pt-BR" dirty="0">
+                <a:solidFill>
+                  <a:schemeClr val="bg1"/>
+                </a:solidFill>
+              </a:rPr>
               <a:t> </a:t>
             </a:r>
             <a:r>
-              <a:rPr lang="pt-BR" i="1" dirty="0"/>
+              <a:rPr lang="pt-BR" i="1" dirty="0">
+                <a:solidFill>
+                  <a:schemeClr val="bg1"/>
+                </a:solidFill>
+              </a:rPr>
               <a:t>a seguir...</a:t>
             </a:r>
           </a:p>
         </p:txBody>
       </p:sp>
+      <p:pic>
+        <p:nvPicPr>
+          <p:cNvPr id="6" name="Gráfico 5">
+            <a:extLst>
+              <a:ext uri="{FF2B5EF4-FFF2-40B4-BE49-F238E27FC236}">
+                <a16:creationId xmlns:a16="http://schemas.microsoft.com/office/drawing/2014/main" id="{E6A870F9-77AF-4204-A255-7C1E5DB63EB2}"/>
+              </a:ext>
+            </a:extLst>
+          </p:cNvPr>
+          <p:cNvPicPr>
+            <a:picLocks noChangeAspect="1"/>
+          </p:cNvPicPr>
+          <p:nvPr/>
+        </p:nvPicPr>
+        <p:blipFill>
+          <a:blip r:embed="rId2">
+            <a:extLst>
+              <a:ext uri="{96DAC541-7B7A-43D3-8B79-37D633B846F1}">
+                <asvg:svgBlip xmlns:asvg="http://schemas.microsoft.com/office/drawing/2016/SVG/main" r:embed="rId3"/>
+              </a:ext>
+            </a:extLst>
+          </a:blip>
+          <a:stretch>
+            <a:fillRect/>
+          </a:stretch>
+        </p:blipFill>
+        <p:spPr>
+          <a:xfrm>
+            <a:off x="8229599" y="3891775"/>
+            <a:ext cx="2966225" cy="2966225"/>
+          </a:xfrm>
+          <a:prstGeom prst="rect">
+            <a:avLst/>
+          </a:prstGeom>
+        </p:spPr>
+      </p:pic>
     </p:spTree>
     <p:extLst>
       <p:ext uri="{BB962C8B-B14F-4D97-AF65-F5344CB8AC3E}">
@@ -6286,9 +9201,17 @@
 </p:sld>
 </file>
 
-<file path=ppt/slides/slide21.xml><?xml version="1.0" encoding="utf-8"?>
+<file path=ppt/slides/slide22.xml><?xml version="1.0" encoding="utf-8"?>
 <p:sld xmlns:a="http://schemas.openxmlformats.org/drawingml/2006/main" xmlns:r="http://schemas.openxmlformats.org/officeDocument/2006/relationships" xmlns:p="http://schemas.openxmlformats.org/presentationml/2006/main">
   <p:cSld>
+    <p:bg>
+      <p:bgPr>
+        <a:solidFill>
+          <a:srgbClr val="815E5B"/>
+        </a:solidFill>
+        <a:effectLst/>
+      </p:bgPr>
+    </p:bg>
     <p:spTree>
       <p:nvGrpSpPr>
         <p:cNvPr id="1" name=""/>
@@ -6325,7 +9248,11 @@
           <a:lstStyle/>
           <a:p>
             <a:r>
-              <a:rPr lang="pt-BR" dirty="0"/>
+              <a:rPr lang="pt-BR" dirty="0">
+                <a:solidFill>
+                  <a:schemeClr val="bg1"/>
+                </a:solidFill>
+              </a:rPr>
               <a:t>Injetando – Especialização</a:t>
             </a:r>
           </a:p>
@@ -6353,105 +9280,269 @@
           <a:lstStyle/>
           <a:p>
             <a:r>
-              <a:rPr lang="pt-BR" dirty="0"/>
+              <a:rPr lang="pt-BR" dirty="0">
+                <a:solidFill>
+                  <a:schemeClr val="bg1"/>
+                </a:solidFill>
+              </a:rPr>
               <a:t>Java CDI aceita Especialização</a:t>
             </a:r>
           </a:p>
           <a:p>
             <a:pPr lvl="1"/>
             <a:r>
-              <a:rPr lang="pt-BR" dirty="0"/>
+              <a:rPr lang="pt-BR" dirty="0">
+                <a:solidFill>
+                  <a:schemeClr val="bg1"/>
+                </a:solidFill>
+              </a:rPr>
               <a:t>A classe que usará o </a:t>
             </a:r>
             <a:r>
-              <a:rPr lang="pt-BR" dirty="0" err="1"/>
+              <a:rPr lang="pt-BR" dirty="0" err="1">
+                <a:solidFill>
+                  <a:schemeClr val="bg1"/>
+                </a:solidFill>
+              </a:rPr>
               <a:t>Bean</a:t>
             </a:r>
             <a:r>
-              <a:rPr lang="pt-BR" dirty="0"/>
+              <a:rPr lang="pt-BR" dirty="0">
+                <a:solidFill>
+                  <a:schemeClr val="bg1"/>
+                </a:solidFill>
+              </a:rPr>
               <a:t> não precisa saber a implementação</a:t>
             </a:r>
           </a:p>
           <a:p>
             <a:r>
-              <a:rPr lang="pt-BR" dirty="0"/>
+              <a:rPr lang="pt-BR" dirty="0">
+                <a:solidFill>
+                  <a:schemeClr val="bg1"/>
+                </a:solidFill>
+              </a:rPr>
               <a:t>Por </a:t>
             </a:r>
             <a:r>
-              <a:rPr lang="pt-BR" dirty="0" err="1"/>
+              <a:rPr lang="pt-BR" dirty="0" err="1">
+                <a:solidFill>
+                  <a:schemeClr val="bg1"/>
+                </a:solidFill>
+              </a:rPr>
               <a:t>Qualifier</a:t>
             </a:r>
-            <a:endParaRPr lang="pt-BR" dirty="0"/>
+            <a:endParaRPr lang="pt-BR" dirty="0">
+              <a:solidFill>
+                <a:schemeClr val="bg1"/>
+              </a:solidFill>
+            </a:endParaRPr>
           </a:p>
           <a:p>
             <a:pPr lvl="1"/>
             <a:r>
-              <a:rPr lang="pt-BR" dirty="0"/>
+              <a:rPr lang="pt-BR" dirty="0">
+                <a:solidFill>
+                  <a:schemeClr val="bg1"/>
+                </a:solidFill>
+              </a:rPr>
               <a:t>Ver </a:t>
             </a:r>
             <a:r>
-              <a:rPr lang="pt-BR" dirty="0" err="1"/>
+              <a:rPr lang="pt-BR" dirty="0" err="1">
+                <a:solidFill>
+                  <a:schemeClr val="bg1"/>
+                </a:solidFill>
+              </a:rPr>
               <a:t>HelloEndpoint</a:t>
             </a:r>
-            <a:endParaRPr lang="pt-BR" dirty="0"/>
+            <a:endParaRPr lang="pt-BR" dirty="0">
+              <a:solidFill>
+                <a:schemeClr val="bg1"/>
+              </a:solidFill>
+            </a:endParaRPr>
           </a:p>
           <a:p>
             <a:pPr lvl="1"/>
             <a:r>
-              <a:rPr lang="pt-BR" dirty="0"/>
+              <a:rPr lang="pt-BR" dirty="0">
+                <a:solidFill>
+                  <a:schemeClr val="bg1"/>
+                </a:solidFill>
+              </a:rPr>
               <a:t>Definir </a:t>
             </a:r>
             <a:r>
-              <a:rPr lang="pt-BR" dirty="0" err="1"/>
+              <a:rPr lang="pt-BR" dirty="0" err="1">
+                <a:solidFill>
+                  <a:schemeClr val="bg1"/>
+                </a:solidFill>
+              </a:rPr>
               <a:t>Annotation</a:t>
             </a:r>
             <a:r>
-              <a:rPr lang="pt-BR" dirty="0"/>
+              <a:rPr lang="pt-BR" dirty="0">
+                <a:solidFill>
+                  <a:schemeClr val="bg1"/>
+                </a:solidFill>
+              </a:rPr>
               <a:t> com </a:t>
             </a:r>
             <a:r>
-              <a:rPr lang="pt-BR" dirty="0" err="1"/>
+              <a:rPr lang="pt-BR" dirty="0" err="1">
+                <a:solidFill>
+                  <a:schemeClr val="bg1"/>
+                </a:solidFill>
+              </a:rPr>
               <a:t>Qualifier</a:t>
             </a:r>
-            <a:endParaRPr lang="pt-BR" dirty="0"/>
-          </a:p>
-          <a:p>
-            <a:r>
-              <a:rPr lang="pt-BR" dirty="0"/>
+            <a:endParaRPr lang="pt-BR" dirty="0">
+              <a:solidFill>
+                <a:schemeClr val="bg1"/>
+              </a:solidFill>
+            </a:endParaRPr>
+          </a:p>
+          <a:p>
+            <a:r>
+              <a:rPr lang="pt-BR" dirty="0">
+                <a:solidFill>
+                  <a:schemeClr val="bg1"/>
+                </a:solidFill>
+              </a:rPr>
               <a:t>Por </a:t>
             </a:r>
             <a:r>
-              <a:rPr lang="pt-BR" dirty="0" err="1"/>
+              <a:rPr lang="pt-BR" dirty="0" err="1">
+                <a:solidFill>
+                  <a:schemeClr val="bg1"/>
+                </a:solidFill>
+              </a:rPr>
               <a:t>Naming</a:t>
             </a:r>
-            <a:endParaRPr lang="pt-BR" dirty="0"/>
+            <a:endParaRPr lang="pt-BR" dirty="0">
+              <a:solidFill>
+                <a:schemeClr val="bg1"/>
+              </a:solidFill>
+            </a:endParaRPr>
           </a:p>
           <a:p>
             <a:pPr lvl="1"/>
             <a:r>
-              <a:rPr lang="pt-BR" dirty="0"/>
+              <a:rPr lang="pt-BR" dirty="0">
+                <a:solidFill>
+                  <a:schemeClr val="bg1"/>
+                </a:solidFill>
+              </a:rPr>
               <a:t>Ver </a:t>
             </a:r>
             <a:r>
-              <a:rPr lang="pt-BR" dirty="0" err="1"/>
+              <a:rPr lang="pt-BR" dirty="0" err="1">
+                <a:solidFill>
+                  <a:schemeClr val="bg1"/>
+                </a:solidFill>
+              </a:rPr>
               <a:t>ByeEndpoint</a:t>
             </a:r>
-            <a:endParaRPr lang="pt-BR" dirty="0"/>
+            <a:endParaRPr lang="pt-BR" dirty="0">
+              <a:solidFill>
+                <a:schemeClr val="bg1"/>
+              </a:solidFill>
+            </a:endParaRPr>
           </a:p>
           <a:p>
             <a:pPr lvl="1"/>
             <a:r>
-              <a:rPr lang="pt-BR" dirty="0"/>
+              <a:rPr lang="pt-BR" dirty="0">
+                <a:solidFill>
+                  <a:schemeClr val="bg1"/>
+                </a:solidFill>
+              </a:rPr>
               <a:t>Não é necessário </a:t>
             </a:r>
             <a:r>
-              <a:rPr lang="pt-BR" dirty="0" err="1"/>
+              <a:rPr lang="pt-BR" dirty="0" err="1">
+                <a:solidFill>
+                  <a:schemeClr val="bg1"/>
+                </a:solidFill>
+              </a:rPr>
               <a:t>Annotation</a:t>
             </a:r>
-            <a:endParaRPr lang="pt-BR" dirty="0"/>
+            <a:r>
+              <a:rPr lang="pt-BR" dirty="0">
+                <a:solidFill>
+                  <a:schemeClr val="bg1"/>
+                </a:solidFill>
+              </a:rPr>
+              <a:t> com </a:t>
+            </a:r>
+            <a:r>
+              <a:rPr lang="pt-BR" dirty="0" err="1">
+                <a:solidFill>
+                  <a:schemeClr val="bg1"/>
+                </a:solidFill>
+              </a:rPr>
+              <a:t>Qualifier</a:t>
+            </a:r>
+            <a:r>
+              <a:rPr lang="pt-BR" dirty="0">
+                <a:solidFill>
+                  <a:schemeClr val="bg1"/>
+                </a:solidFill>
+              </a:rPr>
+              <a:t>, mas @</a:t>
+            </a:r>
+            <a:r>
+              <a:rPr lang="pt-BR" dirty="0" err="1">
+                <a:solidFill>
+                  <a:schemeClr val="bg1"/>
+                </a:solidFill>
+              </a:rPr>
+              <a:t>Named</a:t>
+            </a:r>
+            <a:endParaRPr lang="pt-BR" dirty="0">
+              <a:solidFill>
+                <a:schemeClr val="bg1"/>
+              </a:solidFill>
+            </a:endParaRPr>
           </a:p>
         </p:txBody>
       </p:sp>
+      <p:pic>
+        <p:nvPicPr>
+          <p:cNvPr id="4" name="Gráfico 3">
+            <a:extLst>
+              <a:ext uri="{FF2B5EF4-FFF2-40B4-BE49-F238E27FC236}">
+                <a16:creationId xmlns:a16="http://schemas.microsoft.com/office/drawing/2014/main" id="{443A3F19-BD91-498F-BD92-4FCF03EEF281}"/>
+              </a:ext>
+            </a:extLst>
+          </p:cNvPr>
+          <p:cNvPicPr>
+            <a:picLocks noChangeAspect="1"/>
+          </p:cNvPicPr>
+          <p:nvPr/>
+        </p:nvPicPr>
+        <p:blipFill>
+          <a:blip r:embed="rId2">
+            <a:extLst>
+              <a:ext uri="{96DAC541-7B7A-43D3-8B79-37D633B846F1}">
+                <asvg:svgBlip xmlns:asvg="http://schemas.microsoft.com/office/drawing/2016/SVG/main" r:embed="rId3"/>
+              </a:ext>
+            </a:extLst>
+          </a:blip>
+          <a:stretch>
+            <a:fillRect/>
+          </a:stretch>
+        </p:blipFill>
+        <p:spPr>
+          <a:xfrm>
+            <a:off x="8229599" y="3891775"/>
+            <a:ext cx="2966225" cy="2966225"/>
+          </a:xfrm>
+          <a:prstGeom prst="rect">
+            <a:avLst/>
+          </a:prstGeom>
+        </p:spPr>
+      </p:pic>
     </p:spTree>
     <p:extLst>
       <p:ext uri="{BB962C8B-B14F-4D97-AF65-F5344CB8AC3E}">
@@ -6465,9 +9556,17 @@
 </p:sld>
 </file>
 
-<file path=ppt/slides/slide22.xml><?xml version="1.0" encoding="utf-8"?>
+<file path=ppt/slides/slide23.xml><?xml version="1.0" encoding="utf-8"?>
 <p:sld xmlns:a="http://schemas.openxmlformats.org/drawingml/2006/main" xmlns:r="http://schemas.openxmlformats.org/officeDocument/2006/relationships" xmlns:p="http://schemas.openxmlformats.org/presentationml/2006/main">
   <p:cSld>
+    <p:bg>
+      <p:bgPr>
+        <a:solidFill>
+          <a:srgbClr val="B0C592"/>
+        </a:solidFill>
+        <a:effectLst/>
+      </p:bgPr>
+    </p:bg>
     <p:spTree>
       <p:nvGrpSpPr>
         <p:cNvPr id="1" name=""/>
@@ -6598,10 +9697,62 @@
             </a:r>
           </a:p>
           <a:p>
+            <a:pPr lvl="1"/>
+            <a:endParaRPr lang="pt-BR" dirty="0"/>
+          </a:p>
+          <a:p>
+            <a:pPr lvl="1"/>
+            <a:r>
+              <a:rPr lang="pt-BR" dirty="0"/>
+              <a:t>Ver </a:t>
+            </a:r>
+            <a:r>
+              <a:rPr lang="pt-BR" dirty="0" err="1"/>
+              <a:t>UserEndpoint</a:t>
+            </a:r>
+            <a:endParaRPr lang="pt-BR" dirty="0"/>
+          </a:p>
+          <a:p>
             <a:endParaRPr lang="pt-BR" dirty="0"/>
           </a:p>
         </p:txBody>
       </p:sp>
+      <p:pic>
+        <p:nvPicPr>
+          <p:cNvPr id="4" name="Gráfico 3">
+            <a:extLst>
+              <a:ext uri="{FF2B5EF4-FFF2-40B4-BE49-F238E27FC236}">
+                <a16:creationId xmlns:a16="http://schemas.microsoft.com/office/drawing/2014/main" id="{CFBBFC11-37E6-494A-9202-A62558D18CB3}"/>
+              </a:ext>
+            </a:extLst>
+          </p:cNvPr>
+          <p:cNvPicPr>
+            <a:picLocks noChangeAspect="1"/>
+          </p:cNvPicPr>
+          <p:nvPr/>
+        </p:nvPicPr>
+        <p:blipFill>
+          <a:blip r:embed="rId2">
+            <a:extLst>
+              <a:ext uri="{96DAC541-7B7A-43D3-8B79-37D633B846F1}">
+                <asvg:svgBlip xmlns:asvg="http://schemas.microsoft.com/office/drawing/2016/SVG/main" r:embed="rId3"/>
+              </a:ext>
+            </a:extLst>
+          </a:blip>
+          <a:stretch>
+            <a:fillRect/>
+          </a:stretch>
+        </p:blipFill>
+        <p:spPr>
+          <a:xfrm>
+            <a:off x="8229599" y="3891775"/>
+            <a:ext cx="2966225" cy="2966225"/>
+          </a:xfrm>
+          <a:prstGeom prst="rect">
+            <a:avLst/>
+          </a:prstGeom>
+        </p:spPr>
+      </p:pic>
     </p:spTree>
     <p:extLst>
       <p:ext uri="{BB962C8B-B14F-4D97-AF65-F5344CB8AC3E}">
@@ -6615,9 +9766,195 @@
 </p:sld>
 </file>
 
-<file path=ppt/slides/slide23.xml><?xml version="1.0" encoding="utf-8"?>
+<file path=ppt/slides/slide24.xml><?xml version="1.0" encoding="utf-8"?>
 <p:sld xmlns:a="http://schemas.openxmlformats.org/drawingml/2006/main" xmlns:r="http://schemas.openxmlformats.org/officeDocument/2006/relationships" xmlns:p="http://schemas.openxmlformats.org/presentationml/2006/main">
   <p:cSld>
+    <p:bg>
+      <p:bgPr>
+        <a:solidFill>
+          <a:srgbClr val="EBD494"/>
+        </a:solidFill>
+        <a:effectLst/>
+      </p:bgPr>
+    </p:bg>
+    <p:spTree>
+      <p:nvGrpSpPr>
+        <p:cNvPr id="1" name=""/>
+        <p:cNvGrpSpPr/>
+        <p:nvPr/>
+      </p:nvGrpSpPr>
+      <p:grpSpPr>
+        <a:xfrm>
+          <a:off x="0" y="0"/>
+          <a:ext cx="0" cy="0"/>
+          <a:chOff x="0" y="0"/>
+          <a:chExt cx="0" cy="0"/>
+        </a:xfrm>
+      </p:grpSpPr>
+      <p:sp>
+        <p:nvSpPr>
+          <p:cNvPr id="2" name="Título 1">
+            <a:extLst>
+              <a:ext uri="{FF2B5EF4-FFF2-40B4-BE49-F238E27FC236}">
+                <a16:creationId xmlns:a16="http://schemas.microsoft.com/office/drawing/2014/main" id="{21A091F8-E87E-45FF-9F66-4273E3FF2E0B}"/>
+              </a:ext>
+            </a:extLst>
+          </p:cNvPr>
+          <p:cNvSpPr>
+            <a:spLocks noGrp="1"/>
+          </p:cNvSpPr>
+          <p:nvPr>
+            <p:ph type="title"/>
+          </p:nvPr>
+        </p:nvSpPr>
+        <p:spPr/>
+        <p:txBody>
+          <a:bodyPr/>
+          <a:lstStyle/>
+          <a:p>
+            <a:r>
+              <a:rPr lang="pt-BR" dirty="0" err="1"/>
+              <a:t>Decorators</a:t>
+            </a:r>
+            <a:endParaRPr lang="en-US" dirty="0"/>
+          </a:p>
+        </p:txBody>
+      </p:sp>
+      <p:sp>
+        <p:nvSpPr>
+          <p:cNvPr id="3" name="Espaço Reservado para Conteúdo 2">
+            <a:extLst>
+              <a:ext uri="{FF2B5EF4-FFF2-40B4-BE49-F238E27FC236}">
+                <a16:creationId xmlns:a16="http://schemas.microsoft.com/office/drawing/2014/main" id="{D0E4E6CA-137A-4E54-BFFF-C755D12E0959}"/>
+              </a:ext>
+            </a:extLst>
+          </p:cNvPr>
+          <p:cNvSpPr>
+            <a:spLocks noGrp="1"/>
+          </p:cNvSpPr>
+          <p:nvPr>
+            <p:ph idx="1"/>
+          </p:nvPr>
+        </p:nvSpPr>
+        <p:spPr/>
+        <p:txBody>
+          <a:bodyPr/>
+          <a:lstStyle/>
+          <a:p>
+            <a:r>
+              <a:rPr lang="pt-BR" dirty="0"/>
+              <a:t>Centralização de Lógica de Negócios</a:t>
+            </a:r>
+          </a:p>
+          <a:p>
+            <a:r>
+              <a:rPr lang="pt-BR" dirty="0"/>
+              <a:t>Muito similar ao </a:t>
+            </a:r>
+            <a:r>
+              <a:rPr lang="pt-BR" i="1" dirty="0" err="1"/>
+              <a:t>Interceptors</a:t>
+            </a:r>
+            <a:r>
+              <a:rPr lang="pt-BR" dirty="0"/>
+              <a:t>, mas </a:t>
+            </a:r>
+            <a:r>
+              <a:rPr lang="pt-BR" dirty="0" err="1"/>
+              <a:t>TypeSafe</a:t>
+            </a:r>
+            <a:endParaRPr lang="pt-BR" dirty="0"/>
+          </a:p>
+          <a:p>
+            <a:r>
+              <a:rPr lang="pt-BR" dirty="0"/>
+              <a:t>É possível adicionar “decoradores” em todas as implementações de um mesmo </a:t>
+            </a:r>
+            <a:r>
+              <a:rPr lang="pt-BR" dirty="0" err="1"/>
+              <a:t>Bean</a:t>
+            </a:r>
+            <a:r>
+              <a:rPr lang="pt-BR" dirty="0"/>
+              <a:t>.</a:t>
+            </a:r>
+          </a:p>
+          <a:p>
+            <a:endParaRPr lang="pt-BR" dirty="0"/>
+          </a:p>
+          <a:p>
+            <a:r>
+              <a:rPr lang="pt-BR" dirty="0"/>
+              <a:t>Ver </a:t>
+            </a:r>
+            <a:r>
+              <a:rPr lang="pt-BR" dirty="0" err="1"/>
+              <a:t>HelloServiceValidator</a:t>
+            </a:r>
+            <a:endParaRPr lang="en-US" dirty="0"/>
+          </a:p>
+        </p:txBody>
+      </p:sp>
+      <p:pic>
+        <p:nvPicPr>
+          <p:cNvPr id="4" name="Gráfico 3">
+            <a:extLst>
+              <a:ext uri="{FF2B5EF4-FFF2-40B4-BE49-F238E27FC236}">
+                <a16:creationId xmlns:a16="http://schemas.microsoft.com/office/drawing/2014/main" id="{CD29A121-BCB6-481F-B314-7662FC49D0F1}"/>
+              </a:ext>
+            </a:extLst>
+          </p:cNvPr>
+          <p:cNvPicPr>
+            <a:picLocks noChangeAspect="1"/>
+          </p:cNvPicPr>
+          <p:nvPr/>
+        </p:nvPicPr>
+        <p:blipFill>
+          <a:blip r:embed="rId2">
+            <a:extLst>
+              <a:ext uri="{96DAC541-7B7A-43D3-8B79-37D633B846F1}">
+                <asvg:svgBlip xmlns:asvg="http://schemas.microsoft.com/office/drawing/2016/SVG/main" r:embed="rId3"/>
+              </a:ext>
+            </a:extLst>
+          </a:blip>
+          <a:stretch>
+            <a:fillRect/>
+          </a:stretch>
+        </p:blipFill>
+        <p:spPr>
+          <a:xfrm>
+            <a:off x="8229599" y="3891775"/>
+            <a:ext cx="2966225" cy="2966225"/>
+          </a:xfrm>
+          <a:prstGeom prst="rect">
+            <a:avLst/>
+          </a:prstGeom>
+        </p:spPr>
+      </p:pic>
+    </p:spTree>
+    <p:extLst>
+      <p:ext uri="{BB962C8B-B14F-4D97-AF65-F5344CB8AC3E}">
+        <p14:creationId xmlns:p14="http://schemas.microsoft.com/office/powerpoint/2010/main" val="4277347512"/>
+      </p:ext>
+    </p:extLst>
+  </p:cSld>
+  <p:clrMapOvr>
+    <a:masterClrMapping/>
+  </p:clrMapOvr>
+</p:sld>
+</file>
+
+<file path=ppt/slides/slide25.xml><?xml version="1.0" encoding="utf-8"?>
+<p:sld xmlns:a="http://schemas.openxmlformats.org/drawingml/2006/main" xmlns:r="http://schemas.openxmlformats.org/officeDocument/2006/relationships" xmlns:p="http://schemas.openxmlformats.org/presentationml/2006/main">
+  <p:cSld>
+    <p:bg>
+      <p:bgPr>
+        <a:solidFill>
+          <a:srgbClr val="815E5B"/>
+        </a:solidFill>
+        <a:effectLst/>
+      </p:bgPr>
+    </p:bg>
     <p:spTree>
       <p:nvGrpSpPr>
         <p:cNvPr id="1" name=""/>
@@ -6659,7 +9996,11 @@
           <a:lstStyle/>
           <a:p>
             <a:r>
-              <a:rPr lang="pt-BR" dirty="0"/>
+              <a:rPr lang="pt-BR" dirty="0">
+                <a:solidFill>
+                  <a:schemeClr val="bg1"/>
+                </a:solidFill>
+              </a:rPr>
               <a:t>Eventos CDI</a:t>
             </a:r>
           </a:p>
@@ -6687,90 +10028,221 @@
           <a:lstStyle/>
           <a:p>
             <a:r>
-              <a:rPr lang="pt-BR" dirty="0"/>
+              <a:rPr lang="pt-BR" dirty="0">
+                <a:solidFill>
+                  <a:schemeClr val="bg1"/>
+                </a:solidFill>
+              </a:rPr>
               <a:t>Java CDI provê uma interface para Ouvir/Produzir eventos</a:t>
             </a:r>
           </a:p>
           <a:p>
             <a:pPr lvl="1"/>
             <a:r>
-              <a:rPr lang="pt-BR" dirty="0"/>
+              <a:rPr lang="pt-BR" dirty="0">
+                <a:solidFill>
+                  <a:schemeClr val="bg1"/>
+                </a:solidFill>
+              </a:rPr>
               <a:t>Eventos a nível de JVM</a:t>
             </a:r>
           </a:p>
           <a:p>
             <a:pPr lvl="1"/>
             <a:r>
-              <a:rPr lang="pt-BR" dirty="0"/>
+              <a:rPr lang="pt-BR" dirty="0">
+                <a:solidFill>
+                  <a:schemeClr val="bg1"/>
+                </a:solidFill>
+              </a:rPr>
               <a:t>Tipo de evento: Qualquer classe Java</a:t>
             </a:r>
           </a:p>
           <a:p>
             <a:pPr lvl="1"/>
             <a:r>
-              <a:rPr lang="pt-BR" dirty="0"/>
+              <a:rPr lang="pt-BR" dirty="0">
+                <a:solidFill>
+                  <a:schemeClr val="bg1"/>
+                </a:solidFill>
+              </a:rPr>
               <a:t>Produtor: classe </a:t>
             </a:r>
             <a:r>
-              <a:rPr lang="pt-BR" dirty="0" err="1"/>
+              <a:rPr lang="pt-BR" dirty="0" err="1">
+                <a:solidFill>
+                  <a:schemeClr val="bg1"/>
+                </a:solidFill>
+              </a:rPr>
               <a:t>Event</a:t>
             </a:r>
-            <a:endParaRPr lang="pt-BR" dirty="0"/>
+            <a:endParaRPr lang="pt-BR" dirty="0">
+              <a:solidFill>
+                <a:schemeClr val="bg1"/>
+              </a:solidFill>
+            </a:endParaRPr>
           </a:p>
           <a:p>
             <a:pPr lvl="1"/>
             <a:r>
-              <a:rPr lang="pt-BR" dirty="0"/>
+              <a:rPr lang="pt-BR" dirty="0">
+                <a:solidFill>
+                  <a:schemeClr val="bg1"/>
+                </a:solidFill>
+              </a:rPr>
               <a:t>Consumidor: Método com @Observes</a:t>
             </a:r>
           </a:p>
           <a:p>
-            <a:r>
-              <a:rPr lang="pt-BR" dirty="0"/>
+            <a:pPr lvl="2"/>
+            <a:r>
+              <a:rPr lang="pt-BR" dirty="0">
+                <a:solidFill>
+                  <a:schemeClr val="bg1"/>
+                </a:solidFill>
+              </a:rPr>
+              <a:t>Aceita @</a:t>
+            </a:r>
+            <a:r>
+              <a:rPr lang="pt-BR" dirty="0" err="1">
+                <a:solidFill>
+                  <a:schemeClr val="bg1"/>
+                </a:solidFill>
+              </a:rPr>
+              <a:t>Priority</a:t>
+            </a:r>
+            <a:r>
+              <a:rPr lang="pt-BR" dirty="0">
+                <a:solidFill>
+                  <a:schemeClr val="bg1"/>
+                </a:solidFill>
+              </a:rPr>
+              <a:t> (CDI 2.0)</a:t>
+            </a:r>
+          </a:p>
+          <a:p>
+            <a:r>
+              <a:rPr lang="pt-BR" dirty="0">
+                <a:solidFill>
+                  <a:schemeClr val="bg1"/>
+                </a:solidFill>
+              </a:rPr>
               <a:t>Exemplos</a:t>
             </a:r>
           </a:p>
           <a:p>
             <a:pPr lvl="1"/>
             <a:r>
-              <a:rPr lang="pt-BR" dirty="0"/>
+              <a:rPr lang="pt-BR" dirty="0">
+                <a:solidFill>
+                  <a:schemeClr val="bg1"/>
+                </a:solidFill>
+              </a:rPr>
               <a:t>Producer</a:t>
             </a:r>
           </a:p>
           <a:p>
             <a:pPr lvl="2"/>
             <a:r>
-              <a:rPr lang="pt-BR" dirty="0"/>
+              <a:rPr lang="pt-BR" dirty="0">
+                <a:solidFill>
+                  <a:schemeClr val="bg1"/>
+                </a:solidFill>
+              </a:rPr>
               <a:t>Ver </a:t>
             </a:r>
             <a:r>
-              <a:rPr lang="pt-BR" dirty="0" err="1"/>
+              <a:rPr lang="pt-BR" dirty="0" err="1">
+                <a:solidFill>
+                  <a:schemeClr val="bg1"/>
+                </a:solidFill>
+              </a:rPr>
               <a:t>UserEndpoint</a:t>
             </a:r>
-            <a:endParaRPr lang="pt-BR" dirty="0"/>
+            <a:endParaRPr lang="pt-BR" dirty="0">
+              <a:solidFill>
+                <a:schemeClr val="bg1"/>
+              </a:solidFill>
+            </a:endParaRPr>
           </a:p>
           <a:p>
             <a:pPr lvl="1"/>
             <a:r>
-              <a:rPr lang="pt-BR" dirty="0" err="1"/>
+              <a:rPr lang="pt-BR" dirty="0" err="1">
+                <a:solidFill>
+                  <a:schemeClr val="bg1"/>
+                </a:solidFill>
+              </a:rPr>
               <a:t>Consumer</a:t>
             </a:r>
-            <a:endParaRPr lang="pt-BR" dirty="0"/>
+            <a:endParaRPr lang="pt-BR" dirty="0">
+              <a:solidFill>
+                <a:schemeClr val="bg1"/>
+              </a:solidFill>
+            </a:endParaRPr>
           </a:p>
           <a:p>
             <a:pPr lvl="2"/>
             <a:r>
-              <a:rPr lang="pt-BR" dirty="0"/>
+              <a:rPr lang="pt-BR" dirty="0">
+                <a:solidFill>
+                  <a:schemeClr val="bg1"/>
+                </a:solidFill>
+              </a:rPr>
               <a:t>Ver </a:t>
             </a:r>
             <a:r>
-              <a:rPr lang="pt-BR" dirty="0" err="1"/>
+              <a:rPr lang="pt-BR" dirty="0" err="1">
+                <a:solidFill>
+                  <a:schemeClr val="bg1"/>
+                </a:solidFill>
+              </a:rPr>
               <a:t>Consumers</a:t>
             </a:r>
-            <a:endParaRPr lang="pt-BR" dirty="0"/>
+            <a:endParaRPr lang="pt-BR" dirty="0">
+              <a:solidFill>
+                <a:schemeClr val="bg1"/>
+              </a:solidFill>
+            </a:endParaRPr>
           </a:p>
         </p:txBody>
       </p:sp>
+      <p:pic>
+        <p:nvPicPr>
+          <p:cNvPr id="4" name="Gráfico 3">
+            <a:extLst>
+              <a:ext uri="{FF2B5EF4-FFF2-40B4-BE49-F238E27FC236}">
+                <a16:creationId xmlns:a16="http://schemas.microsoft.com/office/drawing/2014/main" id="{B6A67DF5-D3EE-490C-88F9-98854BEE0F8C}"/>
+              </a:ext>
+            </a:extLst>
+          </p:cNvPr>
+          <p:cNvPicPr>
+            <a:picLocks noChangeAspect="1"/>
+          </p:cNvPicPr>
+          <p:nvPr/>
+        </p:nvPicPr>
+        <p:blipFill>
+          <a:blip r:embed="rId2">
+            <a:extLst>
+              <a:ext uri="{96DAC541-7B7A-43D3-8B79-37D633B846F1}">
+                <asvg:svgBlip xmlns:asvg="http://schemas.microsoft.com/office/drawing/2016/SVG/main" r:embed="rId3"/>
+              </a:ext>
+            </a:extLst>
+          </a:blip>
+          <a:stretch>
+            <a:fillRect/>
+          </a:stretch>
+        </p:blipFill>
+        <p:spPr>
+          <a:xfrm>
+            <a:off x="8229599" y="3891775"/>
+            <a:ext cx="2966225" cy="2966225"/>
+          </a:xfrm>
+          <a:prstGeom prst="rect">
+            <a:avLst/>
+          </a:prstGeom>
+        </p:spPr>
+      </p:pic>
     </p:spTree>
     <p:extLst>
       <p:ext uri="{BB962C8B-B14F-4D97-AF65-F5344CB8AC3E}">
@@ -6784,9 +10256,17 @@
 </p:sld>
 </file>
 
-<file path=ppt/slides/slide24.xml><?xml version="1.0" encoding="utf-8"?>
+<file path=ppt/slides/slide26.xml><?xml version="1.0" encoding="utf-8"?>
 <p:sld xmlns:a="http://schemas.openxmlformats.org/drawingml/2006/main" xmlns:r="http://schemas.openxmlformats.org/officeDocument/2006/relationships" xmlns:p="http://schemas.openxmlformats.org/presentationml/2006/main">
   <p:cSld>
+    <p:bg>
+      <p:bgPr>
+        <a:solidFill>
+          <a:srgbClr val="B0C592"/>
+        </a:solidFill>
+        <a:effectLst/>
+      </p:bgPr>
+    </p:bg>
     <p:spTree>
       <p:nvGrpSpPr>
         <p:cNvPr id="1" name=""/>
@@ -6851,34 +10331,75 @@
           <a:lstStyle/>
           <a:p>
             <a:r>
-              <a:rPr lang="pt-BR" dirty="0"/>
+              <a:rPr lang="pt-BR" dirty="0">
+                <a:solidFill>
+                  <a:schemeClr val="tx1">
+                    <a:lumMod val="85000"/>
+                    <a:lumOff val="15000"/>
+                  </a:schemeClr>
+                </a:solidFill>
+              </a:rPr>
               <a:t>Usar </a:t>
             </a:r>
             <a:r>
-              <a:rPr lang="pt-BR" dirty="0" err="1"/>
+              <a:rPr lang="pt-BR" dirty="0" err="1">
+                <a:solidFill>
+                  <a:schemeClr val="tx1">
+                    <a:lumMod val="85000"/>
+                    <a:lumOff val="15000"/>
+                  </a:schemeClr>
+                </a:solidFill>
+              </a:rPr>
               <a:t>Weld</a:t>
             </a:r>
+            <a:endParaRPr lang="pt-BR" dirty="0">
+              <a:solidFill>
+                <a:schemeClr val="tx1">
+                  <a:lumMod val="85000"/>
+                  <a:lumOff val="15000"/>
+                </a:schemeClr>
+              </a:solidFill>
+            </a:endParaRPr>
+          </a:p>
+          <a:p>
+            <a:pPr lvl="1"/>
+            <a:r>
+              <a:rPr lang="pt-BR" dirty="0">
+                <a:hlinkClick r:id="rId3">
+                  <a:extLst>
+                    <a:ext uri="{A12FA001-AC4F-418D-AE19-62706E023703}">
+                      <ahyp:hlinkClr xmlns:ahyp="http://schemas.microsoft.com/office/drawing/2018/hyperlinkcolor" val="tx"/>
+                    </a:ext>
+                  </a:extLst>
+                </a:hlinkClick>
+              </a:rPr>
+              <a:t>https://weld.cdi-spec.org/</a:t>
+            </a:r>
             <a:endParaRPr lang="pt-BR" dirty="0"/>
           </a:p>
           <a:p>
-            <a:pPr lvl="1"/>
             <a:r>
               <a:rPr lang="pt-BR" dirty="0">
-                <a:hlinkClick r:id="rId3"/>
-              </a:rPr>
-              <a:t>https://weld.cdi-spec.org/</a:t>
-            </a:r>
-            <a:endParaRPr lang="pt-BR" dirty="0"/>
-          </a:p>
-          <a:p>
-            <a:r>
-              <a:rPr lang="pt-BR" dirty="0"/>
+                <a:solidFill>
+                  <a:schemeClr val="tx1">
+                    <a:lumMod val="85000"/>
+                    <a:lumOff val="15000"/>
+                  </a:schemeClr>
+                </a:solidFill>
+              </a:rPr>
               <a:t>Deve adicionar beans.xml</a:t>
             </a:r>
           </a:p>
           <a:p>
             <a:r>
-              <a:rPr lang="pt-BR" dirty="0"/>
+              <a:rPr lang="pt-BR" dirty="0">
+                <a:solidFill>
+                  <a:schemeClr val="tx1">
+                    <a:lumMod val="85000"/>
+                    <a:lumOff val="15000"/>
+                  </a:schemeClr>
+                </a:solidFill>
+              </a:rPr>
               <a:t>Dependências</a:t>
             </a:r>
           </a:p>
@@ -6922,14 +10443,35 @@
           </a:p>
           <a:p>
             <a:r>
-              <a:rPr lang="pt-BR" dirty="0"/>
+              <a:rPr lang="pt-BR" dirty="0">
+                <a:solidFill>
+                  <a:schemeClr val="tx1">
+                    <a:lumMod val="85000"/>
+                    <a:lumOff val="15000"/>
+                  </a:schemeClr>
+                </a:solidFill>
+              </a:rPr>
               <a:t>Deve declarar um </a:t>
             </a:r>
             <a:r>
-              <a:rPr lang="pt-BR" dirty="0" err="1"/>
+              <a:rPr lang="pt-BR" dirty="0" err="1">
+                <a:solidFill>
+                  <a:schemeClr val="tx1">
+                    <a:lumMod val="85000"/>
+                    <a:lumOff val="15000"/>
+                  </a:schemeClr>
+                </a:solidFill>
+              </a:rPr>
               <a:t>main</a:t>
             </a:r>
-            <a:endParaRPr lang="pt-BR" dirty="0"/>
+            <a:endParaRPr lang="pt-BR" dirty="0">
+              <a:solidFill>
+                <a:schemeClr val="tx1">
+                  <a:lumMod val="85000"/>
+                  <a:lumOff val="15000"/>
+                </a:schemeClr>
+              </a:solidFill>
+            </a:endParaRPr>
           </a:p>
           <a:p>
             <a:pPr marL="0" indent="0">
@@ -6970,7 +10512,7 @@
           <a:graphicData uri="http://schemas.openxmlformats.org/presentationml/2006/ole">
             <mc:AlternateContent xmlns:mc="http://schemas.openxmlformats.org/markup-compatibility/2006">
               <mc:Choice xmlns:v="urn:schemas-microsoft-com:vml" Requires="v">
-                <p:oleObj spid="_x0000_s3074" name="Document" r:id="rId4" imgW="6670320" imgH="1282646" progId="Word.Document.12">
+                <p:oleObj spid="_x0000_s3082" name="Document" r:id="rId4" imgW="6670320" imgH="1282646" progId="Word.Document.12">
                   <p:embed/>
                 </p:oleObj>
               </mc:Choice>
@@ -7005,10 +10547,501 @@
           </a:graphicData>
         </a:graphic>
       </p:graphicFrame>
+      <p:pic>
+        <p:nvPicPr>
+          <p:cNvPr id="5" name="Gráfico 4">
+            <a:extLst>
+              <a:ext uri="{FF2B5EF4-FFF2-40B4-BE49-F238E27FC236}">
+                <a16:creationId xmlns:a16="http://schemas.microsoft.com/office/drawing/2014/main" id="{26669738-1B0F-43C6-98B0-3AC502E13B7F}"/>
+              </a:ext>
+            </a:extLst>
+          </p:cNvPr>
+          <p:cNvPicPr>
+            <a:picLocks noChangeAspect="1"/>
+          </p:cNvPicPr>
+          <p:nvPr/>
+        </p:nvPicPr>
+        <p:blipFill>
+          <a:blip r:embed="rId6">
+            <a:extLst>
+              <a:ext uri="{96DAC541-7B7A-43D3-8B79-37D633B846F1}">
+                <asvg:svgBlip xmlns:asvg="http://schemas.microsoft.com/office/drawing/2016/SVG/main" r:embed="rId7"/>
+              </a:ext>
+            </a:extLst>
+          </a:blip>
+          <a:stretch>
+            <a:fillRect/>
+          </a:stretch>
+        </p:blipFill>
+        <p:spPr>
+          <a:xfrm>
+            <a:off x="8229599" y="3891775"/>
+            <a:ext cx="2966225" cy="2966225"/>
+          </a:xfrm>
+          <a:prstGeom prst="rect">
+            <a:avLst/>
+          </a:prstGeom>
+        </p:spPr>
+      </p:pic>
     </p:spTree>
     <p:extLst>
       <p:ext uri="{BB962C8B-B14F-4D97-AF65-F5344CB8AC3E}">
         <p14:creationId xmlns:p14="http://schemas.microsoft.com/office/powerpoint/2010/main" val="3553934507"/>
+      </p:ext>
+    </p:extLst>
+  </p:cSld>
+  <p:clrMapOvr>
+    <a:masterClrMapping/>
+  </p:clrMapOvr>
+</p:sld>
+</file>
+
+<file path=ppt/slides/slide27.xml><?xml version="1.0" encoding="utf-8"?>
+<p:sld xmlns:a="http://schemas.openxmlformats.org/drawingml/2006/main" xmlns:r="http://schemas.openxmlformats.org/officeDocument/2006/relationships" xmlns:p="http://schemas.openxmlformats.org/presentationml/2006/main">
+  <p:cSld>
+    <p:spTree>
+      <p:nvGrpSpPr>
+        <p:cNvPr id="1" name=""/>
+        <p:cNvGrpSpPr/>
+        <p:nvPr/>
+      </p:nvGrpSpPr>
+      <p:grpSpPr>
+        <a:xfrm>
+          <a:off x="0" y="0"/>
+          <a:ext cx="0" cy="0"/>
+          <a:chOff x="0" y="0"/>
+          <a:chExt cx="0" cy="0"/>
+        </a:xfrm>
+      </p:grpSpPr>
+      <p:sp>
+        <p:nvSpPr>
+          <p:cNvPr id="4" name="Título 3">
+            <a:extLst>
+              <a:ext uri="{FF2B5EF4-FFF2-40B4-BE49-F238E27FC236}">
+                <a16:creationId xmlns:a16="http://schemas.microsoft.com/office/drawing/2014/main" id="{6F3DD9FD-E811-41CF-93B4-9F741EAEDBBF}"/>
+              </a:ext>
+            </a:extLst>
+          </p:cNvPr>
+          <p:cNvSpPr>
+            <a:spLocks noGrp="1"/>
+          </p:cNvSpPr>
+          <p:nvPr>
+            <p:ph type="ctrTitle"/>
+          </p:nvPr>
+        </p:nvSpPr>
+        <p:spPr/>
+        <p:txBody>
+          <a:bodyPr/>
+          <a:lstStyle/>
+          <a:p>
+            <a:r>
+              <a:rPr lang="pt-BR" dirty="0"/>
+              <a:t>Duvidas?</a:t>
+            </a:r>
+          </a:p>
+        </p:txBody>
+      </p:sp>
+      <p:sp>
+        <p:nvSpPr>
+          <p:cNvPr id="5" name="Subtítulo 4">
+            <a:extLst>
+              <a:ext uri="{FF2B5EF4-FFF2-40B4-BE49-F238E27FC236}">
+                <a16:creationId xmlns:a16="http://schemas.microsoft.com/office/drawing/2014/main" id="{CB4714D2-0AD2-47DA-9C9B-66FC0DD66865}"/>
+              </a:ext>
+            </a:extLst>
+          </p:cNvPr>
+          <p:cNvSpPr>
+            <a:spLocks noGrp="1"/>
+          </p:cNvSpPr>
+          <p:nvPr>
+            <p:ph type="subTitle" idx="1"/>
+          </p:nvPr>
+        </p:nvSpPr>
+        <p:spPr/>
+        <p:txBody>
+          <a:bodyPr/>
+          <a:lstStyle/>
+          <a:p>
+            <a:r>
+              <a:rPr lang="pt-BR" dirty="0"/>
+              <a:t>Não existe pergunta boba!</a:t>
+            </a:r>
+          </a:p>
+        </p:txBody>
+      </p:sp>
+      <p:pic>
+        <p:nvPicPr>
+          <p:cNvPr id="7" name="Imagem 6">
+            <a:extLst>
+              <a:ext uri="{FF2B5EF4-FFF2-40B4-BE49-F238E27FC236}">
+                <a16:creationId xmlns:a16="http://schemas.microsoft.com/office/drawing/2014/main" id="{E788BE3B-B13F-46DD-BD8E-87B87CB0AB2D}"/>
+              </a:ext>
+            </a:extLst>
+          </p:cNvPr>
+          <p:cNvPicPr>
+            <a:picLocks noChangeAspect="1"/>
+          </p:cNvPicPr>
+          <p:nvPr/>
+        </p:nvPicPr>
+        <p:blipFill>
+          <a:blip r:embed="rId2"/>
+          <a:stretch>
+            <a:fillRect/>
+          </a:stretch>
+        </p:blipFill>
+        <p:spPr>
+          <a:xfrm>
+            <a:off x="7574844" y="1025968"/>
+            <a:ext cx="3803129" cy="4806064"/>
+          </a:xfrm>
+          <a:prstGeom prst="rect">
+            <a:avLst/>
+          </a:prstGeom>
+        </p:spPr>
+      </p:pic>
+      <p:pic>
+        <p:nvPicPr>
+          <p:cNvPr id="8" name="Gráfico 7">
+            <a:extLst>
+              <a:ext uri="{FF2B5EF4-FFF2-40B4-BE49-F238E27FC236}">
+                <a16:creationId xmlns:a16="http://schemas.microsoft.com/office/drawing/2014/main" id="{531D9644-3091-47B8-8DFB-517AC442069A}"/>
+              </a:ext>
+            </a:extLst>
+          </p:cNvPr>
+          <p:cNvPicPr>
+            <a:picLocks noChangeAspect="1"/>
+          </p:cNvPicPr>
+          <p:nvPr/>
+        </p:nvPicPr>
+        <p:blipFill>
+          <a:blip r:embed="rId3">
+            <a:extLst>
+              <a:ext uri="{96DAC541-7B7A-43D3-8B79-37D633B846F1}">
+                <asvg:svgBlip xmlns:asvg="http://schemas.microsoft.com/office/drawing/2016/SVG/main" r:embed="rId4"/>
+              </a:ext>
+            </a:extLst>
+          </a:blip>
+          <a:stretch>
+            <a:fillRect/>
+          </a:stretch>
+        </p:blipFill>
+        <p:spPr>
+          <a:xfrm>
+            <a:off x="1511808" y="462775"/>
+            <a:ext cx="2966225" cy="2966225"/>
+          </a:xfrm>
+          <a:prstGeom prst="rect">
+            <a:avLst/>
+          </a:prstGeom>
+        </p:spPr>
+      </p:pic>
+    </p:spTree>
+    <p:extLst>
+      <p:ext uri="{BB962C8B-B14F-4D97-AF65-F5344CB8AC3E}">
+        <p14:creationId xmlns:p14="http://schemas.microsoft.com/office/powerpoint/2010/main" val="1824129224"/>
+      </p:ext>
+    </p:extLst>
+  </p:cSld>
+  <p:clrMapOvr>
+    <a:masterClrMapping/>
+  </p:clrMapOvr>
+</p:sld>
+</file>
+
+<file path=ppt/slides/slide28.xml><?xml version="1.0" encoding="utf-8"?>
+<p:sld xmlns:a="http://schemas.openxmlformats.org/drawingml/2006/main" xmlns:r="http://schemas.openxmlformats.org/officeDocument/2006/relationships" xmlns:p="http://schemas.openxmlformats.org/presentationml/2006/main">
+  <p:cSld>
+    <p:bg>
+      <p:bgPr>
+        <a:solidFill>
+          <a:srgbClr val="5A464C"/>
+        </a:solidFill>
+        <a:effectLst/>
+      </p:bgPr>
+    </p:bg>
+    <p:spTree>
+      <p:nvGrpSpPr>
+        <p:cNvPr id="1" name=""/>
+        <p:cNvGrpSpPr/>
+        <p:nvPr/>
+      </p:nvGrpSpPr>
+      <p:grpSpPr>
+        <a:xfrm>
+          <a:off x="0" y="0"/>
+          <a:ext cx="0" cy="0"/>
+          <a:chOff x="0" y="0"/>
+          <a:chExt cx="0" cy="0"/>
+        </a:xfrm>
+      </p:grpSpPr>
+      <p:sp>
+        <p:nvSpPr>
+          <p:cNvPr id="4" name="Título 3">
+            <a:extLst>
+              <a:ext uri="{FF2B5EF4-FFF2-40B4-BE49-F238E27FC236}">
+                <a16:creationId xmlns:a16="http://schemas.microsoft.com/office/drawing/2014/main" id="{6C702441-BA1F-40A3-BC8C-3BEAD0DBB11D}"/>
+              </a:ext>
+            </a:extLst>
+          </p:cNvPr>
+          <p:cNvSpPr>
+            <a:spLocks noGrp="1"/>
+          </p:cNvSpPr>
+          <p:nvPr>
+            <p:ph type="title"/>
+          </p:nvPr>
+        </p:nvSpPr>
+        <p:spPr/>
+        <p:txBody>
+          <a:bodyPr/>
+          <a:lstStyle/>
+          <a:p>
+            <a:r>
+              <a:rPr lang="pt-BR" dirty="0">
+                <a:solidFill>
+                  <a:schemeClr val="bg1"/>
+                </a:solidFill>
+              </a:rPr>
+              <a:t>Obrigado!!!</a:t>
+            </a:r>
+          </a:p>
+        </p:txBody>
+      </p:sp>
+      <p:sp>
+        <p:nvSpPr>
+          <p:cNvPr id="6" name="Espaço Reservado para Conteúdo 5">
+            <a:extLst>
+              <a:ext uri="{FF2B5EF4-FFF2-40B4-BE49-F238E27FC236}">
+                <a16:creationId xmlns:a16="http://schemas.microsoft.com/office/drawing/2014/main" id="{CA2A3E9A-B8A7-4D6D-AAB6-C3F386229DF6}"/>
+              </a:ext>
+            </a:extLst>
+          </p:cNvPr>
+          <p:cNvSpPr>
+            <a:spLocks noGrp="1"/>
+          </p:cNvSpPr>
+          <p:nvPr>
+            <p:ph idx="1"/>
+          </p:nvPr>
+        </p:nvSpPr>
+        <p:spPr/>
+        <p:txBody>
+          <a:bodyPr/>
+          <a:lstStyle/>
+          <a:p>
+            <a:r>
+              <a:rPr lang="pt-BR" dirty="0">
+                <a:solidFill>
+                  <a:schemeClr val="bg1"/>
+                </a:solidFill>
+              </a:rPr>
+              <a:t>Códigos</a:t>
+            </a:r>
+          </a:p>
+          <a:p>
+            <a:pPr lvl="1"/>
+            <a:r>
+              <a:rPr lang="pt-BR" dirty="0">
+                <a:solidFill>
+                  <a:schemeClr val="bg1"/>
+                </a:solidFill>
+                <a:hlinkClick r:id="rId2">
+                  <a:extLst>
+                    <a:ext uri="{A12FA001-AC4F-418D-AE19-62706E023703}">
+                      <ahyp:hlinkClr xmlns:ahyp="http://schemas.microsoft.com/office/drawing/2018/hyperlinkcolor" val="tx"/>
+                    </a:ext>
+                  </a:extLst>
+                </a:hlinkClick>
+              </a:rPr>
+              <a:t>https://github.com/vepo/cdi-tutorial</a:t>
+            </a:r>
+            <a:endParaRPr lang="pt-BR" dirty="0">
+              <a:solidFill>
+                <a:schemeClr val="bg1"/>
+              </a:solidFill>
+            </a:endParaRPr>
+          </a:p>
+          <a:p>
+            <a:pPr lvl="1"/>
+            <a:r>
+              <a:rPr lang="pt-BR" dirty="0">
+                <a:solidFill>
+                  <a:schemeClr val="bg1"/>
+                </a:solidFill>
+                <a:hlinkClick r:id="rId3">
+                  <a:extLst>
+                    <a:ext uri="{A12FA001-AC4F-418D-AE19-62706E023703}">
+                      <ahyp:hlinkClr xmlns:ahyp="http://schemas.microsoft.com/office/drawing/2018/hyperlinkcolor" val="tx"/>
+                    </a:ext>
+                  </a:extLst>
+                </a:hlinkClick>
+              </a:rPr>
+              <a:t>https://github.com/vepo/cdi-tutorial-java-se</a:t>
+            </a:r>
+            <a:endParaRPr lang="pt-BR" dirty="0">
+              <a:solidFill>
+                <a:schemeClr val="bg1"/>
+              </a:solidFill>
+            </a:endParaRPr>
+          </a:p>
+          <a:p>
+            <a:pPr lvl="1"/>
+            <a:endParaRPr lang="pt-BR" dirty="0">
+              <a:solidFill>
+                <a:schemeClr val="bg1"/>
+              </a:solidFill>
+            </a:endParaRPr>
+          </a:p>
+          <a:p>
+            <a:r>
+              <a:rPr lang="pt-BR" dirty="0">
+                <a:solidFill>
+                  <a:schemeClr val="bg1"/>
+                </a:solidFill>
+              </a:rPr>
+              <a:t>Dicas</a:t>
+            </a:r>
+          </a:p>
+          <a:p>
+            <a:pPr lvl="1"/>
+            <a:r>
+              <a:rPr lang="pt-BR" dirty="0" err="1">
+                <a:solidFill>
+                  <a:schemeClr val="bg1"/>
+                </a:solidFill>
+              </a:rPr>
+              <a:t>JakartaOne</a:t>
+            </a:r>
+            <a:r>
+              <a:rPr lang="pt-BR" dirty="0">
+                <a:solidFill>
+                  <a:schemeClr val="bg1"/>
+                </a:solidFill>
+              </a:rPr>
+              <a:t> </a:t>
+            </a:r>
+            <a:r>
+              <a:rPr lang="pt-BR" dirty="0" err="1">
+                <a:solidFill>
+                  <a:schemeClr val="bg1"/>
+                </a:solidFill>
+              </a:rPr>
+              <a:t>Livestream</a:t>
+            </a:r>
+            <a:r>
+              <a:rPr lang="pt-BR" dirty="0">
+                <a:solidFill>
+                  <a:schemeClr val="bg1"/>
+                </a:solidFill>
+              </a:rPr>
+              <a:t> </a:t>
+            </a:r>
+          </a:p>
+          <a:p>
+            <a:pPr lvl="2"/>
+            <a:r>
+              <a:rPr lang="pt-BR" dirty="0">
+                <a:solidFill>
+                  <a:schemeClr val="bg1"/>
+                </a:solidFill>
+                <a:hlinkClick r:id="rId4">
+                  <a:extLst>
+                    <a:ext uri="{A12FA001-AC4F-418D-AE19-62706E023703}">
+                      <ahyp:hlinkClr xmlns:ahyp="http://schemas.microsoft.com/office/drawing/2018/hyperlinkcolor" val="tx"/>
+                    </a:ext>
+                  </a:extLst>
+                </a:hlinkClick>
+              </a:rPr>
+              <a:t>https://www.youtube.com/playlist?list=PLy7t4z5SYNaSxBfGMW-NRQkV_qWM0NipB</a:t>
+            </a:r>
+            <a:r>
+              <a:rPr lang="pt-BR" dirty="0">
+                <a:solidFill>
+                  <a:schemeClr val="bg1"/>
+                </a:solidFill>
+              </a:rPr>
+              <a:t> </a:t>
+            </a:r>
+          </a:p>
+          <a:p>
+            <a:pPr lvl="2"/>
+            <a:r>
+              <a:rPr lang="pt-BR" dirty="0">
+                <a:solidFill>
+                  <a:schemeClr val="bg1"/>
+                </a:solidFill>
+              </a:rPr>
+              <a:t>Live </a:t>
+            </a:r>
+            <a:r>
+              <a:rPr lang="pt-BR" dirty="0" err="1">
+                <a:solidFill>
+                  <a:schemeClr val="bg1"/>
+                </a:solidFill>
+              </a:rPr>
+              <a:t>Code</a:t>
+            </a:r>
+            <a:r>
+              <a:rPr lang="pt-BR" dirty="0">
+                <a:solidFill>
+                  <a:schemeClr val="bg1"/>
+                </a:solidFill>
+              </a:rPr>
+              <a:t> de Microprofile.io e </a:t>
+            </a:r>
+            <a:r>
+              <a:rPr lang="pt-BR" dirty="0" err="1">
+                <a:solidFill>
+                  <a:schemeClr val="bg1"/>
+                </a:solidFill>
+              </a:rPr>
+              <a:t>JakartaEE</a:t>
+            </a:r>
+            <a:endParaRPr lang="pt-BR" dirty="0">
+              <a:solidFill>
+                <a:schemeClr val="bg1"/>
+              </a:solidFill>
+            </a:endParaRPr>
+          </a:p>
+        </p:txBody>
+      </p:sp>
+      <p:pic>
+        <p:nvPicPr>
+          <p:cNvPr id="7" name="Gráfico 6">
+            <a:extLst>
+              <a:ext uri="{FF2B5EF4-FFF2-40B4-BE49-F238E27FC236}">
+                <a16:creationId xmlns:a16="http://schemas.microsoft.com/office/drawing/2014/main" id="{676BF189-ABBC-4896-BD99-A7C2ABEAB9BE}"/>
+              </a:ext>
+            </a:extLst>
+          </p:cNvPr>
+          <p:cNvPicPr>
+            <a:picLocks noChangeAspect="1"/>
+          </p:cNvPicPr>
+          <p:nvPr/>
+        </p:nvPicPr>
+        <p:blipFill>
+          <a:blip r:embed="rId5">
+            <a:extLst>
+              <a:ext uri="{96DAC541-7B7A-43D3-8B79-37D633B846F1}">
+                <asvg:svgBlip xmlns:asvg="http://schemas.microsoft.com/office/drawing/2016/SVG/main" r:embed="rId6"/>
+              </a:ext>
+            </a:extLst>
+          </a:blip>
+          <a:stretch>
+            <a:fillRect/>
+          </a:stretch>
+        </p:blipFill>
+        <p:spPr>
+          <a:xfrm>
+            <a:off x="8229599" y="3891775"/>
+            <a:ext cx="2966225" cy="2966225"/>
+          </a:xfrm>
+          <a:prstGeom prst="rect">
+            <a:avLst/>
+          </a:prstGeom>
+        </p:spPr>
+      </p:pic>
+    </p:spTree>
+    <p:extLst>
+      <p:ext uri="{BB962C8B-B14F-4D97-AF65-F5344CB8AC3E}">
+        <p14:creationId xmlns:p14="http://schemas.microsoft.com/office/powerpoint/2010/main" val="1786520593"/>
       </p:ext>
     </p:extLst>
   </p:cSld>
@@ -7081,7 +11114,9 @@
         </p:nvSpPr>
         <p:spPr/>
         <p:txBody>
-          <a:bodyPr/>
+          <a:bodyPr>
+            <a:normAutofit lnSpcReduction="10000"/>
+          </a:bodyPr>
           <a:lstStyle/>
           <a:p>
             <a:r>
@@ -7119,22 +11154,46 @@
           <a:p>
             <a:r>
               <a:rPr lang="pt-BR" dirty="0"/>
+              <a:t>Criando Projetos</a:t>
+            </a:r>
+          </a:p>
+          <a:p>
+            <a:r>
+              <a:rPr lang="pt-BR" dirty="0"/>
+              <a:t>Casos de Uso</a:t>
+            </a:r>
+          </a:p>
+          <a:p>
+            <a:pPr lvl="1"/>
+            <a:r>
+              <a:rPr lang="pt-BR" dirty="0"/>
               <a:t>Como declarar</a:t>
             </a:r>
           </a:p>
           <a:p>
+            <a:pPr lvl="1"/>
             <a:r>
               <a:rPr lang="pt-BR" dirty="0"/>
               <a:t>Como usar</a:t>
             </a:r>
           </a:p>
           <a:p>
+            <a:pPr lvl="1"/>
             <a:r>
               <a:rPr lang="pt-BR" dirty="0"/>
               <a:t>Interceptando Chamadas</a:t>
             </a:r>
           </a:p>
           <a:p>
+            <a:pPr lvl="1"/>
+            <a:r>
+              <a:rPr lang="pt-BR" dirty="0" err="1"/>
+              <a:t>Decorators</a:t>
+            </a:r>
+            <a:endParaRPr lang="pt-BR" dirty="0"/>
+          </a:p>
+          <a:p>
+            <a:pPr lvl="1"/>
             <a:r>
               <a:rPr lang="pt-BR" dirty="0"/>
               <a:t>Eventos</a:t>
@@ -7157,6 +11216,192 @@
           </a:p>
         </p:txBody>
       </p:sp>
+      <p:pic>
+        <p:nvPicPr>
+          <p:cNvPr id="5" name="Gráfico 4">
+            <a:extLst>
+              <a:ext uri="{FF2B5EF4-FFF2-40B4-BE49-F238E27FC236}">
+                <a16:creationId xmlns:a16="http://schemas.microsoft.com/office/drawing/2014/main" id="{A41EE167-C9D4-497B-A406-A8BFB6A55B52}"/>
+              </a:ext>
+            </a:extLst>
+          </p:cNvPr>
+          <p:cNvPicPr>
+            <a:picLocks noChangeAspect="1"/>
+          </p:cNvPicPr>
+          <p:nvPr/>
+        </p:nvPicPr>
+        <p:blipFill>
+          <a:blip r:embed="rId2">
+            <a:extLst>
+              <a:ext uri="{96DAC541-7B7A-43D3-8B79-37D633B846F1}">
+                <asvg:svgBlip xmlns:asvg="http://schemas.microsoft.com/office/drawing/2016/SVG/main" r:embed="rId3"/>
+              </a:ext>
+            </a:extLst>
+          </a:blip>
+          <a:stretch>
+            <a:fillRect/>
+          </a:stretch>
+        </p:blipFill>
+        <p:spPr>
+          <a:xfrm>
+            <a:off x="5332813" y="3557655"/>
+            <a:ext cx="1621832" cy="1621832"/>
+          </a:xfrm>
+          <a:prstGeom prst="rect">
+            <a:avLst/>
+          </a:prstGeom>
+        </p:spPr>
+      </p:pic>
+      <p:pic>
+        <p:nvPicPr>
+          <p:cNvPr id="7" name="Imagem 6">
+            <a:extLst>
+              <a:ext uri="{FF2B5EF4-FFF2-40B4-BE49-F238E27FC236}">
+                <a16:creationId xmlns:a16="http://schemas.microsoft.com/office/drawing/2014/main" id="{3C1E1AED-98F4-4727-8846-F47E7E1B2393}"/>
+              </a:ext>
+            </a:extLst>
+          </p:cNvPr>
+          <p:cNvPicPr>
+            <a:picLocks noChangeAspect="1"/>
+          </p:cNvPicPr>
+          <p:nvPr/>
+        </p:nvPicPr>
+        <p:blipFill>
+          <a:blip r:embed="rId4"/>
+          <a:stretch>
+            <a:fillRect/>
+          </a:stretch>
+        </p:blipFill>
+        <p:spPr>
+          <a:xfrm>
+            <a:off x="8507211" y="3902645"/>
+            <a:ext cx="1600203" cy="1703835"/>
+          </a:xfrm>
+          <a:prstGeom prst="rect">
+            <a:avLst/>
+          </a:prstGeom>
+        </p:spPr>
+      </p:pic>
+      <p:pic>
+        <p:nvPicPr>
+          <p:cNvPr id="11" name="Imagem 10">
+            <a:extLst>
+              <a:ext uri="{FF2B5EF4-FFF2-40B4-BE49-F238E27FC236}">
+                <a16:creationId xmlns:a16="http://schemas.microsoft.com/office/drawing/2014/main" id="{5D03E69B-35CD-4CF7-B5BB-B3E55EF9368A}"/>
+              </a:ext>
+            </a:extLst>
+          </p:cNvPr>
+          <p:cNvPicPr>
+            <a:picLocks noChangeAspect="1"/>
+          </p:cNvPicPr>
+          <p:nvPr/>
+        </p:nvPicPr>
+        <p:blipFill>
+          <a:blip r:embed="rId5"/>
+          <a:stretch>
+            <a:fillRect/>
+          </a:stretch>
+        </p:blipFill>
+        <p:spPr>
+          <a:xfrm>
+            <a:off x="4391360" y="1661445"/>
+            <a:ext cx="3442692" cy="1034619"/>
+          </a:xfrm>
+          <a:prstGeom prst="rect">
+            <a:avLst/>
+          </a:prstGeom>
+        </p:spPr>
+      </p:pic>
+      <p:pic>
+        <p:nvPicPr>
+          <p:cNvPr id="13" name="Imagem 12">
+            <a:extLst>
+              <a:ext uri="{FF2B5EF4-FFF2-40B4-BE49-F238E27FC236}">
+                <a16:creationId xmlns:a16="http://schemas.microsoft.com/office/drawing/2014/main" id="{6E51E87B-38B9-44B7-8FF6-5702051E32A3}"/>
+              </a:ext>
+            </a:extLst>
+          </p:cNvPr>
+          <p:cNvPicPr>
+            <a:picLocks noChangeAspect="1"/>
+          </p:cNvPicPr>
+          <p:nvPr/>
+        </p:nvPicPr>
+        <p:blipFill>
+          <a:blip r:embed="rId6"/>
+          <a:stretch>
+            <a:fillRect/>
+          </a:stretch>
+        </p:blipFill>
+        <p:spPr>
+          <a:xfrm>
+            <a:off x="8664480" y="1384581"/>
+            <a:ext cx="1285666" cy="2351161"/>
+          </a:xfrm>
+          <a:prstGeom prst="rect">
+            <a:avLst/>
+          </a:prstGeom>
+        </p:spPr>
+      </p:pic>
+      <p:pic>
+        <p:nvPicPr>
+          <p:cNvPr id="15" name="Imagem 14">
+            <a:extLst>
+              <a:ext uri="{FF2B5EF4-FFF2-40B4-BE49-F238E27FC236}">
+                <a16:creationId xmlns:a16="http://schemas.microsoft.com/office/drawing/2014/main" id="{6F5E808B-07A3-493B-BE1D-5430F4C530E0}"/>
+              </a:ext>
+            </a:extLst>
+          </p:cNvPr>
+          <p:cNvPicPr>
+            <a:picLocks noChangeAspect="1"/>
+          </p:cNvPicPr>
+          <p:nvPr/>
+        </p:nvPicPr>
+        <p:blipFill>
+          <a:blip r:embed="rId7"/>
+          <a:stretch>
+            <a:fillRect/>
+          </a:stretch>
+        </p:blipFill>
+        <p:spPr>
+          <a:xfrm>
+            <a:off x="4441220" y="2833542"/>
+            <a:ext cx="3333944" cy="586635"/>
+          </a:xfrm>
+          <a:prstGeom prst="rect">
+            <a:avLst/>
+          </a:prstGeom>
+        </p:spPr>
+      </p:pic>
+      <p:pic>
+        <p:nvPicPr>
+          <p:cNvPr id="17" name="Imagem 16">
+            <a:extLst>
+              <a:ext uri="{FF2B5EF4-FFF2-40B4-BE49-F238E27FC236}">
+                <a16:creationId xmlns:a16="http://schemas.microsoft.com/office/drawing/2014/main" id="{B462C200-85CB-4944-9DA7-5CD5A2112378}"/>
+              </a:ext>
+            </a:extLst>
+          </p:cNvPr>
+          <p:cNvPicPr>
+            <a:picLocks noChangeAspect="1"/>
+          </p:cNvPicPr>
+          <p:nvPr/>
+        </p:nvPicPr>
+        <p:blipFill>
+          <a:blip r:embed="rId8"/>
+          <a:stretch>
+            <a:fillRect/>
+          </a:stretch>
+        </p:blipFill>
+        <p:spPr>
+          <a:xfrm>
+            <a:off x="5249547" y="5305000"/>
+            <a:ext cx="1717290" cy="602960"/>
+          </a:xfrm>
+          <a:prstGeom prst="rect">
+            <a:avLst/>
+          </a:prstGeom>
+        </p:spPr>
+      </p:pic>
     </p:spTree>
     <p:extLst>
       <p:ext uri="{BB962C8B-B14F-4D97-AF65-F5344CB8AC3E}">
@@ -7171,6 +11416,183 @@
 </file>
 
 <file path=ppt/slides/slide4.xml><?xml version="1.0" encoding="utf-8"?>
+<p:sld xmlns:a="http://schemas.openxmlformats.org/drawingml/2006/main" xmlns:r="http://schemas.openxmlformats.org/officeDocument/2006/relationships" xmlns:p="http://schemas.openxmlformats.org/presentationml/2006/main">
+  <p:cSld>
+    <p:bg>
+      <p:bgPr>
+        <a:solidFill>
+          <a:srgbClr val="5A464C"/>
+        </a:solidFill>
+        <a:effectLst/>
+      </p:bgPr>
+    </p:bg>
+    <p:spTree>
+      <p:nvGrpSpPr>
+        <p:cNvPr id="1" name=""/>
+        <p:cNvGrpSpPr/>
+        <p:nvPr/>
+      </p:nvGrpSpPr>
+      <p:grpSpPr>
+        <a:xfrm>
+          <a:off x="0" y="0"/>
+          <a:ext cx="0" cy="0"/>
+          <a:chOff x="0" y="0"/>
+          <a:chExt cx="0" cy="0"/>
+        </a:xfrm>
+      </p:grpSpPr>
+      <p:sp>
+        <p:nvSpPr>
+          <p:cNvPr id="2" name="Título 1">
+            <a:extLst>
+              <a:ext uri="{FF2B5EF4-FFF2-40B4-BE49-F238E27FC236}">
+                <a16:creationId xmlns:a16="http://schemas.microsoft.com/office/drawing/2014/main" id="{C37F4C8E-26F9-4A22-8D49-8DC7397355E7}"/>
+              </a:ext>
+            </a:extLst>
+          </p:cNvPr>
+          <p:cNvSpPr>
+            <a:spLocks noGrp="1"/>
+          </p:cNvSpPr>
+          <p:nvPr>
+            <p:ph type="title"/>
+          </p:nvPr>
+        </p:nvSpPr>
+        <p:spPr/>
+        <p:txBody>
+          <a:bodyPr/>
+          <a:lstStyle/>
+          <a:p>
+            <a:r>
+              <a:rPr lang="pt-BR" dirty="0">
+                <a:solidFill>
+                  <a:schemeClr val="bg1"/>
+                </a:solidFill>
+              </a:rPr>
+              <a:t>Público Alvo</a:t>
+            </a:r>
+            <a:endParaRPr lang="en-US" dirty="0">
+              <a:solidFill>
+                <a:schemeClr val="bg1"/>
+              </a:solidFill>
+            </a:endParaRPr>
+          </a:p>
+        </p:txBody>
+      </p:sp>
+      <p:sp>
+        <p:nvSpPr>
+          <p:cNvPr id="3" name="Espaço Reservado para Conteúdo 2">
+            <a:extLst>
+              <a:ext uri="{FF2B5EF4-FFF2-40B4-BE49-F238E27FC236}">
+                <a16:creationId xmlns:a16="http://schemas.microsoft.com/office/drawing/2014/main" id="{F30E7885-BAEC-491D-BDB0-FAD07EED6CFF}"/>
+              </a:ext>
+            </a:extLst>
+          </p:cNvPr>
+          <p:cNvSpPr>
+            <a:spLocks noGrp="1"/>
+          </p:cNvSpPr>
+          <p:nvPr>
+            <p:ph idx="1"/>
+          </p:nvPr>
+        </p:nvSpPr>
+        <p:spPr>
+          <a:xfrm>
+            <a:off x="1261872" y="1828800"/>
+            <a:ext cx="5437508" cy="4351337"/>
+          </a:xfrm>
+        </p:spPr>
+        <p:txBody>
+          <a:bodyPr/>
+          <a:lstStyle/>
+          <a:p>
+            <a:r>
+              <a:rPr lang="pt-BR" dirty="0">
+                <a:solidFill>
+                  <a:schemeClr val="bg1"/>
+                </a:solidFill>
+              </a:rPr>
+              <a:t>Desenvolvedor Java</a:t>
+            </a:r>
+          </a:p>
+          <a:p>
+            <a:r>
+              <a:rPr lang="pt-BR" dirty="0">
+                <a:solidFill>
+                  <a:schemeClr val="bg1"/>
+                </a:solidFill>
+              </a:rPr>
+              <a:t>Interesse em Jakarta EE</a:t>
+            </a:r>
+          </a:p>
+          <a:p>
+            <a:r>
+              <a:rPr lang="pt-BR" dirty="0">
+                <a:solidFill>
+                  <a:schemeClr val="bg1"/>
+                </a:solidFill>
+              </a:rPr>
+              <a:t>Interesse em Desenvolvimento Web</a:t>
+            </a:r>
+          </a:p>
+          <a:p>
+            <a:r>
+              <a:rPr lang="pt-BR" dirty="0">
+                <a:solidFill>
+                  <a:schemeClr val="bg1"/>
+                </a:solidFill>
+              </a:rPr>
+              <a:t>Interesse em melhorar qualidade do Código Desenvolvido</a:t>
+            </a:r>
+            <a:endParaRPr lang="en-US" dirty="0">
+              <a:solidFill>
+                <a:schemeClr val="bg1"/>
+              </a:solidFill>
+            </a:endParaRPr>
+          </a:p>
+        </p:txBody>
+      </p:sp>
+      <p:pic>
+        <p:nvPicPr>
+          <p:cNvPr id="5" name="Imagem 4">
+            <a:extLst>
+              <a:ext uri="{FF2B5EF4-FFF2-40B4-BE49-F238E27FC236}">
+                <a16:creationId xmlns:a16="http://schemas.microsoft.com/office/drawing/2014/main" id="{4BBA0FC6-4168-4BED-A05E-2A23495D2C8E}"/>
+              </a:ext>
+            </a:extLst>
+          </p:cNvPr>
+          <p:cNvPicPr>
+            <a:picLocks noChangeAspect="1"/>
+          </p:cNvPicPr>
+          <p:nvPr/>
+        </p:nvPicPr>
+        <p:blipFill>
+          <a:blip r:embed="rId2"/>
+          <a:stretch>
+            <a:fillRect/>
+          </a:stretch>
+        </p:blipFill>
+        <p:spPr>
+          <a:xfrm>
+            <a:off x="7462546" y="1691322"/>
+            <a:ext cx="2324100" cy="3295650"/>
+          </a:xfrm>
+          <a:prstGeom prst="rect">
+            <a:avLst/>
+          </a:prstGeom>
+        </p:spPr>
+      </p:pic>
+    </p:spTree>
+    <p:extLst>
+      <p:ext uri="{BB962C8B-B14F-4D97-AF65-F5344CB8AC3E}">
+        <p14:creationId xmlns:p14="http://schemas.microsoft.com/office/powerpoint/2010/main" val="3847209828"/>
+      </p:ext>
+    </p:extLst>
+  </p:cSld>
+  <p:clrMapOvr>
+    <a:masterClrMapping/>
+  </p:clrMapOvr>
+</p:sld>
+</file>
+
+<file path=ppt/slides/slide5.xml><?xml version="1.0" encoding="utf-8"?>
 <p:sld xmlns:a="http://schemas.openxmlformats.org/drawingml/2006/main" xmlns:r="http://schemas.openxmlformats.org/officeDocument/2006/relationships" xmlns:p="http://schemas.openxmlformats.org/presentationml/2006/main">
   <p:cSld>
     <p:spTree>
@@ -7203,15 +11625,21 @@
             <p:ph type="title"/>
           </p:nvPr>
         </p:nvSpPr>
-        <p:spPr/>
+        <p:spPr>
+          <a:xfrm>
+            <a:off x="1261872" y="365760"/>
+            <a:ext cx="9692640" cy="1325562"/>
+          </a:xfrm>
+        </p:spPr>
         <p:txBody>
           <a:bodyPr/>
           <a:lstStyle/>
           <a:p>
             <a:r>
-              <a:rPr lang="pt-BR" dirty="0"/>
+              <a:rPr lang="pt-BR"/>
               <a:t>Java CDI: O que é?</a:t>
             </a:r>
+            <a:endParaRPr lang="pt-BR" dirty="0"/>
           </a:p>
         </p:txBody>
       </p:sp>
@@ -7231,7 +11659,12 @@
             <p:ph idx="1"/>
           </p:nvPr>
         </p:nvSpPr>
-        <p:spPr/>
+        <p:spPr>
+          <a:xfrm>
+            <a:off x="1261872" y="1828800"/>
+            <a:ext cx="8595360" cy="4351337"/>
+          </a:xfrm>
+        </p:spPr>
         <p:txBody>
           <a:bodyPr/>
           <a:lstStyle/>
@@ -7276,6 +11709,19 @@
             </a:r>
           </a:p>
           <a:p>
+            <a:pPr lvl="1"/>
+            <a:r>
+              <a:rPr lang="pt-BR" dirty="0"/>
+              <a:t>Não é uma biblioteca</a:t>
+            </a:r>
+          </a:p>
+          <a:p>
+            <a:r>
+              <a:rPr lang="pt-BR" dirty="0"/>
+              <a:t>Base das outras Especificações</a:t>
+            </a:r>
+          </a:p>
+          <a:p>
             <a:r>
               <a:rPr lang="pt-BR" dirty="0"/>
               <a:t>Permite</a:t>
@@ -7303,10 +11749,63 @@
             </a:r>
           </a:p>
           <a:p>
+            <a:pPr lvl="1"/>
+            <a:r>
+              <a:rPr lang="pt-BR" dirty="0" err="1"/>
+              <a:t>TypeSafe</a:t>
+            </a:r>
+            <a:r>
+              <a:rPr lang="pt-BR" dirty="0"/>
+              <a:t>!</a:t>
+            </a:r>
+          </a:p>
+          <a:p>
+            <a:pPr marL="274320" lvl="1" indent="0">
+              <a:buNone/>
+            </a:pPr>
+            <a:endParaRPr lang="pt-BR" dirty="0"/>
+          </a:p>
+          <a:p>
             <a:endParaRPr lang="pt-BR" dirty="0"/>
           </a:p>
         </p:txBody>
       </p:sp>
+      <p:pic>
+        <p:nvPicPr>
+          <p:cNvPr id="4" name="Gráfico 3">
+            <a:extLst>
+              <a:ext uri="{FF2B5EF4-FFF2-40B4-BE49-F238E27FC236}">
+                <a16:creationId xmlns:a16="http://schemas.microsoft.com/office/drawing/2014/main" id="{9718E5FB-19E5-4582-8E69-137C8AB056B0}"/>
+              </a:ext>
+            </a:extLst>
+          </p:cNvPr>
+          <p:cNvPicPr>
+            <a:picLocks noChangeAspect="1"/>
+          </p:cNvPicPr>
+          <p:nvPr/>
+        </p:nvPicPr>
+        <p:blipFill>
+          <a:blip r:embed="rId2">
+            <a:extLst>
+              <a:ext uri="{96DAC541-7B7A-43D3-8B79-37D633B846F1}">
+                <asvg:svgBlip xmlns:asvg="http://schemas.microsoft.com/office/drawing/2016/SVG/main" r:embed="rId3"/>
+              </a:ext>
+            </a:extLst>
+          </a:blip>
+          <a:stretch>
+            <a:fillRect/>
+          </a:stretch>
+        </p:blipFill>
+        <p:spPr>
+          <a:xfrm>
+            <a:off x="6096000" y="2139026"/>
+            <a:ext cx="4610642" cy="4610642"/>
+          </a:xfrm>
+          <a:prstGeom prst="rect">
+            <a:avLst/>
+          </a:prstGeom>
+        </p:spPr>
+      </p:pic>
     </p:spTree>
     <p:extLst>
       <p:ext uri="{BB962C8B-B14F-4D97-AF65-F5344CB8AC3E}">
@@ -7320,7 +11819,7 @@
 </p:sld>
 </file>
 
-<file path=ppt/slides/slide5.xml><?xml version="1.0" encoding="utf-8"?>
+<file path=ppt/slides/slide6.xml><?xml version="1.0" encoding="utf-8"?>
 <p:sld xmlns:a="http://schemas.openxmlformats.org/drawingml/2006/main" xmlns:r="http://schemas.openxmlformats.org/officeDocument/2006/relationships" xmlns:p="http://schemas.openxmlformats.org/presentationml/2006/main">
   <p:cSld>
     <p:spTree>
@@ -7417,6 +11916,42 @@
           </a:p>
         </p:txBody>
       </p:sp>
+      <p:pic>
+        <p:nvPicPr>
+          <p:cNvPr id="4" name="Gráfico 3">
+            <a:extLst>
+              <a:ext uri="{FF2B5EF4-FFF2-40B4-BE49-F238E27FC236}">
+                <a16:creationId xmlns:a16="http://schemas.microsoft.com/office/drawing/2014/main" id="{B0E6D3DD-BB6F-4B8B-B294-53104B69474C}"/>
+              </a:ext>
+            </a:extLst>
+          </p:cNvPr>
+          <p:cNvPicPr>
+            <a:picLocks noChangeAspect="1"/>
+          </p:cNvPicPr>
+          <p:nvPr/>
+        </p:nvPicPr>
+        <p:blipFill>
+          <a:blip r:embed="rId2">
+            <a:extLst>
+              <a:ext uri="{96DAC541-7B7A-43D3-8B79-37D633B846F1}">
+                <asvg:svgBlip xmlns:asvg="http://schemas.microsoft.com/office/drawing/2016/SVG/main" r:embed="rId3"/>
+              </a:ext>
+            </a:extLst>
+          </a:blip>
+          <a:stretch>
+            <a:fillRect/>
+          </a:stretch>
+        </p:blipFill>
+        <p:spPr>
+          <a:xfrm>
+            <a:off x="6096000" y="2139026"/>
+            <a:ext cx="4610642" cy="4610642"/>
+          </a:xfrm>
+          <a:prstGeom prst="rect">
+            <a:avLst/>
+          </a:prstGeom>
+        </p:spPr>
+      </p:pic>
     </p:spTree>
     <p:extLst>
       <p:ext uri="{BB962C8B-B14F-4D97-AF65-F5344CB8AC3E}">
@@ -7430,7 +11965,7 @@
 </p:sld>
 </file>
 
-<file path=ppt/slides/slide6.xml><?xml version="1.0" encoding="utf-8"?>
+<file path=ppt/slides/slide7.xml><?xml version="1.0" encoding="utf-8"?>
 <p:sld xmlns:a="http://schemas.openxmlformats.org/drawingml/2006/main" xmlns:r="http://schemas.openxmlformats.org/officeDocument/2006/relationships" xmlns:p="http://schemas.openxmlformats.org/presentationml/2006/main">
   <p:cSld>
     <p:spTree>
@@ -7510,6 +12045,13 @@
             <a:pPr lvl="1"/>
             <a:r>
               <a:rPr lang="pt-BR" dirty="0"/>
+              <a:t>Aprenda 1 Framework!!!!!</a:t>
+            </a:r>
+          </a:p>
+          <a:p>
+            <a:pPr lvl="1"/>
+            <a:r>
+              <a:rPr lang="pt-BR" dirty="0"/>
               <a:t>Orientado a Padronização</a:t>
             </a:r>
           </a:p>
@@ -7529,7 +12071,7 @@
           </a:p>
           <a:p>
             <a:r>
-              <a:rPr lang="pt-BR" dirty="0"/>
+              <a:rPr lang="pt-BR" strike="sngStrike" dirty="0"/>
               <a:t>Dar um passo atrás para dar dois a frente!</a:t>
             </a:r>
           </a:p>
@@ -7591,7 +12133,7 @@
 </p:sld>
 </file>
 
-<file path=ppt/slides/slide7.xml><?xml version="1.0" encoding="utf-8"?>
+<file path=ppt/slides/slide8.xml><?xml version="1.0" encoding="utf-8"?>
 <p:sld xmlns:a="http://schemas.openxmlformats.org/drawingml/2006/main" xmlns:r="http://schemas.openxmlformats.org/officeDocument/2006/relationships" xmlns:p="http://schemas.openxmlformats.org/presentationml/2006/main">
   <p:cSld>
     <p:spTree>
@@ -7622,16 +12164,15 @@
           </p:cNvPicPr>
           <p:nvPr/>
         </p:nvPicPr>
-        <p:blipFill>
+        <p:blipFill rotWithShape="1">
           <a:blip r:embed="rId2"/>
-          <a:stretch>
-            <a:fillRect/>
-          </a:stretch>
+          <a:srcRect l="9448" r="10337"/>
+          <a:stretch/>
         </p:blipFill>
         <p:spPr>
           <a:xfrm>
-            <a:off x="2013919" y="2669130"/>
-            <a:ext cx="7091265" cy="3511007"/>
+            <a:off x="4451450" y="1564129"/>
+            <a:ext cx="6478678" cy="3999065"/>
           </a:xfrm>
           <a:prstGeom prst="rect">
             <a:avLst/>
@@ -7691,7 +12232,7 @@
         <p:spPr>
           <a:xfrm>
             <a:off x="1261872" y="1828800"/>
-            <a:ext cx="8595360" cy="4351337"/>
+            <a:ext cx="3347450" cy="4351337"/>
           </a:xfrm>
         </p:spPr>
         <p:txBody>
@@ -7700,7 +12241,7 @@
           <a:p>
             <a:r>
               <a:rPr lang="pt-BR" dirty="0"/>
-              <a:t>Um subconjunto de especificações Jakarta EE</a:t>
+              <a:t>Conjunto de Especificações paralelo ao Jakarta EE</a:t>
             </a:r>
           </a:p>
           <a:p>
@@ -7716,6 +12257,19 @@
               <a:rPr lang="pt-BR" dirty="0"/>
               <a:t> em Java</a:t>
             </a:r>
+          </a:p>
+          <a:p>
+            <a:r>
+              <a:rPr lang="pt-BR" dirty="0"/>
+              <a:t>Padrões de </a:t>
+            </a:r>
+            <a:r>
+              <a:rPr lang="pt-BR" dirty="0">
+                <a:hlinkClick r:id="rId3"/>
+              </a:rPr>
+              <a:t>https://microservices.io</a:t>
+            </a:r>
+            <a:endParaRPr lang="pt-BR" dirty="0"/>
           </a:p>
         </p:txBody>
       </p:sp>
@@ -7732,7 +12286,7 @@
 </p:sld>
 </file>
 
-<file path=ppt/slides/slide8.xml><?xml version="1.0" encoding="utf-8"?>
+<file path=ppt/slides/slide9.xml><?xml version="1.0" encoding="utf-8"?>
 <p:sld xmlns:a="http://schemas.openxmlformats.org/drawingml/2006/main" xmlns:r="http://schemas.openxmlformats.org/officeDocument/2006/relationships" xmlns:p="http://schemas.openxmlformats.org/presentationml/2006/main">
   <p:cSld>
     <p:spTree>
@@ -7805,143 +12359,46 @@
           </a:p>
         </p:txBody>
       </p:sp>
+      <p:pic>
+        <p:nvPicPr>
+          <p:cNvPr id="6" name="Gráfico 5">
+            <a:extLst>
+              <a:ext uri="{FF2B5EF4-FFF2-40B4-BE49-F238E27FC236}">
+                <a16:creationId xmlns:a16="http://schemas.microsoft.com/office/drawing/2014/main" id="{0BDE7077-70C4-4C8C-937B-57C64CC5A9AA}"/>
+              </a:ext>
+            </a:extLst>
+          </p:cNvPr>
+          <p:cNvPicPr>
+            <a:picLocks noChangeAspect="1"/>
+          </p:cNvPicPr>
+          <p:nvPr/>
+        </p:nvPicPr>
+        <p:blipFill>
+          <a:blip r:embed="rId2">
+            <a:extLst>
+              <a:ext uri="{96DAC541-7B7A-43D3-8B79-37D633B846F1}">
+                <asvg:svgBlip xmlns:asvg="http://schemas.microsoft.com/office/drawing/2016/SVG/main" r:embed="rId3"/>
+              </a:ext>
+            </a:extLst>
+          </a:blip>
+          <a:stretch>
+            <a:fillRect/>
+          </a:stretch>
+        </p:blipFill>
+        <p:spPr>
+          <a:xfrm>
+            <a:off x="606489" y="-186449"/>
+            <a:ext cx="2966225" cy="2966225"/>
+          </a:xfrm>
+          <a:prstGeom prst="rect">
+            <a:avLst/>
+          </a:prstGeom>
+        </p:spPr>
+      </p:pic>
     </p:spTree>
     <p:extLst>
       <p:ext uri="{BB962C8B-B14F-4D97-AF65-F5344CB8AC3E}">
         <p14:creationId xmlns:p14="http://schemas.microsoft.com/office/powerpoint/2010/main" val="2655696554"/>
-      </p:ext>
-    </p:extLst>
-  </p:cSld>
-  <p:clrMapOvr>
-    <a:masterClrMapping/>
-  </p:clrMapOvr>
-</p:sld>
-</file>
-
-<file path=ppt/slides/slide9.xml><?xml version="1.0" encoding="utf-8"?>
-<p:sld xmlns:a="http://schemas.openxmlformats.org/drawingml/2006/main" xmlns:r="http://schemas.openxmlformats.org/officeDocument/2006/relationships" xmlns:p="http://schemas.openxmlformats.org/presentationml/2006/main">
-  <p:cSld>
-    <p:spTree>
-      <p:nvGrpSpPr>
-        <p:cNvPr id="1" name=""/>
-        <p:cNvGrpSpPr/>
-        <p:nvPr/>
-      </p:nvGrpSpPr>
-      <p:grpSpPr>
-        <a:xfrm>
-          <a:off x="0" y="0"/>
-          <a:ext cx="0" cy="0"/>
-          <a:chOff x="0" y="0"/>
-          <a:chExt cx="0" cy="0"/>
-        </a:xfrm>
-      </p:grpSpPr>
-      <p:sp>
-        <p:nvSpPr>
-          <p:cNvPr id="2" name="Título 1">
-            <a:extLst>
-              <a:ext uri="{FF2B5EF4-FFF2-40B4-BE49-F238E27FC236}">
-                <a16:creationId xmlns:a16="http://schemas.microsoft.com/office/drawing/2014/main" id="{21856500-A47D-4665-A259-E8826B0F6774}"/>
-              </a:ext>
-            </a:extLst>
-          </p:cNvPr>
-          <p:cNvSpPr>
-            <a:spLocks noGrp="1"/>
-          </p:cNvSpPr>
-          <p:nvPr>
-            <p:ph type="title"/>
-          </p:nvPr>
-        </p:nvSpPr>
-        <p:spPr/>
-        <p:txBody>
-          <a:bodyPr/>
-          <a:lstStyle/>
-          <a:p>
-            <a:r>
-              <a:rPr lang="pt-BR" dirty="0"/>
-              <a:t>Container (CDI)</a:t>
-            </a:r>
-          </a:p>
-        </p:txBody>
-      </p:sp>
-      <p:sp>
-        <p:nvSpPr>
-          <p:cNvPr id="3" name="Espaço Reservado para Conteúdo 2">
-            <a:extLst>
-              <a:ext uri="{FF2B5EF4-FFF2-40B4-BE49-F238E27FC236}">
-                <a16:creationId xmlns:a16="http://schemas.microsoft.com/office/drawing/2014/main" id="{4117C4B5-A0A5-4ED9-B579-004522B305F3}"/>
-              </a:ext>
-            </a:extLst>
-          </p:cNvPr>
-          <p:cNvSpPr>
-            <a:spLocks noGrp="1"/>
-          </p:cNvSpPr>
-          <p:nvPr>
-            <p:ph idx="1"/>
-          </p:nvPr>
-        </p:nvSpPr>
-        <p:spPr/>
-        <p:txBody>
-          <a:bodyPr/>
-          <a:lstStyle/>
-          <a:p>
-            <a:r>
-              <a:rPr lang="pt-BR" dirty="0"/>
-              <a:t>No mundo CDI, container é onde residem os </a:t>
-            </a:r>
-            <a:r>
-              <a:rPr lang="pt-BR" dirty="0" err="1"/>
-              <a:t>Beans</a:t>
-            </a:r>
-            <a:r>
-              <a:rPr lang="pt-BR" dirty="0"/>
-              <a:t>.</a:t>
-            </a:r>
-          </a:p>
-          <a:p>
-            <a:pPr lvl="1"/>
-            <a:r>
-              <a:rPr lang="pt-BR" dirty="0"/>
-              <a:t>É quem cria os </a:t>
-            </a:r>
-            <a:r>
-              <a:rPr lang="pt-BR" dirty="0" err="1"/>
-              <a:t>Beans</a:t>
-            </a:r>
-            <a:endParaRPr lang="pt-BR" dirty="0"/>
-          </a:p>
-          <a:p>
-            <a:pPr lvl="1"/>
-            <a:r>
-              <a:rPr lang="pt-BR" dirty="0"/>
-              <a:t>Quem os alimenta</a:t>
-            </a:r>
-          </a:p>
-          <a:p>
-            <a:pPr lvl="1"/>
-            <a:r>
-              <a:rPr lang="pt-BR" dirty="0"/>
-              <a:t>E quem os elimina!</a:t>
-            </a:r>
-          </a:p>
-          <a:p>
-            <a:r>
-              <a:rPr lang="pt-BR" dirty="0"/>
-              <a:t>É a instância do Servidor, não é o Container Docker </a:t>
-            </a:r>
-          </a:p>
-          <a:p>
-            <a:pPr lvl="1"/>
-            <a:r>
-              <a:rPr lang="pt-BR" dirty="0"/>
-              <a:t>Mas é o que podemos chamar de Servidor de Aplicação.</a:t>
-            </a:r>
-          </a:p>
-        </p:txBody>
-      </p:sp>
-    </p:spTree>
-    <p:extLst>
-      <p:ext uri="{BB962C8B-B14F-4D97-AF65-F5344CB8AC3E}">
-        <p14:creationId xmlns:p14="http://schemas.microsoft.com/office/powerpoint/2010/main" val="1549564807"/>
       </p:ext>
     </p:extLst>
   </p:cSld>
